--- a/FIFA-Carla-Salamone -primer entrega.pptx
+++ b/FIFA-Carla-Salamone -primer entrega.pptx
@@ -235,7 +235,7 @@
           <a:p>
             <a:fld id="{44B65459-4C01-9248-BDAA-F28591FAF6F5}" type="datetimeFigureOut">
               <a:rPr lang="en-US" smtClean="0"/>
-              <a:t>9/13/2024</a:t>
+              <a:t>9/16/2024</a:t>
             </a:fld>
             <a:endParaRPr lang="en-US"/>
           </a:p>
@@ -1364,7 +1364,7 @@
           <p:cNvPr id="2" name="Picture 7">
             <a:extLst>
               <a:ext uri="{733E7052-CC08-4DFB-BEA8-7442968E73FD}">
-                <a16:creationId xmlns="" xmlns:c="http://schemas.openxmlformats.org/drawingml/2006/chart" xmlns:cs="http://schemas.microsoft.com/office/drawing/2012/chartStyle" xmlns:ns1="http://schemas.openxmlformats.org/officeDocument/2006/extended-properties" xmlns:vt="http://schemas.openxmlformats.org/officeDocument/2006/docPropsVTypes" xmlns:a16="http://schemas.microsoft.com/office/drawing/2010/main" id="{6E0CB355-89E7-406F-9D78-5ED7BCA97FEB}"/>
+                <a16:creationId xmlns:a16="http://schemas.microsoft.com/office/drawing/2010/main" xmlns:vt="http://schemas.openxmlformats.org/officeDocument/2006/docPropsVTypes" xmlns:ns1="http://schemas.openxmlformats.org/officeDocument/2006/extended-properties" xmlns:cs="http://schemas.microsoft.com/office/drawing/2012/chartStyle" xmlns:c="http://schemas.openxmlformats.org/drawingml/2006/chart" xmlns="" id="{6E0CB355-89E7-406F-9D78-5ED7BCA97FEB}"/>
               </a:ext>
             </a:extLst>
           </p:cNvPr>
@@ -1397,7 +1397,7 @@
           <p:cNvPr id="3" name="Rectangle 8">
             <a:extLst>
               <a:ext uri="{CD95F896-EB63-4D46-A520-D5931AC2CAA9}">
-                <a16:creationId xmlns="" xmlns:c="http://schemas.openxmlformats.org/drawingml/2006/chart" xmlns:cs="http://schemas.microsoft.com/office/drawing/2012/chartStyle" xmlns:ns1="http://schemas.openxmlformats.org/officeDocument/2006/extended-properties" xmlns:vt="http://schemas.openxmlformats.org/officeDocument/2006/docPropsVTypes" xmlns:a16="http://schemas.microsoft.com/office/drawing/2010/main" id="{8876C236-1B25-483F-ACDD-1F29B5941A8E}"/>
+                <a16:creationId xmlns:a16="http://schemas.microsoft.com/office/drawing/2010/main" xmlns:vt="http://schemas.openxmlformats.org/officeDocument/2006/docPropsVTypes" xmlns:ns1="http://schemas.openxmlformats.org/officeDocument/2006/extended-properties" xmlns:cs="http://schemas.microsoft.com/office/drawing/2012/chartStyle" xmlns:c="http://schemas.openxmlformats.org/drawingml/2006/chart" xmlns="" id="{8876C236-1B25-483F-ACDD-1F29B5941A8E}"/>
               </a:ext>
             </a:extLst>
           </p:cNvPr>
@@ -1460,7 +1460,7 @@
           <p:cNvPr id="4" name="Subtitle 2">
             <a:extLst>
               <a:ext uri="{068A8680-BF00-4387-BB8E-076A073F1F3C}">
-                <a16:creationId xmlns="" xmlns:c="http://schemas.openxmlformats.org/drawingml/2006/chart" xmlns:cs="http://schemas.microsoft.com/office/drawing/2012/chartStyle" xmlns:ns1="http://schemas.openxmlformats.org/officeDocument/2006/extended-properties" xmlns:vt="http://schemas.openxmlformats.org/officeDocument/2006/docPropsVTypes" xmlns:a16="http://schemas.microsoft.com/office/drawing/2010/main" id="{8376521B-D661-44B0-BC9F-1D8268031143}"/>
+                <a16:creationId xmlns:a16="http://schemas.microsoft.com/office/drawing/2010/main" xmlns:vt="http://schemas.openxmlformats.org/officeDocument/2006/docPropsVTypes" xmlns:ns1="http://schemas.openxmlformats.org/officeDocument/2006/extended-properties" xmlns:cs="http://schemas.microsoft.com/office/drawing/2012/chartStyle" xmlns:c="http://schemas.openxmlformats.org/drawingml/2006/chart" xmlns="" id="{8376521B-D661-44B0-BC9F-1D8268031143}"/>
               </a:ext>
             </a:extLst>
           </p:cNvPr>
@@ -1540,7 +1540,7 @@
           <p:cNvPr id="5" name="Title 1">
             <a:extLst>
               <a:ext uri="{9F689725-711F-4F3D-8D47-34982A19A6EF}">
-                <a16:creationId xmlns="" xmlns:c="http://schemas.openxmlformats.org/drawingml/2006/chart" xmlns:cs="http://schemas.microsoft.com/office/drawing/2012/chartStyle" xmlns:ns1="http://schemas.openxmlformats.org/officeDocument/2006/extended-properties" xmlns:vt="http://schemas.openxmlformats.org/officeDocument/2006/docPropsVTypes" xmlns:a16="http://schemas.microsoft.com/office/drawing/2010/main" id="{EFE6E104-23BD-4585-A7C8-F931C3868FBA}"/>
+                <a16:creationId xmlns:a16="http://schemas.microsoft.com/office/drawing/2010/main" xmlns:vt="http://schemas.openxmlformats.org/officeDocument/2006/docPropsVTypes" xmlns:ns1="http://schemas.openxmlformats.org/officeDocument/2006/extended-properties" xmlns:cs="http://schemas.microsoft.com/office/drawing/2012/chartStyle" xmlns:c="http://schemas.openxmlformats.org/drawingml/2006/chart" xmlns="" id="{EFE6E104-23BD-4585-A7C8-F931C3868FBA}"/>
               </a:ext>
             </a:extLst>
           </p:cNvPr>
@@ -1587,7 +1587,7 @@
           <p:cNvPr id="6" name="Picture Placeholder 31">
             <a:extLst>
               <a:ext uri="{3F088E5A-061D-4CC8-8F56-F43E5ADAF65E}">
-                <a16:creationId xmlns="" xmlns:c="http://schemas.openxmlformats.org/drawingml/2006/chart" xmlns:cs="http://schemas.microsoft.com/office/drawing/2012/chartStyle" xmlns:ns1="http://schemas.openxmlformats.org/officeDocument/2006/extended-properties" xmlns:vt="http://schemas.openxmlformats.org/officeDocument/2006/docPropsVTypes" xmlns:a16="http://schemas.microsoft.com/office/drawing/2010/main" id="{EB36AA07-D189-47FD-8E2A-933C9A99BCDB}"/>
+                <a16:creationId xmlns:a16="http://schemas.microsoft.com/office/drawing/2010/main" xmlns:vt="http://schemas.openxmlformats.org/officeDocument/2006/docPropsVTypes" xmlns:ns1="http://schemas.openxmlformats.org/officeDocument/2006/extended-properties" xmlns:cs="http://schemas.microsoft.com/office/drawing/2012/chartStyle" xmlns:c="http://schemas.openxmlformats.org/drawingml/2006/chart" xmlns="" id="{EB36AA07-D189-47FD-8E2A-933C9A99BCDB}"/>
               </a:ext>
             </a:extLst>
           </p:cNvPr>
@@ -1622,7 +1622,7 @@
           <p:cNvPr id="7" name="Date Placeholder 1">
             <a:extLst>
               <a:ext uri="{94D3F701-D588-4AA7-8B3C-63EE0A58E6D4}">
-                <a16:creationId xmlns="" xmlns:c="http://schemas.openxmlformats.org/drawingml/2006/chart" xmlns:cs="http://schemas.microsoft.com/office/drawing/2012/chartStyle" xmlns:ns1="http://schemas.openxmlformats.org/officeDocument/2006/extended-properties" xmlns:vt="http://schemas.openxmlformats.org/officeDocument/2006/docPropsVTypes" xmlns:a16="http://schemas.microsoft.com/office/drawing/2010/main" id="{9DE487D3-FAB6-4855-9646-3D44D69FC563}"/>
+                <a16:creationId xmlns:a16="http://schemas.microsoft.com/office/drawing/2010/main" xmlns:vt="http://schemas.openxmlformats.org/officeDocument/2006/docPropsVTypes" xmlns:ns1="http://schemas.openxmlformats.org/officeDocument/2006/extended-properties" xmlns:cs="http://schemas.microsoft.com/office/drawing/2012/chartStyle" xmlns:c="http://schemas.openxmlformats.org/drawingml/2006/chart" xmlns="" id="{9DE487D3-FAB6-4855-9646-3D44D69FC563}"/>
               </a:ext>
             </a:extLst>
           </p:cNvPr>
@@ -1669,7 +1669,7 @@
           <p:cNvPr id="8" name="Footer Placeholder 1">
             <a:extLst>
               <a:ext uri="{B0D2CA41-352A-4CE4-B93C-79B736CF91A7}">
-                <a16:creationId xmlns="" xmlns:c="http://schemas.openxmlformats.org/drawingml/2006/chart" xmlns:cs="http://schemas.microsoft.com/office/drawing/2012/chartStyle" xmlns:ns1="http://schemas.openxmlformats.org/officeDocument/2006/extended-properties" xmlns:vt="http://schemas.openxmlformats.org/officeDocument/2006/docPropsVTypes" xmlns:a16="http://schemas.microsoft.com/office/drawing/2010/main" id="{47CDEB46-DE80-4993-8177-56FFADEC66D0}"/>
+                <a16:creationId xmlns:a16="http://schemas.microsoft.com/office/drawing/2010/main" xmlns:vt="http://schemas.openxmlformats.org/officeDocument/2006/docPropsVTypes" xmlns:ns1="http://schemas.openxmlformats.org/officeDocument/2006/extended-properties" xmlns:cs="http://schemas.microsoft.com/office/drawing/2012/chartStyle" xmlns:c="http://schemas.openxmlformats.org/drawingml/2006/chart" xmlns="" id="{47CDEB46-DE80-4993-8177-56FFADEC66D0}"/>
               </a:ext>
             </a:extLst>
           </p:cNvPr>
@@ -1716,7 +1716,7 @@
           <p:cNvPr id="9" name="Slide Number Placeholder 5">
             <a:extLst>
               <a:ext uri="{B2F03118-C364-4B6B-942A-CD92CF658929}">
-                <a16:creationId xmlns="" xmlns:c="http://schemas.openxmlformats.org/drawingml/2006/chart" xmlns:cs="http://schemas.microsoft.com/office/drawing/2012/chartStyle" xmlns:ns1="http://schemas.openxmlformats.org/officeDocument/2006/extended-properties" xmlns:vt="http://schemas.openxmlformats.org/officeDocument/2006/docPropsVTypes" xmlns:a16="http://schemas.microsoft.com/office/drawing/2010/main" id="{30C9A0BE-E4DD-4AED-AD3A-748DBDA4C6D8}"/>
+                <a16:creationId xmlns:a16="http://schemas.microsoft.com/office/drawing/2010/main" xmlns:vt="http://schemas.openxmlformats.org/officeDocument/2006/docPropsVTypes" xmlns:ns1="http://schemas.openxmlformats.org/officeDocument/2006/extended-properties" xmlns:cs="http://schemas.microsoft.com/office/drawing/2012/chartStyle" xmlns:c="http://schemas.openxmlformats.org/drawingml/2006/chart" xmlns="" id="{30C9A0BE-E4DD-4AED-AD3A-748DBDA4C6D8}"/>
               </a:ext>
             </a:extLst>
           </p:cNvPr>
@@ -1762,7 +1762,7 @@
     </p:custDataLst>
     <p:extLst>
       <p:ext uri="{E52B7FB6-825C-43BA-95D2-126FE4C81C10}">
-        <p14:creationId xmlns="" xmlns:c="http://schemas.openxmlformats.org/drawingml/2006/chart" xmlns:cs="http://schemas.microsoft.com/office/drawing/2012/chartStyle" xmlns:ns1="http://schemas.openxmlformats.org/officeDocument/2006/extended-properties" xmlns:vt="http://schemas.openxmlformats.org/officeDocument/2006/docPropsVTypes" xmlns:p14="http://schemas.microsoft.com/office/powerpoint/2010/main" val="1724933507227"/>
+        <p14:creationId xmlns:p14="http://schemas.microsoft.com/office/powerpoint/2010/main" xmlns:vt="http://schemas.openxmlformats.org/officeDocument/2006/docPropsVTypes" xmlns:ns1="http://schemas.openxmlformats.org/officeDocument/2006/extended-properties" xmlns:cs="http://schemas.microsoft.com/office/drawing/2012/chartStyle" xmlns:c="http://schemas.openxmlformats.org/drawingml/2006/chart" xmlns="" val="1724933507227"/>
       </p:ext>
     </p:extLst>
   </p:cSld>
@@ -1794,7 +1794,7 @@
           <p:cNvPr id="2" name="Slide Number Placeholder 5">
             <a:extLst>
               <a:ext uri="{30982B35-A117-47CE-8F24-E2166F196207}">
-                <a16:creationId xmlns="" xmlns:c="http://schemas.openxmlformats.org/drawingml/2006/chart" xmlns:cs="http://schemas.microsoft.com/office/drawing/2012/chartStyle" xmlns:ns1="http://schemas.openxmlformats.org/officeDocument/2006/extended-properties" xmlns:vt="http://schemas.openxmlformats.org/officeDocument/2006/docPropsVTypes" xmlns:a16="http://schemas.microsoft.com/office/drawing/2010/main" id="{0E3FD72C-0708-4C4B-97EA-5E5AC033D3AD}"/>
+                <a16:creationId xmlns:a16="http://schemas.microsoft.com/office/drawing/2010/main" xmlns:vt="http://schemas.openxmlformats.org/officeDocument/2006/docPropsVTypes" xmlns:ns1="http://schemas.openxmlformats.org/officeDocument/2006/extended-properties" xmlns:cs="http://schemas.microsoft.com/office/drawing/2012/chartStyle" xmlns:c="http://schemas.openxmlformats.org/drawingml/2006/chart" xmlns="" id="{0E3FD72C-0708-4C4B-97EA-5E5AC033D3AD}"/>
               </a:ext>
             </a:extLst>
           </p:cNvPr>
@@ -1822,7 +1822,7 @@
           <p:cNvPr id="3" name="Title 6">
             <a:extLst>
               <a:ext uri="{50EB17E7-2230-4398-9E8B-EAE5DC95047B}">
-                <a16:creationId xmlns="" xmlns:c="http://schemas.openxmlformats.org/drawingml/2006/chart" xmlns:cs="http://schemas.microsoft.com/office/drawing/2012/chartStyle" xmlns:ns1="http://schemas.openxmlformats.org/officeDocument/2006/extended-properties" xmlns:vt="http://schemas.openxmlformats.org/officeDocument/2006/docPropsVTypes" xmlns:a16="http://schemas.microsoft.com/office/drawing/2010/main" id="{8B26333B-042D-42CD-8306-35E580E49624}"/>
+                <a16:creationId xmlns:a16="http://schemas.microsoft.com/office/drawing/2010/main" xmlns:vt="http://schemas.openxmlformats.org/officeDocument/2006/docPropsVTypes" xmlns:ns1="http://schemas.openxmlformats.org/officeDocument/2006/extended-properties" xmlns:cs="http://schemas.microsoft.com/office/drawing/2012/chartStyle" xmlns:c="http://schemas.openxmlformats.org/drawingml/2006/chart" xmlns="" id="{8B26333B-042D-42CD-8306-35E580E49624}"/>
               </a:ext>
             </a:extLst>
           </p:cNvPr>
@@ -1864,7 +1864,7 @@
           <p:cNvPr id="4" name="Text Placeholder 2">
             <a:extLst>
               <a:ext uri="{6B005422-AC22-4D5D-9E56-F7533B8D16E4}">
-                <a16:creationId xmlns="" xmlns:c="http://schemas.openxmlformats.org/drawingml/2006/chart" xmlns:cs="http://schemas.microsoft.com/office/drawing/2012/chartStyle" xmlns:ns1="http://schemas.openxmlformats.org/officeDocument/2006/extended-properties" xmlns:vt="http://schemas.openxmlformats.org/officeDocument/2006/docPropsVTypes" xmlns:a16="http://schemas.microsoft.com/office/drawing/2010/main" id="{E90203F4-5216-4A1E-B61D-21980BA1655F}"/>
+                <a16:creationId xmlns:a16="http://schemas.microsoft.com/office/drawing/2010/main" xmlns:vt="http://schemas.openxmlformats.org/officeDocument/2006/docPropsVTypes" xmlns:ns1="http://schemas.openxmlformats.org/officeDocument/2006/extended-properties" xmlns:cs="http://schemas.microsoft.com/office/drawing/2012/chartStyle" xmlns:c="http://schemas.openxmlformats.org/drawingml/2006/chart" xmlns="" id="{E90203F4-5216-4A1E-B61D-21980BA1655F}"/>
               </a:ext>
             </a:extLst>
           </p:cNvPr>
@@ -1912,7 +1912,7 @@
           <p:cNvPr id="5" name="Text Placeholder 2">
             <a:extLst>
               <a:ext uri="{CA2E1EE0-1CB6-468A-8ECE-2ECCB1AC50F0}">
-                <a16:creationId xmlns="" xmlns:c="http://schemas.openxmlformats.org/drawingml/2006/chart" xmlns:cs="http://schemas.microsoft.com/office/drawing/2012/chartStyle" xmlns:ns1="http://schemas.openxmlformats.org/officeDocument/2006/extended-properties" xmlns:vt="http://schemas.openxmlformats.org/officeDocument/2006/docPropsVTypes" xmlns:a16="http://schemas.microsoft.com/office/drawing/2010/main" id="{CBC61092-77C8-4CBA-B01A-49563A2906C9}"/>
+                <a16:creationId xmlns:a16="http://schemas.microsoft.com/office/drawing/2010/main" xmlns:vt="http://schemas.openxmlformats.org/officeDocument/2006/docPropsVTypes" xmlns:ns1="http://schemas.openxmlformats.org/officeDocument/2006/extended-properties" xmlns:cs="http://schemas.microsoft.com/office/drawing/2012/chartStyle" xmlns:c="http://schemas.openxmlformats.org/drawingml/2006/chart" xmlns="" id="{CBC61092-77C8-4CBA-B01A-49563A2906C9}"/>
               </a:ext>
             </a:extLst>
           </p:cNvPr>
@@ -1960,7 +1960,7 @@
           <p:cNvPr id="6" name="Text Placeholder 2">
             <a:extLst>
               <a:ext uri="{9DE73137-5F77-4B53-8FFF-2FAF4420A765}">
-                <a16:creationId xmlns="" xmlns:c="http://schemas.openxmlformats.org/drawingml/2006/chart" xmlns:cs="http://schemas.microsoft.com/office/drawing/2012/chartStyle" xmlns:ns1="http://schemas.openxmlformats.org/officeDocument/2006/extended-properties" xmlns:vt="http://schemas.openxmlformats.org/officeDocument/2006/docPropsVTypes" xmlns:a16="http://schemas.microsoft.com/office/drawing/2010/main" id="{BA19D764-1DA0-4213-8D7B-402CDFFB8BDA}"/>
+                <a16:creationId xmlns:a16="http://schemas.microsoft.com/office/drawing/2010/main" xmlns:vt="http://schemas.openxmlformats.org/officeDocument/2006/docPropsVTypes" xmlns:ns1="http://schemas.openxmlformats.org/officeDocument/2006/extended-properties" xmlns:cs="http://schemas.microsoft.com/office/drawing/2012/chartStyle" xmlns:c="http://schemas.openxmlformats.org/drawingml/2006/chart" xmlns="" id="{BA19D764-1DA0-4213-8D7B-402CDFFB8BDA}"/>
               </a:ext>
             </a:extLst>
           </p:cNvPr>
@@ -2008,7 +2008,7 @@
           <p:cNvPr id="7" name="Text Placeholder 2">
             <a:extLst>
               <a:ext uri="{2DCC8BBB-DB60-450A-87FA-6857E72B13CB}">
-                <a16:creationId xmlns="" xmlns:c="http://schemas.openxmlformats.org/drawingml/2006/chart" xmlns:cs="http://schemas.microsoft.com/office/drawing/2012/chartStyle" xmlns:ns1="http://schemas.openxmlformats.org/officeDocument/2006/extended-properties" xmlns:vt="http://schemas.openxmlformats.org/officeDocument/2006/docPropsVTypes" xmlns:a16="http://schemas.microsoft.com/office/drawing/2010/main" id="{412B2FE7-2691-4AF8-942A-3A258952CAEE}"/>
+                <a16:creationId xmlns:a16="http://schemas.microsoft.com/office/drawing/2010/main" xmlns:vt="http://schemas.openxmlformats.org/officeDocument/2006/docPropsVTypes" xmlns:ns1="http://schemas.openxmlformats.org/officeDocument/2006/extended-properties" xmlns:cs="http://schemas.microsoft.com/office/drawing/2012/chartStyle" xmlns:c="http://schemas.openxmlformats.org/drawingml/2006/chart" xmlns="" id="{412B2FE7-2691-4AF8-942A-3A258952CAEE}"/>
               </a:ext>
             </a:extLst>
           </p:cNvPr>
@@ -2056,7 +2056,7 @@
           <p:cNvPr id="8" name="Text Placeholder 2">
             <a:extLst>
               <a:ext uri="{92548E3D-FF68-4485-90BE-A4B544387BAF}">
-                <a16:creationId xmlns="" xmlns:c="http://schemas.openxmlformats.org/drawingml/2006/chart" xmlns:cs="http://schemas.microsoft.com/office/drawing/2012/chartStyle" xmlns:ns1="http://schemas.openxmlformats.org/officeDocument/2006/extended-properties" xmlns:vt="http://schemas.openxmlformats.org/officeDocument/2006/docPropsVTypes" xmlns:a16="http://schemas.microsoft.com/office/drawing/2010/main" id="{F1837086-E67F-4789-BF74-543678EA9841}"/>
+                <a16:creationId xmlns:a16="http://schemas.microsoft.com/office/drawing/2010/main" xmlns:vt="http://schemas.openxmlformats.org/officeDocument/2006/docPropsVTypes" xmlns:ns1="http://schemas.openxmlformats.org/officeDocument/2006/extended-properties" xmlns:cs="http://schemas.microsoft.com/office/drawing/2012/chartStyle" xmlns:c="http://schemas.openxmlformats.org/drawingml/2006/chart" xmlns="" id="{F1837086-E67F-4789-BF74-543678EA9841}"/>
               </a:ext>
             </a:extLst>
           </p:cNvPr>
@@ -2104,7 +2104,7 @@
           <p:cNvPr id="9" name="Text Placeholder 2">
             <a:extLst>
               <a:ext uri="{F661207D-B02A-4B39-8A0F-DB7A05EA368F}">
-                <a16:creationId xmlns="" xmlns:c="http://schemas.openxmlformats.org/drawingml/2006/chart" xmlns:cs="http://schemas.microsoft.com/office/drawing/2012/chartStyle" xmlns:ns1="http://schemas.openxmlformats.org/officeDocument/2006/extended-properties" xmlns:vt="http://schemas.openxmlformats.org/officeDocument/2006/docPropsVTypes" xmlns:a16="http://schemas.microsoft.com/office/drawing/2010/main" id="{79966826-50B0-4280-B7D1-D3EC2714F58A}"/>
+                <a16:creationId xmlns:a16="http://schemas.microsoft.com/office/drawing/2010/main" xmlns:vt="http://schemas.openxmlformats.org/officeDocument/2006/docPropsVTypes" xmlns:ns1="http://schemas.openxmlformats.org/officeDocument/2006/extended-properties" xmlns:cs="http://schemas.microsoft.com/office/drawing/2012/chartStyle" xmlns:c="http://schemas.openxmlformats.org/drawingml/2006/chart" xmlns="" id="{79966826-50B0-4280-B7D1-D3EC2714F58A}"/>
               </a:ext>
             </a:extLst>
           </p:cNvPr>
@@ -2152,7 +2152,7 @@
           <p:cNvPr id="10" name="Text Placeholder 2">
             <a:extLst>
               <a:ext uri="{8BAAB3FD-EED6-41D3-AD01-3545A078D13E}">
-                <a16:creationId xmlns="" xmlns:c="http://schemas.openxmlformats.org/drawingml/2006/chart" xmlns:cs="http://schemas.microsoft.com/office/drawing/2012/chartStyle" xmlns:ns1="http://schemas.openxmlformats.org/officeDocument/2006/extended-properties" xmlns:vt="http://schemas.openxmlformats.org/officeDocument/2006/docPropsVTypes" xmlns:a16="http://schemas.microsoft.com/office/drawing/2010/main" id="{10C9457A-EFCA-47D4-8292-0520CD015192}"/>
+                <a16:creationId xmlns:a16="http://schemas.microsoft.com/office/drawing/2010/main" xmlns:vt="http://schemas.openxmlformats.org/officeDocument/2006/docPropsVTypes" xmlns:ns1="http://schemas.openxmlformats.org/officeDocument/2006/extended-properties" xmlns:cs="http://schemas.microsoft.com/office/drawing/2012/chartStyle" xmlns:c="http://schemas.openxmlformats.org/drawingml/2006/chart" xmlns="" id="{10C9457A-EFCA-47D4-8292-0520CD015192}"/>
               </a:ext>
             </a:extLst>
           </p:cNvPr>
@@ -2200,7 +2200,7 @@
           <p:cNvPr id="11" name="Text Placeholder 2">
             <a:extLst>
               <a:ext uri="{765C2B97-638D-43A1-94AD-49F834A8EE8A}">
-                <a16:creationId xmlns="" xmlns:c="http://schemas.openxmlformats.org/drawingml/2006/chart" xmlns:cs="http://schemas.microsoft.com/office/drawing/2012/chartStyle" xmlns:ns1="http://schemas.openxmlformats.org/officeDocument/2006/extended-properties" xmlns:vt="http://schemas.openxmlformats.org/officeDocument/2006/docPropsVTypes" xmlns:a16="http://schemas.microsoft.com/office/drawing/2010/main" id="{F7131B26-DADA-4825-B7A7-89BF5FF374F0}"/>
+                <a16:creationId xmlns:a16="http://schemas.microsoft.com/office/drawing/2010/main" xmlns:vt="http://schemas.openxmlformats.org/officeDocument/2006/docPropsVTypes" xmlns:ns1="http://schemas.openxmlformats.org/officeDocument/2006/extended-properties" xmlns:cs="http://schemas.microsoft.com/office/drawing/2012/chartStyle" xmlns:c="http://schemas.openxmlformats.org/drawingml/2006/chart" xmlns="" id="{F7131B26-DADA-4825-B7A7-89BF5FF374F0}"/>
               </a:ext>
             </a:extLst>
           </p:cNvPr>
@@ -2248,7 +2248,7 @@
           <p:cNvPr id="12" name="Straight Connector 33">
             <a:extLst>
               <a:ext uri="{1E624242-EB88-44B1-8E9D-B77CA2ABE48F}">
-                <a16:creationId xmlns="" xmlns:c="http://schemas.openxmlformats.org/drawingml/2006/chart" xmlns:cs="http://schemas.microsoft.com/office/drawing/2012/chartStyle" xmlns:ns1="http://schemas.openxmlformats.org/officeDocument/2006/extended-properties" xmlns:vt="http://schemas.openxmlformats.org/officeDocument/2006/docPropsVTypes" xmlns:a16="http://schemas.microsoft.com/office/drawing/2010/main" id="{383ED346-F4B6-4F0E-A431-57843C060937}"/>
+                <a16:creationId xmlns:a16="http://schemas.microsoft.com/office/drawing/2010/main" xmlns:vt="http://schemas.openxmlformats.org/officeDocument/2006/docPropsVTypes" xmlns:ns1="http://schemas.openxmlformats.org/officeDocument/2006/extended-properties" xmlns:cs="http://schemas.microsoft.com/office/drawing/2012/chartStyle" xmlns:c="http://schemas.openxmlformats.org/drawingml/2006/chart" xmlns="" id="{383ED346-F4B6-4F0E-A431-57843C060937}"/>
               </a:ext>
             </a:extLst>
           </p:cNvPr>
@@ -2292,7 +2292,7 @@
           <p:cNvPr id="13" name="Straight Connector 43">
             <a:extLst>
               <a:ext uri="{16639BF1-4694-47E4-B29A-0EEB667A2149}">
-                <a16:creationId xmlns="" xmlns:c="http://schemas.openxmlformats.org/drawingml/2006/chart" xmlns:cs="http://schemas.microsoft.com/office/drawing/2012/chartStyle" xmlns:ns1="http://schemas.openxmlformats.org/officeDocument/2006/extended-properties" xmlns:vt="http://schemas.openxmlformats.org/officeDocument/2006/docPropsVTypes" xmlns:a16="http://schemas.microsoft.com/office/drawing/2010/main" id="{9A42D5C0-DF4E-477C-94D2-5D3042B39973}"/>
+                <a16:creationId xmlns:a16="http://schemas.microsoft.com/office/drawing/2010/main" xmlns:vt="http://schemas.openxmlformats.org/officeDocument/2006/docPropsVTypes" xmlns:ns1="http://schemas.openxmlformats.org/officeDocument/2006/extended-properties" xmlns:cs="http://schemas.microsoft.com/office/drawing/2012/chartStyle" xmlns:c="http://schemas.openxmlformats.org/drawingml/2006/chart" xmlns="" id="{9A42D5C0-DF4E-477C-94D2-5D3042B39973}"/>
               </a:ext>
             </a:extLst>
           </p:cNvPr>
@@ -2336,7 +2336,7 @@
           <p:cNvPr id="14" name="Straight Connector 44">
             <a:extLst>
               <a:ext uri="{6C9F7CA6-D99E-4665-B310-F7C5DB1B2F32}">
-                <a16:creationId xmlns="" xmlns:c="http://schemas.openxmlformats.org/drawingml/2006/chart" xmlns:cs="http://schemas.microsoft.com/office/drawing/2012/chartStyle" xmlns:ns1="http://schemas.openxmlformats.org/officeDocument/2006/extended-properties" xmlns:vt="http://schemas.openxmlformats.org/officeDocument/2006/docPropsVTypes" xmlns:a16="http://schemas.microsoft.com/office/drawing/2010/main" id="{9A7E92BD-566E-4942-BDBC-24924CAD4325}"/>
+                <a16:creationId xmlns:a16="http://schemas.microsoft.com/office/drawing/2010/main" xmlns:vt="http://schemas.openxmlformats.org/officeDocument/2006/docPropsVTypes" xmlns:ns1="http://schemas.openxmlformats.org/officeDocument/2006/extended-properties" xmlns:cs="http://schemas.microsoft.com/office/drawing/2012/chartStyle" xmlns:c="http://schemas.openxmlformats.org/drawingml/2006/chart" xmlns="" id="{9A7E92BD-566E-4942-BDBC-24924CAD4325}"/>
               </a:ext>
             </a:extLst>
           </p:cNvPr>
@@ -2380,7 +2380,7 @@
           <p:cNvPr id="15" name="Marcador de posición de imagen 14">
             <a:extLst>
               <a:ext uri="{7CD6DF1B-DCA6-4015-B964-3189E5E4C280}">
-                <a16:creationId xmlns="" xmlns:c="http://schemas.openxmlformats.org/drawingml/2006/chart" xmlns:cs="http://schemas.microsoft.com/office/drawing/2012/chartStyle" xmlns:ns1="http://schemas.openxmlformats.org/officeDocument/2006/extended-properties" xmlns:vt="http://schemas.openxmlformats.org/officeDocument/2006/docPropsVTypes" xmlns:a16="http://schemas.microsoft.com/office/drawing/2010/main" id="{24761E9A-B91B-45B9-842B-F75E82C2B1CC}"/>
+                <a16:creationId xmlns:a16="http://schemas.microsoft.com/office/drawing/2010/main" xmlns:vt="http://schemas.openxmlformats.org/officeDocument/2006/docPropsVTypes" xmlns:ns1="http://schemas.openxmlformats.org/officeDocument/2006/extended-properties" xmlns:cs="http://schemas.microsoft.com/office/drawing/2012/chartStyle" xmlns:c="http://schemas.openxmlformats.org/drawingml/2006/chart" xmlns="" id="{24761E9A-B91B-45B9-842B-F75E82C2B1CC}"/>
               </a:ext>
             </a:extLst>
           </p:cNvPr>
@@ -2419,7 +2419,7 @@
           <p:cNvPr id="16" name="Date Placeholder 1">
             <a:extLst>
               <a:ext uri="{0904BAE7-F1E0-440E-8C2C-F66B4EAA7B80}">
-                <a16:creationId xmlns="" xmlns:c="http://schemas.openxmlformats.org/drawingml/2006/chart" xmlns:cs="http://schemas.microsoft.com/office/drawing/2012/chartStyle" xmlns:ns1="http://schemas.openxmlformats.org/officeDocument/2006/extended-properties" xmlns:vt="http://schemas.openxmlformats.org/officeDocument/2006/docPropsVTypes" xmlns:a16="http://schemas.microsoft.com/office/drawing/2010/main" id="{9F09E0DF-3CD7-40F2-BB9A-D2C744C10887}"/>
+                <a16:creationId xmlns:a16="http://schemas.microsoft.com/office/drawing/2010/main" xmlns:vt="http://schemas.openxmlformats.org/officeDocument/2006/docPropsVTypes" xmlns:ns1="http://schemas.openxmlformats.org/officeDocument/2006/extended-properties" xmlns:cs="http://schemas.microsoft.com/office/drawing/2012/chartStyle" xmlns:c="http://schemas.openxmlformats.org/drawingml/2006/chart" xmlns="" id="{9F09E0DF-3CD7-40F2-BB9A-D2C744C10887}"/>
               </a:ext>
             </a:extLst>
           </p:cNvPr>
@@ -2466,7 +2466,7 @@
           <p:cNvPr id="17" name="Footer Placeholder 1">
             <a:extLst>
               <a:ext uri="{E99ACB0D-88C8-47AB-A188-CF2435991DD3}">
-                <a16:creationId xmlns="" xmlns:c="http://schemas.openxmlformats.org/drawingml/2006/chart" xmlns:cs="http://schemas.microsoft.com/office/drawing/2012/chartStyle" xmlns:ns1="http://schemas.openxmlformats.org/officeDocument/2006/extended-properties" xmlns:vt="http://schemas.openxmlformats.org/officeDocument/2006/docPropsVTypes" xmlns:a16="http://schemas.microsoft.com/office/drawing/2010/main" id="{FC9F9AC2-6D38-4041-874A-DBB61BC58F65}"/>
+                <a16:creationId xmlns:a16="http://schemas.microsoft.com/office/drawing/2010/main" xmlns:vt="http://schemas.openxmlformats.org/officeDocument/2006/docPropsVTypes" xmlns:ns1="http://schemas.openxmlformats.org/officeDocument/2006/extended-properties" xmlns:cs="http://schemas.microsoft.com/office/drawing/2012/chartStyle" xmlns:c="http://schemas.openxmlformats.org/drawingml/2006/chart" xmlns="" id="{FC9F9AC2-6D38-4041-874A-DBB61BC58F65}"/>
               </a:ext>
             </a:extLst>
           </p:cNvPr>
@@ -2514,7 +2514,7 @@
     </p:custDataLst>
     <p:extLst>
       <p:ext uri="{0FF236A3-E8A1-498D-BF5C-FA3EAB581053}">
-        <p14:creationId xmlns="" xmlns:c="http://schemas.openxmlformats.org/drawingml/2006/chart" xmlns:cs="http://schemas.microsoft.com/office/drawing/2012/chartStyle" xmlns:ns1="http://schemas.openxmlformats.org/officeDocument/2006/extended-properties" xmlns:vt="http://schemas.openxmlformats.org/officeDocument/2006/docPropsVTypes" xmlns:p14="http://schemas.microsoft.com/office/powerpoint/2010/main" val="1724933507243"/>
+        <p14:creationId xmlns:p14="http://schemas.microsoft.com/office/powerpoint/2010/main" xmlns:vt="http://schemas.openxmlformats.org/officeDocument/2006/docPropsVTypes" xmlns:ns1="http://schemas.openxmlformats.org/officeDocument/2006/extended-properties" xmlns:cs="http://schemas.microsoft.com/office/drawing/2012/chartStyle" xmlns:c="http://schemas.openxmlformats.org/drawingml/2006/chart" xmlns="" val="1724933507243"/>
       </p:ext>
     </p:extLst>
   </p:cSld>
@@ -2546,7 +2546,7 @@
           <p:cNvPr id="2" name="Tabla 1">
             <a:extLst>
               <a:ext uri="{C136646B-3B41-4987-A781-B94FB73E9758}">
-                <a16:creationId xmlns="" xmlns:c="http://schemas.openxmlformats.org/drawingml/2006/chart" xmlns:cs="http://schemas.microsoft.com/office/drawing/2012/chartStyle" xmlns:ns1="http://schemas.openxmlformats.org/officeDocument/2006/extended-properties" xmlns:vt="http://schemas.openxmlformats.org/officeDocument/2006/docPropsVTypes" xmlns:a16="http://schemas.microsoft.com/office/drawing/2010/main" id="{9BFD1C06-3144-4E6D-93C8-E0911757C65E}"/>
+                <a16:creationId xmlns:a16="http://schemas.microsoft.com/office/drawing/2010/main" xmlns:vt="http://schemas.openxmlformats.org/officeDocument/2006/docPropsVTypes" xmlns:ns1="http://schemas.openxmlformats.org/officeDocument/2006/extended-properties" xmlns:cs="http://schemas.microsoft.com/office/drawing/2012/chartStyle" xmlns:c="http://schemas.openxmlformats.org/drawingml/2006/chart" xmlns="" id="{9BFD1C06-3144-4E6D-93C8-E0911757C65E}"/>
               </a:ext>
             </a:extLst>
           </p:cNvPr>
@@ -5047,7 +5047,7 @@
           <p:cNvPr id="3" name="Slide Number Placeholder 5">
             <a:extLst>
               <a:ext uri="{7F8EABEF-AE2C-4618-BDB4-AFA5D8A451D3}">
-                <a16:creationId xmlns="" xmlns:c="http://schemas.openxmlformats.org/drawingml/2006/chart" xmlns:cs="http://schemas.microsoft.com/office/drawing/2012/chartStyle" xmlns:ns1="http://schemas.openxmlformats.org/officeDocument/2006/extended-properties" xmlns:vt="http://schemas.openxmlformats.org/officeDocument/2006/docPropsVTypes" xmlns:a16="http://schemas.microsoft.com/office/drawing/2010/main" id="{83BBD7B1-A62A-4F14-95F2-546018F93AF7}"/>
+                <a16:creationId xmlns:a16="http://schemas.microsoft.com/office/drawing/2010/main" xmlns:vt="http://schemas.openxmlformats.org/officeDocument/2006/docPropsVTypes" xmlns:ns1="http://schemas.openxmlformats.org/officeDocument/2006/extended-properties" xmlns:cs="http://schemas.microsoft.com/office/drawing/2012/chartStyle" xmlns:c="http://schemas.openxmlformats.org/drawingml/2006/chart" xmlns="" id="{83BBD7B1-A62A-4F14-95F2-546018F93AF7}"/>
               </a:ext>
             </a:extLst>
           </p:cNvPr>
@@ -5075,7 +5075,7 @@
           <p:cNvPr id="4" name="Title 6">
             <a:extLst>
               <a:ext uri="{42EFC720-4286-4D14-A9FD-85DFB2B4BCDA}">
-                <a16:creationId xmlns="" xmlns:c="http://schemas.openxmlformats.org/drawingml/2006/chart" xmlns:cs="http://schemas.microsoft.com/office/drawing/2012/chartStyle" xmlns:ns1="http://schemas.openxmlformats.org/officeDocument/2006/extended-properties" xmlns:vt="http://schemas.openxmlformats.org/officeDocument/2006/docPropsVTypes" xmlns:a16="http://schemas.microsoft.com/office/drawing/2010/main" id="{F4955F86-C263-43A0-8C50-49D2D652E93E}"/>
+                <a16:creationId xmlns:a16="http://schemas.microsoft.com/office/drawing/2010/main" xmlns:vt="http://schemas.openxmlformats.org/officeDocument/2006/docPropsVTypes" xmlns:ns1="http://schemas.openxmlformats.org/officeDocument/2006/extended-properties" xmlns:cs="http://schemas.microsoft.com/office/drawing/2012/chartStyle" xmlns:c="http://schemas.openxmlformats.org/drawingml/2006/chart" xmlns="" id="{F4955F86-C263-43A0-8C50-49D2D652E93E}"/>
               </a:ext>
             </a:extLst>
           </p:cNvPr>
@@ -5117,7 +5117,7 @@
           <p:cNvPr id="5" name="Text Placeholder 2">
             <a:extLst>
               <a:ext uri="{3E134BBA-E4CD-4F42-8F9E-8B6A22A9FD09}">
-                <a16:creationId xmlns="" xmlns:c="http://schemas.openxmlformats.org/drawingml/2006/chart" xmlns:cs="http://schemas.microsoft.com/office/drawing/2012/chartStyle" xmlns:ns1="http://schemas.openxmlformats.org/officeDocument/2006/extended-properties" xmlns:vt="http://schemas.openxmlformats.org/officeDocument/2006/docPropsVTypes" xmlns:a16="http://schemas.microsoft.com/office/drawing/2010/main" id="{50B724C6-F43E-46D0-A1DD-29BD709B0027}"/>
+                <a16:creationId xmlns:a16="http://schemas.microsoft.com/office/drawing/2010/main" xmlns:vt="http://schemas.openxmlformats.org/officeDocument/2006/docPropsVTypes" xmlns:ns1="http://schemas.openxmlformats.org/officeDocument/2006/extended-properties" xmlns:cs="http://schemas.microsoft.com/office/drawing/2012/chartStyle" xmlns:c="http://schemas.openxmlformats.org/drawingml/2006/chart" xmlns="" id="{50B724C6-F43E-46D0-A1DD-29BD709B0027}"/>
               </a:ext>
             </a:extLst>
           </p:cNvPr>
@@ -5162,7 +5162,7 @@
           <p:cNvPr id="6" name="Text Placeholder 2">
             <a:extLst>
               <a:ext uri="{D3FDC04F-97CF-4D75-BC06-A5BADE5D6C52}">
-                <a16:creationId xmlns="" xmlns:c="http://schemas.openxmlformats.org/drawingml/2006/chart" xmlns:cs="http://schemas.microsoft.com/office/drawing/2012/chartStyle" xmlns:ns1="http://schemas.openxmlformats.org/officeDocument/2006/extended-properties" xmlns:vt="http://schemas.openxmlformats.org/officeDocument/2006/docPropsVTypes" xmlns:a16="http://schemas.microsoft.com/office/drawing/2010/main" id="{E76532A9-BC83-4B68-92AE-15B4DB43E256}"/>
+                <a16:creationId xmlns:a16="http://schemas.microsoft.com/office/drawing/2010/main" xmlns:vt="http://schemas.openxmlformats.org/officeDocument/2006/docPropsVTypes" xmlns:ns1="http://schemas.openxmlformats.org/officeDocument/2006/extended-properties" xmlns:cs="http://schemas.microsoft.com/office/drawing/2012/chartStyle" xmlns:c="http://schemas.openxmlformats.org/drawingml/2006/chart" xmlns="" id="{E76532A9-BC83-4B68-92AE-15B4DB43E256}"/>
               </a:ext>
             </a:extLst>
           </p:cNvPr>
@@ -5207,7 +5207,7 @@
           <p:cNvPr id="7" name="Text Placeholder 2">
             <a:extLst>
               <a:ext uri="{C6C38F1E-714F-4771-A5DC-94D0935F0329}">
-                <a16:creationId xmlns="" xmlns:c="http://schemas.openxmlformats.org/drawingml/2006/chart" xmlns:cs="http://schemas.microsoft.com/office/drawing/2012/chartStyle" xmlns:ns1="http://schemas.openxmlformats.org/officeDocument/2006/extended-properties" xmlns:vt="http://schemas.openxmlformats.org/officeDocument/2006/docPropsVTypes" xmlns:a16="http://schemas.microsoft.com/office/drawing/2010/main" id="{8C051988-8A1C-4921-ADCA-4C040A5DA33C}"/>
+                <a16:creationId xmlns:a16="http://schemas.microsoft.com/office/drawing/2010/main" xmlns:vt="http://schemas.openxmlformats.org/officeDocument/2006/docPropsVTypes" xmlns:ns1="http://schemas.openxmlformats.org/officeDocument/2006/extended-properties" xmlns:cs="http://schemas.microsoft.com/office/drawing/2012/chartStyle" xmlns:c="http://schemas.openxmlformats.org/drawingml/2006/chart" xmlns="" id="{8C051988-8A1C-4921-ADCA-4C040A5DA33C}"/>
               </a:ext>
             </a:extLst>
           </p:cNvPr>
@@ -5252,7 +5252,7 @@
           <p:cNvPr id="8" name="Text Placeholder 2">
             <a:extLst>
               <a:ext uri="{B60B24D9-4E29-4F3B-B391-097BE5277BBB}">
-                <a16:creationId xmlns="" xmlns:c="http://schemas.openxmlformats.org/drawingml/2006/chart" xmlns:cs="http://schemas.microsoft.com/office/drawing/2012/chartStyle" xmlns:ns1="http://schemas.openxmlformats.org/officeDocument/2006/extended-properties" xmlns:vt="http://schemas.openxmlformats.org/officeDocument/2006/docPropsVTypes" xmlns:a16="http://schemas.microsoft.com/office/drawing/2010/main" id="{84007786-949D-4D27-B9D1-5AD51BEF8D94}"/>
+                <a16:creationId xmlns:a16="http://schemas.microsoft.com/office/drawing/2010/main" xmlns:vt="http://schemas.openxmlformats.org/officeDocument/2006/docPropsVTypes" xmlns:ns1="http://schemas.openxmlformats.org/officeDocument/2006/extended-properties" xmlns:cs="http://schemas.microsoft.com/office/drawing/2012/chartStyle" xmlns:c="http://schemas.openxmlformats.org/drawingml/2006/chart" xmlns="" id="{84007786-949D-4D27-B9D1-5AD51BEF8D94}"/>
               </a:ext>
             </a:extLst>
           </p:cNvPr>
@@ -5300,7 +5300,7 @@
           <p:cNvPr id="9" name="Text Placeholder 2">
             <a:extLst>
               <a:ext uri="{C0356B34-0507-4E89-BF8C-3334704B99A1}">
-                <a16:creationId xmlns="" xmlns:c="http://schemas.openxmlformats.org/drawingml/2006/chart" xmlns:cs="http://schemas.microsoft.com/office/drawing/2012/chartStyle" xmlns:ns1="http://schemas.openxmlformats.org/officeDocument/2006/extended-properties" xmlns:vt="http://schemas.openxmlformats.org/officeDocument/2006/docPropsVTypes" xmlns:a16="http://schemas.microsoft.com/office/drawing/2010/main" id="{CE5A1906-66C3-4809-A633-6F5C8655DBD0}"/>
+                <a16:creationId xmlns:a16="http://schemas.microsoft.com/office/drawing/2010/main" xmlns:vt="http://schemas.openxmlformats.org/officeDocument/2006/docPropsVTypes" xmlns:ns1="http://schemas.openxmlformats.org/officeDocument/2006/extended-properties" xmlns:cs="http://schemas.microsoft.com/office/drawing/2012/chartStyle" xmlns:c="http://schemas.openxmlformats.org/drawingml/2006/chart" xmlns="" id="{CE5A1906-66C3-4809-A633-6F5C8655DBD0}"/>
               </a:ext>
             </a:extLst>
           </p:cNvPr>
@@ -5348,7 +5348,7 @@
           <p:cNvPr id="10" name="Text Placeholder 2">
             <a:extLst>
               <a:ext uri="{51CDBBAD-5AAA-4C34-8231-E13A9D2C558E}">
-                <a16:creationId xmlns="" xmlns:c="http://schemas.openxmlformats.org/drawingml/2006/chart" xmlns:cs="http://schemas.microsoft.com/office/drawing/2012/chartStyle" xmlns:ns1="http://schemas.openxmlformats.org/officeDocument/2006/extended-properties" xmlns:vt="http://schemas.openxmlformats.org/officeDocument/2006/docPropsVTypes" xmlns:a16="http://schemas.microsoft.com/office/drawing/2010/main" id="{3F260C29-A9F4-4FD8-9D45-0F09A3980844}"/>
+                <a16:creationId xmlns:a16="http://schemas.microsoft.com/office/drawing/2010/main" xmlns:vt="http://schemas.openxmlformats.org/officeDocument/2006/docPropsVTypes" xmlns:ns1="http://schemas.openxmlformats.org/officeDocument/2006/extended-properties" xmlns:cs="http://schemas.microsoft.com/office/drawing/2012/chartStyle" xmlns:c="http://schemas.openxmlformats.org/drawingml/2006/chart" xmlns="" id="{3F260C29-A9F4-4FD8-9D45-0F09A3980844}"/>
               </a:ext>
             </a:extLst>
           </p:cNvPr>
@@ -5396,7 +5396,7 @@
           <p:cNvPr id="11" name="Text Placeholder 2">
             <a:extLst>
               <a:ext uri="{71FEAE93-6E87-4E03-B965-F9C8FF49FD8B}">
-                <a16:creationId xmlns="" xmlns:c="http://schemas.openxmlformats.org/drawingml/2006/chart" xmlns:cs="http://schemas.microsoft.com/office/drawing/2012/chartStyle" xmlns:ns1="http://schemas.openxmlformats.org/officeDocument/2006/extended-properties" xmlns:vt="http://schemas.openxmlformats.org/officeDocument/2006/docPropsVTypes" xmlns:a16="http://schemas.microsoft.com/office/drawing/2010/main" id="{EB1B9518-FB05-484F-A456-479675819AFD}"/>
+                <a16:creationId xmlns:a16="http://schemas.microsoft.com/office/drawing/2010/main" xmlns:vt="http://schemas.openxmlformats.org/officeDocument/2006/docPropsVTypes" xmlns:ns1="http://schemas.openxmlformats.org/officeDocument/2006/extended-properties" xmlns:cs="http://schemas.microsoft.com/office/drawing/2012/chartStyle" xmlns:c="http://schemas.openxmlformats.org/drawingml/2006/chart" xmlns="" id="{EB1B9518-FB05-484F-A456-479675819AFD}"/>
               </a:ext>
             </a:extLst>
           </p:cNvPr>
@@ -5444,7 +5444,7 @@
           <p:cNvPr id="12" name="Text Placeholder 2">
             <a:extLst>
               <a:ext uri="{D3CE0260-BEEC-434B-9FF9-CB0006C17EF4}">
-                <a16:creationId xmlns="" xmlns:c="http://schemas.openxmlformats.org/drawingml/2006/chart" xmlns:cs="http://schemas.microsoft.com/office/drawing/2012/chartStyle" xmlns:ns1="http://schemas.openxmlformats.org/officeDocument/2006/extended-properties" xmlns:vt="http://schemas.openxmlformats.org/officeDocument/2006/docPropsVTypes" xmlns:a16="http://schemas.microsoft.com/office/drawing/2010/main" id="{D54D89EE-54A4-490C-9669-753B2835819A}"/>
+                <a16:creationId xmlns:a16="http://schemas.microsoft.com/office/drawing/2010/main" xmlns:vt="http://schemas.openxmlformats.org/officeDocument/2006/docPropsVTypes" xmlns:ns1="http://schemas.openxmlformats.org/officeDocument/2006/extended-properties" xmlns:cs="http://schemas.microsoft.com/office/drawing/2012/chartStyle" xmlns:c="http://schemas.openxmlformats.org/drawingml/2006/chart" xmlns="" id="{D54D89EE-54A4-490C-9669-753B2835819A}"/>
               </a:ext>
             </a:extLst>
           </p:cNvPr>
@@ -5492,7 +5492,7 @@
           <p:cNvPr id="13" name="Text Placeholder 2">
             <a:extLst>
               <a:ext uri="{676D7936-DD89-4EE9-A33D-05F52A6062E7}">
-                <a16:creationId xmlns="" xmlns:c="http://schemas.openxmlformats.org/drawingml/2006/chart" xmlns:cs="http://schemas.microsoft.com/office/drawing/2012/chartStyle" xmlns:ns1="http://schemas.openxmlformats.org/officeDocument/2006/extended-properties" xmlns:vt="http://schemas.openxmlformats.org/officeDocument/2006/docPropsVTypes" xmlns:a16="http://schemas.microsoft.com/office/drawing/2010/main" id="{ABAADC66-D4E6-42EC-9F68-A08C5680BB19}"/>
+                <a16:creationId xmlns:a16="http://schemas.microsoft.com/office/drawing/2010/main" xmlns:vt="http://schemas.openxmlformats.org/officeDocument/2006/docPropsVTypes" xmlns:ns1="http://schemas.openxmlformats.org/officeDocument/2006/extended-properties" xmlns:cs="http://schemas.microsoft.com/office/drawing/2012/chartStyle" xmlns:c="http://schemas.openxmlformats.org/drawingml/2006/chart" xmlns="" id="{ABAADC66-D4E6-42EC-9F68-A08C5680BB19}"/>
               </a:ext>
             </a:extLst>
           </p:cNvPr>
@@ -5540,7 +5540,7 @@
           <p:cNvPr id="14" name="Text Placeholder 2">
             <a:extLst>
               <a:ext uri="{160E1980-61DB-4102-A0B6-C680760C66FA}">
-                <a16:creationId xmlns="" xmlns:c="http://schemas.openxmlformats.org/drawingml/2006/chart" xmlns:cs="http://schemas.microsoft.com/office/drawing/2012/chartStyle" xmlns:ns1="http://schemas.openxmlformats.org/officeDocument/2006/extended-properties" xmlns:vt="http://schemas.openxmlformats.org/officeDocument/2006/docPropsVTypes" xmlns:a16="http://schemas.microsoft.com/office/drawing/2010/main" id="{029E947F-C7D6-43A6-B618-70C08A4BF686}"/>
+                <a16:creationId xmlns:a16="http://schemas.microsoft.com/office/drawing/2010/main" xmlns:vt="http://schemas.openxmlformats.org/officeDocument/2006/docPropsVTypes" xmlns:ns1="http://schemas.openxmlformats.org/officeDocument/2006/extended-properties" xmlns:cs="http://schemas.microsoft.com/office/drawing/2012/chartStyle" xmlns:c="http://schemas.openxmlformats.org/drawingml/2006/chart" xmlns="" id="{029E947F-C7D6-43A6-B618-70C08A4BF686}"/>
               </a:ext>
             </a:extLst>
           </p:cNvPr>
@@ -5588,7 +5588,7 @@
           <p:cNvPr id="15" name="Text Placeholder 2">
             <a:extLst>
               <a:ext uri="{F4477EEC-E531-4F63-B572-65FE2E4D910C}">
-                <a16:creationId xmlns="" xmlns:c="http://schemas.openxmlformats.org/drawingml/2006/chart" xmlns:cs="http://schemas.microsoft.com/office/drawing/2012/chartStyle" xmlns:ns1="http://schemas.openxmlformats.org/officeDocument/2006/extended-properties" xmlns:vt="http://schemas.openxmlformats.org/officeDocument/2006/docPropsVTypes" xmlns:a16="http://schemas.microsoft.com/office/drawing/2010/main" id="{16E3CFC1-0D7F-4BA3-B75B-529AF8EA7DC8}"/>
+                <a16:creationId xmlns:a16="http://schemas.microsoft.com/office/drawing/2010/main" xmlns:vt="http://schemas.openxmlformats.org/officeDocument/2006/docPropsVTypes" xmlns:ns1="http://schemas.openxmlformats.org/officeDocument/2006/extended-properties" xmlns:cs="http://schemas.microsoft.com/office/drawing/2012/chartStyle" xmlns:c="http://schemas.openxmlformats.org/drawingml/2006/chart" xmlns="" id="{16E3CFC1-0D7F-4BA3-B75B-529AF8EA7DC8}"/>
               </a:ext>
             </a:extLst>
           </p:cNvPr>
@@ -5636,7 +5636,7 @@
           <p:cNvPr id="16" name="Text Placeholder 2">
             <a:extLst>
               <a:ext uri="{89E2B3AB-245E-453F-9A02-E1AE30064564}">
-                <a16:creationId xmlns="" xmlns:c="http://schemas.openxmlformats.org/drawingml/2006/chart" xmlns:cs="http://schemas.microsoft.com/office/drawing/2012/chartStyle" xmlns:ns1="http://schemas.openxmlformats.org/officeDocument/2006/extended-properties" xmlns:vt="http://schemas.openxmlformats.org/officeDocument/2006/docPropsVTypes" xmlns:a16="http://schemas.microsoft.com/office/drawing/2010/main" id="{3205BBE6-9B3C-4266-957D-C24C50E81D74}"/>
+                <a16:creationId xmlns:a16="http://schemas.microsoft.com/office/drawing/2010/main" xmlns:vt="http://schemas.openxmlformats.org/officeDocument/2006/docPropsVTypes" xmlns:ns1="http://schemas.openxmlformats.org/officeDocument/2006/extended-properties" xmlns:cs="http://schemas.microsoft.com/office/drawing/2012/chartStyle" xmlns:c="http://schemas.openxmlformats.org/drawingml/2006/chart" xmlns="" id="{3205BBE6-9B3C-4266-957D-C24C50E81D74}"/>
               </a:ext>
             </a:extLst>
           </p:cNvPr>
@@ -5684,7 +5684,7 @@
           <p:cNvPr id="17" name="Text Placeholder 2">
             <a:extLst>
               <a:ext uri="{69E60D4B-84A3-4C8B-A85D-5087C98E28B3}">
-                <a16:creationId xmlns="" xmlns:c="http://schemas.openxmlformats.org/drawingml/2006/chart" xmlns:cs="http://schemas.microsoft.com/office/drawing/2012/chartStyle" xmlns:ns1="http://schemas.openxmlformats.org/officeDocument/2006/extended-properties" xmlns:vt="http://schemas.openxmlformats.org/officeDocument/2006/docPropsVTypes" xmlns:a16="http://schemas.microsoft.com/office/drawing/2010/main" id="{989A034E-30FF-4269-9D0A-C1D60DD9FA30}"/>
+                <a16:creationId xmlns:a16="http://schemas.microsoft.com/office/drawing/2010/main" xmlns:vt="http://schemas.openxmlformats.org/officeDocument/2006/docPropsVTypes" xmlns:ns1="http://schemas.openxmlformats.org/officeDocument/2006/extended-properties" xmlns:cs="http://schemas.microsoft.com/office/drawing/2012/chartStyle" xmlns:c="http://schemas.openxmlformats.org/drawingml/2006/chart" xmlns="" id="{989A034E-30FF-4269-9D0A-C1D60DD9FA30}"/>
               </a:ext>
             </a:extLst>
           </p:cNvPr>
@@ -5729,7 +5729,7 @@
           <p:cNvPr id="18" name="Text Placeholder 2">
             <a:extLst>
               <a:ext uri="{3F5E7496-B4F1-41A9-A51D-350DCD43D26F}">
-                <a16:creationId xmlns="" xmlns:c="http://schemas.openxmlformats.org/drawingml/2006/chart" xmlns:cs="http://schemas.microsoft.com/office/drawing/2012/chartStyle" xmlns:ns1="http://schemas.openxmlformats.org/officeDocument/2006/extended-properties" xmlns:vt="http://schemas.openxmlformats.org/officeDocument/2006/docPropsVTypes" xmlns:a16="http://schemas.microsoft.com/office/drawing/2010/main" id="{AE1BDC6C-2CCE-41B1-8540-6DB59999C8A4}"/>
+                <a16:creationId xmlns:a16="http://schemas.microsoft.com/office/drawing/2010/main" xmlns:vt="http://schemas.openxmlformats.org/officeDocument/2006/docPropsVTypes" xmlns:ns1="http://schemas.openxmlformats.org/officeDocument/2006/extended-properties" xmlns:cs="http://schemas.microsoft.com/office/drawing/2012/chartStyle" xmlns:c="http://schemas.openxmlformats.org/drawingml/2006/chart" xmlns="" id="{AE1BDC6C-2CCE-41B1-8540-6DB59999C8A4}"/>
               </a:ext>
             </a:extLst>
           </p:cNvPr>
@@ -5774,7 +5774,7 @@
           <p:cNvPr id="19" name="Text Placeholder 2">
             <a:extLst>
               <a:ext uri="{3D6E0042-46F7-493B-A1E5-F82A6D6877F7}">
-                <a16:creationId xmlns="" xmlns:c="http://schemas.openxmlformats.org/drawingml/2006/chart" xmlns:cs="http://schemas.microsoft.com/office/drawing/2012/chartStyle" xmlns:ns1="http://schemas.openxmlformats.org/officeDocument/2006/extended-properties" xmlns:vt="http://schemas.openxmlformats.org/officeDocument/2006/docPropsVTypes" xmlns:a16="http://schemas.microsoft.com/office/drawing/2010/main" id="{FE3A56A3-C600-4D17-83AC-8C4E7A1D81A4}"/>
+                <a16:creationId xmlns:a16="http://schemas.microsoft.com/office/drawing/2010/main" xmlns:vt="http://schemas.openxmlformats.org/officeDocument/2006/docPropsVTypes" xmlns:ns1="http://schemas.openxmlformats.org/officeDocument/2006/extended-properties" xmlns:cs="http://schemas.microsoft.com/office/drawing/2012/chartStyle" xmlns:c="http://schemas.openxmlformats.org/drawingml/2006/chart" xmlns="" id="{FE3A56A3-C600-4D17-83AC-8C4E7A1D81A4}"/>
               </a:ext>
             </a:extLst>
           </p:cNvPr>
@@ -5819,7 +5819,7 @@
           <p:cNvPr id="20" name="Text Placeholder 2">
             <a:extLst>
               <a:ext uri="{C9D534FB-E5D4-434C-BEA8-B57A6ED1271A}">
-                <a16:creationId xmlns="" xmlns:c="http://schemas.openxmlformats.org/drawingml/2006/chart" xmlns:cs="http://schemas.microsoft.com/office/drawing/2012/chartStyle" xmlns:ns1="http://schemas.openxmlformats.org/officeDocument/2006/extended-properties" xmlns:vt="http://schemas.openxmlformats.org/officeDocument/2006/docPropsVTypes" xmlns:a16="http://schemas.microsoft.com/office/drawing/2010/main" id="{67902F20-0ED4-4F8F-BA70-EFA6922F696A}"/>
+                <a16:creationId xmlns:a16="http://schemas.microsoft.com/office/drawing/2010/main" xmlns:vt="http://schemas.openxmlformats.org/officeDocument/2006/docPropsVTypes" xmlns:ns1="http://schemas.openxmlformats.org/officeDocument/2006/extended-properties" xmlns:cs="http://schemas.microsoft.com/office/drawing/2012/chartStyle" xmlns:c="http://schemas.openxmlformats.org/drawingml/2006/chart" xmlns="" id="{67902F20-0ED4-4F8F-BA70-EFA6922F696A}"/>
               </a:ext>
             </a:extLst>
           </p:cNvPr>
@@ -5864,7 +5864,7 @@
           <p:cNvPr id="21" name="Text Placeholder 2">
             <a:extLst>
               <a:ext uri="{509DBBC0-4C4A-4BE1-89E8-054E36763EE1}">
-                <a16:creationId xmlns="" xmlns:c="http://schemas.openxmlformats.org/drawingml/2006/chart" xmlns:cs="http://schemas.microsoft.com/office/drawing/2012/chartStyle" xmlns:ns1="http://schemas.openxmlformats.org/officeDocument/2006/extended-properties" xmlns:vt="http://schemas.openxmlformats.org/officeDocument/2006/docPropsVTypes" xmlns:a16="http://schemas.microsoft.com/office/drawing/2010/main" id="{34415F38-33DD-4CAB-A7AE-61A6FCB80C20}"/>
+                <a16:creationId xmlns:a16="http://schemas.microsoft.com/office/drawing/2010/main" xmlns:vt="http://schemas.openxmlformats.org/officeDocument/2006/docPropsVTypes" xmlns:ns1="http://schemas.openxmlformats.org/officeDocument/2006/extended-properties" xmlns:cs="http://schemas.microsoft.com/office/drawing/2012/chartStyle" xmlns:c="http://schemas.openxmlformats.org/drawingml/2006/chart" xmlns="" id="{34415F38-33DD-4CAB-A7AE-61A6FCB80C20}"/>
               </a:ext>
             </a:extLst>
           </p:cNvPr>
@@ -5909,7 +5909,7 @@
           <p:cNvPr id="22" name="Text Placeholder 2">
             <a:extLst>
               <a:ext uri="{44FB9A38-3013-4982-A24E-D1EB070CA23E}">
-                <a16:creationId xmlns="" xmlns:c="http://schemas.openxmlformats.org/drawingml/2006/chart" xmlns:cs="http://schemas.microsoft.com/office/drawing/2012/chartStyle" xmlns:ns1="http://schemas.openxmlformats.org/officeDocument/2006/extended-properties" xmlns:vt="http://schemas.openxmlformats.org/officeDocument/2006/docPropsVTypes" xmlns:a16="http://schemas.microsoft.com/office/drawing/2010/main" id="{972B8E6C-E251-4949-98B5-E827E1BE4FBB}"/>
+                <a16:creationId xmlns:a16="http://schemas.microsoft.com/office/drawing/2010/main" xmlns:vt="http://schemas.openxmlformats.org/officeDocument/2006/docPropsVTypes" xmlns:ns1="http://schemas.openxmlformats.org/officeDocument/2006/extended-properties" xmlns:cs="http://schemas.microsoft.com/office/drawing/2012/chartStyle" xmlns:c="http://schemas.openxmlformats.org/drawingml/2006/chart" xmlns="" id="{972B8E6C-E251-4949-98B5-E827E1BE4FBB}"/>
               </a:ext>
             </a:extLst>
           </p:cNvPr>
@@ -5954,7 +5954,7 @@
           <p:cNvPr id="23" name="Marcador de posición de imagen 22">
             <a:extLst>
               <a:ext uri="{6DABCBD8-C2E3-4B44-A392-A8FDCBA885CB}">
-                <a16:creationId xmlns="" xmlns:c="http://schemas.openxmlformats.org/drawingml/2006/chart" xmlns:cs="http://schemas.microsoft.com/office/drawing/2012/chartStyle" xmlns:ns1="http://schemas.openxmlformats.org/officeDocument/2006/extended-properties" xmlns:vt="http://schemas.openxmlformats.org/officeDocument/2006/docPropsVTypes" xmlns:a16="http://schemas.microsoft.com/office/drawing/2010/main" id="{80F2D9C9-D99A-4519-84AD-A2B25D18C99B}"/>
+                <a16:creationId xmlns:a16="http://schemas.microsoft.com/office/drawing/2010/main" xmlns:vt="http://schemas.openxmlformats.org/officeDocument/2006/docPropsVTypes" xmlns:ns1="http://schemas.openxmlformats.org/officeDocument/2006/extended-properties" xmlns:cs="http://schemas.microsoft.com/office/drawing/2012/chartStyle" xmlns:c="http://schemas.openxmlformats.org/drawingml/2006/chart" xmlns="" id="{80F2D9C9-D99A-4519-84AD-A2B25D18C99B}"/>
               </a:ext>
             </a:extLst>
           </p:cNvPr>
@@ -5993,7 +5993,7 @@
           <p:cNvPr id="24" name="Rectángulo 23">
             <a:extLst>
               <a:ext uri="{E5D2B49A-21F8-40A4-A329-D46C238FD5B0}">
-                <a16:creationId xmlns="" xmlns:c="http://schemas.openxmlformats.org/drawingml/2006/chart" xmlns:cs="http://schemas.microsoft.com/office/drawing/2012/chartStyle" xmlns:ns1="http://schemas.openxmlformats.org/officeDocument/2006/extended-properties" xmlns:vt="http://schemas.openxmlformats.org/officeDocument/2006/docPropsVTypes" xmlns:a16="http://schemas.microsoft.com/office/drawing/2010/main" id="{9C7D63FA-932E-4CDD-A603-7E0F89A4849A}"/>
+                <a16:creationId xmlns:a16="http://schemas.microsoft.com/office/drawing/2010/main" xmlns:vt="http://schemas.openxmlformats.org/officeDocument/2006/docPropsVTypes" xmlns:ns1="http://schemas.openxmlformats.org/officeDocument/2006/extended-properties" xmlns:cs="http://schemas.microsoft.com/office/drawing/2012/chartStyle" xmlns:c="http://schemas.openxmlformats.org/drawingml/2006/chart" xmlns="" id="{9C7D63FA-932E-4CDD-A603-7E0F89A4849A}"/>
               </a:ext>
             </a:extLst>
           </p:cNvPr>
@@ -6055,7 +6055,7 @@
           <p:cNvPr id="25" name="Rectángulo 24">
             <a:extLst>
               <a:ext uri="{29AD4AA7-52B1-4442-A346-EA4C95CA4263}">
-                <a16:creationId xmlns="" xmlns:c="http://schemas.openxmlformats.org/drawingml/2006/chart" xmlns:cs="http://schemas.microsoft.com/office/drawing/2012/chartStyle" xmlns:ns1="http://schemas.openxmlformats.org/officeDocument/2006/extended-properties" xmlns:vt="http://schemas.openxmlformats.org/officeDocument/2006/docPropsVTypes" xmlns:a16="http://schemas.microsoft.com/office/drawing/2010/main" id="{D9AFD85A-C3B5-4FF0-9E27-5045550479B5}"/>
+                <a16:creationId xmlns:a16="http://schemas.microsoft.com/office/drawing/2010/main" xmlns:vt="http://schemas.openxmlformats.org/officeDocument/2006/docPropsVTypes" xmlns:ns1="http://schemas.openxmlformats.org/officeDocument/2006/extended-properties" xmlns:cs="http://schemas.microsoft.com/office/drawing/2012/chartStyle" xmlns:c="http://schemas.openxmlformats.org/drawingml/2006/chart" xmlns="" id="{D9AFD85A-C3B5-4FF0-9E27-5045550479B5}"/>
               </a:ext>
             </a:extLst>
           </p:cNvPr>
@@ -6117,7 +6117,7 @@
           <p:cNvPr id="26" name="Rectángulo 25">
             <a:extLst>
               <a:ext uri="{A77489A1-9CE9-4302-99AE-7D7F5EF09E81}">
-                <a16:creationId xmlns="" xmlns:c="http://schemas.openxmlformats.org/drawingml/2006/chart" xmlns:cs="http://schemas.microsoft.com/office/drawing/2012/chartStyle" xmlns:ns1="http://schemas.openxmlformats.org/officeDocument/2006/extended-properties" xmlns:vt="http://schemas.openxmlformats.org/officeDocument/2006/docPropsVTypes" xmlns:a16="http://schemas.microsoft.com/office/drawing/2010/main" id="{065763A9-C4CE-46BE-9DDE-8C2EF182BAB1}"/>
+                <a16:creationId xmlns:a16="http://schemas.microsoft.com/office/drawing/2010/main" xmlns:vt="http://schemas.openxmlformats.org/officeDocument/2006/docPropsVTypes" xmlns:ns1="http://schemas.openxmlformats.org/officeDocument/2006/extended-properties" xmlns:cs="http://schemas.microsoft.com/office/drawing/2012/chartStyle" xmlns:c="http://schemas.openxmlformats.org/drawingml/2006/chart" xmlns="" id="{065763A9-C4CE-46BE-9DDE-8C2EF182BAB1}"/>
               </a:ext>
             </a:extLst>
           </p:cNvPr>
@@ -6179,7 +6179,7 @@
           <p:cNvPr id="27" name="Rectángulo 26">
             <a:extLst>
               <a:ext uri="{511EB353-7666-4DA0-A310-4007BF58FEF0}">
-                <a16:creationId xmlns="" xmlns:c="http://schemas.openxmlformats.org/drawingml/2006/chart" xmlns:cs="http://schemas.microsoft.com/office/drawing/2012/chartStyle" xmlns:ns1="http://schemas.openxmlformats.org/officeDocument/2006/extended-properties" xmlns:vt="http://schemas.openxmlformats.org/officeDocument/2006/docPropsVTypes" xmlns:a16="http://schemas.microsoft.com/office/drawing/2010/main" id="{93D42C9F-A733-4F91-927F-B1BDE7CDC400}"/>
+                <a16:creationId xmlns:a16="http://schemas.microsoft.com/office/drawing/2010/main" xmlns:vt="http://schemas.openxmlformats.org/officeDocument/2006/docPropsVTypes" xmlns:ns1="http://schemas.openxmlformats.org/officeDocument/2006/extended-properties" xmlns:cs="http://schemas.microsoft.com/office/drawing/2012/chartStyle" xmlns:c="http://schemas.openxmlformats.org/drawingml/2006/chart" xmlns="" id="{93D42C9F-A733-4F91-927F-B1BDE7CDC400}"/>
               </a:ext>
             </a:extLst>
           </p:cNvPr>
@@ -6241,7 +6241,7 @@
           <p:cNvPr id="28" name="Rectángulo 27">
             <a:extLst>
               <a:ext uri="{7D63EE60-54EA-4438-93C7-01225E9387BE}">
-                <a16:creationId xmlns="" xmlns:c="http://schemas.openxmlformats.org/drawingml/2006/chart" xmlns:cs="http://schemas.microsoft.com/office/drawing/2012/chartStyle" xmlns:ns1="http://schemas.openxmlformats.org/officeDocument/2006/extended-properties" xmlns:vt="http://schemas.openxmlformats.org/officeDocument/2006/docPropsVTypes" xmlns:a16="http://schemas.microsoft.com/office/drawing/2010/main" id="{2012C4F6-552D-4704-B163-53A51238FD36}"/>
+                <a16:creationId xmlns:a16="http://schemas.microsoft.com/office/drawing/2010/main" xmlns:vt="http://schemas.openxmlformats.org/officeDocument/2006/docPropsVTypes" xmlns:ns1="http://schemas.openxmlformats.org/officeDocument/2006/extended-properties" xmlns:cs="http://schemas.microsoft.com/office/drawing/2012/chartStyle" xmlns:c="http://schemas.openxmlformats.org/drawingml/2006/chart" xmlns="" id="{2012C4F6-552D-4704-B163-53A51238FD36}"/>
               </a:ext>
             </a:extLst>
           </p:cNvPr>
@@ -6303,7 +6303,7 @@
           <p:cNvPr id="29" name="Rectángulo 28">
             <a:extLst>
               <a:ext uri="{A7B10290-149E-4C32-BE1D-41506ED47FC2}">
-                <a16:creationId xmlns="" xmlns:c="http://schemas.openxmlformats.org/drawingml/2006/chart" xmlns:cs="http://schemas.microsoft.com/office/drawing/2012/chartStyle" xmlns:ns1="http://schemas.openxmlformats.org/officeDocument/2006/extended-properties" xmlns:vt="http://schemas.openxmlformats.org/officeDocument/2006/docPropsVTypes" xmlns:a16="http://schemas.microsoft.com/office/drawing/2010/main" id="{82AE04BA-80D5-4967-9EC2-A9EEA8B1A629}"/>
+                <a16:creationId xmlns:a16="http://schemas.microsoft.com/office/drawing/2010/main" xmlns:vt="http://schemas.openxmlformats.org/officeDocument/2006/docPropsVTypes" xmlns:ns1="http://schemas.openxmlformats.org/officeDocument/2006/extended-properties" xmlns:cs="http://schemas.microsoft.com/office/drawing/2012/chartStyle" xmlns:c="http://schemas.openxmlformats.org/drawingml/2006/chart" xmlns="" id="{82AE04BA-80D5-4967-9EC2-A9EEA8B1A629}"/>
               </a:ext>
             </a:extLst>
           </p:cNvPr>
@@ -6365,7 +6365,7 @@
           <p:cNvPr id="30" name="Rectángulo 29">
             <a:extLst>
               <a:ext uri="{ECEF0B10-907D-49F3-A404-6C47D5E29937}">
-                <a16:creationId xmlns="" xmlns:c="http://schemas.openxmlformats.org/drawingml/2006/chart" xmlns:cs="http://schemas.microsoft.com/office/drawing/2012/chartStyle" xmlns:ns1="http://schemas.openxmlformats.org/officeDocument/2006/extended-properties" xmlns:vt="http://schemas.openxmlformats.org/officeDocument/2006/docPropsVTypes" xmlns:a16="http://schemas.microsoft.com/office/drawing/2010/main" id="{393C264B-97BF-4BBF-B322-5BB3490047FE}"/>
+                <a16:creationId xmlns:a16="http://schemas.microsoft.com/office/drawing/2010/main" xmlns:vt="http://schemas.openxmlformats.org/officeDocument/2006/docPropsVTypes" xmlns:ns1="http://schemas.openxmlformats.org/officeDocument/2006/extended-properties" xmlns:cs="http://schemas.microsoft.com/office/drawing/2012/chartStyle" xmlns:c="http://schemas.openxmlformats.org/drawingml/2006/chart" xmlns="" id="{393C264B-97BF-4BBF-B322-5BB3490047FE}"/>
               </a:ext>
             </a:extLst>
           </p:cNvPr>
@@ -6427,7 +6427,7 @@
           <p:cNvPr id="31" name="Rectángulo 30">
             <a:extLst>
               <a:ext uri="{BE5502F5-513E-4EC0-80D2-2F87C0D185DF}">
-                <a16:creationId xmlns="" xmlns:c="http://schemas.openxmlformats.org/drawingml/2006/chart" xmlns:cs="http://schemas.microsoft.com/office/drawing/2012/chartStyle" xmlns:ns1="http://schemas.openxmlformats.org/officeDocument/2006/extended-properties" xmlns:vt="http://schemas.openxmlformats.org/officeDocument/2006/docPropsVTypes" xmlns:a16="http://schemas.microsoft.com/office/drawing/2010/main" id="{9E67BA38-D29C-4ED8-B190-C8175AFF9065}"/>
+                <a16:creationId xmlns:a16="http://schemas.microsoft.com/office/drawing/2010/main" xmlns:vt="http://schemas.openxmlformats.org/officeDocument/2006/docPropsVTypes" xmlns:ns1="http://schemas.openxmlformats.org/officeDocument/2006/extended-properties" xmlns:cs="http://schemas.microsoft.com/office/drawing/2012/chartStyle" xmlns:c="http://schemas.openxmlformats.org/drawingml/2006/chart" xmlns="" id="{9E67BA38-D29C-4ED8-B190-C8175AFF9065}"/>
               </a:ext>
             </a:extLst>
           </p:cNvPr>
@@ -6489,7 +6489,7 @@
           <p:cNvPr id="32" name="Rectángulo 31">
             <a:extLst>
               <a:ext uri="{F7946DB0-C0B7-4A7B-854F-4FBA77ACC9DD}">
-                <a16:creationId xmlns="" xmlns:c="http://schemas.openxmlformats.org/drawingml/2006/chart" xmlns:cs="http://schemas.microsoft.com/office/drawing/2012/chartStyle" xmlns:ns1="http://schemas.openxmlformats.org/officeDocument/2006/extended-properties" xmlns:vt="http://schemas.openxmlformats.org/officeDocument/2006/docPropsVTypes" xmlns:a16="http://schemas.microsoft.com/office/drawing/2010/main" id="{FF449D10-569F-4452-9C57-285554540A88}"/>
+                <a16:creationId xmlns:a16="http://schemas.microsoft.com/office/drawing/2010/main" xmlns:vt="http://schemas.openxmlformats.org/officeDocument/2006/docPropsVTypes" xmlns:ns1="http://schemas.openxmlformats.org/officeDocument/2006/extended-properties" xmlns:cs="http://schemas.microsoft.com/office/drawing/2012/chartStyle" xmlns:c="http://schemas.openxmlformats.org/drawingml/2006/chart" xmlns="" id="{FF449D10-569F-4452-9C57-285554540A88}"/>
               </a:ext>
             </a:extLst>
           </p:cNvPr>
@@ -6551,7 +6551,7 @@
           <p:cNvPr id="33" name="Date Placeholder 1">
             <a:extLst>
               <a:ext uri="{0618781A-5182-4249-B625-E772255475B6}">
-                <a16:creationId xmlns="" xmlns:c="http://schemas.openxmlformats.org/drawingml/2006/chart" xmlns:cs="http://schemas.microsoft.com/office/drawing/2012/chartStyle" xmlns:ns1="http://schemas.openxmlformats.org/officeDocument/2006/extended-properties" xmlns:vt="http://schemas.openxmlformats.org/officeDocument/2006/docPropsVTypes" xmlns:a16="http://schemas.microsoft.com/office/drawing/2010/main" id="{F3E0431A-E365-477E-8DA1-DCAF9CFB052A}"/>
+                <a16:creationId xmlns:a16="http://schemas.microsoft.com/office/drawing/2010/main" xmlns:vt="http://schemas.openxmlformats.org/officeDocument/2006/docPropsVTypes" xmlns:ns1="http://schemas.openxmlformats.org/officeDocument/2006/extended-properties" xmlns:cs="http://schemas.microsoft.com/office/drawing/2012/chartStyle" xmlns:c="http://schemas.openxmlformats.org/drawingml/2006/chart" xmlns="" id="{F3E0431A-E365-477E-8DA1-DCAF9CFB052A}"/>
               </a:ext>
             </a:extLst>
           </p:cNvPr>
@@ -6598,7 +6598,7 @@
           <p:cNvPr id="34" name="Footer Placeholder 1">
             <a:extLst>
               <a:ext uri="{D0A702F6-5AA4-4BBB-8F25-1576E0F55069}">
-                <a16:creationId xmlns="" xmlns:c="http://schemas.openxmlformats.org/drawingml/2006/chart" xmlns:cs="http://schemas.microsoft.com/office/drawing/2012/chartStyle" xmlns:ns1="http://schemas.openxmlformats.org/officeDocument/2006/extended-properties" xmlns:vt="http://schemas.openxmlformats.org/officeDocument/2006/docPropsVTypes" xmlns:a16="http://schemas.microsoft.com/office/drawing/2010/main" id="{0B0483AC-EA0A-4FFF-9A63-418B1639DD6A}"/>
+                <a16:creationId xmlns:a16="http://schemas.microsoft.com/office/drawing/2010/main" xmlns:vt="http://schemas.openxmlformats.org/officeDocument/2006/docPropsVTypes" xmlns:ns1="http://schemas.openxmlformats.org/officeDocument/2006/extended-properties" xmlns:cs="http://schemas.microsoft.com/office/drawing/2012/chartStyle" xmlns:c="http://schemas.openxmlformats.org/drawingml/2006/chart" xmlns="" id="{0B0483AC-EA0A-4FFF-9A63-418B1639DD6A}"/>
               </a:ext>
             </a:extLst>
           </p:cNvPr>
@@ -6646,7 +6646,7 @@
     </p:custDataLst>
     <p:extLst>
       <p:ext uri="{811A5718-8EF3-449C-B1F4-BB3A69629B52}">
-        <p14:creationId xmlns="" xmlns:c="http://schemas.openxmlformats.org/drawingml/2006/chart" xmlns:cs="http://schemas.microsoft.com/office/drawing/2012/chartStyle" xmlns:ns1="http://schemas.openxmlformats.org/officeDocument/2006/extended-properties" xmlns:vt="http://schemas.openxmlformats.org/officeDocument/2006/docPropsVTypes" xmlns:p14="http://schemas.microsoft.com/office/powerpoint/2010/main" val="1724933507249"/>
+        <p14:creationId xmlns:p14="http://schemas.microsoft.com/office/powerpoint/2010/main" xmlns:vt="http://schemas.openxmlformats.org/officeDocument/2006/docPropsVTypes" xmlns:ns1="http://schemas.openxmlformats.org/officeDocument/2006/extended-properties" xmlns:cs="http://schemas.microsoft.com/office/drawing/2012/chartStyle" xmlns:c="http://schemas.openxmlformats.org/drawingml/2006/chart" xmlns="" val="1724933507249"/>
       </p:ext>
     </p:extLst>
   </p:cSld>
@@ -6678,7 +6678,7 @@
           <p:cNvPr id="2" name="Slide Number Placeholder 5">
             <a:extLst>
               <a:ext uri="{C00316D5-E938-411F-8277-6681DD1ED626}">
-                <a16:creationId xmlns="" xmlns:c="http://schemas.openxmlformats.org/drawingml/2006/chart" xmlns:cs="http://schemas.microsoft.com/office/drawing/2012/chartStyle" xmlns:ns1="http://schemas.openxmlformats.org/officeDocument/2006/extended-properties" xmlns:vt="http://schemas.openxmlformats.org/officeDocument/2006/docPropsVTypes" xmlns:a16="http://schemas.microsoft.com/office/drawing/2010/main" id="{2BEC3D5D-C831-473E-B129-B292E1DDD7DE}"/>
+                <a16:creationId xmlns:a16="http://schemas.microsoft.com/office/drawing/2010/main" xmlns:vt="http://schemas.openxmlformats.org/officeDocument/2006/docPropsVTypes" xmlns:ns1="http://schemas.openxmlformats.org/officeDocument/2006/extended-properties" xmlns:cs="http://schemas.microsoft.com/office/drawing/2012/chartStyle" xmlns:c="http://schemas.openxmlformats.org/drawingml/2006/chart" xmlns="" id="{2BEC3D5D-C831-473E-B129-B292E1DDD7DE}"/>
               </a:ext>
             </a:extLst>
           </p:cNvPr>
@@ -6706,7 +6706,7 @@
           <p:cNvPr id="3" name="Title 6">
             <a:extLst>
               <a:ext uri="{663F5325-7F61-4FEF-BC77-3B06E0CED117}">
-                <a16:creationId xmlns="" xmlns:c="http://schemas.openxmlformats.org/drawingml/2006/chart" xmlns:cs="http://schemas.microsoft.com/office/drawing/2012/chartStyle" xmlns:ns1="http://schemas.openxmlformats.org/officeDocument/2006/extended-properties" xmlns:vt="http://schemas.openxmlformats.org/officeDocument/2006/docPropsVTypes" xmlns:a16="http://schemas.microsoft.com/office/drawing/2010/main" id="{0C1DA08F-1269-4F34-8D65-D5CE1D84A6BB}"/>
+                <a16:creationId xmlns:a16="http://schemas.microsoft.com/office/drawing/2010/main" xmlns:vt="http://schemas.openxmlformats.org/officeDocument/2006/docPropsVTypes" xmlns:ns1="http://schemas.openxmlformats.org/officeDocument/2006/extended-properties" xmlns:cs="http://schemas.microsoft.com/office/drawing/2012/chartStyle" xmlns:c="http://schemas.openxmlformats.org/drawingml/2006/chart" xmlns="" id="{0C1DA08F-1269-4F34-8D65-D5CE1D84A6BB}"/>
               </a:ext>
             </a:extLst>
           </p:cNvPr>
@@ -6746,7 +6746,7 @@
           <p:cNvPr id="4" name="Content Placeholder 2">
             <a:extLst>
               <a:ext uri="{C4281A56-20CF-4677-9176-0212EAE35758}">
-                <a16:creationId xmlns="" xmlns:c="http://schemas.openxmlformats.org/drawingml/2006/chart" xmlns:cs="http://schemas.microsoft.com/office/drawing/2012/chartStyle" xmlns:ns1="http://schemas.openxmlformats.org/officeDocument/2006/extended-properties" xmlns:vt="http://schemas.openxmlformats.org/officeDocument/2006/docPropsVTypes" xmlns:a16="http://schemas.microsoft.com/office/drawing/2010/main" id="{29C55374-8883-4146-82D9-03A1C53D11FB}"/>
+                <a16:creationId xmlns:a16="http://schemas.microsoft.com/office/drawing/2010/main" xmlns:vt="http://schemas.openxmlformats.org/officeDocument/2006/docPropsVTypes" xmlns:ns1="http://schemas.openxmlformats.org/officeDocument/2006/extended-properties" xmlns:cs="http://schemas.microsoft.com/office/drawing/2012/chartStyle" xmlns:c="http://schemas.openxmlformats.org/drawingml/2006/chart" xmlns="" id="{29C55374-8883-4146-82D9-03A1C53D11FB}"/>
               </a:ext>
             </a:extLst>
           </p:cNvPr>
@@ -6794,7 +6794,7 @@
           <p:cNvPr id="5" name="Content Placeholder 2">
             <a:extLst>
               <a:ext uri="{5EBFC79D-8352-4424-B951-F247F13E4D38}">
-                <a16:creationId xmlns="" xmlns:c="http://schemas.openxmlformats.org/drawingml/2006/chart" xmlns:cs="http://schemas.microsoft.com/office/drawing/2012/chartStyle" xmlns:ns1="http://schemas.openxmlformats.org/officeDocument/2006/extended-properties" xmlns:vt="http://schemas.openxmlformats.org/officeDocument/2006/docPropsVTypes" xmlns:a16="http://schemas.microsoft.com/office/drawing/2010/main" id="{8453ED56-5366-4134-AB59-8396645F02C2}"/>
+                <a16:creationId xmlns:a16="http://schemas.microsoft.com/office/drawing/2010/main" xmlns:vt="http://schemas.openxmlformats.org/officeDocument/2006/docPropsVTypes" xmlns:ns1="http://schemas.openxmlformats.org/officeDocument/2006/extended-properties" xmlns:cs="http://schemas.microsoft.com/office/drawing/2012/chartStyle" xmlns:c="http://schemas.openxmlformats.org/drawingml/2006/chart" xmlns="" id="{8453ED56-5366-4134-AB59-8396645F02C2}"/>
               </a:ext>
             </a:extLst>
           </p:cNvPr>
@@ -6842,7 +6842,7 @@
           <p:cNvPr id="6" name="Content Placeholder 2">
             <a:extLst>
               <a:ext uri="{25A0C51B-3768-4F8F-AD1C-E6ED3E533E0B}">
-                <a16:creationId xmlns="" xmlns:c="http://schemas.openxmlformats.org/drawingml/2006/chart" xmlns:cs="http://schemas.microsoft.com/office/drawing/2012/chartStyle" xmlns:ns1="http://schemas.openxmlformats.org/officeDocument/2006/extended-properties" xmlns:vt="http://schemas.openxmlformats.org/officeDocument/2006/docPropsVTypes" xmlns:a16="http://schemas.microsoft.com/office/drawing/2010/main" id="{ED98E9E5-09FE-4E3E-B629-D68002A03BDC}"/>
+                <a16:creationId xmlns:a16="http://schemas.microsoft.com/office/drawing/2010/main" xmlns:vt="http://schemas.openxmlformats.org/officeDocument/2006/docPropsVTypes" xmlns:ns1="http://schemas.openxmlformats.org/officeDocument/2006/extended-properties" xmlns:cs="http://schemas.microsoft.com/office/drawing/2012/chartStyle" xmlns:c="http://schemas.openxmlformats.org/drawingml/2006/chart" xmlns="" id="{ED98E9E5-09FE-4E3E-B629-D68002A03BDC}"/>
               </a:ext>
             </a:extLst>
           </p:cNvPr>
@@ -6890,7 +6890,7 @@
           <p:cNvPr id="7" name="Content Placeholder 2">
             <a:extLst>
               <a:ext uri="{394C9C23-8034-4F73-8D98-93DEB9732102}">
-                <a16:creationId xmlns="" xmlns:c="http://schemas.openxmlformats.org/drawingml/2006/chart" xmlns:cs="http://schemas.microsoft.com/office/drawing/2012/chartStyle" xmlns:ns1="http://schemas.openxmlformats.org/officeDocument/2006/extended-properties" xmlns:vt="http://schemas.openxmlformats.org/officeDocument/2006/docPropsVTypes" xmlns:a16="http://schemas.microsoft.com/office/drawing/2010/main" id="{26DF6FE8-D3C0-4006-8FB4-BB285037EAC0}"/>
+                <a16:creationId xmlns:a16="http://schemas.microsoft.com/office/drawing/2010/main" xmlns:vt="http://schemas.openxmlformats.org/officeDocument/2006/docPropsVTypes" xmlns:ns1="http://schemas.openxmlformats.org/officeDocument/2006/extended-properties" xmlns:cs="http://schemas.microsoft.com/office/drawing/2012/chartStyle" xmlns:c="http://schemas.openxmlformats.org/drawingml/2006/chart" xmlns="" id="{26DF6FE8-D3C0-4006-8FB4-BB285037EAC0}"/>
               </a:ext>
             </a:extLst>
           </p:cNvPr>
@@ -6938,7 +6938,7 @@
           <p:cNvPr id="8" name="Content Placeholder 2">
             <a:extLst>
               <a:ext uri="{4F97F242-D1DC-4956-8FB1-D177DCC2C0DF}">
-                <a16:creationId xmlns="" xmlns:c="http://schemas.openxmlformats.org/drawingml/2006/chart" xmlns:cs="http://schemas.microsoft.com/office/drawing/2012/chartStyle" xmlns:ns1="http://schemas.openxmlformats.org/officeDocument/2006/extended-properties" xmlns:vt="http://schemas.openxmlformats.org/officeDocument/2006/docPropsVTypes" xmlns:a16="http://schemas.microsoft.com/office/drawing/2010/main" id="{236A4770-55BD-48B2-BBEB-D425BE6D29EF}"/>
+                <a16:creationId xmlns:a16="http://schemas.microsoft.com/office/drawing/2010/main" xmlns:vt="http://schemas.openxmlformats.org/officeDocument/2006/docPropsVTypes" xmlns:ns1="http://schemas.openxmlformats.org/officeDocument/2006/extended-properties" xmlns:cs="http://schemas.microsoft.com/office/drawing/2012/chartStyle" xmlns:c="http://schemas.openxmlformats.org/drawingml/2006/chart" xmlns="" id="{236A4770-55BD-48B2-BBEB-D425BE6D29EF}"/>
               </a:ext>
             </a:extLst>
           </p:cNvPr>
@@ -6986,7 +6986,7 @@
           <p:cNvPr id="9" name="Content Placeholder 2">
             <a:extLst>
               <a:ext uri="{AC52063F-3E25-438D-9550-6D37220DF471}">
-                <a16:creationId xmlns="" xmlns:c="http://schemas.openxmlformats.org/drawingml/2006/chart" xmlns:cs="http://schemas.microsoft.com/office/drawing/2012/chartStyle" xmlns:ns1="http://schemas.openxmlformats.org/officeDocument/2006/extended-properties" xmlns:vt="http://schemas.openxmlformats.org/officeDocument/2006/docPropsVTypes" xmlns:a16="http://schemas.microsoft.com/office/drawing/2010/main" id="{2CC068D4-3D45-479C-AAE0-7C7FE61F8965}"/>
+                <a16:creationId xmlns:a16="http://schemas.microsoft.com/office/drawing/2010/main" xmlns:vt="http://schemas.openxmlformats.org/officeDocument/2006/docPropsVTypes" xmlns:ns1="http://schemas.openxmlformats.org/officeDocument/2006/extended-properties" xmlns:cs="http://schemas.microsoft.com/office/drawing/2012/chartStyle" xmlns:c="http://schemas.openxmlformats.org/drawingml/2006/chart" xmlns="" id="{2CC068D4-3D45-479C-AAE0-7C7FE61F8965}"/>
               </a:ext>
             </a:extLst>
           </p:cNvPr>
@@ -7034,7 +7034,7 @@
           <p:cNvPr id="10" name="Text Placeholder 2">
             <a:extLst>
               <a:ext uri="{06280CA8-FA39-46DF-9E5D-54442F05F666}">
-                <a16:creationId xmlns="" xmlns:c="http://schemas.openxmlformats.org/drawingml/2006/chart" xmlns:cs="http://schemas.microsoft.com/office/drawing/2012/chartStyle" xmlns:ns1="http://schemas.openxmlformats.org/officeDocument/2006/extended-properties" xmlns:vt="http://schemas.openxmlformats.org/officeDocument/2006/docPropsVTypes" xmlns:a16="http://schemas.microsoft.com/office/drawing/2010/main" id="{E610829C-7B92-446A-A1F0-BAA30BAD987C}"/>
+                <a16:creationId xmlns:a16="http://schemas.microsoft.com/office/drawing/2010/main" xmlns:vt="http://schemas.openxmlformats.org/officeDocument/2006/docPropsVTypes" xmlns:ns1="http://schemas.openxmlformats.org/officeDocument/2006/extended-properties" xmlns:cs="http://schemas.microsoft.com/office/drawing/2012/chartStyle" xmlns:c="http://schemas.openxmlformats.org/drawingml/2006/chart" xmlns="" id="{E610829C-7B92-446A-A1F0-BAA30BAD987C}"/>
               </a:ext>
             </a:extLst>
           </p:cNvPr>
@@ -7082,7 +7082,7 @@
           <p:cNvPr id="11" name="Text Placeholder 2">
             <a:extLst>
               <a:ext uri="{FAE3B024-F62A-4730-9504-602289B14C3F}">
-                <a16:creationId xmlns="" xmlns:c="http://schemas.openxmlformats.org/drawingml/2006/chart" xmlns:cs="http://schemas.microsoft.com/office/drawing/2012/chartStyle" xmlns:ns1="http://schemas.openxmlformats.org/officeDocument/2006/extended-properties" xmlns:vt="http://schemas.openxmlformats.org/officeDocument/2006/docPropsVTypes" xmlns:a16="http://schemas.microsoft.com/office/drawing/2010/main" id="{D7DB0278-0E33-4D4C-8AE5-75461AEEC1EF}"/>
+                <a16:creationId xmlns:a16="http://schemas.microsoft.com/office/drawing/2010/main" xmlns:vt="http://schemas.openxmlformats.org/officeDocument/2006/docPropsVTypes" xmlns:ns1="http://schemas.openxmlformats.org/officeDocument/2006/extended-properties" xmlns:cs="http://schemas.microsoft.com/office/drawing/2012/chartStyle" xmlns:c="http://schemas.openxmlformats.org/drawingml/2006/chart" xmlns="" id="{D7DB0278-0E33-4D4C-8AE5-75461AEEC1EF}"/>
               </a:ext>
             </a:extLst>
           </p:cNvPr>
@@ -7127,7 +7127,7 @@
           <p:cNvPr id="12" name="Text Placeholder 2">
             <a:extLst>
               <a:ext uri="{49D8EBD9-2C6F-41E2-A760-43FA7FB9F3A8}">
-                <a16:creationId xmlns="" xmlns:c="http://schemas.openxmlformats.org/drawingml/2006/chart" xmlns:cs="http://schemas.microsoft.com/office/drawing/2012/chartStyle" xmlns:ns1="http://schemas.openxmlformats.org/officeDocument/2006/extended-properties" xmlns:vt="http://schemas.openxmlformats.org/officeDocument/2006/docPropsVTypes" xmlns:a16="http://schemas.microsoft.com/office/drawing/2010/main" id="{25DF5AE7-63B8-462A-9D1E-B13112AB5C91}"/>
+                <a16:creationId xmlns:a16="http://schemas.microsoft.com/office/drawing/2010/main" xmlns:vt="http://schemas.openxmlformats.org/officeDocument/2006/docPropsVTypes" xmlns:ns1="http://schemas.openxmlformats.org/officeDocument/2006/extended-properties" xmlns:cs="http://schemas.microsoft.com/office/drawing/2012/chartStyle" xmlns:c="http://schemas.openxmlformats.org/drawingml/2006/chart" xmlns="" id="{25DF5AE7-63B8-462A-9D1E-B13112AB5C91}"/>
               </a:ext>
             </a:extLst>
           </p:cNvPr>
@@ -7172,7 +7172,7 @@
           <p:cNvPr id="13" name="Text Placeholder 2">
             <a:extLst>
               <a:ext uri="{745B76E6-1DB3-412E-87F2-C08104521A6B}">
-                <a16:creationId xmlns="" xmlns:c="http://schemas.openxmlformats.org/drawingml/2006/chart" xmlns:cs="http://schemas.microsoft.com/office/drawing/2012/chartStyle" xmlns:ns1="http://schemas.openxmlformats.org/officeDocument/2006/extended-properties" xmlns:vt="http://schemas.openxmlformats.org/officeDocument/2006/docPropsVTypes" xmlns:a16="http://schemas.microsoft.com/office/drawing/2010/main" id="{DAC5909D-C93D-44A9-B4D1-82E6DD091EBD}"/>
+                <a16:creationId xmlns:a16="http://schemas.microsoft.com/office/drawing/2010/main" xmlns:vt="http://schemas.openxmlformats.org/officeDocument/2006/docPropsVTypes" xmlns:ns1="http://schemas.openxmlformats.org/officeDocument/2006/extended-properties" xmlns:cs="http://schemas.microsoft.com/office/drawing/2012/chartStyle" xmlns:c="http://schemas.openxmlformats.org/drawingml/2006/chart" xmlns="" id="{DAC5909D-C93D-44A9-B4D1-82E6DD091EBD}"/>
               </a:ext>
             </a:extLst>
           </p:cNvPr>
@@ -7220,7 +7220,7 @@
           <p:cNvPr id="14" name="Text Placeholder 2">
             <a:extLst>
               <a:ext uri="{566E1DB3-E704-4CF4-9AE8-1645146070DA}">
-                <a16:creationId xmlns="" xmlns:c="http://schemas.openxmlformats.org/drawingml/2006/chart" xmlns:cs="http://schemas.microsoft.com/office/drawing/2012/chartStyle" xmlns:ns1="http://schemas.openxmlformats.org/officeDocument/2006/extended-properties" xmlns:vt="http://schemas.openxmlformats.org/officeDocument/2006/docPropsVTypes" xmlns:a16="http://schemas.microsoft.com/office/drawing/2010/main" id="{18C23479-121C-4D5A-A099-597EC9D11D9E}"/>
+                <a16:creationId xmlns:a16="http://schemas.microsoft.com/office/drawing/2010/main" xmlns:vt="http://schemas.openxmlformats.org/officeDocument/2006/docPropsVTypes" xmlns:ns1="http://schemas.openxmlformats.org/officeDocument/2006/extended-properties" xmlns:cs="http://schemas.microsoft.com/office/drawing/2012/chartStyle" xmlns:c="http://schemas.openxmlformats.org/drawingml/2006/chart" xmlns="" id="{18C23479-121C-4D5A-A099-597EC9D11D9E}"/>
               </a:ext>
             </a:extLst>
           </p:cNvPr>
@@ -7268,7 +7268,7 @@
           <p:cNvPr id="15" name="Text Placeholder 2">
             <a:extLst>
               <a:ext uri="{994F62E8-CD3B-4AD2-A07D-9303ECD3328A}">
-                <a16:creationId xmlns="" xmlns:c="http://schemas.openxmlformats.org/drawingml/2006/chart" xmlns:cs="http://schemas.microsoft.com/office/drawing/2012/chartStyle" xmlns:ns1="http://schemas.openxmlformats.org/officeDocument/2006/extended-properties" xmlns:vt="http://schemas.openxmlformats.org/officeDocument/2006/docPropsVTypes" xmlns:a16="http://schemas.microsoft.com/office/drawing/2010/main" id="{CAFF14DC-7C20-43DD-AFA8-C97C3860E07B}"/>
+                <a16:creationId xmlns:a16="http://schemas.microsoft.com/office/drawing/2010/main" xmlns:vt="http://schemas.openxmlformats.org/officeDocument/2006/docPropsVTypes" xmlns:ns1="http://schemas.openxmlformats.org/officeDocument/2006/extended-properties" xmlns:cs="http://schemas.microsoft.com/office/drawing/2012/chartStyle" xmlns:c="http://schemas.openxmlformats.org/drawingml/2006/chart" xmlns="" id="{CAFF14DC-7C20-43DD-AFA8-C97C3860E07B}"/>
               </a:ext>
             </a:extLst>
           </p:cNvPr>
@@ -7313,7 +7313,7 @@
           <p:cNvPr id="16" name="Marcador de posición de imagen 15">
             <a:extLst>
               <a:ext uri="{34671097-A769-4402-B4DF-A6E50B261948}">
-                <a16:creationId xmlns="" xmlns:c="http://schemas.openxmlformats.org/drawingml/2006/chart" xmlns:cs="http://schemas.microsoft.com/office/drawing/2012/chartStyle" xmlns:ns1="http://schemas.openxmlformats.org/officeDocument/2006/extended-properties" xmlns:vt="http://schemas.openxmlformats.org/officeDocument/2006/docPropsVTypes" xmlns:a16="http://schemas.microsoft.com/office/drawing/2010/main" id="{3E8A36AD-5587-49B0-B167-B3243125DF47}"/>
+                <a16:creationId xmlns:a16="http://schemas.microsoft.com/office/drawing/2010/main" xmlns:vt="http://schemas.openxmlformats.org/officeDocument/2006/docPropsVTypes" xmlns:ns1="http://schemas.openxmlformats.org/officeDocument/2006/extended-properties" xmlns:cs="http://schemas.microsoft.com/office/drawing/2012/chartStyle" xmlns:c="http://schemas.openxmlformats.org/drawingml/2006/chart" xmlns="" id="{3E8A36AD-5587-49B0-B167-B3243125DF47}"/>
               </a:ext>
             </a:extLst>
           </p:cNvPr>
@@ -7352,7 +7352,7 @@
           <p:cNvPr id="17" name="Marcador de posición de imagen 16">
             <a:extLst>
               <a:ext uri="{6F3FC8AA-3096-44CA-8238-29B0A76080D4}">
-                <a16:creationId xmlns="" xmlns:c="http://schemas.openxmlformats.org/drawingml/2006/chart" xmlns:cs="http://schemas.microsoft.com/office/drawing/2012/chartStyle" xmlns:ns1="http://schemas.openxmlformats.org/officeDocument/2006/extended-properties" xmlns:vt="http://schemas.openxmlformats.org/officeDocument/2006/docPropsVTypes" xmlns:a16="http://schemas.microsoft.com/office/drawing/2010/main" id="{A34C8E87-A71B-4499-BC9A-BB1F8F06A4A8}"/>
+                <a16:creationId xmlns:a16="http://schemas.microsoft.com/office/drawing/2010/main" xmlns:vt="http://schemas.openxmlformats.org/officeDocument/2006/docPropsVTypes" xmlns:ns1="http://schemas.openxmlformats.org/officeDocument/2006/extended-properties" xmlns:cs="http://schemas.microsoft.com/office/drawing/2012/chartStyle" xmlns:c="http://schemas.openxmlformats.org/drawingml/2006/chart" xmlns="" id="{A34C8E87-A71B-4499-BC9A-BB1F8F06A4A8}"/>
               </a:ext>
             </a:extLst>
           </p:cNvPr>
@@ -7391,7 +7391,7 @@
           <p:cNvPr id="18" name="Marcador de posición de imagen 17">
             <a:extLst>
               <a:ext uri="{FC05DC41-73D1-41FB-9418-7DB49C3FA4B1}">
-                <a16:creationId xmlns="" xmlns:c="http://schemas.openxmlformats.org/drawingml/2006/chart" xmlns:cs="http://schemas.microsoft.com/office/drawing/2012/chartStyle" xmlns:ns1="http://schemas.openxmlformats.org/officeDocument/2006/extended-properties" xmlns:vt="http://schemas.openxmlformats.org/officeDocument/2006/docPropsVTypes" xmlns:a16="http://schemas.microsoft.com/office/drawing/2010/main" id="{940D780C-7624-401B-827F-7C338F48EB28}"/>
+                <a16:creationId xmlns:a16="http://schemas.microsoft.com/office/drawing/2010/main" xmlns:vt="http://schemas.openxmlformats.org/officeDocument/2006/docPropsVTypes" xmlns:ns1="http://schemas.openxmlformats.org/officeDocument/2006/extended-properties" xmlns:cs="http://schemas.microsoft.com/office/drawing/2012/chartStyle" xmlns:c="http://schemas.openxmlformats.org/drawingml/2006/chart" xmlns="" id="{940D780C-7624-401B-827F-7C338F48EB28}"/>
               </a:ext>
             </a:extLst>
           </p:cNvPr>
@@ -7430,7 +7430,7 @@
           <p:cNvPr id="19" name="Marcador de posición de imagen 18">
             <a:extLst>
               <a:ext uri="{1432D96E-58DA-42E6-B077-7AEB5052A81B}">
-                <a16:creationId xmlns="" xmlns:c="http://schemas.openxmlformats.org/drawingml/2006/chart" xmlns:cs="http://schemas.microsoft.com/office/drawing/2012/chartStyle" xmlns:ns1="http://schemas.openxmlformats.org/officeDocument/2006/extended-properties" xmlns:vt="http://schemas.openxmlformats.org/officeDocument/2006/docPropsVTypes" xmlns:a16="http://schemas.microsoft.com/office/drawing/2010/main" id="{4FF95893-625E-4B13-8A36-CD661D6B54B7}"/>
+                <a16:creationId xmlns:a16="http://schemas.microsoft.com/office/drawing/2010/main" xmlns:vt="http://schemas.openxmlformats.org/officeDocument/2006/docPropsVTypes" xmlns:ns1="http://schemas.openxmlformats.org/officeDocument/2006/extended-properties" xmlns:cs="http://schemas.microsoft.com/office/drawing/2012/chartStyle" xmlns:c="http://schemas.openxmlformats.org/drawingml/2006/chart" xmlns="" id="{4FF95893-625E-4B13-8A36-CD661D6B54B7}"/>
               </a:ext>
             </a:extLst>
           </p:cNvPr>
@@ -7469,7 +7469,7 @@
           <p:cNvPr id="20" name="Marcador de posición de imagen 19">
             <a:extLst>
               <a:ext uri="{91146340-4883-4612-8F55-84B867C221CB}">
-                <a16:creationId xmlns="" xmlns:c="http://schemas.openxmlformats.org/drawingml/2006/chart" xmlns:cs="http://schemas.microsoft.com/office/drawing/2012/chartStyle" xmlns:ns1="http://schemas.openxmlformats.org/officeDocument/2006/extended-properties" xmlns:vt="http://schemas.openxmlformats.org/officeDocument/2006/docPropsVTypes" xmlns:a16="http://schemas.microsoft.com/office/drawing/2010/main" id="{ADF8C4F6-E7CA-4845-A79D-54F4C6AEA2F5}"/>
+                <a16:creationId xmlns:a16="http://schemas.microsoft.com/office/drawing/2010/main" xmlns:vt="http://schemas.openxmlformats.org/officeDocument/2006/docPropsVTypes" xmlns:ns1="http://schemas.openxmlformats.org/officeDocument/2006/extended-properties" xmlns:cs="http://schemas.microsoft.com/office/drawing/2012/chartStyle" xmlns:c="http://schemas.openxmlformats.org/drawingml/2006/chart" xmlns="" id="{ADF8C4F6-E7CA-4845-A79D-54F4C6AEA2F5}"/>
               </a:ext>
             </a:extLst>
           </p:cNvPr>
@@ -7508,7 +7508,7 @@
           <p:cNvPr id="21" name="Marcador de posición de imagen 20">
             <a:extLst>
               <a:ext uri="{6031E829-F102-48C9-8D21-1BB1D95A67EA}">
-                <a16:creationId xmlns="" xmlns:c="http://schemas.openxmlformats.org/drawingml/2006/chart" xmlns:cs="http://schemas.microsoft.com/office/drawing/2012/chartStyle" xmlns:ns1="http://schemas.openxmlformats.org/officeDocument/2006/extended-properties" xmlns:vt="http://schemas.openxmlformats.org/officeDocument/2006/docPropsVTypes" xmlns:a16="http://schemas.microsoft.com/office/drawing/2010/main" id="{A49CBFF8-93C1-4811-9C17-288261A9C0BB}"/>
+                <a16:creationId xmlns:a16="http://schemas.microsoft.com/office/drawing/2010/main" xmlns:vt="http://schemas.openxmlformats.org/officeDocument/2006/docPropsVTypes" xmlns:ns1="http://schemas.openxmlformats.org/officeDocument/2006/extended-properties" xmlns:cs="http://schemas.microsoft.com/office/drawing/2012/chartStyle" xmlns:c="http://schemas.openxmlformats.org/drawingml/2006/chart" xmlns="" id="{A49CBFF8-93C1-4811-9C17-288261A9C0BB}"/>
               </a:ext>
             </a:extLst>
           </p:cNvPr>
@@ -7547,7 +7547,7 @@
           <p:cNvPr id="22" name="Marcador de posición de imagen 21">
             <a:extLst>
               <a:ext uri="{1E07224D-082F-4E6E-A399-344E4D54502A}">
-                <a16:creationId xmlns="" xmlns:c="http://schemas.openxmlformats.org/drawingml/2006/chart" xmlns:cs="http://schemas.microsoft.com/office/drawing/2012/chartStyle" xmlns:ns1="http://schemas.openxmlformats.org/officeDocument/2006/extended-properties" xmlns:vt="http://schemas.openxmlformats.org/officeDocument/2006/docPropsVTypes" xmlns:a16="http://schemas.microsoft.com/office/drawing/2010/main" id="{CB34089D-B9EF-43A3-95B1-BC7C4B2996B3}"/>
+                <a16:creationId xmlns:a16="http://schemas.microsoft.com/office/drawing/2010/main" xmlns:vt="http://schemas.openxmlformats.org/officeDocument/2006/docPropsVTypes" xmlns:ns1="http://schemas.openxmlformats.org/officeDocument/2006/extended-properties" xmlns:cs="http://schemas.microsoft.com/office/drawing/2012/chartStyle" xmlns:c="http://schemas.openxmlformats.org/drawingml/2006/chart" xmlns="" id="{CB34089D-B9EF-43A3-95B1-BC7C4B2996B3}"/>
               </a:ext>
             </a:extLst>
           </p:cNvPr>
@@ -7586,7 +7586,7 @@
           <p:cNvPr id="23" name="Date Placeholder 1">
             <a:extLst>
               <a:ext uri="{5B212AA3-BBF6-4B00-8124-5EFAFA237AEC}">
-                <a16:creationId xmlns="" xmlns:c="http://schemas.openxmlformats.org/drawingml/2006/chart" xmlns:cs="http://schemas.microsoft.com/office/drawing/2012/chartStyle" xmlns:ns1="http://schemas.openxmlformats.org/officeDocument/2006/extended-properties" xmlns:vt="http://schemas.openxmlformats.org/officeDocument/2006/docPropsVTypes" xmlns:a16="http://schemas.microsoft.com/office/drawing/2010/main" id="{92DDF102-0FDC-475B-97D4-F9AD8215CC81}"/>
+                <a16:creationId xmlns:a16="http://schemas.microsoft.com/office/drawing/2010/main" xmlns:vt="http://schemas.openxmlformats.org/officeDocument/2006/docPropsVTypes" xmlns:ns1="http://schemas.openxmlformats.org/officeDocument/2006/extended-properties" xmlns:cs="http://schemas.microsoft.com/office/drawing/2012/chartStyle" xmlns:c="http://schemas.openxmlformats.org/drawingml/2006/chart" xmlns="" id="{92DDF102-0FDC-475B-97D4-F9AD8215CC81}"/>
               </a:ext>
             </a:extLst>
           </p:cNvPr>
@@ -7633,7 +7633,7 @@
           <p:cNvPr id="24" name="Footer Placeholder 1">
             <a:extLst>
               <a:ext uri="{50C1BA39-2601-442A-BD23-920539B71318}">
-                <a16:creationId xmlns="" xmlns:c="http://schemas.openxmlformats.org/drawingml/2006/chart" xmlns:cs="http://schemas.microsoft.com/office/drawing/2012/chartStyle" xmlns:ns1="http://schemas.openxmlformats.org/officeDocument/2006/extended-properties" xmlns:vt="http://schemas.openxmlformats.org/officeDocument/2006/docPropsVTypes" xmlns:a16="http://schemas.microsoft.com/office/drawing/2010/main" id="{517AC272-2944-4015-96CF-495F6B58303B}"/>
+                <a16:creationId xmlns:a16="http://schemas.microsoft.com/office/drawing/2010/main" xmlns:vt="http://schemas.openxmlformats.org/officeDocument/2006/docPropsVTypes" xmlns:ns1="http://schemas.openxmlformats.org/officeDocument/2006/extended-properties" xmlns:cs="http://schemas.microsoft.com/office/drawing/2012/chartStyle" xmlns:c="http://schemas.openxmlformats.org/drawingml/2006/chart" xmlns="" id="{517AC272-2944-4015-96CF-495F6B58303B}"/>
               </a:ext>
             </a:extLst>
           </p:cNvPr>
@@ -7681,7 +7681,7 @@
     </p:custDataLst>
     <p:extLst>
       <p:ext uri="{C73DC82E-6EF6-40B3-9182-A3BEB883DD62}">
-        <p14:creationId xmlns="" xmlns:c="http://schemas.openxmlformats.org/drawingml/2006/chart" xmlns:cs="http://schemas.microsoft.com/office/drawing/2012/chartStyle" xmlns:ns1="http://schemas.openxmlformats.org/officeDocument/2006/extended-properties" xmlns:vt="http://schemas.openxmlformats.org/officeDocument/2006/docPropsVTypes" xmlns:p14="http://schemas.microsoft.com/office/powerpoint/2010/main" val="1724933507257"/>
+        <p14:creationId xmlns:p14="http://schemas.microsoft.com/office/powerpoint/2010/main" xmlns:vt="http://schemas.openxmlformats.org/officeDocument/2006/docPropsVTypes" xmlns:ns1="http://schemas.openxmlformats.org/officeDocument/2006/extended-properties" xmlns:cs="http://schemas.microsoft.com/office/drawing/2012/chartStyle" xmlns:c="http://schemas.openxmlformats.org/drawingml/2006/chart" xmlns="" val="1724933507257"/>
       </p:ext>
     </p:extLst>
   </p:cSld>
@@ -7713,7 +7713,7 @@
           <p:cNvPr id="2" name="Slide Number Placeholder 5">
             <a:extLst>
               <a:ext uri="{2C261003-03BB-4343-AD50-FC5A9AD37F75}">
-                <a16:creationId xmlns="" xmlns:c="http://schemas.openxmlformats.org/drawingml/2006/chart" xmlns:cs="http://schemas.microsoft.com/office/drawing/2012/chartStyle" xmlns:ns1="http://schemas.openxmlformats.org/officeDocument/2006/extended-properties" xmlns:vt="http://schemas.openxmlformats.org/officeDocument/2006/docPropsVTypes" xmlns:a16="http://schemas.microsoft.com/office/drawing/2010/main" id="{E880E3FE-0700-482C-B521-1CE2D7BB5BE2}"/>
+                <a16:creationId xmlns:a16="http://schemas.microsoft.com/office/drawing/2010/main" xmlns:vt="http://schemas.openxmlformats.org/officeDocument/2006/docPropsVTypes" xmlns:ns1="http://schemas.openxmlformats.org/officeDocument/2006/extended-properties" xmlns:cs="http://schemas.microsoft.com/office/drawing/2012/chartStyle" xmlns:c="http://schemas.openxmlformats.org/drawingml/2006/chart" xmlns="" id="{E880E3FE-0700-482C-B521-1CE2D7BB5BE2}"/>
               </a:ext>
             </a:extLst>
           </p:cNvPr>
@@ -7741,7 +7741,7 @@
           <p:cNvPr id="3" name="Title 6">
             <a:extLst>
               <a:ext uri="{9E977DB9-1F0A-4491-BEB6-294FDC3E4DD7}">
-                <a16:creationId xmlns="" xmlns:c="http://schemas.openxmlformats.org/drawingml/2006/chart" xmlns:cs="http://schemas.microsoft.com/office/drawing/2012/chartStyle" xmlns:ns1="http://schemas.openxmlformats.org/officeDocument/2006/extended-properties" xmlns:vt="http://schemas.openxmlformats.org/officeDocument/2006/docPropsVTypes" xmlns:a16="http://schemas.microsoft.com/office/drawing/2010/main" id="{48C978B4-0D92-46A4-AEB3-5D488C96CA60}"/>
+                <a16:creationId xmlns:a16="http://schemas.microsoft.com/office/drawing/2010/main" xmlns:vt="http://schemas.openxmlformats.org/officeDocument/2006/docPropsVTypes" xmlns:ns1="http://schemas.openxmlformats.org/officeDocument/2006/extended-properties" xmlns:cs="http://schemas.microsoft.com/office/drawing/2012/chartStyle" xmlns:c="http://schemas.openxmlformats.org/drawingml/2006/chart" xmlns="" id="{48C978B4-0D92-46A4-AEB3-5D488C96CA60}"/>
               </a:ext>
             </a:extLst>
           </p:cNvPr>
@@ -7783,7 +7783,7 @@
           <p:cNvPr id="4" name="Text Placeholder 2">
             <a:extLst>
               <a:ext uri="{CB746C0C-DDB1-41A3-B04A-AD6681887A6C}">
-                <a16:creationId xmlns="" xmlns:c="http://schemas.openxmlformats.org/drawingml/2006/chart" xmlns:cs="http://schemas.microsoft.com/office/drawing/2012/chartStyle" xmlns:ns1="http://schemas.openxmlformats.org/officeDocument/2006/extended-properties" xmlns:vt="http://schemas.openxmlformats.org/officeDocument/2006/docPropsVTypes" xmlns:a16="http://schemas.microsoft.com/office/drawing/2010/main" id="{21F891C6-1250-42FE-A38C-03BB4F92B434}"/>
+                <a16:creationId xmlns:a16="http://schemas.microsoft.com/office/drawing/2010/main" xmlns:vt="http://schemas.openxmlformats.org/officeDocument/2006/docPropsVTypes" xmlns:ns1="http://schemas.openxmlformats.org/officeDocument/2006/extended-properties" xmlns:cs="http://schemas.microsoft.com/office/drawing/2012/chartStyle" xmlns:c="http://schemas.openxmlformats.org/drawingml/2006/chart" xmlns="" id="{21F891C6-1250-42FE-A38C-03BB4F92B434}"/>
               </a:ext>
             </a:extLst>
           </p:cNvPr>
@@ -7831,7 +7831,7 @@
           <p:cNvPr id="5" name="Marcador de contenido 4">
             <a:extLst>
               <a:ext uri="{176F688D-9114-4B4A-8485-2BC5B433B410}">
-                <a16:creationId xmlns="" xmlns:c="http://schemas.openxmlformats.org/drawingml/2006/chart" xmlns:cs="http://schemas.microsoft.com/office/drawing/2012/chartStyle" xmlns:ns1="http://schemas.openxmlformats.org/officeDocument/2006/extended-properties" xmlns:vt="http://schemas.openxmlformats.org/officeDocument/2006/docPropsVTypes" xmlns:a16="http://schemas.microsoft.com/office/drawing/2010/main" id="{C14DC5D1-4581-4B83-B575-7049621E8B11}"/>
+                <a16:creationId xmlns:a16="http://schemas.microsoft.com/office/drawing/2010/main" xmlns:vt="http://schemas.openxmlformats.org/officeDocument/2006/docPropsVTypes" xmlns:ns1="http://schemas.openxmlformats.org/officeDocument/2006/extended-properties" xmlns:cs="http://schemas.microsoft.com/office/drawing/2012/chartStyle" xmlns:c="http://schemas.openxmlformats.org/drawingml/2006/chart" xmlns="" id="{C14DC5D1-4581-4B83-B575-7049621E8B11}"/>
               </a:ext>
             </a:extLst>
           </p:cNvPr>
@@ -7924,7 +7924,7 @@
           <p:cNvPr id="6" name="Marcador de posición de imagen 5">
             <a:extLst>
               <a:ext uri="{BB3CFDE1-B699-45B4-BB30-9C71BDCBF05D}">
-                <a16:creationId xmlns="" xmlns:c="http://schemas.openxmlformats.org/drawingml/2006/chart" xmlns:cs="http://schemas.microsoft.com/office/drawing/2012/chartStyle" xmlns:ns1="http://schemas.openxmlformats.org/officeDocument/2006/extended-properties" xmlns:vt="http://schemas.openxmlformats.org/officeDocument/2006/docPropsVTypes" xmlns:a16="http://schemas.microsoft.com/office/drawing/2010/main" id="{A670695A-E977-4BD9-AC5D-FA5213FBFB54}"/>
+                <a16:creationId xmlns:a16="http://schemas.microsoft.com/office/drawing/2010/main" xmlns:vt="http://schemas.openxmlformats.org/officeDocument/2006/docPropsVTypes" xmlns:ns1="http://schemas.openxmlformats.org/officeDocument/2006/extended-properties" xmlns:cs="http://schemas.microsoft.com/office/drawing/2012/chartStyle" xmlns:c="http://schemas.openxmlformats.org/drawingml/2006/chart" xmlns="" id="{A670695A-E977-4BD9-AC5D-FA5213FBFB54}"/>
               </a:ext>
             </a:extLst>
           </p:cNvPr>
@@ -7963,7 +7963,7 @@
           <p:cNvPr id="7" name="Date Placeholder 1">
             <a:extLst>
               <a:ext uri="{17DBBD8B-408F-47CD-A875-8391ACBF1571}">
-                <a16:creationId xmlns="" xmlns:c="http://schemas.openxmlformats.org/drawingml/2006/chart" xmlns:cs="http://schemas.microsoft.com/office/drawing/2012/chartStyle" xmlns:ns1="http://schemas.openxmlformats.org/officeDocument/2006/extended-properties" xmlns:vt="http://schemas.openxmlformats.org/officeDocument/2006/docPropsVTypes" xmlns:a16="http://schemas.microsoft.com/office/drawing/2010/main" id="{AAD51C12-7CF2-456B-9A1A-51C5D5FA10C8}"/>
+                <a16:creationId xmlns:a16="http://schemas.microsoft.com/office/drawing/2010/main" xmlns:vt="http://schemas.openxmlformats.org/officeDocument/2006/docPropsVTypes" xmlns:ns1="http://schemas.openxmlformats.org/officeDocument/2006/extended-properties" xmlns:cs="http://schemas.microsoft.com/office/drawing/2012/chartStyle" xmlns:c="http://schemas.openxmlformats.org/drawingml/2006/chart" xmlns="" id="{AAD51C12-7CF2-456B-9A1A-51C5D5FA10C8}"/>
               </a:ext>
             </a:extLst>
           </p:cNvPr>
@@ -8010,7 +8010,7 @@
           <p:cNvPr id="8" name="Footer Placeholder 1">
             <a:extLst>
               <a:ext uri="{6E16611C-4E83-46F5-9137-8A1C2FBA3E62}">
-                <a16:creationId xmlns="" xmlns:c="http://schemas.openxmlformats.org/drawingml/2006/chart" xmlns:cs="http://schemas.microsoft.com/office/drawing/2012/chartStyle" xmlns:ns1="http://schemas.openxmlformats.org/officeDocument/2006/extended-properties" xmlns:vt="http://schemas.openxmlformats.org/officeDocument/2006/docPropsVTypes" xmlns:a16="http://schemas.microsoft.com/office/drawing/2010/main" id="{7C1212F6-17F9-430B-B5CC-34C2E65505FC}"/>
+                <a16:creationId xmlns:a16="http://schemas.microsoft.com/office/drawing/2010/main" xmlns:vt="http://schemas.openxmlformats.org/officeDocument/2006/docPropsVTypes" xmlns:ns1="http://schemas.openxmlformats.org/officeDocument/2006/extended-properties" xmlns:cs="http://schemas.microsoft.com/office/drawing/2012/chartStyle" xmlns:c="http://schemas.openxmlformats.org/drawingml/2006/chart" xmlns="" id="{7C1212F6-17F9-430B-B5CC-34C2E65505FC}"/>
               </a:ext>
             </a:extLst>
           </p:cNvPr>
@@ -8058,7 +8058,7 @@
     </p:custDataLst>
     <p:extLst>
       <p:ext uri="{2A9F6DA1-7488-41CE-8BC5-9FEB26F32EBB}">
-        <p14:creationId xmlns="" xmlns:c="http://schemas.openxmlformats.org/drawingml/2006/chart" xmlns:cs="http://schemas.microsoft.com/office/drawing/2012/chartStyle" xmlns:ns1="http://schemas.openxmlformats.org/officeDocument/2006/extended-properties" xmlns:vt="http://schemas.openxmlformats.org/officeDocument/2006/docPropsVTypes" xmlns:p14="http://schemas.microsoft.com/office/powerpoint/2010/main" val="1724933507259"/>
+        <p14:creationId xmlns:p14="http://schemas.microsoft.com/office/powerpoint/2010/main" xmlns:vt="http://schemas.openxmlformats.org/officeDocument/2006/docPropsVTypes" xmlns:ns1="http://schemas.openxmlformats.org/officeDocument/2006/extended-properties" xmlns:cs="http://schemas.microsoft.com/office/drawing/2012/chartStyle" xmlns:c="http://schemas.openxmlformats.org/drawingml/2006/chart" xmlns="" val="1724933507259"/>
       </p:ext>
     </p:extLst>
   </p:cSld>
@@ -8090,7 +8090,7 @@
           <p:cNvPr id="2" name="Picture 6">
             <a:extLst>
               <a:ext uri="{736ABD9C-9318-49C8-93B3-B87F8B943E19}">
-                <a16:creationId xmlns="" xmlns:c="http://schemas.openxmlformats.org/drawingml/2006/chart" xmlns:cs="http://schemas.microsoft.com/office/drawing/2012/chartStyle" xmlns:ns1="http://schemas.openxmlformats.org/officeDocument/2006/extended-properties" xmlns:vt="http://schemas.openxmlformats.org/officeDocument/2006/docPropsVTypes" xmlns:a16="http://schemas.microsoft.com/office/drawing/2010/main" id="{0597CBAF-B42F-408B-93A6-23AC4A985859}"/>
+                <a16:creationId xmlns:a16="http://schemas.microsoft.com/office/drawing/2010/main" xmlns:vt="http://schemas.openxmlformats.org/officeDocument/2006/docPropsVTypes" xmlns:ns1="http://schemas.openxmlformats.org/officeDocument/2006/extended-properties" xmlns:cs="http://schemas.microsoft.com/office/drawing/2012/chartStyle" xmlns:c="http://schemas.openxmlformats.org/drawingml/2006/chart" xmlns="" id="{0597CBAF-B42F-408B-93A6-23AC4A985859}"/>
               </a:ext>
             </a:extLst>
           </p:cNvPr>
@@ -8123,7 +8123,7 @@
           <p:cNvPr id="3" name="Rectangle 7">
             <a:extLst>
               <a:ext uri="{62E34833-C829-4159-AFA4-E6DCA2838AAF}">
-                <a16:creationId xmlns="" xmlns:c="http://schemas.openxmlformats.org/drawingml/2006/chart" xmlns:cs="http://schemas.microsoft.com/office/drawing/2012/chartStyle" xmlns:ns1="http://schemas.openxmlformats.org/officeDocument/2006/extended-properties" xmlns:vt="http://schemas.openxmlformats.org/officeDocument/2006/docPropsVTypes" xmlns:a16="http://schemas.microsoft.com/office/drawing/2010/main" id="{3E867C2D-5449-4C90-A6E9-B45C6FF90A7B}"/>
+                <a16:creationId xmlns:a16="http://schemas.microsoft.com/office/drawing/2010/main" xmlns:vt="http://schemas.openxmlformats.org/officeDocument/2006/docPropsVTypes" xmlns:ns1="http://schemas.openxmlformats.org/officeDocument/2006/extended-properties" xmlns:cs="http://schemas.microsoft.com/office/drawing/2012/chartStyle" xmlns:c="http://schemas.openxmlformats.org/drawingml/2006/chart" xmlns="" id="{3E867C2D-5449-4C90-A6E9-B45C6FF90A7B}"/>
               </a:ext>
             </a:extLst>
           </p:cNvPr>
@@ -8178,7 +8178,7 @@
           <p:cNvPr id="4" name="Title 1">
             <a:extLst>
               <a:ext uri="{51BDBDF2-A908-4297-AEA3-779EE028A6C2}">
-                <a16:creationId xmlns="" xmlns:c="http://schemas.openxmlformats.org/drawingml/2006/chart" xmlns:cs="http://schemas.microsoft.com/office/drawing/2012/chartStyle" xmlns:ns1="http://schemas.openxmlformats.org/officeDocument/2006/extended-properties" xmlns:vt="http://schemas.openxmlformats.org/officeDocument/2006/docPropsVTypes" xmlns:a16="http://schemas.microsoft.com/office/drawing/2010/main" id="{83383960-33A0-4943-A93F-C5C8763A74C9}"/>
+                <a16:creationId xmlns:a16="http://schemas.microsoft.com/office/drawing/2010/main" xmlns:vt="http://schemas.openxmlformats.org/officeDocument/2006/docPropsVTypes" xmlns:ns1="http://schemas.openxmlformats.org/officeDocument/2006/extended-properties" xmlns:cs="http://schemas.microsoft.com/office/drawing/2012/chartStyle" xmlns:c="http://schemas.openxmlformats.org/drawingml/2006/chart" xmlns="" id="{83383960-33A0-4943-A93F-C5C8763A74C9}"/>
               </a:ext>
             </a:extLst>
           </p:cNvPr>
@@ -8232,7 +8232,7 @@
           <p:cNvPr id="5" name="Marcador de posición de imagen 4">
             <a:extLst>
               <a:ext uri="{5A738837-D76E-4F26-B76A-727091900C97}">
-                <a16:creationId xmlns="" xmlns:c="http://schemas.openxmlformats.org/drawingml/2006/chart" xmlns:cs="http://schemas.microsoft.com/office/drawing/2012/chartStyle" xmlns:ns1="http://schemas.openxmlformats.org/officeDocument/2006/extended-properties" xmlns:vt="http://schemas.openxmlformats.org/officeDocument/2006/docPropsVTypes" xmlns:a16="http://schemas.microsoft.com/office/drawing/2010/main" id="{A2C6A128-0B7A-4469-A127-5007E8CBE232}"/>
+                <a16:creationId xmlns:a16="http://schemas.microsoft.com/office/drawing/2010/main" xmlns:vt="http://schemas.openxmlformats.org/officeDocument/2006/docPropsVTypes" xmlns:ns1="http://schemas.openxmlformats.org/officeDocument/2006/extended-properties" xmlns:cs="http://schemas.microsoft.com/office/drawing/2012/chartStyle" xmlns:c="http://schemas.openxmlformats.org/drawingml/2006/chart" xmlns="" id="{A2C6A128-0B7A-4469-A127-5007E8CBE232}"/>
               </a:ext>
             </a:extLst>
           </p:cNvPr>
@@ -8271,7 +8271,7 @@
           <p:cNvPr id="6" name="Date Placeholder 1">
             <a:extLst>
               <a:ext uri="{70C35AD1-B1A9-4298-9C50-D1959F044FFA}">
-                <a16:creationId xmlns="" xmlns:c="http://schemas.openxmlformats.org/drawingml/2006/chart" xmlns:cs="http://schemas.microsoft.com/office/drawing/2012/chartStyle" xmlns:ns1="http://schemas.openxmlformats.org/officeDocument/2006/extended-properties" xmlns:vt="http://schemas.openxmlformats.org/officeDocument/2006/docPropsVTypes" xmlns:a16="http://schemas.microsoft.com/office/drawing/2010/main" id="{ABBA15C8-F2F3-4CA7-9D41-09665EDFE3D0}"/>
+                <a16:creationId xmlns:a16="http://schemas.microsoft.com/office/drawing/2010/main" xmlns:vt="http://schemas.openxmlformats.org/officeDocument/2006/docPropsVTypes" xmlns:ns1="http://schemas.openxmlformats.org/officeDocument/2006/extended-properties" xmlns:cs="http://schemas.microsoft.com/office/drawing/2012/chartStyle" xmlns:c="http://schemas.openxmlformats.org/drawingml/2006/chart" xmlns="" id="{ABBA15C8-F2F3-4CA7-9D41-09665EDFE3D0}"/>
               </a:ext>
             </a:extLst>
           </p:cNvPr>
@@ -8316,7 +8316,7 @@
           <p:cNvPr id="7" name="Footer Placeholder 1">
             <a:extLst>
               <a:ext uri="{77923328-B39F-4A6D-B37A-F70D84D31EF3}">
-                <a16:creationId xmlns="" xmlns:c="http://schemas.openxmlformats.org/drawingml/2006/chart" xmlns:cs="http://schemas.microsoft.com/office/drawing/2012/chartStyle" xmlns:ns1="http://schemas.openxmlformats.org/officeDocument/2006/extended-properties" xmlns:vt="http://schemas.openxmlformats.org/officeDocument/2006/docPropsVTypes" xmlns:a16="http://schemas.microsoft.com/office/drawing/2010/main" id="{5FD79A2D-C99D-4092-949C-A1651E632623}"/>
+                <a16:creationId xmlns:a16="http://schemas.microsoft.com/office/drawing/2010/main" xmlns:vt="http://schemas.openxmlformats.org/officeDocument/2006/docPropsVTypes" xmlns:ns1="http://schemas.openxmlformats.org/officeDocument/2006/extended-properties" xmlns:cs="http://schemas.microsoft.com/office/drawing/2012/chartStyle" xmlns:c="http://schemas.openxmlformats.org/drawingml/2006/chart" xmlns="" id="{5FD79A2D-C99D-4092-949C-A1651E632623}"/>
               </a:ext>
             </a:extLst>
           </p:cNvPr>
@@ -8363,7 +8363,7 @@
           <p:cNvPr id="8" name="Slide Number Placeholder 5">
             <a:extLst>
               <a:ext uri="{A88827E4-7DBF-4529-8EFF-1D85B27E152D}">
-                <a16:creationId xmlns="" xmlns:c="http://schemas.openxmlformats.org/drawingml/2006/chart" xmlns:cs="http://schemas.microsoft.com/office/drawing/2012/chartStyle" xmlns:ns1="http://schemas.openxmlformats.org/officeDocument/2006/extended-properties" xmlns:vt="http://schemas.openxmlformats.org/officeDocument/2006/docPropsVTypes" xmlns:a16="http://schemas.microsoft.com/office/drawing/2010/main" id="{4EF83E74-B131-4054-89F5-AA733BFEF52C}"/>
+                <a16:creationId xmlns:a16="http://schemas.microsoft.com/office/drawing/2010/main" xmlns:vt="http://schemas.openxmlformats.org/officeDocument/2006/docPropsVTypes" xmlns:ns1="http://schemas.openxmlformats.org/officeDocument/2006/extended-properties" xmlns:cs="http://schemas.microsoft.com/office/drawing/2012/chartStyle" xmlns:c="http://schemas.openxmlformats.org/drawingml/2006/chart" xmlns="" id="{4EF83E74-B131-4054-89F5-AA733BFEF52C}"/>
               </a:ext>
             </a:extLst>
           </p:cNvPr>
@@ -8408,7 +8408,7 @@
     </p:spTree>
     <p:extLst>
       <p:ext uri="{D1F3B70F-5984-4379-B208-3F2C681B2B1D}">
-        <p14:creationId xmlns="" xmlns:c="http://schemas.openxmlformats.org/drawingml/2006/chart" xmlns:cs="http://schemas.microsoft.com/office/drawing/2012/chartStyle" xmlns:ns1="http://schemas.openxmlformats.org/officeDocument/2006/extended-properties" xmlns:vt="http://schemas.openxmlformats.org/officeDocument/2006/docPropsVTypes" xmlns:p14="http://schemas.microsoft.com/office/powerpoint/2010/main" val="1724933507261"/>
+        <p14:creationId xmlns:p14="http://schemas.microsoft.com/office/powerpoint/2010/main" xmlns:vt="http://schemas.openxmlformats.org/officeDocument/2006/docPropsVTypes" xmlns:ns1="http://schemas.openxmlformats.org/officeDocument/2006/extended-properties" xmlns:cs="http://schemas.microsoft.com/office/drawing/2012/chartStyle" xmlns:c="http://schemas.openxmlformats.org/drawingml/2006/chart" xmlns="" val="1724933507261"/>
       </p:ext>
     </p:extLst>
   </p:cSld>
@@ -8440,7 +8440,7 @@
           <p:cNvPr id="2" name="Slide Number Placeholder 5">
             <a:extLst>
               <a:ext uri="{6E38289A-1431-45E7-8436-C93BFAC978B0}">
-                <a16:creationId xmlns="" xmlns:c="http://schemas.openxmlformats.org/drawingml/2006/chart" xmlns:cs="http://schemas.microsoft.com/office/drawing/2012/chartStyle" xmlns:ns1="http://schemas.openxmlformats.org/officeDocument/2006/extended-properties" xmlns:vt="http://schemas.openxmlformats.org/officeDocument/2006/docPropsVTypes" xmlns:a16="http://schemas.microsoft.com/office/drawing/2010/main" id="{03D1D0DD-5CF6-4150-B3F0-450A5B0347EB}"/>
+                <a16:creationId xmlns:a16="http://schemas.microsoft.com/office/drawing/2010/main" xmlns:vt="http://schemas.openxmlformats.org/officeDocument/2006/docPropsVTypes" xmlns:ns1="http://schemas.openxmlformats.org/officeDocument/2006/extended-properties" xmlns:cs="http://schemas.microsoft.com/office/drawing/2012/chartStyle" xmlns:c="http://schemas.openxmlformats.org/drawingml/2006/chart" xmlns="" id="{03D1D0DD-5CF6-4150-B3F0-450A5B0347EB}"/>
               </a:ext>
             </a:extLst>
           </p:cNvPr>
@@ -8468,7 +8468,7 @@
           <p:cNvPr id="3" name="Title 6">
             <a:extLst>
               <a:ext uri="{4D4C0BB6-0F38-4226-AD3B-887E3C6AA0DA}">
-                <a16:creationId xmlns="" xmlns:c="http://schemas.openxmlformats.org/drawingml/2006/chart" xmlns:cs="http://schemas.microsoft.com/office/drawing/2012/chartStyle" xmlns:ns1="http://schemas.openxmlformats.org/officeDocument/2006/extended-properties" xmlns:vt="http://schemas.openxmlformats.org/officeDocument/2006/docPropsVTypes" xmlns:a16="http://schemas.microsoft.com/office/drawing/2010/main" id="{0C86A20F-44BE-4FE7-943B-3557C3D9AABA}"/>
+                <a16:creationId xmlns:a16="http://schemas.microsoft.com/office/drawing/2010/main" xmlns:vt="http://schemas.openxmlformats.org/officeDocument/2006/docPropsVTypes" xmlns:ns1="http://schemas.openxmlformats.org/officeDocument/2006/extended-properties" xmlns:cs="http://schemas.microsoft.com/office/drawing/2012/chartStyle" xmlns:c="http://schemas.openxmlformats.org/drawingml/2006/chart" xmlns="" id="{0C86A20F-44BE-4FE7-943B-3557C3D9AABA}"/>
               </a:ext>
             </a:extLst>
           </p:cNvPr>
@@ -8514,7 +8514,7 @@
           <p:cNvPr id="4" name="Text Placeholder 2">
             <a:extLst>
               <a:ext uri="{A75137CA-5A3A-4C60-838D-A92B2AB29FB6}">
-                <a16:creationId xmlns="" xmlns:c="http://schemas.openxmlformats.org/drawingml/2006/chart" xmlns:cs="http://schemas.microsoft.com/office/drawing/2012/chartStyle" xmlns:ns1="http://schemas.openxmlformats.org/officeDocument/2006/extended-properties" xmlns:vt="http://schemas.openxmlformats.org/officeDocument/2006/docPropsVTypes" xmlns:a16="http://schemas.microsoft.com/office/drawing/2010/main" id="{145B3A8B-61AA-4FDB-B539-AD2DA31C62A0}"/>
+                <a16:creationId xmlns:a16="http://schemas.microsoft.com/office/drawing/2010/main" xmlns:vt="http://schemas.openxmlformats.org/officeDocument/2006/docPropsVTypes" xmlns:ns1="http://schemas.openxmlformats.org/officeDocument/2006/extended-properties" xmlns:cs="http://schemas.microsoft.com/office/drawing/2012/chartStyle" xmlns:c="http://schemas.openxmlformats.org/drawingml/2006/chart" xmlns="" id="{145B3A8B-61AA-4FDB-B539-AD2DA31C62A0}"/>
               </a:ext>
             </a:extLst>
           </p:cNvPr>
@@ -8562,7 +8562,7 @@
           <p:cNvPr id="5" name="Straight Connector 25">
             <a:extLst>
               <a:ext uri="{08F6477F-9968-46A9-8BA4-6827A0D4BE86}">
-                <a16:creationId xmlns="" xmlns:c="http://schemas.openxmlformats.org/drawingml/2006/chart" xmlns:cs="http://schemas.microsoft.com/office/drawing/2012/chartStyle" xmlns:ns1="http://schemas.openxmlformats.org/officeDocument/2006/extended-properties" xmlns:vt="http://schemas.openxmlformats.org/officeDocument/2006/docPropsVTypes" xmlns:a16="http://schemas.microsoft.com/office/drawing/2010/main" id="{67EB9B5F-B090-4FEE-9EE3-FFAC958A5C29}"/>
+                <a16:creationId xmlns:a16="http://schemas.microsoft.com/office/drawing/2010/main" xmlns:vt="http://schemas.openxmlformats.org/officeDocument/2006/docPropsVTypes" xmlns:ns1="http://schemas.openxmlformats.org/officeDocument/2006/extended-properties" xmlns:cs="http://schemas.microsoft.com/office/drawing/2012/chartStyle" xmlns:c="http://schemas.openxmlformats.org/drawingml/2006/chart" xmlns="" id="{67EB9B5F-B090-4FEE-9EE3-FFAC958A5C29}"/>
               </a:ext>
             </a:extLst>
           </p:cNvPr>
@@ -8606,7 +8606,7 @@
           <p:cNvPr id="6" name="Oval 30">
             <a:extLst>
               <a:ext uri="{E3DCED24-A507-4837-9A0D-BD48C57D37BA}">
-                <a16:creationId xmlns="" xmlns:c="http://schemas.openxmlformats.org/drawingml/2006/chart" xmlns:cs="http://schemas.microsoft.com/office/drawing/2012/chartStyle" xmlns:ns1="http://schemas.openxmlformats.org/officeDocument/2006/extended-properties" xmlns:vt="http://schemas.openxmlformats.org/officeDocument/2006/docPropsVTypes" xmlns:a16="http://schemas.microsoft.com/office/drawing/2010/main" id="{FE317D45-99A5-4761-8BAA-03EDAC6FE87C}"/>
+                <a16:creationId xmlns:a16="http://schemas.microsoft.com/office/drawing/2010/main" xmlns:vt="http://schemas.openxmlformats.org/officeDocument/2006/docPropsVTypes" xmlns:ns1="http://schemas.openxmlformats.org/officeDocument/2006/extended-properties" xmlns:cs="http://schemas.microsoft.com/office/drawing/2012/chartStyle" xmlns:c="http://schemas.openxmlformats.org/drawingml/2006/chart" xmlns="" id="{FE317D45-99A5-4761-8BAA-03EDAC6FE87C}"/>
               </a:ext>
             </a:extLst>
           </p:cNvPr>
@@ -8659,7 +8659,7 @@
           <p:cNvPr id="7" name="Oval 31">
             <a:extLst>
               <a:ext uri="{BD320437-B007-4B53-A4F5-FFD851D4D60C}">
-                <a16:creationId xmlns="" xmlns:c="http://schemas.openxmlformats.org/drawingml/2006/chart" xmlns:cs="http://schemas.microsoft.com/office/drawing/2012/chartStyle" xmlns:ns1="http://schemas.openxmlformats.org/officeDocument/2006/extended-properties" xmlns:vt="http://schemas.openxmlformats.org/officeDocument/2006/docPropsVTypes" xmlns:a16="http://schemas.microsoft.com/office/drawing/2010/main" id="{1E5CD09B-974E-48F1-81B7-D59C74AC92A9}"/>
+                <a16:creationId xmlns:a16="http://schemas.microsoft.com/office/drawing/2010/main" xmlns:vt="http://schemas.openxmlformats.org/officeDocument/2006/docPropsVTypes" xmlns:ns1="http://schemas.openxmlformats.org/officeDocument/2006/extended-properties" xmlns:cs="http://schemas.microsoft.com/office/drawing/2012/chartStyle" xmlns:c="http://schemas.openxmlformats.org/drawingml/2006/chart" xmlns="" id="{1E5CD09B-974E-48F1-81B7-D59C74AC92A9}"/>
               </a:ext>
             </a:extLst>
           </p:cNvPr>
@@ -8712,7 +8712,7 @@
           <p:cNvPr id="8" name="Oval 32">
             <a:extLst>
               <a:ext uri="{2012156A-F87B-431B-8072-3AACBC74286B}">
-                <a16:creationId xmlns="" xmlns:c="http://schemas.openxmlformats.org/drawingml/2006/chart" xmlns:cs="http://schemas.microsoft.com/office/drawing/2012/chartStyle" xmlns:ns1="http://schemas.openxmlformats.org/officeDocument/2006/extended-properties" xmlns:vt="http://schemas.openxmlformats.org/officeDocument/2006/docPropsVTypes" xmlns:a16="http://schemas.microsoft.com/office/drawing/2010/main" id="{EED1F2A9-A0BB-4495-9A72-D67304170CB4}"/>
+                <a16:creationId xmlns:a16="http://schemas.microsoft.com/office/drawing/2010/main" xmlns:vt="http://schemas.openxmlformats.org/officeDocument/2006/docPropsVTypes" xmlns:ns1="http://schemas.openxmlformats.org/officeDocument/2006/extended-properties" xmlns:cs="http://schemas.microsoft.com/office/drawing/2012/chartStyle" xmlns:c="http://schemas.openxmlformats.org/drawingml/2006/chart" xmlns="" id="{EED1F2A9-A0BB-4495-9A72-D67304170CB4}"/>
               </a:ext>
             </a:extLst>
           </p:cNvPr>
@@ -8762,7 +8762,7 @@
           <p:cNvPr id="9" name="Oval 33">
             <a:extLst>
               <a:ext uri="{C52ED344-7BEB-493C-A60D-BE43E2462C77}">
-                <a16:creationId xmlns="" xmlns:c="http://schemas.openxmlformats.org/drawingml/2006/chart" xmlns:cs="http://schemas.microsoft.com/office/drawing/2012/chartStyle" xmlns:ns1="http://schemas.openxmlformats.org/officeDocument/2006/extended-properties" xmlns:vt="http://schemas.openxmlformats.org/officeDocument/2006/docPropsVTypes" xmlns:a16="http://schemas.microsoft.com/office/drawing/2010/main" id="{B2262CBE-AD6A-47B7-AD55-795E0CBBFF72}"/>
+                <a16:creationId xmlns:a16="http://schemas.microsoft.com/office/drawing/2010/main" xmlns:vt="http://schemas.openxmlformats.org/officeDocument/2006/docPropsVTypes" xmlns:ns1="http://schemas.openxmlformats.org/officeDocument/2006/extended-properties" xmlns:cs="http://schemas.microsoft.com/office/drawing/2012/chartStyle" xmlns:c="http://schemas.openxmlformats.org/drawingml/2006/chart" xmlns="" id="{B2262CBE-AD6A-47B7-AD55-795E0CBBFF72}"/>
               </a:ext>
             </a:extLst>
           </p:cNvPr>
@@ -8815,7 +8815,7 @@
           <p:cNvPr id="10" name="Text Placeholder 2">
             <a:extLst>
               <a:ext uri="{0B374F91-F69F-4802-AAEE-F441B60B55BF}">
-                <a16:creationId xmlns="" xmlns:c="http://schemas.openxmlformats.org/drawingml/2006/chart" xmlns:cs="http://schemas.microsoft.com/office/drawing/2012/chartStyle" xmlns:ns1="http://schemas.openxmlformats.org/officeDocument/2006/extended-properties" xmlns:vt="http://schemas.openxmlformats.org/officeDocument/2006/docPropsVTypes" xmlns:a16="http://schemas.microsoft.com/office/drawing/2010/main" id="{9D8D53F5-3BAC-42B2-8398-AADC3BE59E5D}"/>
+                <a16:creationId xmlns:a16="http://schemas.microsoft.com/office/drawing/2010/main" xmlns:vt="http://schemas.openxmlformats.org/officeDocument/2006/docPropsVTypes" xmlns:ns1="http://schemas.openxmlformats.org/officeDocument/2006/extended-properties" xmlns:cs="http://schemas.microsoft.com/office/drawing/2012/chartStyle" xmlns:c="http://schemas.openxmlformats.org/drawingml/2006/chart" xmlns="" id="{9D8D53F5-3BAC-42B2-8398-AADC3BE59E5D}"/>
               </a:ext>
             </a:extLst>
           </p:cNvPr>
@@ -8863,7 +8863,7 @@
           <p:cNvPr id="11" name="Text Placeholder 2">
             <a:extLst>
               <a:ext uri="{E2417158-2625-45F3-8297-1F80EEA2309B}">
-                <a16:creationId xmlns="" xmlns:c="http://schemas.openxmlformats.org/drawingml/2006/chart" xmlns:cs="http://schemas.microsoft.com/office/drawing/2012/chartStyle" xmlns:ns1="http://schemas.openxmlformats.org/officeDocument/2006/extended-properties" xmlns:vt="http://schemas.openxmlformats.org/officeDocument/2006/docPropsVTypes" xmlns:a16="http://schemas.microsoft.com/office/drawing/2010/main" id="{3FFA240D-BDFE-4F47-82C0-BD213D21C7BB}"/>
+                <a16:creationId xmlns:a16="http://schemas.microsoft.com/office/drawing/2010/main" xmlns:vt="http://schemas.openxmlformats.org/officeDocument/2006/docPropsVTypes" xmlns:ns1="http://schemas.openxmlformats.org/officeDocument/2006/extended-properties" xmlns:cs="http://schemas.microsoft.com/office/drawing/2012/chartStyle" xmlns:c="http://schemas.openxmlformats.org/drawingml/2006/chart" xmlns="" id="{3FFA240D-BDFE-4F47-82C0-BD213D21C7BB}"/>
               </a:ext>
             </a:extLst>
           </p:cNvPr>
@@ -8911,7 +8911,7 @@
           <p:cNvPr id="12" name="Text Placeholder 2">
             <a:extLst>
               <a:ext uri="{8BEA0E18-7330-4007-97F1-5E1907F0DCB2}">
-                <a16:creationId xmlns="" xmlns:c="http://schemas.openxmlformats.org/drawingml/2006/chart" xmlns:cs="http://schemas.microsoft.com/office/drawing/2012/chartStyle" xmlns:ns1="http://schemas.openxmlformats.org/officeDocument/2006/extended-properties" xmlns:vt="http://schemas.openxmlformats.org/officeDocument/2006/docPropsVTypes" xmlns:a16="http://schemas.microsoft.com/office/drawing/2010/main" id="{6BBACB0A-64FE-4C13-B325-24B248909422}"/>
+                <a16:creationId xmlns:a16="http://schemas.microsoft.com/office/drawing/2010/main" xmlns:vt="http://schemas.openxmlformats.org/officeDocument/2006/docPropsVTypes" xmlns:ns1="http://schemas.openxmlformats.org/officeDocument/2006/extended-properties" xmlns:cs="http://schemas.microsoft.com/office/drawing/2012/chartStyle" xmlns:c="http://schemas.openxmlformats.org/drawingml/2006/chart" xmlns="" id="{6BBACB0A-64FE-4C13-B325-24B248909422}"/>
               </a:ext>
             </a:extLst>
           </p:cNvPr>
@@ -8959,7 +8959,7 @@
           <p:cNvPr id="13" name="Text Placeholder 2">
             <a:extLst>
               <a:ext uri="{D0D2C6C5-631A-4C8A-8AE1-4DA34D5A1A1D}">
-                <a16:creationId xmlns="" xmlns:c="http://schemas.openxmlformats.org/drawingml/2006/chart" xmlns:cs="http://schemas.microsoft.com/office/drawing/2012/chartStyle" xmlns:ns1="http://schemas.openxmlformats.org/officeDocument/2006/extended-properties" xmlns:vt="http://schemas.openxmlformats.org/officeDocument/2006/docPropsVTypes" xmlns:a16="http://schemas.microsoft.com/office/drawing/2010/main" id="{F4485448-A45F-4D25-93B5-C5B164F6470D}"/>
+                <a16:creationId xmlns:a16="http://schemas.microsoft.com/office/drawing/2010/main" xmlns:vt="http://schemas.openxmlformats.org/officeDocument/2006/docPropsVTypes" xmlns:ns1="http://schemas.openxmlformats.org/officeDocument/2006/extended-properties" xmlns:cs="http://schemas.microsoft.com/office/drawing/2012/chartStyle" xmlns:c="http://schemas.openxmlformats.org/drawingml/2006/chart" xmlns="" id="{F4485448-A45F-4D25-93B5-C5B164F6470D}"/>
               </a:ext>
             </a:extLst>
           </p:cNvPr>
@@ -9007,7 +9007,7 @@
           <p:cNvPr id="14" name="Text Placeholder 2">
             <a:extLst>
               <a:ext uri="{39908F55-3D73-497C-AF37-9D511E84AC86}">
-                <a16:creationId xmlns="" xmlns:c="http://schemas.openxmlformats.org/drawingml/2006/chart" xmlns:cs="http://schemas.microsoft.com/office/drawing/2012/chartStyle" xmlns:ns1="http://schemas.openxmlformats.org/officeDocument/2006/extended-properties" xmlns:vt="http://schemas.openxmlformats.org/officeDocument/2006/docPropsVTypes" xmlns:a16="http://schemas.microsoft.com/office/drawing/2010/main" id="{41D28147-980A-478C-B5A5-E7CE4FB26DA7}"/>
+                <a16:creationId xmlns:a16="http://schemas.microsoft.com/office/drawing/2010/main" xmlns:vt="http://schemas.openxmlformats.org/officeDocument/2006/docPropsVTypes" xmlns:ns1="http://schemas.openxmlformats.org/officeDocument/2006/extended-properties" xmlns:cs="http://schemas.microsoft.com/office/drawing/2012/chartStyle" xmlns:c="http://schemas.openxmlformats.org/drawingml/2006/chart" xmlns="" id="{41D28147-980A-478C-B5A5-E7CE4FB26DA7}"/>
               </a:ext>
             </a:extLst>
           </p:cNvPr>
@@ -9055,7 +9055,7 @@
           <p:cNvPr id="15" name="Text Placeholder 2">
             <a:extLst>
               <a:ext uri="{4CABF647-7D44-4898-B875-B6A8A358B028}">
-                <a16:creationId xmlns="" xmlns:c="http://schemas.openxmlformats.org/drawingml/2006/chart" xmlns:cs="http://schemas.microsoft.com/office/drawing/2012/chartStyle" xmlns:ns1="http://schemas.openxmlformats.org/officeDocument/2006/extended-properties" xmlns:vt="http://schemas.openxmlformats.org/officeDocument/2006/docPropsVTypes" xmlns:a16="http://schemas.microsoft.com/office/drawing/2010/main" id="{7E47B903-E9AF-4725-BD93-DABA8A4A5197}"/>
+                <a16:creationId xmlns:a16="http://schemas.microsoft.com/office/drawing/2010/main" xmlns:vt="http://schemas.openxmlformats.org/officeDocument/2006/docPropsVTypes" xmlns:ns1="http://schemas.openxmlformats.org/officeDocument/2006/extended-properties" xmlns:cs="http://schemas.microsoft.com/office/drawing/2012/chartStyle" xmlns:c="http://schemas.openxmlformats.org/drawingml/2006/chart" xmlns="" id="{7E47B903-E9AF-4725-BD93-DABA8A4A5197}"/>
               </a:ext>
             </a:extLst>
           </p:cNvPr>
@@ -9103,7 +9103,7 @@
           <p:cNvPr id="16" name="Text Placeholder 2">
             <a:extLst>
               <a:ext uri="{D159003A-F314-48D0-8F5F-12ECB20DF674}">
-                <a16:creationId xmlns="" xmlns:c="http://schemas.openxmlformats.org/drawingml/2006/chart" xmlns:cs="http://schemas.microsoft.com/office/drawing/2012/chartStyle" xmlns:ns1="http://schemas.openxmlformats.org/officeDocument/2006/extended-properties" xmlns:vt="http://schemas.openxmlformats.org/officeDocument/2006/docPropsVTypes" xmlns:a16="http://schemas.microsoft.com/office/drawing/2010/main" id="{F76AE1E9-216F-4743-812A-3FE4582C78FA}"/>
+                <a16:creationId xmlns:a16="http://schemas.microsoft.com/office/drawing/2010/main" xmlns:vt="http://schemas.openxmlformats.org/officeDocument/2006/docPropsVTypes" xmlns:ns1="http://schemas.openxmlformats.org/officeDocument/2006/extended-properties" xmlns:cs="http://schemas.microsoft.com/office/drawing/2012/chartStyle" xmlns:c="http://schemas.openxmlformats.org/drawingml/2006/chart" xmlns="" id="{F76AE1E9-216F-4743-812A-3FE4582C78FA}"/>
               </a:ext>
             </a:extLst>
           </p:cNvPr>
@@ -9151,7 +9151,7 @@
           <p:cNvPr id="17" name="Marcador de contenido 16">
             <a:extLst>
               <a:ext uri="{FA7F78AC-1A0F-4CE9-97BA-BDB245BF8FB6}">
-                <a16:creationId xmlns="" xmlns:c="http://schemas.openxmlformats.org/drawingml/2006/chart" xmlns:cs="http://schemas.microsoft.com/office/drawing/2012/chartStyle" xmlns:ns1="http://schemas.openxmlformats.org/officeDocument/2006/extended-properties" xmlns:vt="http://schemas.openxmlformats.org/officeDocument/2006/docPropsVTypes" xmlns:a16="http://schemas.microsoft.com/office/drawing/2010/main" id="{BCB18B7D-2CE9-4E91-A6EC-920F378C47B0}"/>
+                <a16:creationId xmlns:a16="http://schemas.microsoft.com/office/drawing/2010/main" xmlns:vt="http://schemas.openxmlformats.org/officeDocument/2006/docPropsVTypes" xmlns:ns1="http://schemas.openxmlformats.org/officeDocument/2006/extended-properties" xmlns:cs="http://schemas.microsoft.com/office/drawing/2012/chartStyle" xmlns:c="http://schemas.openxmlformats.org/drawingml/2006/chart" xmlns="" id="{BCB18B7D-2CE9-4E91-A6EC-920F378C47B0}"/>
               </a:ext>
             </a:extLst>
           </p:cNvPr>
@@ -9259,7 +9259,7 @@
           <p:cNvPr id="18" name="Marcador de posición de imagen 17">
             <a:extLst>
               <a:ext uri="{0AD6C9D4-7CEB-43AC-939B-F2DAAF760F98}">
-                <a16:creationId xmlns="" xmlns:c="http://schemas.openxmlformats.org/drawingml/2006/chart" xmlns:cs="http://schemas.microsoft.com/office/drawing/2012/chartStyle" xmlns:ns1="http://schemas.openxmlformats.org/officeDocument/2006/extended-properties" xmlns:vt="http://schemas.openxmlformats.org/officeDocument/2006/docPropsVTypes" xmlns:a16="http://schemas.microsoft.com/office/drawing/2010/main" id="{003600E4-FAE0-47A1-8C52-9A65F04CEF82}"/>
+                <a16:creationId xmlns:a16="http://schemas.microsoft.com/office/drawing/2010/main" xmlns:vt="http://schemas.openxmlformats.org/officeDocument/2006/docPropsVTypes" xmlns:ns1="http://schemas.openxmlformats.org/officeDocument/2006/extended-properties" xmlns:cs="http://schemas.microsoft.com/office/drawing/2012/chartStyle" xmlns:c="http://schemas.openxmlformats.org/drawingml/2006/chart" xmlns="" id="{003600E4-FAE0-47A1-8C52-9A65F04CEF82}"/>
               </a:ext>
             </a:extLst>
           </p:cNvPr>
@@ -9298,7 +9298,7 @@
           <p:cNvPr id="19" name="Date Placeholder 1">
             <a:extLst>
               <a:ext uri="{1B3DE0FD-247E-41AD-AA2C-15447A9B4CA8}">
-                <a16:creationId xmlns="" xmlns:c="http://schemas.openxmlformats.org/drawingml/2006/chart" xmlns:cs="http://schemas.microsoft.com/office/drawing/2012/chartStyle" xmlns:ns1="http://schemas.openxmlformats.org/officeDocument/2006/extended-properties" xmlns:vt="http://schemas.openxmlformats.org/officeDocument/2006/docPropsVTypes" xmlns:a16="http://schemas.microsoft.com/office/drawing/2010/main" id="{C9CF2210-4D4B-49B5-99A6-F4F4C06671E8}"/>
+                <a16:creationId xmlns:a16="http://schemas.microsoft.com/office/drawing/2010/main" xmlns:vt="http://schemas.openxmlformats.org/officeDocument/2006/docPropsVTypes" xmlns:ns1="http://schemas.openxmlformats.org/officeDocument/2006/extended-properties" xmlns:cs="http://schemas.microsoft.com/office/drawing/2012/chartStyle" xmlns:c="http://schemas.openxmlformats.org/drawingml/2006/chart" xmlns="" id="{C9CF2210-4D4B-49B5-99A6-F4F4C06671E8}"/>
               </a:ext>
             </a:extLst>
           </p:cNvPr>
@@ -9345,7 +9345,7 @@
           <p:cNvPr id="20" name="Footer Placeholder 1">
             <a:extLst>
               <a:ext uri="{93B6DE08-B161-45D0-B64C-2074734C55FD}">
-                <a16:creationId xmlns="" xmlns:c="http://schemas.openxmlformats.org/drawingml/2006/chart" xmlns:cs="http://schemas.microsoft.com/office/drawing/2012/chartStyle" xmlns:ns1="http://schemas.openxmlformats.org/officeDocument/2006/extended-properties" xmlns:vt="http://schemas.openxmlformats.org/officeDocument/2006/docPropsVTypes" xmlns:a16="http://schemas.microsoft.com/office/drawing/2010/main" id="{74D4E3A0-6F1D-4FFC-A9A9-D721DCA27DB5}"/>
+                <a16:creationId xmlns:a16="http://schemas.microsoft.com/office/drawing/2010/main" xmlns:vt="http://schemas.openxmlformats.org/officeDocument/2006/docPropsVTypes" xmlns:ns1="http://schemas.openxmlformats.org/officeDocument/2006/extended-properties" xmlns:cs="http://schemas.microsoft.com/office/drawing/2012/chartStyle" xmlns:c="http://schemas.openxmlformats.org/drawingml/2006/chart" xmlns="" id="{74D4E3A0-6F1D-4FFC-A9A9-D721DCA27DB5}"/>
               </a:ext>
             </a:extLst>
           </p:cNvPr>
@@ -9393,7 +9393,7 @@
     </p:custDataLst>
     <p:extLst>
       <p:ext uri="{84E21786-AF1B-4BB1-818E-9196CB404427}">
-        <p14:creationId xmlns="" xmlns:c="http://schemas.openxmlformats.org/drawingml/2006/chart" xmlns:cs="http://schemas.microsoft.com/office/drawing/2012/chartStyle" xmlns:ns1="http://schemas.openxmlformats.org/officeDocument/2006/extended-properties" xmlns:vt="http://schemas.openxmlformats.org/officeDocument/2006/docPropsVTypes" xmlns:p14="http://schemas.microsoft.com/office/powerpoint/2010/main" val="1724933507262"/>
+        <p14:creationId xmlns:p14="http://schemas.microsoft.com/office/powerpoint/2010/main" xmlns:vt="http://schemas.openxmlformats.org/officeDocument/2006/docPropsVTypes" xmlns:ns1="http://schemas.openxmlformats.org/officeDocument/2006/extended-properties" xmlns:cs="http://schemas.microsoft.com/office/drawing/2012/chartStyle" xmlns:c="http://schemas.openxmlformats.org/drawingml/2006/chart" xmlns="" val="1724933507262"/>
       </p:ext>
     </p:extLst>
   </p:cSld>
@@ -9425,7 +9425,7 @@
           <p:cNvPr id="2" name="Content Placeholder 2">
             <a:extLst>
               <a:ext uri="{7983EFD5-9922-4537-B7AB-F9D098548B02}">
-                <a16:creationId xmlns="" xmlns:c="http://schemas.openxmlformats.org/drawingml/2006/chart" xmlns:cs="http://schemas.microsoft.com/office/drawing/2012/chartStyle" xmlns:ns1="http://schemas.openxmlformats.org/officeDocument/2006/extended-properties" xmlns:vt="http://schemas.openxmlformats.org/officeDocument/2006/docPropsVTypes" xmlns:a16="http://schemas.microsoft.com/office/drawing/2010/main" id="{79BD54A4-D2A9-4FEB-8029-7D9000050747}"/>
+                <a16:creationId xmlns:a16="http://schemas.microsoft.com/office/drawing/2010/main" xmlns:vt="http://schemas.openxmlformats.org/officeDocument/2006/docPropsVTypes" xmlns:ns1="http://schemas.openxmlformats.org/officeDocument/2006/extended-properties" xmlns:cs="http://schemas.microsoft.com/office/drawing/2012/chartStyle" xmlns:c="http://schemas.openxmlformats.org/drawingml/2006/chart" xmlns="" id="{79BD54A4-D2A9-4FEB-8029-7D9000050747}"/>
               </a:ext>
             </a:extLst>
           </p:cNvPr>
@@ -9545,7 +9545,7 @@
           <p:cNvPr id="3" name="Slide Number Placeholder 5">
             <a:extLst>
               <a:ext uri="{35CA1C0D-57DD-4CDC-9480-B0AC3311AEE5}">
-                <a16:creationId xmlns="" xmlns:c="http://schemas.openxmlformats.org/drawingml/2006/chart" xmlns:cs="http://schemas.microsoft.com/office/drawing/2012/chartStyle" xmlns:ns1="http://schemas.openxmlformats.org/officeDocument/2006/extended-properties" xmlns:vt="http://schemas.openxmlformats.org/officeDocument/2006/docPropsVTypes" xmlns:a16="http://schemas.microsoft.com/office/drawing/2010/main" id="{168269A9-0B63-48A5-BE4F-3943BBA22943}"/>
+                <a16:creationId xmlns:a16="http://schemas.microsoft.com/office/drawing/2010/main" xmlns:vt="http://schemas.openxmlformats.org/officeDocument/2006/docPropsVTypes" xmlns:ns1="http://schemas.openxmlformats.org/officeDocument/2006/extended-properties" xmlns:cs="http://schemas.microsoft.com/office/drawing/2012/chartStyle" xmlns:c="http://schemas.openxmlformats.org/drawingml/2006/chart" xmlns="" id="{168269A9-0B63-48A5-BE4F-3943BBA22943}"/>
               </a:ext>
             </a:extLst>
           </p:cNvPr>
@@ -9573,7 +9573,7 @@
           <p:cNvPr id="4" name="Title 6">
             <a:extLst>
               <a:ext uri="{B0E42BB6-6334-4A9F-962C-80CDE6FC16EB}">
-                <a16:creationId xmlns="" xmlns:c="http://schemas.openxmlformats.org/drawingml/2006/chart" xmlns:cs="http://schemas.microsoft.com/office/drawing/2012/chartStyle" xmlns:ns1="http://schemas.openxmlformats.org/officeDocument/2006/extended-properties" xmlns:vt="http://schemas.openxmlformats.org/officeDocument/2006/docPropsVTypes" xmlns:a16="http://schemas.microsoft.com/office/drawing/2010/main" id="{0696EBFD-E5C5-421B-8EB4-F05D359B45A3}"/>
+                <a16:creationId xmlns:a16="http://schemas.microsoft.com/office/drawing/2010/main" xmlns:vt="http://schemas.openxmlformats.org/officeDocument/2006/docPropsVTypes" xmlns:ns1="http://schemas.openxmlformats.org/officeDocument/2006/extended-properties" xmlns:cs="http://schemas.microsoft.com/office/drawing/2012/chartStyle" xmlns:c="http://schemas.openxmlformats.org/drawingml/2006/chart" xmlns="" id="{0696EBFD-E5C5-421B-8EB4-F05D359B45A3}"/>
               </a:ext>
             </a:extLst>
           </p:cNvPr>
@@ -9619,7 +9619,7 @@
           <p:cNvPr id="5" name="Marcador de contenido 4">
             <a:extLst>
               <a:ext uri="{0C77AFAB-6EF0-4B8E-937C-2B1062FA89B6}">
-                <a16:creationId xmlns="" xmlns:c="http://schemas.openxmlformats.org/drawingml/2006/chart" xmlns:cs="http://schemas.microsoft.com/office/drawing/2012/chartStyle" xmlns:ns1="http://schemas.openxmlformats.org/officeDocument/2006/extended-properties" xmlns:vt="http://schemas.openxmlformats.org/officeDocument/2006/docPropsVTypes" xmlns:a16="http://schemas.microsoft.com/office/drawing/2010/main" id="{DEB788D1-3A5F-4543-87F3-49D4F55595A3}"/>
+                <a16:creationId xmlns:a16="http://schemas.microsoft.com/office/drawing/2010/main" xmlns:vt="http://schemas.openxmlformats.org/officeDocument/2006/docPropsVTypes" xmlns:ns1="http://schemas.openxmlformats.org/officeDocument/2006/extended-properties" xmlns:cs="http://schemas.microsoft.com/office/drawing/2012/chartStyle" xmlns:c="http://schemas.openxmlformats.org/drawingml/2006/chart" xmlns="" id="{DEB788D1-3A5F-4543-87F3-49D4F55595A3}"/>
               </a:ext>
             </a:extLst>
           </p:cNvPr>
@@ -9727,7 +9727,7 @@
           <p:cNvPr id="6" name="Marcador de posición de imagen 5">
             <a:extLst>
               <a:ext uri="{A11A9413-E04A-4FCC-90B4-1BEBB5B54EEF}">
-                <a16:creationId xmlns="" xmlns:c="http://schemas.openxmlformats.org/drawingml/2006/chart" xmlns:cs="http://schemas.microsoft.com/office/drawing/2012/chartStyle" xmlns:ns1="http://schemas.openxmlformats.org/officeDocument/2006/extended-properties" xmlns:vt="http://schemas.openxmlformats.org/officeDocument/2006/docPropsVTypes" xmlns:a16="http://schemas.microsoft.com/office/drawing/2010/main" id="{F3724B1F-B204-4051-A062-DC6991080257}"/>
+                <a16:creationId xmlns:a16="http://schemas.microsoft.com/office/drawing/2010/main" xmlns:vt="http://schemas.openxmlformats.org/officeDocument/2006/docPropsVTypes" xmlns:ns1="http://schemas.openxmlformats.org/officeDocument/2006/extended-properties" xmlns:cs="http://schemas.microsoft.com/office/drawing/2012/chartStyle" xmlns:c="http://schemas.openxmlformats.org/drawingml/2006/chart" xmlns="" id="{F3724B1F-B204-4051-A062-DC6991080257}"/>
               </a:ext>
             </a:extLst>
           </p:cNvPr>
@@ -9766,7 +9766,7 @@
           <p:cNvPr id="7" name="Date Placeholder 1">
             <a:extLst>
               <a:ext uri="{087E8F12-EEFA-45A4-A21E-10CA43598047}">
-                <a16:creationId xmlns="" xmlns:c="http://schemas.openxmlformats.org/drawingml/2006/chart" xmlns:cs="http://schemas.microsoft.com/office/drawing/2012/chartStyle" xmlns:ns1="http://schemas.openxmlformats.org/officeDocument/2006/extended-properties" xmlns:vt="http://schemas.openxmlformats.org/officeDocument/2006/docPropsVTypes" xmlns:a16="http://schemas.microsoft.com/office/drawing/2010/main" id="{7C6D8A0D-D6A2-4EEF-9CA7-4331881928F7}"/>
+                <a16:creationId xmlns:a16="http://schemas.microsoft.com/office/drawing/2010/main" xmlns:vt="http://schemas.openxmlformats.org/officeDocument/2006/docPropsVTypes" xmlns:ns1="http://schemas.openxmlformats.org/officeDocument/2006/extended-properties" xmlns:cs="http://schemas.microsoft.com/office/drawing/2012/chartStyle" xmlns:c="http://schemas.openxmlformats.org/drawingml/2006/chart" xmlns="" id="{7C6D8A0D-D6A2-4EEF-9CA7-4331881928F7}"/>
               </a:ext>
             </a:extLst>
           </p:cNvPr>
@@ -9813,7 +9813,7 @@
           <p:cNvPr id="8" name="Footer Placeholder 1">
             <a:extLst>
               <a:ext uri="{2F15B962-1F92-4671-8F7F-F7EB272709AC}">
-                <a16:creationId xmlns="" xmlns:c="http://schemas.openxmlformats.org/drawingml/2006/chart" xmlns:cs="http://schemas.microsoft.com/office/drawing/2012/chartStyle" xmlns:ns1="http://schemas.openxmlformats.org/officeDocument/2006/extended-properties" xmlns:vt="http://schemas.openxmlformats.org/officeDocument/2006/docPropsVTypes" xmlns:a16="http://schemas.microsoft.com/office/drawing/2010/main" id="{211C9C20-1363-4C17-8F5F-02F9A0F573A7}"/>
+                <a16:creationId xmlns:a16="http://schemas.microsoft.com/office/drawing/2010/main" xmlns:vt="http://schemas.openxmlformats.org/officeDocument/2006/docPropsVTypes" xmlns:ns1="http://schemas.openxmlformats.org/officeDocument/2006/extended-properties" xmlns:cs="http://schemas.microsoft.com/office/drawing/2012/chartStyle" xmlns:c="http://schemas.openxmlformats.org/drawingml/2006/chart" xmlns="" id="{211C9C20-1363-4C17-8F5F-02F9A0F573A7}"/>
               </a:ext>
             </a:extLst>
           </p:cNvPr>
@@ -9861,7 +9861,7 @@
     </p:custDataLst>
     <p:extLst>
       <p:ext uri="{23D651D6-B98F-4BBD-B9DF-E45550CD24FF}">
-        <p14:creationId xmlns="" xmlns:c="http://schemas.openxmlformats.org/drawingml/2006/chart" xmlns:cs="http://schemas.microsoft.com/office/drawing/2012/chartStyle" xmlns:ns1="http://schemas.openxmlformats.org/officeDocument/2006/extended-properties" xmlns:vt="http://schemas.openxmlformats.org/officeDocument/2006/docPropsVTypes" xmlns:p14="http://schemas.microsoft.com/office/powerpoint/2010/main" val="1724933507264"/>
+        <p14:creationId xmlns:p14="http://schemas.microsoft.com/office/powerpoint/2010/main" xmlns:vt="http://schemas.openxmlformats.org/officeDocument/2006/docPropsVTypes" xmlns:ns1="http://schemas.openxmlformats.org/officeDocument/2006/extended-properties" xmlns:cs="http://schemas.microsoft.com/office/drawing/2012/chartStyle" xmlns:c="http://schemas.openxmlformats.org/drawingml/2006/chart" xmlns="" val="1724933507264"/>
       </p:ext>
     </p:extLst>
   </p:cSld>
@@ -9893,7 +9893,7 @@
           <p:cNvPr id="2" name="Rectangle 28">
             <a:extLst>
               <a:ext uri="{FD2D3F0C-1E0A-4496-88B9-A8E344E8ED87}">
-                <a16:creationId xmlns="" xmlns:c="http://schemas.openxmlformats.org/drawingml/2006/chart" xmlns:cs="http://schemas.microsoft.com/office/drawing/2012/chartStyle" xmlns:ns1="http://schemas.openxmlformats.org/officeDocument/2006/extended-properties" xmlns:vt="http://schemas.openxmlformats.org/officeDocument/2006/docPropsVTypes" xmlns:a16="http://schemas.microsoft.com/office/drawing/2010/main" id="{FAFF71B5-25E5-4081-956B-A61DC0672865}"/>
+                <a16:creationId xmlns:a16="http://schemas.microsoft.com/office/drawing/2010/main" xmlns:vt="http://schemas.openxmlformats.org/officeDocument/2006/docPropsVTypes" xmlns:ns1="http://schemas.openxmlformats.org/officeDocument/2006/extended-properties" xmlns:cs="http://schemas.microsoft.com/office/drawing/2012/chartStyle" xmlns:c="http://schemas.openxmlformats.org/drawingml/2006/chart" xmlns="" id="{FAFF71B5-25E5-4081-956B-A61DC0672865}"/>
               </a:ext>
             </a:extLst>
           </p:cNvPr>
@@ -9948,7 +9948,7 @@
           <p:cNvPr id="3" name="Content Placeholder 2">
             <a:extLst>
               <a:ext uri="{383CFE8F-D632-4D18-864B-7F55A51268C9}">
-                <a16:creationId xmlns="" xmlns:c="http://schemas.openxmlformats.org/drawingml/2006/chart" xmlns:cs="http://schemas.microsoft.com/office/drawing/2012/chartStyle" xmlns:ns1="http://schemas.openxmlformats.org/officeDocument/2006/extended-properties" xmlns:vt="http://schemas.openxmlformats.org/officeDocument/2006/docPropsVTypes" xmlns:a16="http://schemas.microsoft.com/office/drawing/2010/main" id="{DDCE1756-0EBD-4DF1-ABD3-AB6B6E40D78A}"/>
+                <a16:creationId xmlns:a16="http://schemas.microsoft.com/office/drawing/2010/main" xmlns:vt="http://schemas.openxmlformats.org/officeDocument/2006/docPropsVTypes" xmlns:ns1="http://schemas.openxmlformats.org/officeDocument/2006/extended-properties" xmlns:cs="http://schemas.microsoft.com/office/drawing/2012/chartStyle" xmlns:c="http://schemas.openxmlformats.org/drawingml/2006/chart" xmlns="" id="{DDCE1756-0EBD-4DF1-ABD3-AB6B6E40D78A}"/>
               </a:ext>
             </a:extLst>
           </p:cNvPr>
@@ -10028,7 +10028,7 @@
           <p:cNvPr id="4" name="Slide Number Placeholder 5">
             <a:extLst>
               <a:ext uri="{C6CE273E-E7E5-40E5-B42B-743FE8E303B8}">
-                <a16:creationId xmlns="" xmlns:c="http://schemas.openxmlformats.org/drawingml/2006/chart" xmlns:cs="http://schemas.microsoft.com/office/drawing/2012/chartStyle" xmlns:ns1="http://schemas.openxmlformats.org/officeDocument/2006/extended-properties" xmlns:vt="http://schemas.openxmlformats.org/officeDocument/2006/docPropsVTypes" xmlns:a16="http://schemas.microsoft.com/office/drawing/2010/main" id="{26568309-A751-4507-8687-74EFFD51DF3E}"/>
+                <a16:creationId xmlns:a16="http://schemas.microsoft.com/office/drawing/2010/main" xmlns:vt="http://schemas.openxmlformats.org/officeDocument/2006/docPropsVTypes" xmlns:ns1="http://schemas.openxmlformats.org/officeDocument/2006/extended-properties" xmlns:cs="http://schemas.microsoft.com/office/drawing/2012/chartStyle" xmlns:c="http://schemas.openxmlformats.org/drawingml/2006/chart" xmlns="" id="{26568309-A751-4507-8687-74EFFD51DF3E}"/>
               </a:ext>
             </a:extLst>
           </p:cNvPr>
@@ -10056,7 +10056,7 @@
           <p:cNvPr id="5" name="Title 6">
             <a:extLst>
               <a:ext uri="{1FDA793B-29F7-498B-B222-26CAA299495E}">
-                <a16:creationId xmlns="" xmlns:c="http://schemas.openxmlformats.org/drawingml/2006/chart" xmlns:cs="http://schemas.microsoft.com/office/drawing/2012/chartStyle" xmlns:ns1="http://schemas.openxmlformats.org/officeDocument/2006/extended-properties" xmlns:vt="http://schemas.openxmlformats.org/officeDocument/2006/docPropsVTypes" xmlns:a16="http://schemas.microsoft.com/office/drawing/2010/main" id="{F35C8855-116E-4FAE-8892-E9B4C86EE692}"/>
+                <a16:creationId xmlns:a16="http://schemas.microsoft.com/office/drawing/2010/main" xmlns:vt="http://schemas.openxmlformats.org/officeDocument/2006/docPropsVTypes" xmlns:ns1="http://schemas.openxmlformats.org/officeDocument/2006/extended-properties" xmlns:cs="http://schemas.microsoft.com/office/drawing/2012/chartStyle" xmlns:c="http://schemas.openxmlformats.org/drawingml/2006/chart" xmlns="" id="{F35C8855-116E-4FAE-8892-E9B4C86EE692}"/>
               </a:ext>
             </a:extLst>
           </p:cNvPr>
@@ -10102,7 +10102,7 @@
           <p:cNvPr id="6" name="Content Placeholder 2">
             <a:extLst>
               <a:ext uri="{D384003F-F70F-40E9-A1A5-183E4491D64D}">
-                <a16:creationId xmlns="" xmlns:c="http://schemas.openxmlformats.org/drawingml/2006/chart" xmlns:cs="http://schemas.microsoft.com/office/drawing/2012/chartStyle" xmlns:ns1="http://schemas.openxmlformats.org/officeDocument/2006/extended-properties" xmlns:vt="http://schemas.openxmlformats.org/officeDocument/2006/docPropsVTypes" xmlns:a16="http://schemas.microsoft.com/office/drawing/2010/main" id="{85C508F9-7333-48F7-B704-90DF063986B2}"/>
+                <a16:creationId xmlns:a16="http://schemas.microsoft.com/office/drawing/2010/main" xmlns:vt="http://schemas.openxmlformats.org/officeDocument/2006/docPropsVTypes" xmlns:ns1="http://schemas.openxmlformats.org/officeDocument/2006/extended-properties" xmlns:cs="http://schemas.microsoft.com/office/drawing/2012/chartStyle" xmlns:c="http://schemas.openxmlformats.org/drawingml/2006/chart" xmlns="" id="{85C508F9-7333-48F7-B704-90DF063986B2}"/>
               </a:ext>
             </a:extLst>
           </p:cNvPr>
@@ -10187,7 +10187,7 @@
           <p:cNvPr id="7" name="Marcador de posición de imagen 6">
             <a:extLst>
               <a:ext uri="{4E995423-749F-4F97-B39C-024CCBA5B519}">
-                <a16:creationId xmlns="" xmlns:c="http://schemas.openxmlformats.org/drawingml/2006/chart" xmlns:cs="http://schemas.microsoft.com/office/drawing/2012/chartStyle" xmlns:ns1="http://schemas.openxmlformats.org/officeDocument/2006/extended-properties" xmlns:vt="http://schemas.openxmlformats.org/officeDocument/2006/docPropsVTypes" xmlns:a16="http://schemas.microsoft.com/office/drawing/2010/main" id="{6DD90374-6D10-4E9A-ABA5-5227F51C42B4}"/>
+                <a16:creationId xmlns:a16="http://schemas.microsoft.com/office/drawing/2010/main" xmlns:vt="http://schemas.openxmlformats.org/officeDocument/2006/docPropsVTypes" xmlns:ns1="http://schemas.openxmlformats.org/officeDocument/2006/extended-properties" xmlns:cs="http://schemas.microsoft.com/office/drawing/2012/chartStyle" xmlns:c="http://schemas.openxmlformats.org/drawingml/2006/chart" xmlns="" id="{6DD90374-6D10-4E9A-ABA5-5227F51C42B4}"/>
               </a:ext>
             </a:extLst>
           </p:cNvPr>
@@ -10226,7 +10226,7 @@
           <p:cNvPr id="8" name="Date Placeholder 1">
             <a:extLst>
               <a:ext uri="{29B97F27-AC1E-4DDA-80D6-77574D4F9D36}">
-                <a16:creationId xmlns="" xmlns:c="http://schemas.openxmlformats.org/drawingml/2006/chart" xmlns:cs="http://schemas.microsoft.com/office/drawing/2012/chartStyle" xmlns:ns1="http://schemas.openxmlformats.org/officeDocument/2006/extended-properties" xmlns:vt="http://schemas.openxmlformats.org/officeDocument/2006/docPropsVTypes" xmlns:a16="http://schemas.microsoft.com/office/drawing/2010/main" id="{C20962D1-7FF3-4C83-B24C-4E9CF973A8AE}"/>
+                <a16:creationId xmlns:a16="http://schemas.microsoft.com/office/drawing/2010/main" xmlns:vt="http://schemas.openxmlformats.org/officeDocument/2006/docPropsVTypes" xmlns:ns1="http://schemas.openxmlformats.org/officeDocument/2006/extended-properties" xmlns:cs="http://schemas.microsoft.com/office/drawing/2012/chartStyle" xmlns:c="http://schemas.openxmlformats.org/drawingml/2006/chart" xmlns="" id="{C20962D1-7FF3-4C83-B24C-4E9CF973A8AE}"/>
               </a:ext>
             </a:extLst>
           </p:cNvPr>
@@ -10273,7 +10273,7 @@
           <p:cNvPr id="9" name="Footer Placeholder 1">
             <a:extLst>
               <a:ext uri="{587D6AF0-1992-4457-A623-ECB025C49932}">
-                <a16:creationId xmlns="" xmlns:c="http://schemas.openxmlformats.org/drawingml/2006/chart" xmlns:cs="http://schemas.microsoft.com/office/drawing/2012/chartStyle" xmlns:ns1="http://schemas.openxmlformats.org/officeDocument/2006/extended-properties" xmlns:vt="http://schemas.openxmlformats.org/officeDocument/2006/docPropsVTypes" xmlns:a16="http://schemas.microsoft.com/office/drawing/2010/main" id="{9014E3A9-B6B1-4896-90A8-7947C5D85D55}"/>
+                <a16:creationId xmlns:a16="http://schemas.microsoft.com/office/drawing/2010/main" xmlns:vt="http://schemas.openxmlformats.org/officeDocument/2006/docPropsVTypes" xmlns:ns1="http://schemas.openxmlformats.org/officeDocument/2006/extended-properties" xmlns:cs="http://schemas.microsoft.com/office/drawing/2012/chartStyle" xmlns:c="http://schemas.openxmlformats.org/drawingml/2006/chart" xmlns="" id="{9014E3A9-B6B1-4896-90A8-7947C5D85D55}"/>
               </a:ext>
             </a:extLst>
           </p:cNvPr>
@@ -10321,7 +10321,7 @@
     </p:custDataLst>
     <p:extLst>
       <p:ext uri="{84487F39-455B-48C5-AAEC-25A170A1E3CA}">
-        <p14:creationId xmlns="" xmlns:c="http://schemas.openxmlformats.org/drawingml/2006/chart" xmlns:cs="http://schemas.microsoft.com/office/drawing/2012/chartStyle" xmlns:ns1="http://schemas.openxmlformats.org/officeDocument/2006/extended-properties" xmlns:vt="http://schemas.openxmlformats.org/officeDocument/2006/docPropsVTypes" xmlns:p14="http://schemas.microsoft.com/office/powerpoint/2010/main" val="1724933507266"/>
+        <p14:creationId xmlns:p14="http://schemas.microsoft.com/office/powerpoint/2010/main" xmlns:vt="http://schemas.openxmlformats.org/officeDocument/2006/docPropsVTypes" xmlns:ns1="http://schemas.openxmlformats.org/officeDocument/2006/extended-properties" xmlns:cs="http://schemas.microsoft.com/office/drawing/2012/chartStyle" xmlns:c="http://schemas.openxmlformats.org/drawingml/2006/chart" xmlns="" val="1724933507266"/>
       </p:ext>
     </p:extLst>
   </p:cSld>
@@ -10353,7 +10353,7 @@
           <p:cNvPr id="2" name="Picture Placeholder 3">
             <a:extLst>
               <a:ext uri="{35E3D3A6-1FBF-48FE-8A64-D05D1588A0D2}">
-                <a16:creationId xmlns="" xmlns:c="http://schemas.openxmlformats.org/drawingml/2006/chart" xmlns:cs="http://schemas.microsoft.com/office/drawing/2012/chartStyle" xmlns:ns1="http://schemas.openxmlformats.org/officeDocument/2006/extended-properties" xmlns:vt="http://schemas.openxmlformats.org/officeDocument/2006/docPropsVTypes" xmlns:a16="http://schemas.microsoft.com/office/drawing/2010/main" id="{06E92310-4901-44E4-816B-1B12615D3768}"/>
+                <a16:creationId xmlns:a16="http://schemas.microsoft.com/office/drawing/2010/main" xmlns:vt="http://schemas.openxmlformats.org/officeDocument/2006/docPropsVTypes" xmlns:ns1="http://schemas.openxmlformats.org/officeDocument/2006/extended-properties" xmlns:cs="http://schemas.microsoft.com/office/drawing/2012/chartStyle" xmlns:c="http://schemas.openxmlformats.org/drawingml/2006/chart" xmlns="" id="{06E92310-4901-44E4-816B-1B12615D3768}"/>
               </a:ext>
             </a:extLst>
           </p:cNvPr>
@@ -10428,7 +10428,7 @@
           <p:cNvPr id="3" name="Slide Number Placeholder 5">
             <a:extLst>
               <a:ext uri="{5C350D2D-EAB1-4EF3-BC11-E3AF930EF839}">
-                <a16:creationId xmlns="" xmlns:c="http://schemas.openxmlformats.org/drawingml/2006/chart" xmlns:cs="http://schemas.microsoft.com/office/drawing/2012/chartStyle" xmlns:ns1="http://schemas.openxmlformats.org/officeDocument/2006/extended-properties" xmlns:vt="http://schemas.openxmlformats.org/officeDocument/2006/docPropsVTypes" xmlns:a16="http://schemas.microsoft.com/office/drawing/2010/main" id="{4E951171-59C1-4157-951E-C38DAAAF2F53}"/>
+                <a16:creationId xmlns:a16="http://schemas.microsoft.com/office/drawing/2010/main" xmlns:vt="http://schemas.openxmlformats.org/officeDocument/2006/docPropsVTypes" xmlns:ns1="http://schemas.openxmlformats.org/officeDocument/2006/extended-properties" xmlns:cs="http://schemas.microsoft.com/office/drawing/2012/chartStyle" xmlns:c="http://schemas.openxmlformats.org/drawingml/2006/chart" xmlns="" id="{4E951171-59C1-4157-951E-C38DAAAF2F53}"/>
               </a:ext>
             </a:extLst>
           </p:cNvPr>
@@ -10456,7 +10456,7 @@
           <p:cNvPr id="4" name="Title 6">
             <a:extLst>
               <a:ext uri="{C4B9AEDF-DCA7-4599-8E4B-877B44430873}">
-                <a16:creationId xmlns="" xmlns:c="http://schemas.openxmlformats.org/drawingml/2006/chart" xmlns:cs="http://schemas.microsoft.com/office/drawing/2012/chartStyle" xmlns:ns1="http://schemas.openxmlformats.org/officeDocument/2006/extended-properties" xmlns:vt="http://schemas.openxmlformats.org/officeDocument/2006/docPropsVTypes" xmlns:a16="http://schemas.microsoft.com/office/drawing/2010/main" id="{90EF6DC1-C8C4-4CB1-AE81-8FD0E604EB53}"/>
+                <a16:creationId xmlns:a16="http://schemas.microsoft.com/office/drawing/2010/main" xmlns:vt="http://schemas.openxmlformats.org/officeDocument/2006/docPropsVTypes" xmlns:ns1="http://schemas.openxmlformats.org/officeDocument/2006/extended-properties" xmlns:cs="http://schemas.microsoft.com/office/drawing/2012/chartStyle" xmlns:c="http://schemas.openxmlformats.org/drawingml/2006/chart" xmlns="" id="{90EF6DC1-C8C4-4CB1-AE81-8FD0E604EB53}"/>
               </a:ext>
             </a:extLst>
           </p:cNvPr>
@@ -10502,7 +10502,7 @@
           <p:cNvPr id="5" name="Content Placeholder 2">
             <a:extLst>
               <a:ext uri="{EAC91A25-2FC2-4AD6-A55D-E4B72386F669}">
-                <a16:creationId xmlns="" xmlns:c="http://schemas.openxmlformats.org/drawingml/2006/chart" xmlns:cs="http://schemas.microsoft.com/office/drawing/2012/chartStyle" xmlns:ns1="http://schemas.openxmlformats.org/officeDocument/2006/extended-properties" xmlns:vt="http://schemas.openxmlformats.org/officeDocument/2006/docPropsVTypes" xmlns:a16="http://schemas.microsoft.com/office/drawing/2010/main" id="{713DB8B8-1FEE-4A25-942F-93ADDEF22F6A}"/>
+                <a16:creationId xmlns:a16="http://schemas.microsoft.com/office/drawing/2010/main" xmlns:vt="http://schemas.openxmlformats.org/officeDocument/2006/docPropsVTypes" xmlns:ns1="http://schemas.openxmlformats.org/officeDocument/2006/extended-properties" xmlns:cs="http://schemas.microsoft.com/office/drawing/2012/chartStyle" xmlns:c="http://schemas.openxmlformats.org/drawingml/2006/chart" xmlns="" id="{713DB8B8-1FEE-4A25-942F-93ADDEF22F6A}"/>
               </a:ext>
             </a:extLst>
           </p:cNvPr>
@@ -10588,7 +10588,7 @@
           <p:cNvPr id="6" name="Marcador de posición de imagen 5">
             <a:extLst>
               <a:ext uri="{DD13CCEE-E7A4-495A-98D2-85CBFD404F25}">
-                <a16:creationId xmlns="" xmlns:c="http://schemas.openxmlformats.org/drawingml/2006/chart" xmlns:cs="http://schemas.microsoft.com/office/drawing/2012/chartStyle" xmlns:ns1="http://schemas.openxmlformats.org/officeDocument/2006/extended-properties" xmlns:vt="http://schemas.openxmlformats.org/officeDocument/2006/docPropsVTypes" xmlns:a16="http://schemas.microsoft.com/office/drawing/2010/main" id="{FD0BE306-B194-44AE-A558-DF5299E25796}"/>
+                <a16:creationId xmlns:a16="http://schemas.microsoft.com/office/drawing/2010/main" xmlns:vt="http://schemas.openxmlformats.org/officeDocument/2006/docPropsVTypes" xmlns:ns1="http://schemas.openxmlformats.org/officeDocument/2006/extended-properties" xmlns:cs="http://schemas.microsoft.com/office/drawing/2012/chartStyle" xmlns:c="http://schemas.openxmlformats.org/drawingml/2006/chart" xmlns="" id="{FD0BE306-B194-44AE-A558-DF5299E25796}"/>
               </a:ext>
             </a:extLst>
           </p:cNvPr>
@@ -10627,7 +10627,7 @@
           <p:cNvPr id="7" name="Date Placeholder 1">
             <a:extLst>
               <a:ext uri="{9EDE9CAA-B3B0-446F-B7F1-382734DDBA08}">
-                <a16:creationId xmlns="" xmlns:c="http://schemas.openxmlformats.org/drawingml/2006/chart" xmlns:cs="http://schemas.microsoft.com/office/drawing/2012/chartStyle" xmlns:ns1="http://schemas.openxmlformats.org/officeDocument/2006/extended-properties" xmlns:vt="http://schemas.openxmlformats.org/officeDocument/2006/docPropsVTypes" xmlns:a16="http://schemas.microsoft.com/office/drawing/2010/main" id="{17D5E8B5-57E6-4E41-AF42-8D301D82AAB3}"/>
+                <a16:creationId xmlns:a16="http://schemas.microsoft.com/office/drawing/2010/main" xmlns:vt="http://schemas.openxmlformats.org/officeDocument/2006/docPropsVTypes" xmlns:ns1="http://schemas.openxmlformats.org/officeDocument/2006/extended-properties" xmlns:cs="http://schemas.microsoft.com/office/drawing/2012/chartStyle" xmlns:c="http://schemas.openxmlformats.org/drawingml/2006/chart" xmlns="" id="{17D5E8B5-57E6-4E41-AF42-8D301D82AAB3}"/>
               </a:ext>
             </a:extLst>
           </p:cNvPr>
@@ -10674,7 +10674,7 @@
           <p:cNvPr id="8" name="Footer Placeholder 1">
             <a:extLst>
               <a:ext uri="{19883D48-E0D6-4A60-83D3-02954D93577A}">
-                <a16:creationId xmlns="" xmlns:c="http://schemas.openxmlformats.org/drawingml/2006/chart" xmlns:cs="http://schemas.microsoft.com/office/drawing/2012/chartStyle" xmlns:ns1="http://schemas.openxmlformats.org/officeDocument/2006/extended-properties" xmlns:vt="http://schemas.openxmlformats.org/officeDocument/2006/docPropsVTypes" xmlns:a16="http://schemas.microsoft.com/office/drawing/2010/main" id="{FAB311B3-D2DD-4A18-A0AC-2344511B01E6}"/>
+                <a16:creationId xmlns:a16="http://schemas.microsoft.com/office/drawing/2010/main" xmlns:vt="http://schemas.openxmlformats.org/officeDocument/2006/docPropsVTypes" xmlns:ns1="http://schemas.openxmlformats.org/officeDocument/2006/extended-properties" xmlns:cs="http://schemas.microsoft.com/office/drawing/2012/chartStyle" xmlns:c="http://schemas.openxmlformats.org/drawingml/2006/chart" xmlns="" id="{FAB311B3-D2DD-4A18-A0AC-2344511B01E6}"/>
               </a:ext>
             </a:extLst>
           </p:cNvPr>
@@ -10722,7 +10722,7 @@
     </p:custDataLst>
     <p:extLst>
       <p:ext uri="{E85FCDB6-60D4-4FEB-89D3-E8C7128329D0}">
-        <p14:creationId xmlns="" xmlns:c="http://schemas.openxmlformats.org/drawingml/2006/chart" xmlns:cs="http://schemas.microsoft.com/office/drawing/2012/chartStyle" xmlns:ns1="http://schemas.openxmlformats.org/officeDocument/2006/extended-properties" xmlns:vt="http://schemas.openxmlformats.org/officeDocument/2006/docPropsVTypes" xmlns:p14="http://schemas.microsoft.com/office/powerpoint/2010/main" val="1724933507267"/>
+        <p14:creationId xmlns:p14="http://schemas.microsoft.com/office/powerpoint/2010/main" xmlns:vt="http://schemas.openxmlformats.org/officeDocument/2006/docPropsVTypes" xmlns:ns1="http://schemas.openxmlformats.org/officeDocument/2006/extended-properties" xmlns:cs="http://schemas.microsoft.com/office/drawing/2012/chartStyle" xmlns:c="http://schemas.openxmlformats.org/drawingml/2006/chart" xmlns="" val="1724933507267"/>
       </p:ext>
     </p:extLst>
   </p:cSld>
@@ -10754,7 +10754,7 @@
           <p:cNvPr id="2" name="Slide Number Placeholder 5">
             <a:extLst>
               <a:ext uri="{AC993A46-3E02-43D7-A549-44E36E3056FF}">
-                <a16:creationId xmlns="" xmlns:c="http://schemas.openxmlformats.org/drawingml/2006/chart" xmlns:cs="http://schemas.microsoft.com/office/drawing/2012/chartStyle" xmlns:ns1="http://schemas.openxmlformats.org/officeDocument/2006/extended-properties" xmlns:vt="http://schemas.openxmlformats.org/officeDocument/2006/docPropsVTypes" xmlns:a16="http://schemas.microsoft.com/office/drawing/2010/main" id="{ED39946F-4C96-4D64-A06A-36A440A489E8}"/>
+                <a16:creationId xmlns:a16="http://schemas.microsoft.com/office/drawing/2010/main" xmlns:vt="http://schemas.openxmlformats.org/officeDocument/2006/docPropsVTypes" xmlns:ns1="http://schemas.openxmlformats.org/officeDocument/2006/extended-properties" xmlns:cs="http://schemas.microsoft.com/office/drawing/2012/chartStyle" xmlns:c="http://schemas.openxmlformats.org/drawingml/2006/chart" xmlns="" id="{ED39946F-4C96-4D64-A06A-36A440A489E8}"/>
               </a:ext>
             </a:extLst>
           </p:cNvPr>
@@ -10782,7 +10782,7 @@
           <p:cNvPr id="3" name="Title 6">
             <a:extLst>
               <a:ext uri="{396D749A-3BFC-4FC9-ACA1-796E2ECC5F9C}">
-                <a16:creationId xmlns="" xmlns:c="http://schemas.openxmlformats.org/drawingml/2006/chart" xmlns:cs="http://schemas.microsoft.com/office/drawing/2012/chartStyle" xmlns:ns1="http://schemas.openxmlformats.org/officeDocument/2006/extended-properties" xmlns:vt="http://schemas.openxmlformats.org/officeDocument/2006/docPropsVTypes" xmlns:a16="http://schemas.microsoft.com/office/drawing/2010/main" id="{422B3F31-D7CA-4E7C-8803-D413AB4065DC}"/>
+                <a16:creationId xmlns:a16="http://schemas.microsoft.com/office/drawing/2010/main" xmlns:vt="http://schemas.openxmlformats.org/officeDocument/2006/docPropsVTypes" xmlns:ns1="http://schemas.openxmlformats.org/officeDocument/2006/extended-properties" xmlns:cs="http://schemas.microsoft.com/office/drawing/2012/chartStyle" xmlns:c="http://schemas.openxmlformats.org/drawingml/2006/chart" xmlns="" id="{422B3F31-D7CA-4E7C-8803-D413AB4065DC}"/>
               </a:ext>
             </a:extLst>
           </p:cNvPr>
@@ -10824,7 +10824,7 @@
           <p:cNvPr id="4" name="Picture Placeholder 4">
             <a:extLst>
               <a:ext uri="{4628C78A-C2FD-4B9B-BD09-C24543541ABB}">
-                <a16:creationId xmlns="" xmlns:c="http://schemas.openxmlformats.org/drawingml/2006/chart" xmlns:cs="http://schemas.microsoft.com/office/drawing/2012/chartStyle" xmlns:ns1="http://schemas.openxmlformats.org/officeDocument/2006/extended-properties" xmlns:vt="http://schemas.openxmlformats.org/officeDocument/2006/docPropsVTypes" xmlns:a16="http://schemas.microsoft.com/office/drawing/2010/main" id="{D96C2DA3-0F03-4060-ABD9-4F98DF52282F}"/>
+                <a16:creationId xmlns:a16="http://schemas.microsoft.com/office/drawing/2010/main" xmlns:vt="http://schemas.openxmlformats.org/officeDocument/2006/docPropsVTypes" xmlns:ns1="http://schemas.openxmlformats.org/officeDocument/2006/extended-properties" xmlns:cs="http://schemas.microsoft.com/office/drawing/2012/chartStyle" xmlns:c="http://schemas.openxmlformats.org/drawingml/2006/chart" xmlns="" id="{D96C2DA3-0F03-4060-ABD9-4F98DF52282F}"/>
               </a:ext>
             </a:extLst>
           </p:cNvPr>
@@ -10856,7 +10856,7 @@
           <p:cNvPr id="5" name="Text Placeholder 2">
             <a:extLst>
               <a:ext uri="{D68CB81B-588D-4994-A210-3EEBEB8A1F45}">
-                <a16:creationId xmlns="" xmlns:c="http://schemas.openxmlformats.org/drawingml/2006/chart" xmlns:cs="http://schemas.microsoft.com/office/drawing/2012/chartStyle" xmlns:ns1="http://schemas.openxmlformats.org/officeDocument/2006/extended-properties" xmlns:vt="http://schemas.openxmlformats.org/officeDocument/2006/docPropsVTypes" xmlns:a16="http://schemas.microsoft.com/office/drawing/2010/main" id="{42F4CF8A-247A-4EA7-8596-AD0514B7A5AC}"/>
+                <a16:creationId xmlns:a16="http://schemas.microsoft.com/office/drawing/2010/main" xmlns:vt="http://schemas.openxmlformats.org/officeDocument/2006/docPropsVTypes" xmlns:ns1="http://schemas.openxmlformats.org/officeDocument/2006/extended-properties" xmlns:cs="http://schemas.microsoft.com/office/drawing/2012/chartStyle" xmlns:c="http://schemas.openxmlformats.org/drawingml/2006/chart" xmlns="" id="{42F4CF8A-247A-4EA7-8596-AD0514B7A5AC}"/>
               </a:ext>
             </a:extLst>
           </p:cNvPr>
@@ -10898,7 +10898,7 @@
           <p:cNvPr id="6" name="Text Placeholder 2">
             <a:extLst>
               <a:ext uri="{E9874190-8B7B-45B2-99E3-A07BC7428E86}">
-                <a16:creationId xmlns="" xmlns:c="http://schemas.openxmlformats.org/drawingml/2006/chart" xmlns:cs="http://schemas.microsoft.com/office/drawing/2012/chartStyle" xmlns:ns1="http://schemas.openxmlformats.org/officeDocument/2006/extended-properties" xmlns:vt="http://schemas.openxmlformats.org/officeDocument/2006/docPropsVTypes" xmlns:a16="http://schemas.microsoft.com/office/drawing/2010/main" id="{A377D645-1146-4A6C-B33B-CFDE2338F757}"/>
+                <a16:creationId xmlns:a16="http://schemas.microsoft.com/office/drawing/2010/main" xmlns:vt="http://schemas.openxmlformats.org/officeDocument/2006/docPropsVTypes" xmlns:ns1="http://schemas.openxmlformats.org/officeDocument/2006/extended-properties" xmlns:cs="http://schemas.microsoft.com/office/drawing/2012/chartStyle" xmlns:c="http://schemas.openxmlformats.org/drawingml/2006/chart" xmlns="" id="{A377D645-1146-4A6C-B33B-CFDE2338F757}"/>
               </a:ext>
             </a:extLst>
           </p:cNvPr>
@@ -10943,7 +10943,7 @@
           <p:cNvPr id="7" name="Text Placeholder 2">
             <a:extLst>
               <a:ext uri="{CB7841B8-58EE-4C30-ACF3-359B52F55393}">
-                <a16:creationId xmlns="" xmlns:c="http://schemas.openxmlformats.org/drawingml/2006/chart" xmlns:cs="http://schemas.microsoft.com/office/drawing/2012/chartStyle" xmlns:ns1="http://schemas.openxmlformats.org/officeDocument/2006/extended-properties" xmlns:vt="http://schemas.openxmlformats.org/officeDocument/2006/docPropsVTypes" xmlns:a16="http://schemas.microsoft.com/office/drawing/2010/main" id="{E224DDB4-EA88-4B68-B9DF-D465E7165519}"/>
+                <a16:creationId xmlns:a16="http://schemas.microsoft.com/office/drawing/2010/main" xmlns:vt="http://schemas.openxmlformats.org/officeDocument/2006/docPropsVTypes" xmlns:ns1="http://schemas.openxmlformats.org/officeDocument/2006/extended-properties" xmlns:cs="http://schemas.microsoft.com/office/drawing/2012/chartStyle" xmlns:c="http://schemas.openxmlformats.org/drawingml/2006/chart" xmlns="" id="{E224DDB4-EA88-4B68-B9DF-D465E7165519}"/>
               </a:ext>
             </a:extLst>
           </p:cNvPr>
@@ -10988,7 +10988,7 @@
           <p:cNvPr id="8" name="Text Placeholder 2">
             <a:extLst>
               <a:ext uri="{28780E42-411F-4F40-B321-D702411F2739}">
-                <a16:creationId xmlns="" xmlns:c="http://schemas.openxmlformats.org/drawingml/2006/chart" xmlns:cs="http://schemas.microsoft.com/office/drawing/2012/chartStyle" xmlns:ns1="http://schemas.openxmlformats.org/officeDocument/2006/extended-properties" xmlns:vt="http://schemas.openxmlformats.org/officeDocument/2006/docPropsVTypes" xmlns:a16="http://schemas.microsoft.com/office/drawing/2010/main" id="{F5D2C44E-12BC-4283-B512-DE2910BA94D2}"/>
+                <a16:creationId xmlns:a16="http://schemas.microsoft.com/office/drawing/2010/main" xmlns:vt="http://schemas.openxmlformats.org/officeDocument/2006/docPropsVTypes" xmlns:ns1="http://schemas.openxmlformats.org/officeDocument/2006/extended-properties" xmlns:cs="http://schemas.microsoft.com/office/drawing/2012/chartStyle" xmlns:c="http://schemas.openxmlformats.org/drawingml/2006/chart" xmlns="" id="{F5D2C44E-12BC-4283-B512-DE2910BA94D2}"/>
               </a:ext>
             </a:extLst>
           </p:cNvPr>
@@ -11036,7 +11036,7 @@
           <p:cNvPr id="9" name="Text Placeholder 2">
             <a:extLst>
               <a:ext uri="{17256D8A-42F6-4265-B59C-6BC8D1BE4298}">
-                <a16:creationId xmlns="" xmlns:c="http://schemas.openxmlformats.org/drawingml/2006/chart" xmlns:cs="http://schemas.microsoft.com/office/drawing/2012/chartStyle" xmlns:ns1="http://schemas.openxmlformats.org/officeDocument/2006/extended-properties" xmlns:vt="http://schemas.openxmlformats.org/officeDocument/2006/docPropsVTypes" xmlns:a16="http://schemas.microsoft.com/office/drawing/2010/main" id="{9F2D792C-20D6-450F-B738-6EDE646D3BD8}"/>
+                <a16:creationId xmlns:a16="http://schemas.microsoft.com/office/drawing/2010/main" xmlns:vt="http://schemas.openxmlformats.org/officeDocument/2006/docPropsVTypes" xmlns:ns1="http://schemas.openxmlformats.org/officeDocument/2006/extended-properties" xmlns:cs="http://schemas.microsoft.com/office/drawing/2012/chartStyle" xmlns:c="http://schemas.openxmlformats.org/drawingml/2006/chart" xmlns="" id="{9F2D792C-20D6-450F-B738-6EDE646D3BD8}"/>
               </a:ext>
             </a:extLst>
           </p:cNvPr>
@@ -11084,7 +11084,7 @@
           <p:cNvPr id="10" name="Text Placeholder 2">
             <a:extLst>
               <a:ext uri="{41FCD59B-F035-4BB5-B5B8-454F20E14E87}">
-                <a16:creationId xmlns="" xmlns:c="http://schemas.openxmlformats.org/drawingml/2006/chart" xmlns:cs="http://schemas.microsoft.com/office/drawing/2012/chartStyle" xmlns:ns1="http://schemas.openxmlformats.org/officeDocument/2006/extended-properties" xmlns:vt="http://schemas.openxmlformats.org/officeDocument/2006/docPropsVTypes" xmlns:a16="http://schemas.microsoft.com/office/drawing/2010/main" id="{18F4E8DB-EC14-4616-982A-7CCA74A20660}"/>
+                <a16:creationId xmlns:a16="http://schemas.microsoft.com/office/drawing/2010/main" xmlns:vt="http://schemas.openxmlformats.org/officeDocument/2006/docPropsVTypes" xmlns:ns1="http://schemas.openxmlformats.org/officeDocument/2006/extended-properties" xmlns:cs="http://schemas.microsoft.com/office/drawing/2012/chartStyle" xmlns:c="http://schemas.openxmlformats.org/drawingml/2006/chart" xmlns="" id="{18F4E8DB-EC14-4616-982A-7CCA74A20660}"/>
               </a:ext>
             </a:extLst>
           </p:cNvPr>
@@ -11132,7 +11132,7 @@
           <p:cNvPr id="11" name="Rectangle 31">
             <a:extLst>
               <a:ext uri="{0BD883FC-C3D6-4D78-932F-9FB4B39EA00D}">
-                <a16:creationId xmlns="" xmlns:c="http://schemas.openxmlformats.org/drawingml/2006/chart" xmlns:cs="http://schemas.microsoft.com/office/drawing/2012/chartStyle" xmlns:ns1="http://schemas.openxmlformats.org/officeDocument/2006/extended-properties" xmlns:vt="http://schemas.openxmlformats.org/officeDocument/2006/docPropsVTypes" xmlns:a16="http://schemas.microsoft.com/office/drawing/2010/main" id="{C5B82A89-8AAD-4A44-9545-341327924688}"/>
+                <a16:creationId xmlns:a16="http://schemas.microsoft.com/office/drawing/2010/main" xmlns:vt="http://schemas.openxmlformats.org/officeDocument/2006/docPropsVTypes" xmlns:ns1="http://schemas.openxmlformats.org/officeDocument/2006/extended-properties" xmlns:cs="http://schemas.microsoft.com/office/drawing/2012/chartStyle" xmlns:c="http://schemas.openxmlformats.org/drawingml/2006/chart" xmlns="" id="{C5B82A89-8AAD-4A44-9545-341327924688}"/>
               </a:ext>
             </a:extLst>
           </p:cNvPr>
@@ -11186,7 +11186,7 @@
           <p:cNvPr id="12" name="Rectangle 32">
             <a:extLst>
               <a:ext uri="{353BBE56-1C1E-40C9-9763-DF48F0DAFAFB}">
-                <a16:creationId xmlns="" xmlns:c="http://schemas.openxmlformats.org/drawingml/2006/chart" xmlns:cs="http://schemas.microsoft.com/office/drawing/2012/chartStyle" xmlns:ns1="http://schemas.openxmlformats.org/officeDocument/2006/extended-properties" xmlns:vt="http://schemas.openxmlformats.org/officeDocument/2006/docPropsVTypes" xmlns:a16="http://schemas.microsoft.com/office/drawing/2010/main" id="{2B02E1D3-1C99-4E77-9294-C6D8D0E3FEC8}"/>
+                <a16:creationId xmlns:a16="http://schemas.microsoft.com/office/drawing/2010/main" xmlns:vt="http://schemas.openxmlformats.org/officeDocument/2006/docPropsVTypes" xmlns:ns1="http://schemas.openxmlformats.org/officeDocument/2006/extended-properties" xmlns:cs="http://schemas.microsoft.com/office/drawing/2012/chartStyle" xmlns:c="http://schemas.openxmlformats.org/drawingml/2006/chart" xmlns="" id="{2B02E1D3-1C99-4E77-9294-C6D8D0E3FEC8}"/>
               </a:ext>
             </a:extLst>
           </p:cNvPr>
@@ -11240,7 +11240,7 @@
           <p:cNvPr id="13" name="Rectangle 33">
             <a:extLst>
               <a:ext uri="{C0175B1F-8127-452C-A9F3-05DA1B8C6B2A}">
-                <a16:creationId xmlns="" xmlns:c="http://schemas.openxmlformats.org/drawingml/2006/chart" xmlns:cs="http://schemas.microsoft.com/office/drawing/2012/chartStyle" xmlns:ns1="http://schemas.openxmlformats.org/officeDocument/2006/extended-properties" xmlns:vt="http://schemas.openxmlformats.org/officeDocument/2006/docPropsVTypes" xmlns:a16="http://schemas.microsoft.com/office/drawing/2010/main" id="{0DB8EAC7-1C54-451B-948A-DA3DC9DA92A1}"/>
+                <a16:creationId xmlns:a16="http://schemas.microsoft.com/office/drawing/2010/main" xmlns:vt="http://schemas.openxmlformats.org/officeDocument/2006/docPropsVTypes" xmlns:ns1="http://schemas.openxmlformats.org/officeDocument/2006/extended-properties" xmlns:cs="http://schemas.microsoft.com/office/drawing/2012/chartStyle" xmlns:c="http://schemas.openxmlformats.org/drawingml/2006/chart" xmlns="" id="{0DB8EAC7-1C54-451B-948A-DA3DC9DA92A1}"/>
               </a:ext>
             </a:extLst>
           </p:cNvPr>
@@ -11294,7 +11294,7 @@
           <p:cNvPr id="14" name="Text Placeholder 2">
             <a:extLst>
               <a:ext uri="{152FEB7D-B2B6-463B-BE33-54E8F2740DCA}">
-                <a16:creationId xmlns="" xmlns:c="http://schemas.openxmlformats.org/drawingml/2006/chart" xmlns:cs="http://schemas.microsoft.com/office/drawing/2012/chartStyle" xmlns:ns1="http://schemas.openxmlformats.org/officeDocument/2006/extended-properties" xmlns:vt="http://schemas.openxmlformats.org/officeDocument/2006/docPropsVTypes" xmlns:a16="http://schemas.microsoft.com/office/drawing/2010/main" id="{71F3F3B1-5AEA-41AE-BD0D-B25FF859AC66}"/>
+                <a16:creationId xmlns:a16="http://schemas.microsoft.com/office/drawing/2010/main" xmlns:vt="http://schemas.openxmlformats.org/officeDocument/2006/docPropsVTypes" xmlns:ns1="http://schemas.openxmlformats.org/officeDocument/2006/extended-properties" xmlns:cs="http://schemas.microsoft.com/office/drawing/2012/chartStyle" xmlns:c="http://schemas.openxmlformats.org/drawingml/2006/chart" xmlns="" id="{71F3F3B1-5AEA-41AE-BD0D-B25FF859AC66}"/>
               </a:ext>
             </a:extLst>
           </p:cNvPr>
@@ -11342,7 +11342,7 @@
           <p:cNvPr id="15" name="Text Placeholder 2">
             <a:extLst>
               <a:ext uri="{23ACEA57-0D53-4B38-972C-6CF5BC2793BB}">
-                <a16:creationId xmlns="" xmlns:c="http://schemas.openxmlformats.org/drawingml/2006/chart" xmlns:cs="http://schemas.microsoft.com/office/drawing/2012/chartStyle" xmlns:ns1="http://schemas.openxmlformats.org/officeDocument/2006/extended-properties" xmlns:vt="http://schemas.openxmlformats.org/officeDocument/2006/docPropsVTypes" xmlns:a16="http://schemas.microsoft.com/office/drawing/2010/main" id="{1A78D346-883E-41BA-8E57-1C47774B6205}"/>
+                <a16:creationId xmlns:a16="http://schemas.microsoft.com/office/drawing/2010/main" xmlns:vt="http://schemas.openxmlformats.org/officeDocument/2006/docPropsVTypes" xmlns:ns1="http://schemas.openxmlformats.org/officeDocument/2006/extended-properties" xmlns:cs="http://schemas.microsoft.com/office/drawing/2012/chartStyle" xmlns:c="http://schemas.openxmlformats.org/drawingml/2006/chart" xmlns="" id="{1A78D346-883E-41BA-8E57-1C47774B6205}"/>
               </a:ext>
             </a:extLst>
           </p:cNvPr>
@@ -11390,7 +11390,7 @@
           <p:cNvPr id="16" name="Text Placeholder 2">
             <a:extLst>
               <a:ext uri="{520B7C73-EB87-49C6-B769-11595158F09E}">
-                <a16:creationId xmlns="" xmlns:c="http://schemas.openxmlformats.org/drawingml/2006/chart" xmlns:cs="http://schemas.microsoft.com/office/drawing/2012/chartStyle" xmlns:ns1="http://schemas.openxmlformats.org/officeDocument/2006/extended-properties" xmlns:vt="http://schemas.openxmlformats.org/officeDocument/2006/docPropsVTypes" xmlns:a16="http://schemas.microsoft.com/office/drawing/2010/main" id="{41F211A3-74D6-4F95-B55E-E4392BF99DC0}"/>
+                <a16:creationId xmlns:a16="http://schemas.microsoft.com/office/drawing/2010/main" xmlns:vt="http://schemas.openxmlformats.org/officeDocument/2006/docPropsVTypes" xmlns:ns1="http://schemas.openxmlformats.org/officeDocument/2006/extended-properties" xmlns:cs="http://schemas.microsoft.com/office/drawing/2012/chartStyle" xmlns:c="http://schemas.openxmlformats.org/drawingml/2006/chart" xmlns="" id="{41F211A3-74D6-4F95-B55E-E4392BF99DC0}"/>
               </a:ext>
             </a:extLst>
           </p:cNvPr>
@@ -11438,7 +11438,7 @@
           <p:cNvPr id="17" name="Picture Placeholder 4">
             <a:extLst>
               <a:ext uri="{B204E374-A1C7-481C-B9E0-8F167D6576D5}">
-                <a16:creationId xmlns="" xmlns:c="http://schemas.openxmlformats.org/drawingml/2006/chart" xmlns:cs="http://schemas.microsoft.com/office/drawing/2012/chartStyle" xmlns:ns1="http://schemas.openxmlformats.org/officeDocument/2006/extended-properties" xmlns:vt="http://schemas.openxmlformats.org/officeDocument/2006/docPropsVTypes" xmlns:a16="http://schemas.microsoft.com/office/drawing/2010/main" id="{DC3F78B2-8776-408C-8ACC-798443817C6C}"/>
+                <a16:creationId xmlns:a16="http://schemas.microsoft.com/office/drawing/2010/main" xmlns:vt="http://schemas.openxmlformats.org/officeDocument/2006/docPropsVTypes" xmlns:ns1="http://schemas.openxmlformats.org/officeDocument/2006/extended-properties" xmlns:cs="http://schemas.microsoft.com/office/drawing/2012/chartStyle" xmlns:c="http://schemas.openxmlformats.org/drawingml/2006/chart" xmlns="" id="{DC3F78B2-8776-408C-8ACC-798443817C6C}"/>
               </a:ext>
             </a:extLst>
           </p:cNvPr>
@@ -11470,7 +11470,7 @@
           <p:cNvPr id="18" name="Picture Placeholder 4">
             <a:extLst>
               <a:ext uri="{758A44D9-2E3E-44DD-A4B2-B298ED99718D}">
-                <a16:creationId xmlns="" xmlns:c="http://schemas.openxmlformats.org/drawingml/2006/chart" xmlns:cs="http://schemas.microsoft.com/office/drawing/2012/chartStyle" xmlns:ns1="http://schemas.openxmlformats.org/officeDocument/2006/extended-properties" xmlns:vt="http://schemas.openxmlformats.org/officeDocument/2006/docPropsVTypes" xmlns:a16="http://schemas.microsoft.com/office/drawing/2010/main" id="{FAB80AF8-B22C-485E-B99B-E6BB03F09E4D}"/>
+                <a16:creationId xmlns:a16="http://schemas.microsoft.com/office/drawing/2010/main" xmlns:vt="http://schemas.openxmlformats.org/officeDocument/2006/docPropsVTypes" xmlns:ns1="http://schemas.openxmlformats.org/officeDocument/2006/extended-properties" xmlns:cs="http://schemas.microsoft.com/office/drawing/2012/chartStyle" xmlns:c="http://schemas.openxmlformats.org/drawingml/2006/chart" xmlns="" id="{FAB80AF8-B22C-485E-B99B-E6BB03F09E4D}"/>
               </a:ext>
             </a:extLst>
           </p:cNvPr>
@@ -11502,7 +11502,7 @@
           <p:cNvPr id="19" name="Marcador de posición de imagen 18">
             <a:extLst>
               <a:ext uri="{62296515-B939-4984-8D83-6431593D16F7}">
-                <a16:creationId xmlns="" xmlns:c="http://schemas.openxmlformats.org/drawingml/2006/chart" xmlns:cs="http://schemas.microsoft.com/office/drawing/2012/chartStyle" xmlns:ns1="http://schemas.openxmlformats.org/officeDocument/2006/extended-properties" xmlns:vt="http://schemas.openxmlformats.org/officeDocument/2006/docPropsVTypes" xmlns:a16="http://schemas.microsoft.com/office/drawing/2010/main" id="{20343B26-3A84-43A2-9DCF-DD596CE52B69}"/>
+                <a16:creationId xmlns:a16="http://schemas.microsoft.com/office/drawing/2010/main" xmlns:vt="http://schemas.openxmlformats.org/officeDocument/2006/docPropsVTypes" xmlns:ns1="http://schemas.openxmlformats.org/officeDocument/2006/extended-properties" xmlns:cs="http://schemas.microsoft.com/office/drawing/2012/chartStyle" xmlns:c="http://schemas.openxmlformats.org/drawingml/2006/chart" xmlns="" id="{20343B26-3A84-43A2-9DCF-DD596CE52B69}"/>
               </a:ext>
             </a:extLst>
           </p:cNvPr>
@@ -11541,7 +11541,7 @@
           <p:cNvPr id="20" name="Date Placeholder 1">
             <a:extLst>
               <a:ext uri="{D57033F6-DD30-4FBC-9D0C-3D7EAAF910A2}">
-                <a16:creationId xmlns="" xmlns:c="http://schemas.openxmlformats.org/drawingml/2006/chart" xmlns:cs="http://schemas.microsoft.com/office/drawing/2012/chartStyle" xmlns:ns1="http://schemas.openxmlformats.org/officeDocument/2006/extended-properties" xmlns:vt="http://schemas.openxmlformats.org/officeDocument/2006/docPropsVTypes" xmlns:a16="http://schemas.microsoft.com/office/drawing/2010/main" id="{B6671AD6-56B1-4BE0-98D4-DF300B0FE1EF}"/>
+                <a16:creationId xmlns:a16="http://schemas.microsoft.com/office/drawing/2010/main" xmlns:vt="http://schemas.openxmlformats.org/officeDocument/2006/docPropsVTypes" xmlns:ns1="http://schemas.openxmlformats.org/officeDocument/2006/extended-properties" xmlns:cs="http://schemas.microsoft.com/office/drawing/2012/chartStyle" xmlns:c="http://schemas.openxmlformats.org/drawingml/2006/chart" xmlns="" id="{B6671AD6-56B1-4BE0-98D4-DF300B0FE1EF}"/>
               </a:ext>
             </a:extLst>
           </p:cNvPr>
@@ -11588,7 +11588,7 @@
           <p:cNvPr id="21" name="Footer Placeholder 1">
             <a:extLst>
               <a:ext uri="{BFA3D6E9-6836-40C7-A13F-91E4DF24ADB4}">
-                <a16:creationId xmlns="" xmlns:c="http://schemas.openxmlformats.org/drawingml/2006/chart" xmlns:cs="http://schemas.microsoft.com/office/drawing/2012/chartStyle" xmlns:ns1="http://schemas.openxmlformats.org/officeDocument/2006/extended-properties" xmlns:vt="http://schemas.openxmlformats.org/officeDocument/2006/docPropsVTypes" xmlns:a16="http://schemas.microsoft.com/office/drawing/2010/main" id="{73669FFE-89DB-45F3-9542-E1111F3D25B8}"/>
+                <a16:creationId xmlns:a16="http://schemas.microsoft.com/office/drawing/2010/main" xmlns:vt="http://schemas.openxmlformats.org/officeDocument/2006/docPropsVTypes" xmlns:ns1="http://schemas.openxmlformats.org/officeDocument/2006/extended-properties" xmlns:cs="http://schemas.microsoft.com/office/drawing/2012/chartStyle" xmlns:c="http://schemas.openxmlformats.org/drawingml/2006/chart" xmlns="" id="{73669FFE-89DB-45F3-9542-E1111F3D25B8}"/>
               </a:ext>
             </a:extLst>
           </p:cNvPr>
@@ -11636,7 +11636,7 @@
     </p:custDataLst>
     <p:extLst>
       <p:ext uri="{6C09C053-577B-4290-BB14-CDC79628B7F9}">
-        <p14:creationId xmlns="" xmlns:c="http://schemas.openxmlformats.org/drawingml/2006/chart" xmlns:cs="http://schemas.microsoft.com/office/drawing/2012/chartStyle" xmlns:ns1="http://schemas.openxmlformats.org/officeDocument/2006/extended-properties" xmlns:vt="http://schemas.openxmlformats.org/officeDocument/2006/docPropsVTypes" xmlns:p14="http://schemas.microsoft.com/office/powerpoint/2010/main" val="1724933507269"/>
+        <p14:creationId xmlns:p14="http://schemas.microsoft.com/office/powerpoint/2010/main" xmlns:vt="http://schemas.openxmlformats.org/officeDocument/2006/docPropsVTypes" xmlns:ns1="http://schemas.openxmlformats.org/officeDocument/2006/extended-properties" xmlns:cs="http://schemas.microsoft.com/office/drawing/2012/chartStyle" xmlns:c="http://schemas.openxmlformats.org/drawingml/2006/chart" xmlns="" val="1724933507269"/>
       </p:ext>
     </p:extLst>
   </p:cSld>
@@ -11668,7 +11668,7 @@
           <p:cNvPr id="2" name="Content Placeholder 2">
             <a:extLst>
               <a:ext uri="{95F498C7-7A6C-43A7-9ACC-486EE6FA717C}">
-                <a16:creationId xmlns="" xmlns:c="http://schemas.openxmlformats.org/drawingml/2006/chart" xmlns:cs="http://schemas.microsoft.com/office/drawing/2012/chartStyle" xmlns:ns1="http://schemas.openxmlformats.org/officeDocument/2006/extended-properties" xmlns:vt="http://schemas.openxmlformats.org/officeDocument/2006/docPropsVTypes" xmlns:a16="http://schemas.microsoft.com/office/drawing/2010/main" id="{02DC9967-98FD-489B-8179-A6BAAEEA9D2E}"/>
+                <a16:creationId xmlns:a16="http://schemas.microsoft.com/office/drawing/2010/main" xmlns:vt="http://schemas.openxmlformats.org/officeDocument/2006/docPropsVTypes" xmlns:ns1="http://schemas.openxmlformats.org/officeDocument/2006/extended-properties" xmlns:cs="http://schemas.microsoft.com/office/drawing/2012/chartStyle" xmlns:c="http://schemas.openxmlformats.org/drawingml/2006/chart" xmlns="" id="{02DC9967-98FD-489B-8179-A6BAAEEA9D2E}"/>
               </a:ext>
             </a:extLst>
           </p:cNvPr>
@@ -11744,7 +11744,7 @@
           <p:cNvPr id="3" name="Slide Number Placeholder 5">
             <a:extLst>
               <a:ext uri="{B7B496E2-DD3B-4CAD-A3A9-BDC3BB3077A9}">
-                <a16:creationId xmlns="" xmlns:c="http://schemas.openxmlformats.org/drawingml/2006/chart" xmlns:cs="http://schemas.microsoft.com/office/drawing/2012/chartStyle" xmlns:ns1="http://schemas.openxmlformats.org/officeDocument/2006/extended-properties" xmlns:vt="http://schemas.openxmlformats.org/officeDocument/2006/docPropsVTypes" xmlns:a16="http://schemas.microsoft.com/office/drawing/2010/main" id="{92524623-3537-42BB-9F09-3A4B0D151E77}"/>
+                <a16:creationId xmlns:a16="http://schemas.microsoft.com/office/drawing/2010/main" xmlns:vt="http://schemas.openxmlformats.org/officeDocument/2006/docPropsVTypes" xmlns:ns1="http://schemas.openxmlformats.org/officeDocument/2006/extended-properties" xmlns:cs="http://schemas.microsoft.com/office/drawing/2012/chartStyle" xmlns:c="http://schemas.openxmlformats.org/drawingml/2006/chart" xmlns="" id="{92524623-3537-42BB-9F09-3A4B0D151E77}"/>
               </a:ext>
             </a:extLst>
           </p:cNvPr>
@@ -11772,7 +11772,7 @@
           <p:cNvPr id="4" name="Title 6">
             <a:extLst>
               <a:ext uri="{137F01CE-AB01-4A9A-8AA5-1C101FC52448}">
-                <a16:creationId xmlns="" xmlns:c="http://schemas.openxmlformats.org/drawingml/2006/chart" xmlns:cs="http://schemas.microsoft.com/office/drawing/2012/chartStyle" xmlns:ns1="http://schemas.openxmlformats.org/officeDocument/2006/extended-properties" xmlns:vt="http://schemas.openxmlformats.org/officeDocument/2006/docPropsVTypes" xmlns:a16="http://schemas.microsoft.com/office/drawing/2010/main" id="{54D9D176-7166-4ACB-A038-1DE67CA0DDCC}"/>
+                <a16:creationId xmlns:a16="http://schemas.microsoft.com/office/drawing/2010/main" xmlns:vt="http://schemas.openxmlformats.org/officeDocument/2006/docPropsVTypes" xmlns:ns1="http://schemas.openxmlformats.org/officeDocument/2006/extended-properties" xmlns:cs="http://schemas.microsoft.com/office/drawing/2012/chartStyle" xmlns:c="http://schemas.openxmlformats.org/drawingml/2006/chart" xmlns="" id="{54D9D176-7166-4ACB-A038-1DE67CA0DDCC}"/>
               </a:ext>
             </a:extLst>
           </p:cNvPr>
@@ -11816,7 +11816,7 @@
           <p:cNvPr id="5" name="Rectangle 4">
             <a:extLst>
               <a:ext uri="{32B33DCC-43E6-41F4-92A9-B39D4C1DC7BA}">
-                <a16:creationId xmlns="" xmlns:c="http://schemas.openxmlformats.org/drawingml/2006/chart" xmlns:cs="http://schemas.microsoft.com/office/drawing/2012/chartStyle" xmlns:ns1="http://schemas.openxmlformats.org/officeDocument/2006/extended-properties" xmlns:vt="http://schemas.openxmlformats.org/officeDocument/2006/docPropsVTypes" xmlns:a16="http://schemas.microsoft.com/office/drawing/2010/main" id="{608815CC-7F23-4319-92C4-D1FDCA375238}"/>
+                <a16:creationId xmlns:a16="http://schemas.microsoft.com/office/drawing/2010/main" xmlns:vt="http://schemas.openxmlformats.org/officeDocument/2006/docPropsVTypes" xmlns:ns1="http://schemas.openxmlformats.org/officeDocument/2006/extended-properties" xmlns:cs="http://schemas.microsoft.com/office/drawing/2012/chartStyle" xmlns:c="http://schemas.openxmlformats.org/drawingml/2006/chart" xmlns="" id="{608815CC-7F23-4319-92C4-D1FDCA375238}"/>
               </a:ext>
             </a:extLst>
           </p:cNvPr>
@@ -11870,7 +11870,7 @@
           <p:cNvPr id="6" name="Marcador de posición de imagen 5">
             <a:extLst>
               <a:ext uri="{5029CC9D-4322-4E9B-A2EF-55B5CB8A3931}">
-                <a16:creationId xmlns="" xmlns:c="http://schemas.openxmlformats.org/drawingml/2006/chart" xmlns:cs="http://schemas.microsoft.com/office/drawing/2012/chartStyle" xmlns:ns1="http://schemas.openxmlformats.org/officeDocument/2006/extended-properties" xmlns:vt="http://schemas.openxmlformats.org/officeDocument/2006/docPropsVTypes" xmlns:a16="http://schemas.microsoft.com/office/drawing/2010/main" id="{C189ED12-FDAD-4BD6-9489-B217C1300220}"/>
+                <a16:creationId xmlns:a16="http://schemas.microsoft.com/office/drawing/2010/main" xmlns:vt="http://schemas.openxmlformats.org/officeDocument/2006/docPropsVTypes" xmlns:ns1="http://schemas.openxmlformats.org/officeDocument/2006/extended-properties" xmlns:cs="http://schemas.microsoft.com/office/drawing/2012/chartStyle" xmlns:c="http://schemas.openxmlformats.org/drawingml/2006/chart" xmlns="" id="{C189ED12-FDAD-4BD6-9489-B217C1300220}"/>
               </a:ext>
             </a:extLst>
           </p:cNvPr>
@@ -11909,7 +11909,7 @@
           <p:cNvPr id="7" name="Date Placeholder 1">
             <a:extLst>
               <a:ext uri="{77F65FCC-EB47-4DC3-BEB7-1212D952F774}">
-                <a16:creationId xmlns="" xmlns:c="http://schemas.openxmlformats.org/drawingml/2006/chart" xmlns:cs="http://schemas.microsoft.com/office/drawing/2012/chartStyle" xmlns:ns1="http://schemas.openxmlformats.org/officeDocument/2006/extended-properties" xmlns:vt="http://schemas.openxmlformats.org/officeDocument/2006/docPropsVTypes" xmlns:a16="http://schemas.microsoft.com/office/drawing/2010/main" id="{926B8260-3AF1-4A9B-80D3-D327A2258375}"/>
+                <a16:creationId xmlns:a16="http://schemas.microsoft.com/office/drawing/2010/main" xmlns:vt="http://schemas.openxmlformats.org/officeDocument/2006/docPropsVTypes" xmlns:ns1="http://schemas.openxmlformats.org/officeDocument/2006/extended-properties" xmlns:cs="http://schemas.microsoft.com/office/drawing/2012/chartStyle" xmlns:c="http://schemas.openxmlformats.org/drawingml/2006/chart" xmlns="" id="{926B8260-3AF1-4A9B-80D3-D327A2258375}"/>
               </a:ext>
             </a:extLst>
           </p:cNvPr>
@@ -11956,7 +11956,7 @@
           <p:cNvPr id="8" name="Footer Placeholder 1">
             <a:extLst>
               <a:ext uri="{E3488ADD-472D-4FC0-BB00-D7AE617284A8}">
-                <a16:creationId xmlns="" xmlns:c="http://schemas.openxmlformats.org/drawingml/2006/chart" xmlns:cs="http://schemas.microsoft.com/office/drawing/2012/chartStyle" xmlns:ns1="http://schemas.openxmlformats.org/officeDocument/2006/extended-properties" xmlns:vt="http://schemas.openxmlformats.org/officeDocument/2006/docPropsVTypes" xmlns:a16="http://schemas.microsoft.com/office/drawing/2010/main" id="{B34DAF9D-2DE5-4667-8D9E-4FE60242A1B5}"/>
+                <a16:creationId xmlns:a16="http://schemas.microsoft.com/office/drawing/2010/main" xmlns:vt="http://schemas.openxmlformats.org/officeDocument/2006/docPropsVTypes" xmlns:ns1="http://schemas.openxmlformats.org/officeDocument/2006/extended-properties" xmlns:cs="http://schemas.microsoft.com/office/drawing/2012/chartStyle" xmlns:c="http://schemas.openxmlformats.org/drawingml/2006/chart" xmlns="" id="{B34DAF9D-2DE5-4667-8D9E-4FE60242A1B5}"/>
               </a:ext>
             </a:extLst>
           </p:cNvPr>
@@ -12004,7 +12004,7 @@
     </p:custDataLst>
     <p:extLst>
       <p:ext uri="{5F711C59-40A0-48C9-8BFD-22CEDEB8E332}">
-        <p14:creationId xmlns="" xmlns:c="http://schemas.openxmlformats.org/drawingml/2006/chart" xmlns:cs="http://schemas.microsoft.com/office/drawing/2012/chartStyle" xmlns:ns1="http://schemas.openxmlformats.org/officeDocument/2006/extended-properties" xmlns:vt="http://schemas.openxmlformats.org/officeDocument/2006/docPropsVTypes" xmlns:p14="http://schemas.microsoft.com/office/powerpoint/2010/main" val="1724933507229"/>
+        <p14:creationId xmlns:p14="http://schemas.microsoft.com/office/powerpoint/2010/main" xmlns:vt="http://schemas.openxmlformats.org/officeDocument/2006/docPropsVTypes" xmlns:ns1="http://schemas.openxmlformats.org/officeDocument/2006/extended-properties" xmlns:cs="http://schemas.microsoft.com/office/drawing/2012/chartStyle" xmlns:c="http://schemas.openxmlformats.org/drawingml/2006/chart" xmlns="" val="1724933507229"/>
       </p:ext>
     </p:extLst>
   </p:cSld>
@@ -12036,7 +12036,7 @@
           <p:cNvPr id="2" name="Title 1">
             <a:extLst>
               <a:ext uri="{8530D33F-1CB9-4245-A8B6-9F408E009DAB}">
-                <a16:creationId xmlns="" xmlns:c="http://schemas.openxmlformats.org/drawingml/2006/chart" xmlns:cs="http://schemas.microsoft.com/office/drawing/2012/chartStyle" xmlns:ns1="http://schemas.openxmlformats.org/officeDocument/2006/extended-properties" xmlns:vt="http://schemas.openxmlformats.org/officeDocument/2006/docPropsVTypes" xmlns:a16="http://schemas.microsoft.com/office/drawing/2010/main" id="{3E405280-BC27-4533-A402-6EBBD19141DB}"/>
+                <a16:creationId xmlns:a16="http://schemas.microsoft.com/office/drawing/2010/main" xmlns:vt="http://schemas.openxmlformats.org/officeDocument/2006/docPropsVTypes" xmlns:ns1="http://schemas.openxmlformats.org/officeDocument/2006/extended-properties" xmlns:cs="http://schemas.microsoft.com/office/drawing/2012/chartStyle" xmlns:c="http://schemas.openxmlformats.org/drawingml/2006/chart" xmlns="" id="{3E405280-BC27-4533-A402-6EBBD19141DB}"/>
               </a:ext>
             </a:extLst>
           </p:cNvPr>
@@ -12078,7 +12078,7 @@
           <p:cNvPr id="3" name="Slide Number Placeholder 4">
             <a:extLst>
               <a:ext uri="{6925C3E1-44B9-4F9A-8ACE-D73CF195B127}">
-                <a16:creationId xmlns="" xmlns:c="http://schemas.openxmlformats.org/drawingml/2006/chart" xmlns:cs="http://schemas.microsoft.com/office/drawing/2012/chartStyle" xmlns:ns1="http://schemas.openxmlformats.org/officeDocument/2006/extended-properties" xmlns:vt="http://schemas.openxmlformats.org/officeDocument/2006/docPropsVTypes" xmlns:a16="http://schemas.microsoft.com/office/drawing/2010/main" id="{E732F8FE-DFDB-4E52-9A52-4969034D2EF0}"/>
+                <a16:creationId xmlns:a16="http://schemas.microsoft.com/office/drawing/2010/main" xmlns:vt="http://schemas.openxmlformats.org/officeDocument/2006/docPropsVTypes" xmlns:ns1="http://schemas.openxmlformats.org/officeDocument/2006/extended-properties" xmlns:cs="http://schemas.microsoft.com/office/drawing/2012/chartStyle" xmlns:c="http://schemas.openxmlformats.org/drawingml/2006/chart" xmlns="" id="{E732F8FE-DFDB-4E52-9A52-4969034D2EF0}"/>
               </a:ext>
             </a:extLst>
           </p:cNvPr>
@@ -12106,7 +12106,7 @@
           <p:cNvPr id="4" name="Picture Placeholder 3">
             <a:extLst>
               <a:ext uri="{079EF126-B23A-445B-9E02-AA6E915DCC05}">
-                <a16:creationId xmlns="" xmlns:c="http://schemas.openxmlformats.org/drawingml/2006/chart" xmlns:cs="http://schemas.microsoft.com/office/drawing/2012/chartStyle" xmlns:ns1="http://schemas.openxmlformats.org/officeDocument/2006/extended-properties" xmlns:vt="http://schemas.openxmlformats.org/officeDocument/2006/docPropsVTypes" xmlns:a16="http://schemas.microsoft.com/office/drawing/2010/main" id="{9D35CE50-6EF2-43F3-93D5-94476F859E5C}"/>
+                <a16:creationId xmlns:a16="http://schemas.microsoft.com/office/drawing/2010/main" xmlns:vt="http://schemas.openxmlformats.org/officeDocument/2006/docPropsVTypes" xmlns:ns1="http://schemas.openxmlformats.org/officeDocument/2006/extended-properties" xmlns:cs="http://schemas.microsoft.com/office/drawing/2012/chartStyle" xmlns:c="http://schemas.openxmlformats.org/drawingml/2006/chart" xmlns="" id="{9D35CE50-6EF2-43F3-93D5-94476F859E5C}"/>
               </a:ext>
             </a:extLst>
           </p:cNvPr>
@@ -12145,7 +12145,7 @@
           <p:cNvPr id="5" name="Picture Placeholder 3">
             <a:extLst>
               <a:ext uri="{83725C22-21AF-4CF5-8953-63BEEBA95A87}">
-                <a16:creationId xmlns="" xmlns:c="http://schemas.openxmlformats.org/drawingml/2006/chart" xmlns:cs="http://schemas.microsoft.com/office/drawing/2012/chartStyle" xmlns:ns1="http://schemas.openxmlformats.org/officeDocument/2006/extended-properties" xmlns:vt="http://schemas.openxmlformats.org/officeDocument/2006/docPropsVTypes" xmlns:a16="http://schemas.microsoft.com/office/drawing/2010/main" id="{65DE3C0B-78EF-4DCA-B217-949892B6D1CD}"/>
+                <a16:creationId xmlns:a16="http://schemas.microsoft.com/office/drawing/2010/main" xmlns:vt="http://schemas.openxmlformats.org/officeDocument/2006/docPropsVTypes" xmlns:ns1="http://schemas.openxmlformats.org/officeDocument/2006/extended-properties" xmlns:cs="http://schemas.microsoft.com/office/drawing/2012/chartStyle" xmlns:c="http://schemas.openxmlformats.org/drawingml/2006/chart" xmlns="" id="{65DE3C0B-78EF-4DCA-B217-949892B6D1CD}"/>
               </a:ext>
             </a:extLst>
           </p:cNvPr>
@@ -12184,7 +12184,7 @@
           <p:cNvPr id="6" name="Picture Placeholder 3">
             <a:extLst>
               <a:ext uri="{709DF5CB-5626-4980-BFC9-530F27B73BEC}">
-                <a16:creationId xmlns="" xmlns:c="http://schemas.openxmlformats.org/drawingml/2006/chart" xmlns:cs="http://schemas.microsoft.com/office/drawing/2012/chartStyle" xmlns:ns1="http://schemas.openxmlformats.org/officeDocument/2006/extended-properties" xmlns:vt="http://schemas.openxmlformats.org/officeDocument/2006/docPropsVTypes" xmlns:a16="http://schemas.microsoft.com/office/drawing/2010/main" id="{024E2F0B-E60F-483E-9EE9-7B1455E63FB5}"/>
+                <a16:creationId xmlns:a16="http://schemas.microsoft.com/office/drawing/2010/main" xmlns:vt="http://schemas.openxmlformats.org/officeDocument/2006/docPropsVTypes" xmlns:ns1="http://schemas.openxmlformats.org/officeDocument/2006/extended-properties" xmlns:cs="http://schemas.microsoft.com/office/drawing/2012/chartStyle" xmlns:c="http://schemas.openxmlformats.org/drawingml/2006/chart" xmlns="" id="{024E2F0B-E60F-483E-9EE9-7B1455E63FB5}"/>
               </a:ext>
             </a:extLst>
           </p:cNvPr>
@@ -12223,7 +12223,7 @@
           <p:cNvPr id="7" name="Picture Placeholder 3">
             <a:extLst>
               <a:ext uri="{D4D1CC40-2E4A-4CA1-B2BA-EF4B4C68791D}">
-                <a16:creationId xmlns="" xmlns:c="http://schemas.openxmlformats.org/drawingml/2006/chart" xmlns:cs="http://schemas.microsoft.com/office/drawing/2012/chartStyle" xmlns:ns1="http://schemas.openxmlformats.org/officeDocument/2006/extended-properties" xmlns:vt="http://schemas.openxmlformats.org/officeDocument/2006/docPropsVTypes" xmlns:a16="http://schemas.microsoft.com/office/drawing/2010/main" id="{8D0A6945-DCBE-4F0C-A768-FE903826EFED}"/>
+                <a16:creationId xmlns:a16="http://schemas.microsoft.com/office/drawing/2010/main" xmlns:vt="http://schemas.openxmlformats.org/officeDocument/2006/docPropsVTypes" xmlns:ns1="http://schemas.openxmlformats.org/officeDocument/2006/extended-properties" xmlns:cs="http://schemas.microsoft.com/office/drawing/2012/chartStyle" xmlns:c="http://schemas.openxmlformats.org/drawingml/2006/chart" xmlns="" id="{8D0A6945-DCBE-4F0C-A768-FE903826EFED}"/>
               </a:ext>
             </a:extLst>
           </p:cNvPr>
@@ -12262,7 +12262,7 @@
           <p:cNvPr id="8" name="Picture Placeholder 3">
             <a:extLst>
               <a:ext uri="{DD3B6FDB-27B1-4889-9E35-92286771DB02}">
-                <a16:creationId xmlns="" xmlns:c="http://schemas.openxmlformats.org/drawingml/2006/chart" xmlns:cs="http://schemas.microsoft.com/office/drawing/2012/chartStyle" xmlns:ns1="http://schemas.openxmlformats.org/officeDocument/2006/extended-properties" xmlns:vt="http://schemas.openxmlformats.org/officeDocument/2006/docPropsVTypes" xmlns:a16="http://schemas.microsoft.com/office/drawing/2010/main" id="{C30051A6-F9C0-4D9A-94C0-C9FDC0CDEE86}"/>
+                <a16:creationId xmlns:a16="http://schemas.microsoft.com/office/drawing/2010/main" xmlns:vt="http://schemas.openxmlformats.org/officeDocument/2006/docPropsVTypes" xmlns:ns1="http://schemas.openxmlformats.org/officeDocument/2006/extended-properties" xmlns:cs="http://schemas.microsoft.com/office/drawing/2012/chartStyle" xmlns:c="http://schemas.openxmlformats.org/drawingml/2006/chart" xmlns="" id="{C30051A6-F9C0-4D9A-94C0-C9FDC0CDEE86}"/>
               </a:ext>
             </a:extLst>
           </p:cNvPr>
@@ -12301,7 +12301,7 @@
           <p:cNvPr id="9" name="Date Placeholder 1">
             <a:extLst>
               <a:ext uri="{2122060C-0A93-4864-98BD-7042A2419A2C}">
-                <a16:creationId xmlns="" xmlns:c="http://schemas.openxmlformats.org/drawingml/2006/chart" xmlns:cs="http://schemas.microsoft.com/office/drawing/2012/chartStyle" xmlns:ns1="http://schemas.openxmlformats.org/officeDocument/2006/extended-properties" xmlns:vt="http://schemas.openxmlformats.org/officeDocument/2006/docPropsVTypes" xmlns:a16="http://schemas.microsoft.com/office/drawing/2010/main" id="{F27CB155-E4F8-4C00-9F96-C1680C41F153}"/>
+                <a16:creationId xmlns:a16="http://schemas.microsoft.com/office/drawing/2010/main" xmlns:vt="http://schemas.openxmlformats.org/officeDocument/2006/docPropsVTypes" xmlns:ns1="http://schemas.openxmlformats.org/officeDocument/2006/extended-properties" xmlns:cs="http://schemas.microsoft.com/office/drawing/2012/chartStyle" xmlns:c="http://schemas.openxmlformats.org/drawingml/2006/chart" xmlns="" id="{F27CB155-E4F8-4C00-9F96-C1680C41F153}"/>
               </a:ext>
             </a:extLst>
           </p:cNvPr>
@@ -12348,7 +12348,7 @@
           <p:cNvPr id="10" name="Footer Placeholder 1">
             <a:extLst>
               <a:ext uri="{38BF0779-A2BE-4C49-805C-0C38015C686C}">
-                <a16:creationId xmlns="" xmlns:c="http://schemas.openxmlformats.org/drawingml/2006/chart" xmlns:cs="http://schemas.microsoft.com/office/drawing/2012/chartStyle" xmlns:ns1="http://schemas.openxmlformats.org/officeDocument/2006/extended-properties" xmlns:vt="http://schemas.openxmlformats.org/officeDocument/2006/docPropsVTypes" xmlns:a16="http://schemas.microsoft.com/office/drawing/2010/main" id="{26C3579D-C4CA-40AB-9E0F-4A80C01282B1}"/>
+                <a16:creationId xmlns:a16="http://schemas.microsoft.com/office/drawing/2010/main" xmlns:vt="http://schemas.openxmlformats.org/officeDocument/2006/docPropsVTypes" xmlns:ns1="http://schemas.openxmlformats.org/officeDocument/2006/extended-properties" xmlns:cs="http://schemas.microsoft.com/office/drawing/2012/chartStyle" xmlns:c="http://schemas.openxmlformats.org/drawingml/2006/chart" xmlns="" id="{26C3579D-C4CA-40AB-9E0F-4A80C01282B1}"/>
               </a:ext>
             </a:extLst>
           </p:cNvPr>
@@ -12393,7 +12393,7 @@
     </p:spTree>
     <p:extLst>
       <p:ext uri="{60A91FE8-05CB-4378-B4A0-27659F1C6282}">
-        <p14:creationId xmlns="" xmlns:c="http://schemas.openxmlformats.org/drawingml/2006/chart" xmlns:cs="http://schemas.microsoft.com/office/drawing/2012/chartStyle" xmlns:ns1="http://schemas.openxmlformats.org/officeDocument/2006/extended-properties" xmlns:vt="http://schemas.openxmlformats.org/officeDocument/2006/docPropsVTypes" xmlns:p14="http://schemas.microsoft.com/office/powerpoint/2010/main" val="1724933507271"/>
+        <p14:creationId xmlns:p14="http://schemas.microsoft.com/office/powerpoint/2010/main" xmlns:vt="http://schemas.openxmlformats.org/officeDocument/2006/docPropsVTypes" xmlns:ns1="http://schemas.openxmlformats.org/officeDocument/2006/extended-properties" xmlns:cs="http://schemas.microsoft.com/office/drawing/2012/chartStyle" xmlns:c="http://schemas.openxmlformats.org/drawingml/2006/chart" xmlns="" val="1724933507271"/>
       </p:ext>
     </p:extLst>
   </p:cSld>
@@ -12425,7 +12425,7 @@
           <p:cNvPr id="2" name="Rectangle 25">
             <a:extLst>
               <a:ext uri="{02E1001B-E147-47FC-A0B4-8F533DBB7C33}">
-                <a16:creationId xmlns="" xmlns:c="http://schemas.openxmlformats.org/drawingml/2006/chart" xmlns:cs="http://schemas.microsoft.com/office/drawing/2012/chartStyle" xmlns:ns1="http://schemas.openxmlformats.org/officeDocument/2006/extended-properties" xmlns:vt="http://schemas.openxmlformats.org/officeDocument/2006/docPropsVTypes" xmlns:a16="http://schemas.microsoft.com/office/drawing/2010/main" id="{5EBB2ACE-28C3-47E3-98FB-E3D9BD0A08FF}"/>
+                <a16:creationId xmlns:a16="http://schemas.microsoft.com/office/drawing/2010/main" xmlns:vt="http://schemas.openxmlformats.org/officeDocument/2006/docPropsVTypes" xmlns:ns1="http://schemas.openxmlformats.org/officeDocument/2006/extended-properties" xmlns:cs="http://schemas.microsoft.com/office/drawing/2012/chartStyle" xmlns:c="http://schemas.openxmlformats.org/drawingml/2006/chart" xmlns="" id="{5EBB2ACE-28C3-47E3-98FB-E3D9BD0A08FF}"/>
               </a:ext>
             </a:extLst>
           </p:cNvPr>
@@ -12480,7 +12480,7 @@
           <p:cNvPr id="3" name="Content Placeholder 2">
             <a:extLst>
               <a:ext uri="{EE665275-2E00-4EAA-8283-C923F9900CF9}">
-                <a16:creationId xmlns="" xmlns:c="http://schemas.openxmlformats.org/drawingml/2006/chart" xmlns:cs="http://schemas.microsoft.com/office/drawing/2012/chartStyle" xmlns:ns1="http://schemas.openxmlformats.org/officeDocument/2006/extended-properties" xmlns:vt="http://schemas.openxmlformats.org/officeDocument/2006/docPropsVTypes" xmlns:a16="http://schemas.microsoft.com/office/drawing/2010/main" id="{81D780CC-BADE-4DDB-AFE2-B8CD43A5BBC7}"/>
+                <a16:creationId xmlns:a16="http://schemas.microsoft.com/office/drawing/2010/main" xmlns:vt="http://schemas.openxmlformats.org/officeDocument/2006/docPropsVTypes" xmlns:ns1="http://schemas.openxmlformats.org/officeDocument/2006/extended-properties" xmlns:cs="http://schemas.microsoft.com/office/drawing/2012/chartStyle" xmlns:c="http://schemas.openxmlformats.org/drawingml/2006/chart" xmlns="" id="{81D780CC-BADE-4DDB-AFE2-B8CD43A5BBC7}"/>
               </a:ext>
             </a:extLst>
           </p:cNvPr>
@@ -12585,7 +12585,7 @@
           <p:cNvPr id="4" name="Slide Number Placeholder 5">
             <a:extLst>
               <a:ext uri="{FC36D30E-7E0E-4675-BB48-A7A6C20A1A00}">
-                <a16:creationId xmlns="" xmlns:c="http://schemas.openxmlformats.org/drawingml/2006/chart" xmlns:cs="http://schemas.microsoft.com/office/drawing/2012/chartStyle" xmlns:ns1="http://schemas.openxmlformats.org/officeDocument/2006/extended-properties" xmlns:vt="http://schemas.openxmlformats.org/officeDocument/2006/docPropsVTypes" xmlns:a16="http://schemas.microsoft.com/office/drawing/2010/main" id="{F4877455-8F5E-4AF3-AAB2-333B8142BF38}"/>
+                <a16:creationId xmlns:a16="http://schemas.microsoft.com/office/drawing/2010/main" xmlns:vt="http://schemas.openxmlformats.org/officeDocument/2006/docPropsVTypes" xmlns:ns1="http://schemas.openxmlformats.org/officeDocument/2006/extended-properties" xmlns:cs="http://schemas.microsoft.com/office/drawing/2012/chartStyle" xmlns:c="http://schemas.openxmlformats.org/drawingml/2006/chart" xmlns="" id="{F4877455-8F5E-4AF3-AAB2-333B8142BF38}"/>
               </a:ext>
             </a:extLst>
           </p:cNvPr>
@@ -12613,7 +12613,7 @@
           <p:cNvPr id="5" name="Title 6">
             <a:extLst>
               <a:ext uri="{7350B751-3156-4236-B6DC-957D6C2146D6}">
-                <a16:creationId xmlns="" xmlns:c="http://schemas.openxmlformats.org/drawingml/2006/chart" xmlns:cs="http://schemas.microsoft.com/office/drawing/2012/chartStyle" xmlns:ns1="http://schemas.openxmlformats.org/officeDocument/2006/extended-properties" xmlns:vt="http://schemas.openxmlformats.org/officeDocument/2006/docPropsVTypes" xmlns:a16="http://schemas.microsoft.com/office/drawing/2010/main" id="{21B04909-FB75-466E-A66D-07187DBB6992}"/>
+                <a16:creationId xmlns:a16="http://schemas.microsoft.com/office/drawing/2010/main" xmlns:vt="http://schemas.openxmlformats.org/officeDocument/2006/docPropsVTypes" xmlns:ns1="http://schemas.openxmlformats.org/officeDocument/2006/extended-properties" xmlns:cs="http://schemas.microsoft.com/office/drawing/2012/chartStyle" xmlns:c="http://schemas.openxmlformats.org/drawingml/2006/chart" xmlns="" id="{21B04909-FB75-466E-A66D-07187DBB6992}"/>
               </a:ext>
             </a:extLst>
           </p:cNvPr>
@@ -12655,7 +12655,7 @@
           <p:cNvPr id="6" name="Content Placeholder 2">
             <a:extLst>
               <a:ext uri="{5D449FEE-FBBA-4484-BCBB-CC462F02C618}">
-                <a16:creationId xmlns="" xmlns:c="http://schemas.openxmlformats.org/drawingml/2006/chart" xmlns:cs="http://schemas.microsoft.com/office/drawing/2012/chartStyle" xmlns:ns1="http://schemas.openxmlformats.org/officeDocument/2006/extended-properties" xmlns:vt="http://schemas.openxmlformats.org/officeDocument/2006/docPropsVTypes" xmlns:a16="http://schemas.microsoft.com/office/drawing/2010/main" id="{DBDC02FC-08F1-4A9D-BC5C-D1CFBCBF213F}"/>
+                <a16:creationId xmlns:a16="http://schemas.microsoft.com/office/drawing/2010/main" xmlns:vt="http://schemas.openxmlformats.org/officeDocument/2006/docPropsVTypes" xmlns:ns1="http://schemas.openxmlformats.org/officeDocument/2006/extended-properties" xmlns:cs="http://schemas.microsoft.com/office/drawing/2012/chartStyle" xmlns:c="http://schemas.openxmlformats.org/drawingml/2006/chart" xmlns="" id="{DBDC02FC-08F1-4A9D-BC5C-D1CFBCBF213F}"/>
               </a:ext>
             </a:extLst>
           </p:cNvPr>
@@ -12737,7 +12737,7 @@
           <p:cNvPr id="7" name="Marcador de posición de imagen 6">
             <a:extLst>
               <a:ext uri="{74EA9127-3154-4933-ADA0-B0F48F23E928}">
-                <a16:creationId xmlns="" xmlns:c="http://schemas.openxmlformats.org/drawingml/2006/chart" xmlns:cs="http://schemas.microsoft.com/office/drawing/2012/chartStyle" xmlns:ns1="http://schemas.openxmlformats.org/officeDocument/2006/extended-properties" xmlns:vt="http://schemas.openxmlformats.org/officeDocument/2006/docPropsVTypes" xmlns:a16="http://schemas.microsoft.com/office/drawing/2010/main" id="{F8250C69-86D2-4915-96FF-8FE4A9ECAAC5}"/>
+                <a16:creationId xmlns:a16="http://schemas.microsoft.com/office/drawing/2010/main" xmlns:vt="http://schemas.openxmlformats.org/officeDocument/2006/docPropsVTypes" xmlns:ns1="http://schemas.openxmlformats.org/officeDocument/2006/extended-properties" xmlns:cs="http://schemas.microsoft.com/office/drawing/2012/chartStyle" xmlns:c="http://schemas.openxmlformats.org/drawingml/2006/chart" xmlns="" id="{F8250C69-86D2-4915-96FF-8FE4A9ECAAC5}"/>
               </a:ext>
             </a:extLst>
           </p:cNvPr>
@@ -12776,7 +12776,7 @@
           <p:cNvPr id="8" name="Date Placeholder 1">
             <a:extLst>
               <a:ext uri="{6B5F2BC2-99C4-4539-AA84-B6B2AD4ABDA3}">
-                <a16:creationId xmlns="" xmlns:c="http://schemas.openxmlformats.org/drawingml/2006/chart" xmlns:cs="http://schemas.microsoft.com/office/drawing/2012/chartStyle" xmlns:ns1="http://schemas.openxmlformats.org/officeDocument/2006/extended-properties" xmlns:vt="http://schemas.openxmlformats.org/officeDocument/2006/docPropsVTypes" xmlns:a16="http://schemas.microsoft.com/office/drawing/2010/main" id="{823B2554-CE2B-4D14-A74C-2F42A6B98ADD}"/>
+                <a16:creationId xmlns:a16="http://schemas.microsoft.com/office/drawing/2010/main" xmlns:vt="http://schemas.openxmlformats.org/officeDocument/2006/docPropsVTypes" xmlns:ns1="http://schemas.openxmlformats.org/officeDocument/2006/extended-properties" xmlns:cs="http://schemas.microsoft.com/office/drawing/2012/chartStyle" xmlns:c="http://schemas.openxmlformats.org/drawingml/2006/chart" xmlns="" id="{823B2554-CE2B-4D14-A74C-2F42A6B98ADD}"/>
               </a:ext>
             </a:extLst>
           </p:cNvPr>
@@ -12823,7 +12823,7 @@
           <p:cNvPr id="9" name="Footer Placeholder 1">
             <a:extLst>
               <a:ext uri="{988764DF-7805-4E93-B075-830AC8D42D01}">
-                <a16:creationId xmlns="" xmlns:c="http://schemas.openxmlformats.org/drawingml/2006/chart" xmlns:cs="http://schemas.microsoft.com/office/drawing/2012/chartStyle" xmlns:ns1="http://schemas.openxmlformats.org/officeDocument/2006/extended-properties" xmlns:vt="http://schemas.openxmlformats.org/officeDocument/2006/docPropsVTypes" xmlns:a16="http://schemas.microsoft.com/office/drawing/2010/main" id="{C2BE22A0-99CD-470D-8BEF-DC56B0C83430}"/>
+                <a16:creationId xmlns:a16="http://schemas.microsoft.com/office/drawing/2010/main" xmlns:vt="http://schemas.openxmlformats.org/officeDocument/2006/docPropsVTypes" xmlns:ns1="http://schemas.openxmlformats.org/officeDocument/2006/extended-properties" xmlns:cs="http://schemas.microsoft.com/office/drawing/2012/chartStyle" xmlns:c="http://schemas.openxmlformats.org/drawingml/2006/chart" xmlns="" id="{C2BE22A0-99CD-470D-8BEF-DC56B0C83430}"/>
               </a:ext>
             </a:extLst>
           </p:cNvPr>
@@ -12871,7 +12871,7 @@
     </p:custDataLst>
     <p:extLst>
       <p:ext uri="{97B61259-19B7-49AE-85BE-082F4FE9D203}">
-        <p14:creationId xmlns="" xmlns:c="http://schemas.openxmlformats.org/drawingml/2006/chart" xmlns:cs="http://schemas.microsoft.com/office/drawing/2012/chartStyle" xmlns:ns1="http://schemas.openxmlformats.org/officeDocument/2006/extended-properties" xmlns:vt="http://schemas.openxmlformats.org/officeDocument/2006/docPropsVTypes" xmlns:p14="http://schemas.microsoft.com/office/powerpoint/2010/main" val="1724933507230"/>
+        <p14:creationId xmlns:p14="http://schemas.microsoft.com/office/powerpoint/2010/main" xmlns:vt="http://schemas.openxmlformats.org/officeDocument/2006/docPropsVTypes" xmlns:ns1="http://schemas.openxmlformats.org/officeDocument/2006/extended-properties" xmlns:cs="http://schemas.microsoft.com/office/drawing/2012/chartStyle" xmlns:c="http://schemas.openxmlformats.org/drawingml/2006/chart" xmlns="" val="1724933507230"/>
       </p:ext>
     </p:extLst>
   </p:cSld>
@@ -12903,7 +12903,7 @@
           <p:cNvPr id="2" name="Rectangle 25">
             <a:extLst>
               <a:ext uri="{127E869B-3E1D-4A8D-B6FA-92792E670EE3}">
-                <a16:creationId xmlns="" xmlns:c="http://schemas.openxmlformats.org/drawingml/2006/chart" xmlns:cs="http://schemas.microsoft.com/office/drawing/2012/chartStyle" xmlns:ns1="http://schemas.openxmlformats.org/officeDocument/2006/extended-properties" xmlns:vt="http://schemas.openxmlformats.org/officeDocument/2006/docPropsVTypes" xmlns:a16="http://schemas.microsoft.com/office/drawing/2010/main" id="{14A2C94F-4E25-43FD-A51E-075B99A45F95}"/>
+                <a16:creationId xmlns:a16="http://schemas.microsoft.com/office/drawing/2010/main" xmlns:vt="http://schemas.openxmlformats.org/officeDocument/2006/docPropsVTypes" xmlns:ns1="http://schemas.openxmlformats.org/officeDocument/2006/extended-properties" xmlns:cs="http://schemas.microsoft.com/office/drawing/2012/chartStyle" xmlns:c="http://schemas.openxmlformats.org/drawingml/2006/chart" xmlns="" id="{14A2C94F-4E25-43FD-A51E-075B99A45F95}"/>
               </a:ext>
             </a:extLst>
           </p:cNvPr>
@@ -12958,7 +12958,7 @@
           <p:cNvPr id="3" name="Content Placeholder 2">
             <a:extLst>
               <a:ext uri="{5268914F-CC77-4C0A-9532-DBDEAB5D5E0B}">
-                <a16:creationId xmlns="" xmlns:c="http://schemas.openxmlformats.org/drawingml/2006/chart" xmlns:cs="http://schemas.microsoft.com/office/drawing/2012/chartStyle" xmlns:ns1="http://schemas.openxmlformats.org/officeDocument/2006/extended-properties" xmlns:vt="http://schemas.openxmlformats.org/officeDocument/2006/docPropsVTypes" xmlns:a16="http://schemas.microsoft.com/office/drawing/2010/main" id="{3E29AF0C-C3F5-4832-AD80-23334AD51B31}"/>
+                <a16:creationId xmlns:a16="http://schemas.microsoft.com/office/drawing/2010/main" xmlns:vt="http://schemas.openxmlformats.org/officeDocument/2006/docPropsVTypes" xmlns:ns1="http://schemas.openxmlformats.org/officeDocument/2006/extended-properties" xmlns:cs="http://schemas.microsoft.com/office/drawing/2012/chartStyle" xmlns:c="http://schemas.openxmlformats.org/drawingml/2006/chart" xmlns="" id="{3E29AF0C-C3F5-4832-AD80-23334AD51B31}"/>
               </a:ext>
             </a:extLst>
           </p:cNvPr>
@@ -13040,7 +13040,7 @@
           <p:cNvPr id="4" name="Slide Number Placeholder 5">
             <a:extLst>
               <a:ext uri="{A8CB59F3-0520-4259-AEAD-C5A2FA950FD3}">
-                <a16:creationId xmlns="" xmlns:c="http://schemas.openxmlformats.org/drawingml/2006/chart" xmlns:cs="http://schemas.microsoft.com/office/drawing/2012/chartStyle" xmlns:ns1="http://schemas.openxmlformats.org/officeDocument/2006/extended-properties" xmlns:vt="http://schemas.openxmlformats.org/officeDocument/2006/docPropsVTypes" xmlns:a16="http://schemas.microsoft.com/office/drawing/2010/main" id="{C3994713-F830-4D35-ABCA-DD1EC6E7AA42}"/>
+                <a16:creationId xmlns:a16="http://schemas.microsoft.com/office/drawing/2010/main" xmlns:vt="http://schemas.openxmlformats.org/officeDocument/2006/docPropsVTypes" xmlns:ns1="http://schemas.openxmlformats.org/officeDocument/2006/extended-properties" xmlns:cs="http://schemas.microsoft.com/office/drawing/2012/chartStyle" xmlns:c="http://schemas.openxmlformats.org/drawingml/2006/chart" xmlns="" id="{C3994713-F830-4D35-ABCA-DD1EC6E7AA42}"/>
               </a:ext>
             </a:extLst>
           </p:cNvPr>
@@ -13068,7 +13068,7 @@
           <p:cNvPr id="5" name="Title 6">
             <a:extLst>
               <a:ext uri="{755A25F5-2056-4D3B-9061-1781203381C3}">
-                <a16:creationId xmlns="" xmlns:c="http://schemas.openxmlformats.org/drawingml/2006/chart" xmlns:cs="http://schemas.microsoft.com/office/drawing/2012/chartStyle" xmlns:ns1="http://schemas.openxmlformats.org/officeDocument/2006/extended-properties" xmlns:vt="http://schemas.openxmlformats.org/officeDocument/2006/docPropsVTypes" xmlns:a16="http://schemas.microsoft.com/office/drawing/2010/main" id="{D1AF19B3-62F2-4544-8BA4-0D4673EDD06D}"/>
+                <a16:creationId xmlns:a16="http://schemas.microsoft.com/office/drawing/2010/main" xmlns:vt="http://schemas.openxmlformats.org/officeDocument/2006/docPropsVTypes" xmlns:ns1="http://schemas.openxmlformats.org/officeDocument/2006/extended-properties" xmlns:cs="http://schemas.microsoft.com/office/drawing/2012/chartStyle" xmlns:c="http://schemas.openxmlformats.org/drawingml/2006/chart" xmlns="" id="{D1AF19B3-62F2-4544-8BA4-0D4673EDD06D}"/>
               </a:ext>
             </a:extLst>
           </p:cNvPr>
@@ -13112,7 +13112,7 @@
           <p:cNvPr id="6" name="Content Placeholder 2">
             <a:extLst>
               <a:ext uri="{271431C5-B37F-4B54-A260-B5845DFDCB5B}">
-                <a16:creationId xmlns="" xmlns:c="http://schemas.openxmlformats.org/drawingml/2006/chart" xmlns:cs="http://schemas.microsoft.com/office/drawing/2012/chartStyle" xmlns:ns1="http://schemas.openxmlformats.org/officeDocument/2006/extended-properties" xmlns:vt="http://schemas.openxmlformats.org/officeDocument/2006/docPropsVTypes" xmlns:a16="http://schemas.microsoft.com/office/drawing/2010/main" id="{5AF387BE-982F-4E21-9D04-162814942DB9}"/>
+                <a16:creationId xmlns:a16="http://schemas.microsoft.com/office/drawing/2010/main" xmlns:vt="http://schemas.openxmlformats.org/officeDocument/2006/docPropsVTypes" xmlns:ns1="http://schemas.openxmlformats.org/officeDocument/2006/extended-properties" xmlns:cs="http://schemas.microsoft.com/office/drawing/2012/chartStyle" xmlns:c="http://schemas.openxmlformats.org/drawingml/2006/chart" xmlns="" id="{5AF387BE-982F-4E21-9D04-162814942DB9}"/>
               </a:ext>
             </a:extLst>
           </p:cNvPr>
@@ -13195,7 +13195,7 @@
           <p:cNvPr id="7" name="Marcador de posición de imagen 6">
             <a:extLst>
               <a:ext uri="{90D66595-5C2B-4F75-A8AD-C7A1C00D5B0A}">
-                <a16:creationId xmlns="" xmlns:c="http://schemas.openxmlformats.org/drawingml/2006/chart" xmlns:cs="http://schemas.microsoft.com/office/drawing/2012/chartStyle" xmlns:ns1="http://schemas.openxmlformats.org/officeDocument/2006/extended-properties" xmlns:vt="http://schemas.openxmlformats.org/officeDocument/2006/docPropsVTypes" xmlns:a16="http://schemas.microsoft.com/office/drawing/2010/main" id="{35FE8326-35EE-421E-B736-34F9BC685A97}"/>
+                <a16:creationId xmlns:a16="http://schemas.microsoft.com/office/drawing/2010/main" xmlns:vt="http://schemas.openxmlformats.org/officeDocument/2006/docPropsVTypes" xmlns:ns1="http://schemas.openxmlformats.org/officeDocument/2006/extended-properties" xmlns:cs="http://schemas.microsoft.com/office/drawing/2012/chartStyle" xmlns:c="http://schemas.openxmlformats.org/drawingml/2006/chart" xmlns="" id="{35FE8326-35EE-421E-B736-34F9BC685A97}"/>
               </a:ext>
             </a:extLst>
           </p:cNvPr>
@@ -13234,7 +13234,7 @@
           <p:cNvPr id="8" name="Date Placeholder 1">
             <a:extLst>
               <a:ext uri="{4BD0ADAD-F764-4710-B0A8-DCDEE7D12796}">
-                <a16:creationId xmlns="" xmlns:c="http://schemas.openxmlformats.org/drawingml/2006/chart" xmlns:cs="http://schemas.microsoft.com/office/drawing/2012/chartStyle" xmlns:ns1="http://schemas.openxmlformats.org/officeDocument/2006/extended-properties" xmlns:vt="http://schemas.openxmlformats.org/officeDocument/2006/docPropsVTypes" xmlns:a16="http://schemas.microsoft.com/office/drawing/2010/main" id="{6F964E78-09A8-4613-9A21-386440466B77}"/>
+                <a16:creationId xmlns:a16="http://schemas.microsoft.com/office/drawing/2010/main" xmlns:vt="http://schemas.openxmlformats.org/officeDocument/2006/docPropsVTypes" xmlns:ns1="http://schemas.openxmlformats.org/officeDocument/2006/extended-properties" xmlns:cs="http://schemas.microsoft.com/office/drawing/2012/chartStyle" xmlns:c="http://schemas.openxmlformats.org/drawingml/2006/chart" xmlns="" id="{6F964E78-09A8-4613-9A21-386440466B77}"/>
               </a:ext>
             </a:extLst>
           </p:cNvPr>
@@ -13281,7 +13281,7 @@
           <p:cNvPr id="9" name="Footer Placeholder 1">
             <a:extLst>
               <a:ext uri="{EF682FF8-BD10-4543-9E1E-2BC1CE5B9C5E}">
-                <a16:creationId xmlns="" xmlns:c="http://schemas.openxmlformats.org/drawingml/2006/chart" xmlns:cs="http://schemas.microsoft.com/office/drawing/2012/chartStyle" xmlns:ns1="http://schemas.openxmlformats.org/officeDocument/2006/extended-properties" xmlns:vt="http://schemas.openxmlformats.org/officeDocument/2006/docPropsVTypes" xmlns:a16="http://schemas.microsoft.com/office/drawing/2010/main" id="{B9C8FACE-B38C-4428-8790-3D85137AE8BE}"/>
+                <a16:creationId xmlns:a16="http://schemas.microsoft.com/office/drawing/2010/main" xmlns:vt="http://schemas.openxmlformats.org/officeDocument/2006/docPropsVTypes" xmlns:ns1="http://schemas.openxmlformats.org/officeDocument/2006/extended-properties" xmlns:cs="http://schemas.microsoft.com/office/drawing/2012/chartStyle" xmlns:c="http://schemas.openxmlformats.org/drawingml/2006/chart" xmlns="" id="{B9C8FACE-B38C-4428-8790-3D85137AE8BE}"/>
               </a:ext>
             </a:extLst>
           </p:cNvPr>
@@ -13329,7 +13329,7 @@
     </p:custDataLst>
     <p:extLst>
       <p:ext uri="{75027732-2C21-4D5D-9BED-48B3E47FF05D}">
-        <p14:creationId xmlns="" xmlns:c="http://schemas.openxmlformats.org/drawingml/2006/chart" xmlns:cs="http://schemas.microsoft.com/office/drawing/2012/chartStyle" xmlns:ns1="http://schemas.openxmlformats.org/officeDocument/2006/extended-properties" xmlns:vt="http://schemas.openxmlformats.org/officeDocument/2006/docPropsVTypes" xmlns:p14="http://schemas.microsoft.com/office/powerpoint/2010/main" val="1724933507232"/>
+        <p14:creationId xmlns:p14="http://schemas.microsoft.com/office/powerpoint/2010/main" xmlns:vt="http://schemas.openxmlformats.org/officeDocument/2006/docPropsVTypes" xmlns:ns1="http://schemas.openxmlformats.org/officeDocument/2006/extended-properties" xmlns:cs="http://schemas.microsoft.com/office/drawing/2012/chartStyle" xmlns:c="http://schemas.openxmlformats.org/drawingml/2006/chart" xmlns="" val="1724933507232"/>
       </p:ext>
     </p:extLst>
   </p:cSld>
@@ -13361,7 +13361,7 @@
           <p:cNvPr id="2" name="Rectangle 25">
             <a:extLst>
               <a:ext uri="{0B5DB16A-67BF-4686-9877-4BDA480ADE6C}">
-                <a16:creationId xmlns="" xmlns:c="http://schemas.openxmlformats.org/drawingml/2006/chart" xmlns:cs="http://schemas.microsoft.com/office/drawing/2012/chartStyle" xmlns:ns1="http://schemas.openxmlformats.org/officeDocument/2006/extended-properties" xmlns:vt="http://schemas.openxmlformats.org/officeDocument/2006/docPropsVTypes" xmlns:a16="http://schemas.microsoft.com/office/drawing/2010/main" id="{69DAFAF7-339F-4A8E-B06B-AD909114E718}"/>
+                <a16:creationId xmlns:a16="http://schemas.microsoft.com/office/drawing/2010/main" xmlns:vt="http://schemas.openxmlformats.org/officeDocument/2006/docPropsVTypes" xmlns:ns1="http://schemas.openxmlformats.org/officeDocument/2006/extended-properties" xmlns:cs="http://schemas.microsoft.com/office/drawing/2012/chartStyle" xmlns:c="http://schemas.openxmlformats.org/drawingml/2006/chart" xmlns="" id="{69DAFAF7-339F-4A8E-B06B-AD909114E718}"/>
               </a:ext>
             </a:extLst>
           </p:cNvPr>
@@ -13416,7 +13416,7 @@
           <p:cNvPr id="3" name="Slide Number Placeholder 5">
             <a:extLst>
               <a:ext uri="{A8662813-A8A3-42B9-AE50-72530342FE79}">
-                <a16:creationId xmlns="" xmlns:c="http://schemas.openxmlformats.org/drawingml/2006/chart" xmlns:cs="http://schemas.microsoft.com/office/drawing/2012/chartStyle" xmlns:ns1="http://schemas.openxmlformats.org/officeDocument/2006/extended-properties" xmlns:vt="http://schemas.openxmlformats.org/officeDocument/2006/docPropsVTypes" xmlns:a16="http://schemas.microsoft.com/office/drawing/2010/main" id="{8B9D3A8D-48E3-4211-B712-D773B08AF8AB}"/>
+                <a16:creationId xmlns:a16="http://schemas.microsoft.com/office/drawing/2010/main" xmlns:vt="http://schemas.openxmlformats.org/officeDocument/2006/docPropsVTypes" xmlns:ns1="http://schemas.openxmlformats.org/officeDocument/2006/extended-properties" xmlns:cs="http://schemas.microsoft.com/office/drawing/2012/chartStyle" xmlns:c="http://schemas.openxmlformats.org/drawingml/2006/chart" xmlns="" id="{8B9D3A8D-48E3-4211-B712-D773B08AF8AB}"/>
               </a:ext>
             </a:extLst>
           </p:cNvPr>
@@ -13444,7 +13444,7 @@
           <p:cNvPr id="4" name="Title 6">
             <a:extLst>
               <a:ext uri="{761C02F5-C6B2-419A-B435-E53FF2AF81C9}">
-                <a16:creationId xmlns="" xmlns:c="http://schemas.openxmlformats.org/drawingml/2006/chart" xmlns:cs="http://schemas.microsoft.com/office/drawing/2012/chartStyle" xmlns:ns1="http://schemas.openxmlformats.org/officeDocument/2006/extended-properties" xmlns:vt="http://schemas.openxmlformats.org/officeDocument/2006/docPropsVTypes" xmlns:a16="http://schemas.microsoft.com/office/drawing/2010/main" id="{E9A8A5F7-AFCC-4992-95F8-65B03BDD37B1}"/>
+                <a16:creationId xmlns:a16="http://schemas.microsoft.com/office/drawing/2010/main" xmlns:vt="http://schemas.openxmlformats.org/officeDocument/2006/docPropsVTypes" xmlns:ns1="http://schemas.openxmlformats.org/officeDocument/2006/extended-properties" xmlns:cs="http://schemas.microsoft.com/office/drawing/2012/chartStyle" xmlns:c="http://schemas.openxmlformats.org/drawingml/2006/chart" xmlns="" id="{E9A8A5F7-AFCC-4992-95F8-65B03BDD37B1}"/>
               </a:ext>
             </a:extLst>
           </p:cNvPr>
@@ -13491,7 +13491,7 @@
           <p:cNvPr id="5" name="Content Placeholder 2">
             <a:extLst>
               <a:ext uri="{67F0FBD4-2EDF-48FD-870A-1CDFF7FE896D}">
-                <a16:creationId xmlns="" xmlns:c="http://schemas.openxmlformats.org/drawingml/2006/chart" xmlns:cs="http://schemas.microsoft.com/office/drawing/2012/chartStyle" xmlns:ns1="http://schemas.openxmlformats.org/officeDocument/2006/extended-properties" xmlns:vt="http://schemas.openxmlformats.org/officeDocument/2006/docPropsVTypes" xmlns:a16="http://schemas.microsoft.com/office/drawing/2010/main" id="{86BF8382-8C20-4AA3-A647-8762C13443A7}"/>
+                <a16:creationId xmlns:a16="http://schemas.microsoft.com/office/drawing/2010/main" xmlns:vt="http://schemas.openxmlformats.org/officeDocument/2006/docPropsVTypes" xmlns:ns1="http://schemas.openxmlformats.org/officeDocument/2006/extended-properties" xmlns:cs="http://schemas.microsoft.com/office/drawing/2012/chartStyle" xmlns:c="http://schemas.openxmlformats.org/drawingml/2006/chart" xmlns="" id="{86BF8382-8C20-4AA3-A647-8762C13443A7}"/>
               </a:ext>
             </a:extLst>
           </p:cNvPr>
@@ -13576,7 +13576,7 @@
           <p:cNvPr id="6" name="Content Placeholder 2">
             <a:extLst>
               <a:ext uri="{7C305DEB-DE27-41E9-9DFC-E316AD8C79B2}">
-                <a16:creationId xmlns="" xmlns:c="http://schemas.openxmlformats.org/drawingml/2006/chart" xmlns:cs="http://schemas.microsoft.com/office/drawing/2012/chartStyle" xmlns:ns1="http://schemas.openxmlformats.org/officeDocument/2006/extended-properties" xmlns:vt="http://schemas.openxmlformats.org/officeDocument/2006/docPropsVTypes" xmlns:a16="http://schemas.microsoft.com/office/drawing/2010/main" id="{FBE23D92-4BC8-45DC-A3E0-2A336C5FE801}"/>
+                <a16:creationId xmlns:a16="http://schemas.microsoft.com/office/drawing/2010/main" xmlns:vt="http://schemas.openxmlformats.org/officeDocument/2006/docPropsVTypes" xmlns:ns1="http://schemas.openxmlformats.org/officeDocument/2006/extended-properties" xmlns:cs="http://schemas.microsoft.com/office/drawing/2012/chartStyle" xmlns:c="http://schemas.openxmlformats.org/drawingml/2006/chart" xmlns="" id="{FBE23D92-4BC8-45DC-A3E0-2A336C5FE801}"/>
               </a:ext>
             </a:extLst>
           </p:cNvPr>
@@ -13662,7 +13662,7 @@
           <p:cNvPr id="7" name="Marcador de posición de imagen 6">
             <a:extLst>
               <a:ext uri="{26839BC0-3AE0-4449-993C-63E15F52415A}">
-                <a16:creationId xmlns="" xmlns:c="http://schemas.openxmlformats.org/drawingml/2006/chart" xmlns:cs="http://schemas.microsoft.com/office/drawing/2012/chartStyle" xmlns:ns1="http://schemas.openxmlformats.org/officeDocument/2006/extended-properties" xmlns:vt="http://schemas.openxmlformats.org/officeDocument/2006/docPropsVTypes" xmlns:a16="http://schemas.microsoft.com/office/drawing/2010/main" id="{5024CB19-BEBF-412E-9FFC-AFECAA32C723}"/>
+                <a16:creationId xmlns:a16="http://schemas.microsoft.com/office/drawing/2010/main" xmlns:vt="http://schemas.openxmlformats.org/officeDocument/2006/docPropsVTypes" xmlns:ns1="http://schemas.openxmlformats.org/officeDocument/2006/extended-properties" xmlns:cs="http://schemas.microsoft.com/office/drawing/2012/chartStyle" xmlns:c="http://schemas.openxmlformats.org/drawingml/2006/chart" xmlns="" id="{5024CB19-BEBF-412E-9FFC-AFECAA32C723}"/>
               </a:ext>
             </a:extLst>
           </p:cNvPr>
@@ -13701,7 +13701,7 @@
           <p:cNvPr id="8" name="Date Placeholder 1">
             <a:extLst>
               <a:ext uri="{B3857672-6CD2-4A31-8112-E617599B494B}">
-                <a16:creationId xmlns="" xmlns:c="http://schemas.openxmlformats.org/drawingml/2006/chart" xmlns:cs="http://schemas.microsoft.com/office/drawing/2012/chartStyle" xmlns:ns1="http://schemas.openxmlformats.org/officeDocument/2006/extended-properties" xmlns:vt="http://schemas.openxmlformats.org/officeDocument/2006/docPropsVTypes" xmlns:a16="http://schemas.microsoft.com/office/drawing/2010/main" id="{BE704A5B-8C86-413A-B0E2-F12ACBCAB7C7}"/>
+                <a16:creationId xmlns:a16="http://schemas.microsoft.com/office/drawing/2010/main" xmlns:vt="http://schemas.openxmlformats.org/officeDocument/2006/docPropsVTypes" xmlns:ns1="http://schemas.openxmlformats.org/officeDocument/2006/extended-properties" xmlns:cs="http://schemas.microsoft.com/office/drawing/2012/chartStyle" xmlns:c="http://schemas.openxmlformats.org/drawingml/2006/chart" xmlns="" id="{BE704A5B-8C86-413A-B0E2-F12ACBCAB7C7}"/>
               </a:ext>
             </a:extLst>
           </p:cNvPr>
@@ -13748,7 +13748,7 @@
           <p:cNvPr id="9" name="Footer Placeholder 1">
             <a:extLst>
               <a:ext uri="{117E9B86-75F9-4C61-AE60-29EF3BD3CB79}">
-                <a16:creationId xmlns="" xmlns:c="http://schemas.openxmlformats.org/drawingml/2006/chart" xmlns:cs="http://schemas.microsoft.com/office/drawing/2012/chartStyle" xmlns:ns1="http://schemas.openxmlformats.org/officeDocument/2006/extended-properties" xmlns:vt="http://schemas.openxmlformats.org/officeDocument/2006/docPropsVTypes" xmlns:a16="http://schemas.microsoft.com/office/drawing/2010/main" id="{4B89B6EA-3B73-42FB-8F67-381363B5A8C2}"/>
+                <a16:creationId xmlns:a16="http://schemas.microsoft.com/office/drawing/2010/main" xmlns:vt="http://schemas.openxmlformats.org/officeDocument/2006/docPropsVTypes" xmlns:ns1="http://schemas.openxmlformats.org/officeDocument/2006/extended-properties" xmlns:cs="http://schemas.microsoft.com/office/drawing/2012/chartStyle" xmlns:c="http://schemas.openxmlformats.org/drawingml/2006/chart" xmlns="" id="{4B89B6EA-3B73-42FB-8F67-381363B5A8C2}"/>
               </a:ext>
             </a:extLst>
           </p:cNvPr>
@@ -13796,7 +13796,7 @@
     </p:custDataLst>
     <p:extLst>
       <p:ext uri="{12E2C21E-106A-4EEF-8BF6-4AD2B758205A}">
-        <p14:creationId xmlns="" xmlns:c="http://schemas.openxmlformats.org/drawingml/2006/chart" xmlns:cs="http://schemas.microsoft.com/office/drawing/2012/chartStyle" xmlns:ns1="http://schemas.openxmlformats.org/officeDocument/2006/extended-properties" xmlns:vt="http://schemas.openxmlformats.org/officeDocument/2006/docPropsVTypes" xmlns:p14="http://schemas.microsoft.com/office/powerpoint/2010/main" val="1724933507234"/>
+        <p14:creationId xmlns:p14="http://schemas.microsoft.com/office/powerpoint/2010/main" xmlns:vt="http://schemas.openxmlformats.org/officeDocument/2006/docPropsVTypes" xmlns:ns1="http://schemas.openxmlformats.org/officeDocument/2006/extended-properties" xmlns:cs="http://schemas.microsoft.com/office/drawing/2012/chartStyle" xmlns:c="http://schemas.openxmlformats.org/drawingml/2006/chart" xmlns="" val="1724933507234"/>
       </p:ext>
     </p:extLst>
   </p:cSld>
@@ -13828,7 +13828,7 @@
           <p:cNvPr id="2" name="Rectangle 25">
             <a:extLst>
               <a:ext uri="{5A45737C-9F9D-4C6D-B3A3-38E050D4460D}">
-                <a16:creationId xmlns="" xmlns:c="http://schemas.openxmlformats.org/drawingml/2006/chart" xmlns:cs="http://schemas.microsoft.com/office/drawing/2012/chartStyle" xmlns:ns1="http://schemas.openxmlformats.org/officeDocument/2006/extended-properties" xmlns:vt="http://schemas.openxmlformats.org/officeDocument/2006/docPropsVTypes" xmlns:a16="http://schemas.microsoft.com/office/drawing/2010/main" id="{1CA90D67-3F15-4461-9E39-941C90D5DACE}"/>
+                <a16:creationId xmlns:a16="http://schemas.microsoft.com/office/drawing/2010/main" xmlns:vt="http://schemas.openxmlformats.org/officeDocument/2006/docPropsVTypes" xmlns:ns1="http://schemas.openxmlformats.org/officeDocument/2006/extended-properties" xmlns:cs="http://schemas.microsoft.com/office/drawing/2012/chartStyle" xmlns:c="http://schemas.openxmlformats.org/drawingml/2006/chart" xmlns="" id="{1CA90D67-3F15-4461-9E39-941C90D5DACE}"/>
               </a:ext>
             </a:extLst>
           </p:cNvPr>
@@ -13883,7 +13883,7 @@
           <p:cNvPr id="3" name="Content Placeholder 2">
             <a:extLst>
               <a:ext uri="{4FDFE8BD-6069-48CB-8156-682F0059C2C6}">
-                <a16:creationId xmlns="" xmlns:c="http://schemas.openxmlformats.org/drawingml/2006/chart" xmlns:cs="http://schemas.microsoft.com/office/drawing/2012/chartStyle" xmlns:ns1="http://schemas.openxmlformats.org/officeDocument/2006/extended-properties" xmlns:vt="http://schemas.openxmlformats.org/officeDocument/2006/docPropsVTypes" xmlns:a16="http://schemas.microsoft.com/office/drawing/2010/main" id="{8F4901B5-3266-414E-9BFF-30B112BD8D77}"/>
+                <a16:creationId xmlns:a16="http://schemas.microsoft.com/office/drawing/2010/main" xmlns:vt="http://schemas.openxmlformats.org/officeDocument/2006/docPropsVTypes" xmlns:ns1="http://schemas.openxmlformats.org/officeDocument/2006/extended-properties" xmlns:cs="http://schemas.microsoft.com/office/drawing/2012/chartStyle" xmlns:c="http://schemas.openxmlformats.org/drawingml/2006/chart" xmlns="" id="{8F4901B5-3266-414E-9BFF-30B112BD8D77}"/>
               </a:ext>
             </a:extLst>
           </p:cNvPr>
@@ -13965,7 +13965,7 @@
           <p:cNvPr id="4" name="Slide Number Placeholder 5">
             <a:extLst>
               <a:ext uri="{2C786BF9-1FD8-4ED1-9DE4-F19CA3373268}">
-                <a16:creationId xmlns="" xmlns:c="http://schemas.openxmlformats.org/drawingml/2006/chart" xmlns:cs="http://schemas.microsoft.com/office/drawing/2012/chartStyle" xmlns:ns1="http://schemas.openxmlformats.org/officeDocument/2006/extended-properties" xmlns:vt="http://schemas.openxmlformats.org/officeDocument/2006/docPropsVTypes" xmlns:a16="http://schemas.microsoft.com/office/drawing/2010/main" id="{E67A54F2-B477-48A2-9727-3F5B7393DE5E}"/>
+                <a16:creationId xmlns:a16="http://schemas.microsoft.com/office/drawing/2010/main" xmlns:vt="http://schemas.openxmlformats.org/officeDocument/2006/docPropsVTypes" xmlns:ns1="http://schemas.openxmlformats.org/officeDocument/2006/extended-properties" xmlns:cs="http://schemas.microsoft.com/office/drawing/2012/chartStyle" xmlns:c="http://schemas.openxmlformats.org/drawingml/2006/chart" xmlns="" id="{E67A54F2-B477-48A2-9727-3F5B7393DE5E}"/>
               </a:ext>
             </a:extLst>
           </p:cNvPr>
@@ -13993,7 +13993,7 @@
           <p:cNvPr id="5" name="Title 6">
             <a:extLst>
               <a:ext uri="{84263DAE-6CEA-4A01-A9AE-89154272203C}">
-                <a16:creationId xmlns="" xmlns:c="http://schemas.openxmlformats.org/drawingml/2006/chart" xmlns:cs="http://schemas.microsoft.com/office/drawing/2012/chartStyle" xmlns:ns1="http://schemas.openxmlformats.org/officeDocument/2006/extended-properties" xmlns:vt="http://schemas.openxmlformats.org/officeDocument/2006/docPropsVTypes" xmlns:a16="http://schemas.microsoft.com/office/drawing/2010/main" id="{A0E31323-728B-4757-A527-35094450270F}"/>
+                <a16:creationId xmlns:a16="http://schemas.microsoft.com/office/drawing/2010/main" xmlns:vt="http://schemas.openxmlformats.org/officeDocument/2006/docPropsVTypes" xmlns:ns1="http://schemas.openxmlformats.org/officeDocument/2006/extended-properties" xmlns:cs="http://schemas.microsoft.com/office/drawing/2012/chartStyle" xmlns:c="http://schemas.openxmlformats.org/drawingml/2006/chart" xmlns="" id="{A0E31323-728B-4757-A527-35094450270F}"/>
               </a:ext>
             </a:extLst>
           </p:cNvPr>
@@ -14039,7 +14039,7 @@
           <p:cNvPr id="6" name="Content Placeholder 2">
             <a:extLst>
               <a:ext uri="{252A12E8-3979-4367-95F4-EBC69D274943}">
-                <a16:creationId xmlns="" xmlns:c="http://schemas.openxmlformats.org/drawingml/2006/chart" xmlns:cs="http://schemas.microsoft.com/office/drawing/2012/chartStyle" xmlns:ns1="http://schemas.openxmlformats.org/officeDocument/2006/extended-properties" xmlns:vt="http://schemas.openxmlformats.org/officeDocument/2006/docPropsVTypes" xmlns:a16="http://schemas.microsoft.com/office/drawing/2010/main" id="{069D1B0E-8455-436D-B86A-0917E0426F27}"/>
+                <a16:creationId xmlns:a16="http://schemas.microsoft.com/office/drawing/2010/main" xmlns:vt="http://schemas.openxmlformats.org/officeDocument/2006/docPropsVTypes" xmlns:ns1="http://schemas.openxmlformats.org/officeDocument/2006/extended-properties" xmlns:cs="http://schemas.microsoft.com/office/drawing/2012/chartStyle" xmlns:c="http://schemas.openxmlformats.org/drawingml/2006/chart" xmlns="" id="{069D1B0E-8455-436D-B86A-0917E0426F27}"/>
               </a:ext>
             </a:extLst>
           </p:cNvPr>
@@ -14122,7 +14122,7 @@
           <p:cNvPr id="7" name="Marcador de posición de imagen 6">
             <a:extLst>
               <a:ext uri="{3C8C0834-0F54-4A3A-8380-08651AD0BEA4}">
-                <a16:creationId xmlns="" xmlns:c="http://schemas.openxmlformats.org/drawingml/2006/chart" xmlns:cs="http://schemas.microsoft.com/office/drawing/2012/chartStyle" xmlns:ns1="http://schemas.openxmlformats.org/officeDocument/2006/extended-properties" xmlns:vt="http://schemas.openxmlformats.org/officeDocument/2006/docPropsVTypes" xmlns:a16="http://schemas.microsoft.com/office/drawing/2010/main" id="{882221CF-AEFA-47D9-AE20-CC4B60301C34}"/>
+                <a16:creationId xmlns:a16="http://schemas.microsoft.com/office/drawing/2010/main" xmlns:vt="http://schemas.openxmlformats.org/officeDocument/2006/docPropsVTypes" xmlns:ns1="http://schemas.openxmlformats.org/officeDocument/2006/extended-properties" xmlns:cs="http://schemas.microsoft.com/office/drawing/2012/chartStyle" xmlns:c="http://schemas.openxmlformats.org/drawingml/2006/chart" xmlns="" id="{882221CF-AEFA-47D9-AE20-CC4B60301C34}"/>
               </a:ext>
             </a:extLst>
           </p:cNvPr>
@@ -14161,7 +14161,7 @@
           <p:cNvPr id="8" name="Date Placeholder 1">
             <a:extLst>
               <a:ext uri="{FFC8A9F6-7197-4B26-B8A2-34FB0E10CE5A}">
-                <a16:creationId xmlns="" xmlns:c="http://schemas.openxmlformats.org/drawingml/2006/chart" xmlns:cs="http://schemas.microsoft.com/office/drawing/2012/chartStyle" xmlns:ns1="http://schemas.openxmlformats.org/officeDocument/2006/extended-properties" xmlns:vt="http://schemas.openxmlformats.org/officeDocument/2006/docPropsVTypes" xmlns:a16="http://schemas.microsoft.com/office/drawing/2010/main" id="{129FE363-F7C5-40D2-9C10-F2A3227EFBBE}"/>
+                <a16:creationId xmlns:a16="http://schemas.microsoft.com/office/drawing/2010/main" xmlns:vt="http://schemas.openxmlformats.org/officeDocument/2006/docPropsVTypes" xmlns:ns1="http://schemas.openxmlformats.org/officeDocument/2006/extended-properties" xmlns:cs="http://schemas.microsoft.com/office/drawing/2012/chartStyle" xmlns:c="http://schemas.openxmlformats.org/drawingml/2006/chart" xmlns="" id="{129FE363-F7C5-40D2-9C10-F2A3227EFBBE}"/>
               </a:ext>
             </a:extLst>
           </p:cNvPr>
@@ -14208,7 +14208,7 @@
           <p:cNvPr id="9" name="Footer Placeholder 1">
             <a:extLst>
               <a:ext uri="{C8487DE8-63CF-4EE2-95D0-9949837AB8CE}">
-                <a16:creationId xmlns="" xmlns:c="http://schemas.openxmlformats.org/drawingml/2006/chart" xmlns:cs="http://schemas.microsoft.com/office/drawing/2012/chartStyle" xmlns:ns1="http://schemas.openxmlformats.org/officeDocument/2006/extended-properties" xmlns:vt="http://schemas.openxmlformats.org/officeDocument/2006/docPropsVTypes" xmlns:a16="http://schemas.microsoft.com/office/drawing/2010/main" id="{25509B7F-4546-4EE0-BEBF-39C62634F4A2}"/>
+                <a16:creationId xmlns:a16="http://schemas.microsoft.com/office/drawing/2010/main" xmlns:vt="http://schemas.openxmlformats.org/officeDocument/2006/docPropsVTypes" xmlns:ns1="http://schemas.openxmlformats.org/officeDocument/2006/extended-properties" xmlns:cs="http://schemas.microsoft.com/office/drawing/2012/chartStyle" xmlns:c="http://schemas.openxmlformats.org/drawingml/2006/chart" xmlns="" id="{25509B7F-4546-4EE0-BEBF-39C62634F4A2}"/>
               </a:ext>
             </a:extLst>
           </p:cNvPr>
@@ -14256,7 +14256,7 @@
     </p:custDataLst>
     <p:extLst>
       <p:ext uri="{D17E5CE6-DF75-4571-8794-168BCCA99151}">
-        <p14:creationId xmlns="" xmlns:c="http://schemas.openxmlformats.org/drawingml/2006/chart" xmlns:cs="http://schemas.microsoft.com/office/drawing/2012/chartStyle" xmlns:ns1="http://schemas.openxmlformats.org/officeDocument/2006/extended-properties" xmlns:vt="http://schemas.openxmlformats.org/officeDocument/2006/docPropsVTypes" xmlns:p14="http://schemas.microsoft.com/office/powerpoint/2010/main" val="1724933507235"/>
+        <p14:creationId xmlns:p14="http://schemas.microsoft.com/office/powerpoint/2010/main" xmlns:vt="http://schemas.openxmlformats.org/officeDocument/2006/docPropsVTypes" xmlns:ns1="http://schemas.openxmlformats.org/officeDocument/2006/extended-properties" xmlns:cs="http://schemas.microsoft.com/office/drawing/2012/chartStyle" xmlns:c="http://schemas.openxmlformats.org/drawingml/2006/chart" xmlns="" val="1724933507235"/>
       </p:ext>
     </p:extLst>
   </p:cSld>
@@ -14288,7 +14288,7 @@
           <p:cNvPr id="2" name="Slide Number Placeholder 5">
             <a:extLst>
               <a:ext uri="{370277FF-3919-4DEE-A826-D71670284020}">
-                <a16:creationId xmlns="" xmlns:c="http://schemas.openxmlformats.org/drawingml/2006/chart" xmlns:cs="http://schemas.microsoft.com/office/drawing/2012/chartStyle" xmlns:ns1="http://schemas.openxmlformats.org/officeDocument/2006/extended-properties" xmlns:vt="http://schemas.openxmlformats.org/officeDocument/2006/docPropsVTypes" xmlns:a16="http://schemas.microsoft.com/office/drawing/2010/main" id="{55AF91B3-BA8D-4306-A203-90709E9DD2F9}"/>
+                <a16:creationId xmlns:a16="http://schemas.microsoft.com/office/drawing/2010/main" xmlns:vt="http://schemas.openxmlformats.org/officeDocument/2006/docPropsVTypes" xmlns:ns1="http://schemas.openxmlformats.org/officeDocument/2006/extended-properties" xmlns:cs="http://schemas.microsoft.com/office/drawing/2012/chartStyle" xmlns:c="http://schemas.openxmlformats.org/drawingml/2006/chart" xmlns="" id="{55AF91B3-BA8D-4306-A203-90709E9DD2F9}"/>
               </a:ext>
             </a:extLst>
           </p:cNvPr>
@@ -14316,7 +14316,7 @@
           <p:cNvPr id="3" name="Title 6">
             <a:extLst>
               <a:ext uri="{80DDFDFD-6C70-4F21-ADAC-5D4097BB71B6}">
-                <a16:creationId xmlns="" xmlns:c="http://schemas.openxmlformats.org/drawingml/2006/chart" xmlns:cs="http://schemas.microsoft.com/office/drawing/2012/chartStyle" xmlns:ns1="http://schemas.openxmlformats.org/officeDocument/2006/extended-properties" xmlns:vt="http://schemas.openxmlformats.org/officeDocument/2006/docPropsVTypes" xmlns:a16="http://schemas.microsoft.com/office/drawing/2010/main" id="{EBF75A01-315F-47E9-AAFF-68B4562F19D4}"/>
+                <a16:creationId xmlns:a16="http://schemas.microsoft.com/office/drawing/2010/main" xmlns:vt="http://schemas.openxmlformats.org/officeDocument/2006/docPropsVTypes" xmlns:ns1="http://schemas.openxmlformats.org/officeDocument/2006/extended-properties" xmlns:cs="http://schemas.microsoft.com/office/drawing/2012/chartStyle" xmlns:c="http://schemas.openxmlformats.org/drawingml/2006/chart" xmlns="" id="{EBF75A01-315F-47E9-AAFF-68B4562F19D4}"/>
               </a:ext>
             </a:extLst>
           </p:cNvPr>
@@ -14362,7 +14362,7 @@
           <p:cNvPr id="4" name="Text Placeholder 2">
             <a:extLst>
               <a:ext uri="{89E33095-DDDB-414E-9A18-F9832D1ED9CC}">
-                <a16:creationId xmlns="" xmlns:c="http://schemas.openxmlformats.org/drawingml/2006/chart" xmlns:cs="http://schemas.microsoft.com/office/drawing/2012/chartStyle" xmlns:ns1="http://schemas.openxmlformats.org/officeDocument/2006/extended-properties" xmlns:vt="http://schemas.openxmlformats.org/officeDocument/2006/docPropsVTypes" xmlns:a16="http://schemas.microsoft.com/office/drawing/2010/main" id="{8CE5BAE2-9BA3-48D3-A23C-E2D263E7BEAF}"/>
+                <a16:creationId xmlns:a16="http://schemas.microsoft.com/office/drawing/2010/main" xmlns:vt="http://schemas.openxmlformats.org/officeDocument/2006/docPropsVTypes" xmlns:ns1="http://schemas.openxmlformats.org/officeDocument/2006/extended-properties" xmlns:cs="http://schemas.microsoft.com/office/drawing/2012/chartStyle" xmlns:c="http://schemas.openxmlformats.org/drawingml/2006/chart" xmlns="" id="{8CE5BAE2-9BA3-48D3-A23C-E2D263E7BEAF}"/>
               </a:ext>
             </a:extLst>
           </p:cNvPr>
@@ -14410,7 +14410,7 @@
           <p:cNvPr id="5" name="Text Placeholder 2">
             <a:extLst>
               <a:ext uri="{90134AF9-94DA-482C-A407-FD0CDE69DB81}">
-                <a16:creationId xmlns="" xmlns:c="http://schemas.openxmlformats.org/drawingml/2006/chart" xmlns:cs="http://schemas.microsoft.com/office/drawing/2012/chartStyle" xmlns:ns1="http://schemas.openxmlformats.org/officeDocument/2006/extended-properties" xmlns:vt="http://schemas.openxmlformats.org/officeDocument/2006/docPropsVTypes" xmlns:a16="http://schemas.microsoft.com/office/drawing/2010/main" id="{75CA692E-5F03-4DE6-A04B-43CC2FF0B2CE}"/>
+                <a16:creationId xmlns:a16="http://schemas.microsoft.com/office/drawing/2010/main" xmlns:vt="http://schemas.openxmlformats.org/officeDocument/2006/docPropsVTypes" xmlns:ns1="http://schemas.openxmlformats.org/officeDocument/2006/extended-properties" xmlns:cs="http://schemas.microsoft.com/office/drawing/2012/chartStyle" xmlns:c="http://schemas.openxmlformats.org/drawingml/2006/chart" xmlns="" id="{75CA692E-5F03-4DE6-A04B-43CC2FF0B2CE}"/>
               </a:ext>
             </a:extLst>
           </p:cNvPr>
@@ -14458,7 +14458,7 @@
           <p:cNvPr id="6" name="Text Placeholder 2">
             <a:extLst>
               <a:ext uri="{69E6DDE3-1981-4541-92BB-CE22B071D070}">
-                <a16:creationId xmlns="" xmlns:c="http://schemas.openxmlformats.org/drawingml/2006/chart" xmlns:cs="http://schemas.microsoft.com/office/drawing/2012/chartStyle" xmlns:ns1="http://schemas.openxmlformats.org/officeDocument/2006/extended-properties" xmlns:vt="http://schemas.openxmlformats.org/officeDocument/2006/docPropsVTypes" xmlns:a16="http://schemas.microsoft.com/office/drawing/2010/main" id="{75B1BEE8-7211-4007-8F3C-A53857624BEA}"/>
+                <a16:creationId xmlns:a16="http://schemas.microsoft.com/office/drawing/2010/main" xmlns:vt="http://schemas.openxmlformats.org/officeDocument/2006/docPropsVTypes" xmlns:ns1="http://schemas.openxmlformats.org/officeDocument/2006/extended-properties" xmlns:cs="http://schemas.microsoft.com/office/drawing/2012/chartStyle" xmlns:c="http://schemas.openxmlformats.org/drawingml/2006/chart" xmlns="" id="{75B1BEE8-7211-4007-8F3C-A53857624BEA}"/>
               </a:ext>
             </a:extLst>
           </p:cNvPr>
@@ -14506,7 +14506,7 @@
           <p:cNvPr id="7" name="Text Placeholder 2">
             <a:extLst>
               <a:ext uri="{26AD0563-B4BC-4FBA-B495-74985D13A040}">
-                <a16:creationId xmlns="" xmlns:c="http://schemas.openxmlformats.org/drawingml/2006/chart" xmlns:cs="http://schemas.microsoft.com/office/drawing/2012/chartStyle" xmlns:ns1="http://schemas.openxmlformats.org/officeDocument/2006/extended-properties" xmlns:vt="http://schemas.openxmlformats.org/officeDocument/2006/docPropsVTypes" xmlns:a16="http://schemas.microsoft.com/office/drawing/2010/main" id="{A9AE4F72-AC62-4F2F-9AA1-5AC1361C6CBD}"/>
+                <a16:creationId xmlns:a16="http://schemas.microsoft.com/office/drawing/2010/main" xmlns:vt="http://schemas.openxmlformats.org/officeDocument/2006/docPropsVTypes" xmlns:ns1="http://schemas.openxmlformats.org/officeDocument/2006/extended-properties" xmlns:cs="http://schemas.microsoft.com/office/drawing/2012/chartStyle" xmlns:c="http://schemas.openxmlformats.org/drawingml/2006/chart" xmlns="" id="{A9AE4F72-AC62-4F2F-9AA1-5AC1361C6CBD}"/>
               </a:ext>
             </a:extLst>
           </p:cNvPr>
@@ -14554,7 +14554,7 @@
           <p:cNvPr id="8" name="Text Placeholder 2">
             <a:extLst>
               <a:ext uri="{968F8A48-45C5-415F-8C85-DC8253948E17}">
-                <a16:creationId xmlns="" xmlns:c="http://schemas.openxmlformats.org/drawingml/2006/chart" xmlns:cs="http://schemas.microsoft.com/office/drawing/2012/chartStyle" xmlns:ns1="http://schemas.openxmlformats.org/officeDocument/2006/extended-properties" xmlns:vt="http://schemas.openxmlformats.org/officeDocument/2006/docPropsVTypes" xmlns:a16="http://schemas.microsoft.com/office/drawing/2010/main" id="{B98D03B8-4665-4562-AB5F-A4CCA0707165}"/>
+                <a16:creationId xmlns:a16="http://schemas.microsoft.com/office/drawing/2010/main" xmlns:vt="http://schemas.openxmlformats.org/officeDocument/2006/docPropsVTypes" xmlns:ns1="http://schemas.openxmlformats.org/officeDocument/2006/extended-properties" xmlns:cs="http://schemas.microsoft.com/office/drawing/2012/chartStyle" xmlns:c="http://schemas.openxmlformats.org/drawingml/2006/chart" xmlns="" id="{B98D03B8-4665-4562-AB5F-A4CCA0707165}"/>
               </a:ext>
             </a:extLst>
           </p:cNvPr>
@@ -14602,7 +14602,7 @@
           <p:cNvPr id="9" name="Text Placeholder 2">
             <a:extLst>
               <a:ext uri="{F533C5C0-397A-416F-A717-16DE9D3A76BD}">
-                <a16:creationId xmlns="" xmlns:c="http://schemas.openxmlformats.org/drawingml/2006/chart" xmlns:cs="http://schemas.microsoft.com/office/drawing/2012/chartStyle" xmlns:ns1="http://schemas.openxmlformats.org/officeDocument/2006/extended-properties" xmlns:vt="http://schemas.openxmlformats.org/officeDocument/2006/docPropsVTypes" xmlns:a16="http://schemas.microsoft.com/office/drawing/2010/main" id="{A6FAE759-33B7-4944-B011-B582510B7AB9}"/>
+                <a16:creationId xmlns:a16="http://schemas.microsoft.com/office/drawing/2010/main" xmlns:vt="http://schemas.openxmlformats.org/officeDocument/2006/docPropsVTypes" xmlns:ns1="http://schemas.openxmlformats.org/officeDocument/2006/extended-properties" xmlns:cs="http://schemas.microsoft.com/office/drawing/2012/chartStyle" xmlns:c="http://schemas.openxmlformats.org/drawingml/2006/chart" xmlns="" id="{A6FAE759-33B7-4944-B011-B582510B7AB9}"/>
               </a:ext>
             </a:extLst>
           </p:cNvPr>
@@ -14650,7 +14650,7 @@
           <p:cNvPr id="10" name="Text Placeholder 2">
             <a:extLst>
               <a:ext uri="{5A58CEF6-2156-4419-9882-2A4946658BCA}">
-                <a16:creationId xmlns="" xmlns:c="http://schemas.openxmlformats.org/drawingml/2006/chart" xmlns:cs="http://schemas.microsoft.com/office/drawing/2012/chartStyle" xmlns:ns1="http://schemas.openxmlformats.org/officeDocument/2006/extended-properties" xmlns:vt="http://schemas.openxmlformats.org/officeDocument/2006/docPropsVTypes" xmlns:a16="http://schemas.microsoft.com/office/drawing/2010/main" id="{D3F9B64A-4766-47D2-AB5F-546A1AAD0ED1}"/>
+                <a16:creationId xmlns:a16="http://schemas.microsoft.com/office/drawing/2010/main" xmlns:vt="http://schemas.openxmlformats.org/officeDocument/2006/docPropsVTypes" xmlns:ns1="http://schemas.openxmlformats.org/officeDocument/2006/extended-properties" xmlns:cs="http://schemas.microsoft.com/office/drawing/2012/chartStyle" xmlns:c="http://schemas.openxmlformats.org/drawingml/2006/chart" xmlns="" id="{D3F9B64A-4766-47D2-AB5F-546A1AAD0ED1}"/>
               </a:ext>
             </a:extLst>
           </p:cNvPr>
@@ -14706,7 +14706,7 @@
           <p:cNvPr id="11" name="Text Placeholder 2">
             <a:extLst>
               <a:ext uri="{A31E1A02-9D5E-40FB-90E8-CF8EBA2B68A8}">
-                <a16:creationId xmlns="" xmlns:c="http://schemas.openxmlformats.org/drawingml/2006/chart" xmlns:cs="http://schemas.microsoft.com/office/drawing/2012/chartStyle" xmlns:ns1="http://schemas.openxmlformats.org/officeDocument/2006/extended-properties" xmlns:vt="http://schemas.openxmlformats.org/officeDocument/2006/docPropsVTypes" xmlns:a16="http://schemas.microsoft.com/office/drawing/2010/main" id="{D0D621A1-DBED-4A7A-B90A-29957E2ED946}"/>
+                <a16:creationId xmlns:a16="http://schemas.microsoft.com/office/drawing/2010/main" xmlns:vt="http://schemas.openxmlformats.org/officeDocument/2006/docPropsVTypes" xmlns:ns1="http://schemas.openxmlformats.org/officeDocument/2006/extended-properties" xmlns:cs="http://schemas.microsoft.com/office/drawing/2012/chartStyle" xmlns:c="http://schemas.openxmlformats.org/drawingml/2006/chart" xmlns="" id="{D0D621A1-DBED-4A7A-B90A-29957E2ED946}"/>
               </a:ext>
             </a:extLst>
           </p:cNvPr>
@@ -14754,7 +14754,7 @@
           <p:cNvPr id="12" name="Rectangle 45">
             <a:extLst>
               <a:ext uri="{350DED45-7381-4018-B7D7-84E18FD1643D}">
-                <a16:creationId xmlns="" xmlns:c="http://schemas.openxmlformats.org/drawingml/2006/chart" xmlns:cs="http://schemas.microsoft.com/office/drawing/2012/chartStyle" xmlns:ns1="http://schemas.openxmlformats.org/officeDocument/2006/extended-properties" xmlns:vt="http://schemas.openxmlformats.org/officeDocument/2006/docPropsVTypes" xmlns:a16="http://schemas.microsoft.com/office/drawing/2010/main" id="{54617A87-3A20-45B3-9A17-FF0122FC89EC}"/>
+                <a16:creationId xmlns:a16="http://schemas.microsoft.com/office/drawing/2010/main" xmlns:vt="http://schemas.openxmlformats.org/officeDocument/2006/docPropsVTypes" xmlns:ns1="http://schemas.openxmlformats.org/officeDocument/2006/extended-properties" xmlns:cs="http://schemas.microsoft.com/office/drawing/2012/chartStyle" xmlns:c="http://schemas.openxmlformats.org/drawingml/2006/chart" xmlns="" id="{54617A87-3A20-45B3-9A17-FF0122FC89EC}"/>
               </a:ext>
             </a:extLst>
           </p:cNvPr>
@@ -14808,7 +14808,7 @@
           <p:cNvPr id="13" name="Rectangle 46">
             <a:extLst>
               <a:ext uri="{6526DBDC-0E8B-452B-8A51-CD4CB32353FE}">
-                <a16:creationId xmlns="" xmlns:c="http://schemas.openxmlformats.org/drawingml/2006/chart" xmlns:cs="http://schemas.microsoft.com/office/drawing/2012/chartStyle" xmlns:ns1="http://schemas.openxmlformats.org/officeDocument/2006/extended-properties" xmlns:vt="http://schemas.openxmlformats.org/officeDocument/2006/docPropsVTypes" xmlns:a16="http://schemas.microsoft.com/office/drawing/2010/main" id="{3BA7F240-BC00-42FB-95A4-D8AB16C3C49E}"/>
+                <a16:creationId xmlns:a16="http://schemas.microsoft.com/office/drawing/2010/main" xmlns:vt="http://schemas.openxmlformats.org/officeDocument/2006/docPropsVTypes" xmlns:ns1="http://schemas.openxmlformats.org/officeDocument/2006/extended-properties" xmlns:cs="http://schemas.microsoft.com/office/drawing/2012/chartStyle" xmlns:c="http://schemas.openxmlformats.org/drawingml/2006/chart" xmlns="" id="{3BA7F240-BC00-42FB-95A4-D8AB16C3C49E}"/>
               </a:ext>
             </a:extLst>
           </p:cNvPr>
@@ -14862,7 +14862,7 @@
           <p:cNvPr id="14" name="Rectangle 47">
             <a:extLst>
               <a:ext uri="{A3BC552A-0EC2-4504-963A-73257BF93D3A}">
-                <a16:creationId xmlns="" xmlns:c="http://schemas.openxmlformats.org/drawingml/2006/chart" xmlns:cs="http://schemas.microsoft.com/office/drawing/2012/chartStyle" xmlns:ns1="http://schemas.openxmlformats.org/officeDocument/2006/extended-properties" xmlns:vt="http://schemas.openxmlformats.org/officeDocument/2006/docPropsVTypes" xmlns:a16="http://schemas.microsoft.com/office/drawing/2010/main" id="{C8DF24BC-B35D-4023-BCC2-5C6080DF4F49}"/>
+                <a16:creationId xmlns:a16="http://schemas.microsoft.com/office/drawing/2010/main" xmlns:vt="http://schemas.openxmlformats.org/officeDocument/2006/docPropsVTypes" xmlns:ns1="http://schemas.openxmlformats.org/officeDocument/2006/extended-properties" xmlns:cs="http://schemas.microsoft.com/office/drawing/2012/chartStyle" xmlns:c="http://schemas.openxmlformats.org/drawingml/2006/chart" xmlns="" id="{C8DF24BC-B35D-4023-BCC2-5C6080DF4F49}"/>
               </a:ext>
             </a:extLst>
           </p:cNvPr>
@@ -14916,7 +14916,7 @@
           <p:cNvPr id="15" name="Rectangle 48">
             <a:extLst>
               <a:ext uri="{FD4A8B5C-A5F2-4318-BDEA-2129DCC1B98B}">
-                <a16:creationId xmlns="" xmlns:c="http://schemas.openxmlformats.org/drawingml/2006/chart" xmlns:cs="http://schemas.microsoft.com/office/drawing/2012/chartStyle" xmlns:ns1="http://schemas.openxmlformats.org/officeDocument/2006/extended-properties" xmlns:vt="http://schemas.openxmlformats.org/officeDocument/2006/docPropsVTypes" xmlns:a16="http://schemas.microsoft.com/office/drawing/2010/main" id="{62B431F2-558E-41CB-8C54-E7BD322DC88A}"/>
+                <a16:creationId xmlns:a16="http://schemas.microsoft.com/office/drawing/2010/main" xmlns:vt="http://schemas.openxmlformats.org/officeDocument/2006/docPropsVTypes" xmlns:ns1="http://schemas.openxmlformats.org/officeDocument/2006/extended-properties" xmlns:cs="http://schemas.microsoft.com/office/drawing/2012/chartStyle" xmlns:c="http://schemas.openxmlformats.org/drawingml/2006/chart" xmlns="" id="{62B431F2-558E-41CB-8C54-E7BD322DC88A}"/>
               </a:ext>
             </a:extLst>
           </p:cNvPr>
@@ -14970,7 +14970,7 @@
           <p:cNvPr id="16" name="Marcador de contenido 15">
             <a:extLst>
               <a:ext uri="{02266E3C-F006-45AE-A1E6-86621ED2FDFA}">
-                <a16:creationId xmlns="" xmlns:c="http://schemas.openxmlformats.org/drawingml/2006/chart" xmlns:cs="http://schemas.microsoft.com/office/drawing/2012/chartStyle" xmlns:ns1="http://schemas.openxmlformats.org/officeDocument/2006/extended-properties" xmlns:vt="http://schemas.openxmlformats.org/officeDocument/2006/docPropsVTypes" xmlns:a16="http://schemas.microsoft.com/office/drawing/2010/main" id="{59CC9D52-AB76-428F-B078-15F3B81EBEF4}"/>
+                <a16:creationId xmlns:a16="http://schemas.microsoft.com/office/drawing/2010/main" xmlns:vt="http://schemas.openxmlformats.org/officeDocument/2006/docPropsVTypes" xmlns:ns1="http://schemas.openxmlformats.org/officeDocument/2006/extended-properties" xmlns:cs="http://schemas.microsoft.com/office/drawing/2012/chartStyle" xmlns:c="http://schemas.openxmlformats.org/drawingml/2006/chart" xmlns="" id="{59CC9D52-AB76-428F-B078-15F3B81EBEF4}"/>
               </a:ext>
             </a:extLst>
           </p:cNvPr>
@@ -15093,7 +15093,7 @@
           <p:cNvPr id="17" name="Marcador de posición de imagen 16">
             <a:extLst>
               <a:ext uri="{181B1793-EC6D-4E10-B39D-451F0513CA4C}">
-                <a16:creationId xmlns="" xmlns:c="http://schemas.openxmlformats.org/drawingml/2006/chart" xmlns:cs="http://schemas.microsoft.com/office/drawing/2012/chartStyle" xmlns:ns1="http://schemas.openxmlformats.org/officeDocument/2006/extended-properties" xmlns:vt="http://schemas.openxmlformats.org/officeDocument/2006/docPropsVTypes" xmlns:a16="http://schemas.microsoft.com/office/drawing/2010/main" id="{302A998A-6617-48A1-ADAE-6ED491F2EC8C}"/>
+                <a16:creationId xmlns:a16="http://schemas.microsoft.com/office/drawing/2010/main" xmlns:vt="http://schemas.openxmlformats.org/officeDocument/2006/docPropsVTypes" xmlns:ns1="http://schemas.openxmlformats.org/officeDocument/2006/extended-properties" xmlns:cs="http://schemas.microsoft.com/office/drawing/2012/chartStyle" xmlns:c="http://schemas.openxmlformats.org/drawingml/2006/chart" xmlns="" id="{302A998A-6617-48A1-ADAE-6ED491F2EC8C}"/>
               </a:ext>
             </a:extLst>
           </p:cNvPr>
@@ -15132,7 +15132,7 @@
           <p:cNvPr id="18" name="Date Placeholder 1">
             <a:extLst>
               <a:ext uri="{36CFD6E7-76BA-4A00-BFAD-7742B145E7DB}">
-                <a16:creationId xmlns="" xmlns:c="http://schemas.openxmlformats.org/drawingml/2006/chart" xmlns:cs="http://schemas.microsoft.com/office/drawing/2012/chartStyle" xmlns:ns1="http://schemas.openxmlformats.org/officeDocument/2006/extended-properties" xmlns:vt="http://schemas.openxmlformats.org/officeDocument/2006/docPropsVTypes" xmlns:a16="http://schemas.microsoft.com/office/drawing/2010/main" id="{BEDB3020-066D-45E6-BD52-9B5F4478463A}"/>
+                <a16:creationId xmlns:a16="http://schemas.microsoft.com/office/drawing/2010/main" xmlns:vt="http://schemas.openxmlformats.org/officeDocument/2006/docPropsVTypes" xmlns:ns1="http://schemas.openxmlformats.org/officeDocument/2006/extended-properties" xmlns:cs="http://schemas.microsoft.com/office/drawing/2012/chartStyle" xmlns:c="http://schemas.openxmlformats.org/drawingml/2006/chart" xmlns="" id="{BEDB3020-066D-45E6-BD52-9B5F4478463A}"/>
               </a:ext>
             </a:extLst>
           </p:cNvPr>
@@ -15179,7 +15179,7 @@
           <p:cNvPr id="19" name="Footer Placeholder 1">
             <a:extLst>
               <a:ext uri="{B452EC7A-585E-4AE7-8BA5-72F9C8B66C49}">
-                <a16:creationId xmlns="" xmlns:c="http://schemas.openxmlformats.org/drawingml/2006/chart" xmlns:cs="http://schemas.microsoft.com/office/drawing/2012/chartStyle" xmlns:ns1="http://schemas.openxmlformats.org/officeDocument/2006/extended-properties" xmlns:vt="http://schemas.openxmlformats.org/officeDocument/2006/docPropsVTypes" xmlns:a16="http://schemas.microsoft.com/office/drawing/2010/main" id="{6935B5EC-41D9-4F62-A762-30936421BD1A}"/>
+                <a16:creationId xmlns:a16="http://schemas.microsoft.com/office/drawing/2010/main" xmlns:vt="http://schemas.openxmlformats.org/officeDocument/2006/docPropsVTypes" xmlns:ns1="http://schemas.openxmlformats.org/officeDocument/2006/extended-properties" xmlns:cs="http://schemas.microsoft.com/office/drawing/2012/chartStyle" xmlns:c="http://schemas.openxmlformats.org/drawingml/2006/chart" xmlns="" id="{6935B5EC-41D9-4F62-A762-30936421BD1A}"/>
               </a:ext>
             </a:extLst>
           </p:cNvPr>
@@ -15227,7 +15227,7 @@
     </p:custDataLst>
     <p:extLst>
       <p:ext uri="{BCA4CAD2-5E9B-45EA-B0AA-B325AC179ECF}">
-        <p14:creationId xmlns="" xmlns:c="http://schemas.openxmlformats.org/drawingml/2006/chart" xmlns:cs="http://schemas.microsoft.com/office/drawing/2012/chartStyle" xmlns:ns1="http://schemas.openxmlformats.org/officeDocument/2006/extended-properties" xmlns:vt="http://schemas.openxmlformats.org/officeDocument/2006/docPropsVTypes" xmlns:p14="http://schemas.microsoft.com/office/powerpoint/2010/main" val="1724933507237"/>
+        <p14:creationId xmlns:p14="http://schemas.microsoft.com/office/powerpoint/2010/main" xmlns:vt="http://schemas.openxmlformats.org/officeDocument/2006/docPropsVTypes" xmlns:ns1="http://schemas.openxmlformats.org/officeDocument/2006/extended-properties" xmlns:cs="http://schemas.microsoft.com/office/drawing/2012/chartStyle" xmlns:c="http://schemas.openxmlformats.org/drawingml/2006/chart" xmlns="" val="1724933507237"/>
       </p:ext>
     </p:extLst>
   </p:cSld>
@@ -15259,7 +15259,7 @@
           <p:cNvPr id="2" name="Slide Number Placeholder 4">
             <a:extLst>
               <a:ext uri="{6E37C44B-2AB8-4BC2-9EB7-9E62EE9C2A71}">
-                <a16:creationId xmlns="" xmlns:c="http://schemas.openxmlformats.org/drawingml/2006/chart" xmlns:cs="http://schemas.microsoft.com/office/drawing/2012/chartStyle" xmlns:ns1="http://schemas.openxmlformats.org/officeDocument/2006/extended-properties" xmlns:vt="http://schemas.openxmlformats.org/officeDocument/2006/docPropsVTypes" xmlns:a16="http://schemas.microsoft.com/office/drawing/2010/main" id="{AC16072C-A75F-4941-93D3-1AE2CE76678C}"/>
+                <a16:creationId xmlns:a16="http://schemas.microsoft.com/office/drawing/2010/main" xmlns:vt="http://schemas.openxmlformats.org/officeDocument/2006/docPropsVTypes" xmlns:ns1="http://schemas.openxmlformats.org/officeDocument/2006/extended-properties" xmlns:cs="http://schemas.microsoft.com/office/drawing/2012/chartStyle" xmlns:c="http://schemas.openxmlformats.org/drawingml/2006/chart" xmlns="" id="{AC16072C-A75F-4941-93D3-1AE2CE76678C}"/>
               </a:ext>
             </a:extLst>
           </p:cNvPr>
@@ -15287,7 +15287,7 @@
           <p:cNvPr id="3" name="Footer Placeholder 3">
             <a:extLst>
               <a:ext uri="{ECFC257C-00FD-4580-B86B-57C800E4A045}">
-                <a16:creationId xmlns="" xmlns:c="http://schemas.openxmlformats.org/drawingml/2006/chart" xmlns:cs="http://schemas.microsoft.com/office/drawing/2012/chartStyle" xmlns:ns1="http://schemas.openxmlformats.org/officeDocument/2006/extended-properties" xmlns:vt="http://schemas.openxmlformats.org/officeDocument/2006/docPropsVTypes" xmlns:a16="http://schemas.microsoft.com/office/drawing/2010/main" id="{1B015A98-C463-4F52-8400-871DEC0831EC}"/>
+                <a16:creationId xmlns:a16="http://schemas.microsoft.com/office/drawing/2010/main" xmlns:vt="http://schemas.openxmlformats.org/officeDocument/2006/docPropsVTypes" xmlns:ns1="http://schemas.openxmlformats.org/officeDocument/2006/extended-properties" xmlns:cs="http://schemas.microsoft.com/office/drawing/2012/chartStyle" xmlns:c="http://schemas.openxmlformats.org/drawingml/2006/chart" xmlns="" id="{1B015A98-C463-4F52-8400-871DEC0831EC}"/>
               </a:ext>
             </a:extLst>
           </p:cNvPr>
@@ -15315,7 +15315,7 @@
           <p:cNvPr id="4" name="Date Placeholder 1">
             <a:extLst>
               <a:ext uri="{279F68A2-18AF-43C7-86C8-A416BEE49DA0}">
-                <a16:creationId xmlns="" xmlns:c="http://schemas.openxmlformats.org/drawingml/2006/chart" xmlns:cs="http://schemas.microsoft.com/office/drawing/2012/chartStyle" xmlns:ns1="http://schemas.openxmlformats.org/officeDocument/2006/extended-properties" xmlns:vt="http://schemas.openxmlformats.org/officeDocument/2006/docPropsVTypes" xmlns:a16="http://schemas.microsoft.com/office/drawing/2010/main" id="{30AEA296-8A8F-43EB-9FE8-611E3D7A7035}"/>
+                <a16:creationId xmlns:a16="http://schemas.microsoft.com/office/drawing/2010/main" xmlns:vt="http://schemas.openxmlformats.org/officeDocument/2006/docPropsVTypes" xmlns:ns1="http://schemas.openxmlformats.org/officeDocument/2006/extended-properties" xmlns:cs="http://schemas.microsoft.com/office/drawing/2012/chartStyle" xmlns:c="http://schemas.openxmlformats.org/drawingml/2006/chart" xmlns="" id="{30AEA296-8A8F-43EB-9FE8-611E3D7A7035}"/>
               </a:ext>
             </a:extLst>
           </p:cNvPr>
@@ -15343,7 +15343,7 @@
           <p:cNvPr id="5" name="Title 7">
             <a:extLst>
               <a:ext uri="{548C64CE-2251-4085-8435-FC17AE65F9AB}">
-                <a16:creationId xmlns="" xmlns:c="http://schemas.openxmlformats.org/drawingml/2006/chart" xmlns:cs="http://schemas.microsoft.com/office/drawing/2012/chartStyle" xmlns:ns1="http://schemas.openxmlformats.org/officeDocument/2006/extended-properties" xmlns:vt="http://schemas.openxmlformats.org/officeDocument/2006/docPropsVTypes" xmlns:a16="http://schemas.microsoft.com/office/drawing/2010/main" id="{065D4BC1-AABB-4945-AB85-BACC4D194F3E}"/>
+                <a16:creationId xmlns:a16="http://schemas.microsoft.com/office/drawing/2010/main" xmlns:vt="http://schemas.openxmlformats.org/officeDocument/2006/docPropsVTypes" xmlns:ns1="http://schemas.openxmlformats.org/officeDocument/2006/extended-properties" xmlns:cs="http://schemas.microsoft.com/office/drawing/2012/chartStyle" xmlns:c="http://schemas.openxmlformats.org/drawingml/2006/chart" xmlns="" id="{065D4BC1-AABB-4945-AB85-BACC4D194F3E}"/>
               </a:ext>
             </a:extLst>
           </p:cNvPr>
@@ -15389,7 +15389,7 @@
           <p:cNvPr id="6" name="Content Placeholder 2">
             <a:extLst>
               <a:ext uri="{4DCA7119-BC1C-4449-BF60-35F18A872EF7}">
-                <a16:creationId xmlns="" xmlns:c="http://schemas.openxmlformats.org/drawingml/2006/chart" xmlns:cs="http://schemas.microsoft.com/office/drawing/2012/chartStyle" xmlns:ns1="http://schemas.openxmlformats.org/officeDocument/2006/extended-properties" xmlns:vt="http://schemas.openxmlformats.org/officeDocument/2006/docPropsVTypes" xmlns:a16="http://schemas.microsoft.com/office/drawing/2010/main" id="{99C81A1B-D941-42DF-B27D-ADCE94B04621}"/>
+                <a16:creationId xmlns:a16="http://schemas.microsoft.com/office/drawing/2010/main" xmlns:vt="http://schemas.openxmlformats.org/officeDocument/2006/docPropsVTypes" xmlns:ns1="http://schemas.openxmlformats.org/officeDocument/2006/extended-properties" xmlns:cs="http://schemas.microsoft.com/office/drawing/2012/chartStyle" xmlns:c="http://schemas.openxmlformats.org/drawingml/2006/chart" xmlns="" id="{99C81A1B-D941-42DF-B27D-ADCE94B04621}"/>
               </a:ext>
             </a:extLst>
           </p:cNvPr>
@@ -15514,7 +15514,7 @@
           <p:cNvPr id="7" name="Marcador de contenido 6">
             <a:extLst>
               <a:ext uri="{C92F4A51-68F4-4E31-A9AF-D03D222848E0}">
-                <a16:creationId xmlns="" xmlns:c="http://schemas.openxmlformats.org/drawingml/2006/chart" xmlns:cs="http://schemas.microsoft.com/office/drawing/2012/chartStyle" xmlns:ns1="http://schemas.openxmlformats.org/officeDocument/2006/extended-properties" xmlns:vt="http://schemas.openxmlformats.org/officeDocument/2006/docPropsVTypes" xmlns:a16="http://schemas.microsoft.com/office/drawing/2010/main" id="{C5089070-48CC-45B4-BD6A-A5D42CE39E1B}"/>
+                <a16:creationId xmlns:a16="http://schemas.microsoft.com/office/drawing/2010/main" xmlns:vt="http://schemas.openxmlformats.org/officeDocument/2006/docPropsVTypes" xmlns:ns1="http://schemas.openxmlformats.org/officeDocument/2006/extended-properties" xmlns:cs="http://schemas.microsoft.com/office/drawing/2012/chartStyle" xmlns:c="http://schemas.openxmlformats.org/drawingml/2006/chart" xmlns="" id="{C5089070-48CC-45B4-BD6A-A5D42CE39E1B}"/>
               </a:ext>
             </a:extLst>
           </p:cNvPr>
@@ -15622,7 +15622,7 @@
           <p:cNvPr id="8" name="Marcador de posición de imagen 7">
             <a:extLst>
               <a:ext uri="{1BD2C58B-C25E-4146-9FD0-8D7D9CEDDAC8}">
-                <a16:creationId xmlns="" xmlns:c="http://schemas.openxmlformats.org/drawingml/2006/chart" xmlns:cs="http://schemas.microsoft.com/office/drawing/2012/chartStyle" xmlns:ns1="http://schemas.openxmlformats.org/officeDocument/2006/extended-properties" xmlns:vt="http://schemas.openxmlformats.org/officeDocument/2006/docPropsVTypes" xmlns:a16="http://schemas.microsoft.com/office/drawing/2010/main" id="{02EDF44E-5BC6-4BA4-A783-26353C733B2D}"/>
+                <a16:creationId xmlns:a16="http://schemas.microsoft.com/office/drawing/2010/main" xmlns:vt="http://schemas.openxmlformats.org/officeDocument/2006/docPropsVTypes" xmlns:ns1="http://schemas.openxmlformats.org/officeDocument/2006/extended-properties" xmlns:cs="http://schemas.microsoft.com/office/drawing/2012/chartStyle" xmlns:c="http://schemas.openxmlformats.org/drawingml/2006/chart" xmlns="" id="{02EDF44E-5BC6-4BA4-A783-26353C733B2D}"/>
               </a:ext>
             </a:extLst>
           </p:cNvPr>
@@ -15662,7 +15662,7 @@
     </p:custDataLst>
     <p:extLst>
       <p:ext uri="{5F01EA95-37AD-44F9-B064-CFD38BC9AD99}">
-        <p14:creationId xmlns="" xmlns:c="http://schemas.openxmlformats.org/drawingml/2006/chart" xmlns:cs="http://schemas.microsoft.com/office/drawing/2012/chartStyle" xmlns:ns1="http://schemas.openxmlformats.org/officeDocument/2006/extended-properties" xmlns:vt="http://schemas.openxmlformats.org/officeDocument/2006/docPropsVTypes" xmlns:p14="http://schemas.microsoft.com/office/powerpoint/2010/main" val="1724933507239"/>
+        <p14:creationId xmlns:p14="http://schemas.microsoft.com/office/powerpoint/2010/main" xmlns:vt="http://schemas.openxmlformats.org/officeDocument/2006/docPropsVTypes" xmlns:ns1="http://schemas.openxmlformats.org/officeDocument/2006/extended-properties" xmlns:cs="http://schemas.microsoft.com/office/drawing/2012/chartStyle" xmlns:c="http://schemas.openxmlformats.org/drawingml/2006/chart" xmlns="" val="1724933507239"/>
       </p:ext>
     </p:extLst>
   </p:cSld>
@@ -15694,7 +15694,7 @@
           <p:cNvPr id="2" name="Slide Number Placeholder 5">
             <a:extLst>
               <a:ext uri="{CE21390E-E1AB-4561-B2A0-D3E6E5FB8061}">
-                <a16:creationId xmlns="" xmlns:c="http://schemas.openxmlformats.org/drawingml/2006/chart" xmlns:cs="http://schemas.microsoft.com/office/drawing/2012/chartStyle" xmlns:ns1="http://schemas.openxmlformats.org/officeDocument/2006/extended-properties" xmlns:vt="http://schemas.openxmlformats.org/officeDocument/2006/docPropsVTypes" xmlns:a16="http://schemas.microsoft.com/office/drawing/2010/main" id="{35CA912D-4D16-4406-BAB0-360C3459B342}"/>
+                <a16:creationId xmlns:a16="http://schemas.microsoft.com/office/drawing/2010/main" xmlns:vt="http://schemas.openxmlformats.org/officeDocument/2006/docPropsVTypes" xmlns:ns1="http://schemas.openxmlformats.org/officeDocument/2006/extended-properties" xmlns:cs="http://schemas.microsoft.com/office/drawing/2012/chartStyle" xmlns:c="http://schemas.openxmlformats.org/drawingml/2006/chart" xmlns="" id="{35CA912D-4D16-4406-BAB0-360C3459B342}"/>
               </a:ext>
             </a:extLst>
           </p:cNvPr>
@@ -15722,7 +15722,7 @@
           <p:cNvPr id="3" name="Title 6">
             <a:extLst>
               <a:ext uri="{36F3BEA1-889E-4A6C-BE7C-A4C5C19368EF}">
-                <a16:creationId xmlns="" xmlns:c="http://schemas.openxmlformats.org/drawingml/2006/chart" xmlns:cs="http://schemas.microsoft.com/office/drawing/2012/chartStyle" xmlns:ns1="http://schemas.openxmlformats.org/officeDocument/2006/extended-properties" xmlns:vt="http://schemas.openxmlformats.org/officeDocument/2006/docPropsVTypes" xmlns:a16="http://schemas.microsoft.com/office/drawing/2010/main" id="{6F6DE466-4523-48DC-A0F7-FE34444BB4A9}"/>
+                <a16:creationId xmlns:a16="http://schemas.microsoft.com/office/drawing/2010/main" xmlns:vt="http://schemas.openxmlformats.org/officeDocument/2006/docPropsVTypes" xmlns:ns1="http://schemas.openxmlformats.org/officeDocument/2006/extended-properties" xmlns:cs="http://schemas.microsoft.com/office/drawing/2012/chartStyle" xmlns:c="http://schemas.openxmlformats.org/drawingml/2006/chart" xmlns="" id="{6F6DE466-4523-48DC-A0F7-FE34444BB4A9}"/>
               </a:ext>
             </a:extLst>
           </p:cNvPr>
@@ -15764,7 +15764,7 @@
           <p:cNvPr id="4" name="Text Placeholder 2">
             <a:extLst>
               <a:ext uri="{0C6389F4-D548-4012-9A73-5C8AB464E25C}">
-                <a16:creationId xmlns="" xmlns:c="http://schemas.openxmlformats.org/drawingml/2006/chart" xmlns:cs="http://schemas.microsoft.com/office/drawing/2012/chartStyle" xmlns:ns1="http://schemas.openxmlformats.org/officeDocument/2006/extended-properties" xmlns:vt="http://schemas.openxmlformats.org/officeDocument/2006/docPropsVTypes" xmlns:a16="http://schemas.microsoft.com/office/drawing/2010/main" id="{4EF77B9B-DBFF-404F-8CAE-5B07332F0BEE}"/>
+                <a16:creationId xmlns:a16="http://schemas.microsoft.com/office/drawing/2010/main" xmlns:vt="http://schemas.openxmlformats.org/officeDocument/2006/docPropsVTypes" xmlns:ns1="http://schemas.openxmlformats.org/officeDocument/2006/extended-properties" xmlns:cs="http://schemas.microsoft.com/office/drawing/2012/chartStyle" xmlns:c="http://schemas.openxmlformats.org/drawingml/2006/chart" xmlns="" id="{4EF77B9B-DBFF-404F-8CAE-5B07332F0BEE}"/>
               </a:ext>
             </a:extLst>
           </p:cNvPr>
@@ -15812,7 +15812,7 @@
           <p:cNvPr id="5" name="Text Placeholder 2">
             <a:extLst>
               <a:ext uri="{AF74A633-6CE5-48DC-A481-F80E0081F001}">
-                <a16:creationId xmlns="" xmlns:c="http://schemas.openxmlformats.org/drawingml/2006/chart" xmlns:cs="http://schemas.microsoft.com/office/drawing/2012/chartStyle" xmlns:ns1="http://schemas.openxmlformats.org/officeDocument/2006/extended-properties" xmlns:vt="http://schemas.openxmlformats.org/officeDocument/2006/docPropsVTypes" xmlns:a16="http://schemas.microsoft.com/office/drawing/2010/main" id="{754DFBDA-3098-4F4B-9DF8-1E571448E990}"/>
+                <a16:creationId xmlns:a16="http://schemas.microsoft.com/office/drawing/2010/main" xmlns:vt="http://schemas.openxmlformats.org/officeDocument/2006/docPropsVTypes" xmlns:ns1="http://schemas.openxmlformats.org/officeDocument/2006/extended-properties" xmlns:cs="http://schemas.microsoft.com/office/drawing/2012/chartStyle" xmlns:c="http://schemas.openxmlformats.org/drawingml/2006/chart" xmlns="" id="{754DFBDA-3098-4F4B-9DF8-1E571448E990}"/>
               </a:ext>
             </a:extLst>
           </p:cNvPr>
@@ -15860,7 +15860,7 @@
           <p:cNvPr id="6" name="Text Placeholder 2">
             <a:extLst>
               <a:ext uri="{4BD7A9AA-4819-49DB-8D9F-4E8F013FFA06}">
-                <a16:creationId xmlns="" xmlns:c="http://schemas.openxmlformats.org/drawingml/2006/chart" xmlns:cs="http://schemas.microsoft.com/office/drawing/2012/chartStyle" xmlns:ns1="http://schemas.openxmlformats.org/officeDocument/2006/extended-properties" xmlns:vt="http://schemas.openxmlformats.org/officeDocument/2006/docPropsVTypes" xmlns:a16="http://schemas.microsoft.com/office/drawing/2010/main" id="{F1D5FF98-30A2-4B45-A1F0-8CD7FF7E1F21}"/>
+                <a16:creationId xmlns:a16="http://schemas.microsoft.com/office/drawing/2010/main" xmlns:vt="http://schemas.openxmlformats.org/officeDocument/2006/docPropsVTypes" xmlns:ns1="http://schemas.openxmlformats.org/officeDocument/2006/extended-properties" xmlns:cs="http://schemas.microsoft.com/office/drawing/2012/chartStyle" xmlns:c="http://schemas.openxmlformats.org/drawingml/2006/chart" xmlns="" id="{F1D5FF98-30A2-4B45-A1F0-8CD7FF7E1F21}"/>
               </a:ext>
             </a:extLst>
           </p:cNvPr>
@@ -15908,7 +15908,7 @@
           <p:cNvPr id="7" name="Text Placeholder 2">
             <a:extLst>
               <a:ext uri="{049A4D01-6707-425A-AB20-C2A7B2F823A5}">
-                <a16:creationId xmlns="" xmlns:c="http://schemas.openxmlformats.org/drawingml/2006/chart" xmlns:cs="http://schemas.microsoft.com/office/drawing/2012/chartStyle" xmlns:ns1="http://schemas.openxmlformats.org/officeDocument/2006/extended-properties" xmlns:vt="http://schemas.openxmlformats.org/officeDocument/2006/docPropsVTypes" xmlns:a16="http://schemas.microsoft.com/office/drawing/2010/main" id="{DCF93514-2101-44BC-8A3F-7F51474A7066}"/>
+                <a16:creationId xmlns:a16="http://schemas.microsoft.com/office/drawing/2010/main" xmlns:vt="http://schemas.openxmlformats.org/officeDocument/2006/docPropsVTypes" xmlns:ns1="http://schemas.openxmlformats.org/officeDocument/2006/extended-properties" xmlns:cs="http://schemas.microsoft.com/office/drawing/2012/chartStyle" xmlns:c="http://schemas.openxmlformats.org/drawingml/2006/chart" xmlns="" id="{DCF93514-2101-44BC-8A3F-7F51474A7066}"/>
               </a:ext>
             </a:extLst>
           </p:cNvPr>
@@ -15956,7 +15956,7 @@
           <p:cNvPr id="8" name="Text Placeholder 2">
             <a:extLst>
               <a:ext uri="{9F47CF8C-E2D8-4A21-8D5D-6FE95B5F90D2}">
-                <a16:creationId xmlns="" xmlns:c="http://schemas.openxmlformats.org/drawingml/2006/chart" xmlns:cs="http://schemas.microsoft.com/office/drawing/2012/chartStyle" xmlns:ns1="http://schemas.openxmlformats.org/officeDocument/2006/extended-properties" xmlns:vt="http://schemas.openxmlformats.org/officeDocument/2006/docPropsVTypes" xmlns:a16="http://schemas.microsoft.com/office/drawing/2010/main" id="{8F37C302-78A4-47FB-8E3C-F640846276C1}"/>
+                <a16:creationId xmlns:a16="http://schemas.microsoft.com/office/drawing/2010/main" xmlns:vt="http://schemas.openxmlformats.org/officeDocument/2006/docPropsVTypes" xmlns:ns1="http://schemas.openxmlformats.org/officeDocument/2006/extended-properties" xmlns:cs="http://schemas.microsoft.com/office/drawing/2012/chartStyle" xmlns:c="http://schemas.openxmlformats.org/drawingml/2006/chart" xmlns="" id="{8F37C302-78A4-47FB-8E3C-F640846276C1}"/>
               </a:ext>
             </a:extLst>
           </p:cNvPr>
@@ -16004,7 +16004,7 @@
           <p:cNvPr id="9" name="Text Placeholder 2">
             <a:extLst>
               <a:ext uri="{5F39F54C-00CB-4C60-B4DA-A8377C3CB319}">
-                <a16:creationId xmlns="" xmlns:c="http://schemas.openxmlformats.org/drawingml/2006/chart" xmlns:cs="http://schemas.microsoft.com/office/drawing/2012/chartStyle" xmlns:ns1="http://schemas.openxmlformats.org/officeDocument/2006/extended-properties" xmlns:vt="http://schemas.openxmlformats.org/officeDocument/2006/docPropsVTypes" xmlns:a16="http://schemas.microsoft.com/office/drawing/2010/main" id="{E677B201-46FF-4EDD-9186-FDB538494C48}"/>
+                <a16:creationId xmlns:a16="http://schemas.microsoft.com/office/drawing/2010/main" xmlns:vt="http://schemas.openxmlformats.org/officeDocument/2006/docPropsVTypes" xmlns:ns1="http://schemas.openxmlformats.org/officeDocument/2006/extended-properties" xmlns:cs="http://schemas.microsoft.com/office/drawing/2012/chartStyle" xmlns:c="http://schemas.openxmlformats.org/drawingml/2006/chart" xmlns="" id="{E677B201-46FF-4EDD-9186-FDB538494C48}"/>
               </a:ext>
             </a:extLst>
           </p:cNvPr>
@@ -16051,7 +16051,7 @@
           <p:cNvPr id="10" name="Text Placeholder 2">
             <a:extLst>
               <a:ext uri="{1E31DE31-5A4C-482A-9CAC-987491323B0E}">
-                <a16:creationId xmlns="" xmlns:c="http://schemas.openxmlformats.org/drawingml/2006/chart" xmlns:cs="http://schemas.microsoft.com/office/drawing/2012/chartStyle" xmlns:ns1="http://schemas.openxmlformats.org/officeDocument/2006/extended-properties" xmlns:vt="http://schemas.openxmlformats.org/officeDocument/2006/docPropsVTypes" xmlns:a16="http://schemas.microsoft.com/office/drawing/2010/main" id="{9BF84E82-829B-4AED-86D2-9C7C0D83002C}"/>
+                <a16:creationId xmlns:a16="http://schemas.microsoft.com/office/drawing/2010/main" xmlns:vt="http://schemas.openxmlformats.org/officeDocument/2006/docPropsVTypes" xmlns:ns1="http://schemas.openxmlformats.org/officeDocument/2006/extended-properties" xmlns:cs="http://schemas.microsoft.com/office/drawing/2012/chartStyle" xmlns:c="http://schemas.openxmlformats.org/drawingml/2006/chart" xmlns="" id="{9BF84E82-829B-4AED-86D2-9C7C0D83002C}"/>
               </a:ext>
             </a:extLst>
           </p:cNvPr>
@@ -16099,7 +16099,7 @@
           <p:cNvPr id="11" name="Text Placeholder 2">
             <a:extLst>
               <a:ext uri="{E6B2F9EE-4FF4-48D3-B053-D4244D8F5D04}">
-                <a16:creationId xmlns="" xmlns:c="http://schemas.openxmlformats.org/drawingml/2006/chart" xmlns:cs="http://schemas.microsoft.com/office/drawing/2012/chartStyle" xmlns:ns1="http://schemas.openxmlformats.org/officeDocument/2006/extended-properties" xmlns:vt="http://schemas.openxmlformats.org/officeDocument/2006/docPropsVTypes" xmlns:a16="http://schemas.microsoft.com/office/drawing/2010/main" id="{3AC37392-F920-48DE-B2D0-0FABC0309C16}"/>
+                <a16:creationId xmlns:a16="http://schemas.microsoft.com/office/drawing/2010/main" xmlns:vt="http://schemas.openxmlformats.org/officeDocument/2006/docPropsVTypes" xmlns:ns1="http://schemas.openxmlformats.org/officeDocument/2006/extended-properties" xmlns:cs="http://schemas.microsoft.com/office/drawing/2012/chartStyle" xmlns:c="http://schemas.openxmlformats.org/drawingml/2006/chart" xmlns="" id="{3AC37392-F920-48DE-B2D0-0FABC0309C16}"/>
               </a:ext>
             </a:extLst>
           </p:cNvPr>
@@ -16147,7 +16147,7 @@
           <p:cNvPr id="12" name="Straight Connector 33">
             <a:extLst>
               <a:ext uri="{8258D554-70E9-4F05-8DEE-9BCFDD181C62}">
-                <a16:creationId xmlns="" xmlns:c="http://schemas.openxmlformats.org/drawingml/2006/chart" xmlns:cs="http://schemas.microsoft.com/office/drawing/2012/chartStyle" xmlns:ns1="http://schemas.openxmlformats.org/officeDocument/2006/extended-properties" xmlns:vt="http://schemas.openxmlformats.org/officeDocument/2006/docPropsVTypes" xmlns:a16="http://schemas.microsoft.com/office/drawing/2010/main" id="{F7AACD17-EF93-428A-B3EA-D1D36A1AFE2F}"/>
+                <a16:creationId xmlns:a16="http://schemas.microsoft.com/office/drawing/2010/main" xmlns:vt="http://schemas.openxmlformats.org/officeDocument/2006/docPropsVTypes" xmlns:ns1="http://schemas.openxmlformats.org/officeDocument/2006/extended-properties" xmlns:cs="http://schemas.microsoft.com/office/drawing/2012/chartStyle" xmlns:c="http://schemas.openxmlformats.org/drawingml/2006/chart" xmlns="" id="{F7AACD17-EF93-428A-B3EA-D1D36A1AFE2F}"/>
               </a:ext>
             </a:extLst>
           </p:cNvPr>
@@ -16191,7 +16191,7 @@
           <p:cNvPr id="13" name="Straight Connector 34">
             <a:extLst>
               <a:ext uri="{5B740227-40EB-4373-9E3B-B91620CEF005}">
-                <a16:creationId xmlns="" xmlns:c="http://schemas.openxmlformats.org/drawingml/2006/chart" xmlns:cs="http://schemas.microsoft.com/office/drawing/2012/chartStyle" xmlns:ns1="http://schemas.openxmlformats.org/officeDocument/2006/extended-properties" xmlns:vt="http://schemas.openxmlformats.org/officeDocument/2006/docPropsVTypes" xmlns:a16="http://schemas.microsoft.com/office/drawing/2010/main" id="{3D3DBB0B-96EB-4A18-B308-D8700B6D0589}"/>
+                <a16:creationId xmlns:a16="http://schemas.microsoft.com/office/drawing/2010/main" xmlns:vt="http://schemas.openxmlformats.org/officeDocument/2006/docPropsVTypes" xmlns:ns1="http://schemas.openxmlformats.org/officeDocument/2006/extended-properties" xmlns:cs="http://schemas.microsoft.com/office/drawing/2012/chartStyle" xmlns:c="http://schemas.openxmlformats.org/drawingml/2006/chart" xmlns="" id="{3D3DBB0B-96EB-4A18-B308-D8700B6D0589}"/>
               </a:ext>
             </a:extLst>
           </p:cNvPr>
@@ -16235,7 +16235,7 @@
           <p:cNvPr id="14" name="Straight Connector 42">
             <a:extLst>
               <a:ext uri="{5BEB0BEF-E9A4-458B-BC40-523D6986D325}">
-                <a16:creationId xmlns="" xmlns:c="http://schemas.openxmlformats.org/drawingml/2006/chart" xmlns:cs="http://schemas.microsoft.com/office/drawing/2012/chartStyle" xmlns:ns1="http://schemas.openxmlformats.org/officeDocument/2006/extended-properties" xmlns:vt="http://schemas.openxmlformats.org/officeDocument/2006/docPropsVTypes" xmlns:a16="http://schemas.microsoft.com/office/drawing/2010/main" id="{2E81A288-1D08-4C5D-B433-CC7CA4D9F957}"/>
+                <a16:creationId xmlns:a16="http://schemas.microsoft.com/office/drawing/2010/main" xmlns:vt="http://schemas.openxmlformats.org/officeDocument/2006/docPropsVTypes" xmlns:ns1="http://schemas.openxmlformats.org/officeDocument/2006/extended-properties" xmlns:cs="http://schemas.microsoft.com/office/drawing/2012/chartStyle" xmlns:c="http://schemas.openxmlformats.org/drawingml/2006/chart" xmlns="" id="{2E81A288-1D08-4C5D-B433-CC7CA4D9F957}"/>
               </a:ext>
             </a:extLst>
           </p:cNvPr>
@@ -16279,7 +16279,7 @@
           <p:cNvPr id="15" name="Marcador de posición de imagen 14">
             <a:extLst>
               <a:ext uri="{E360778D-9E17-4F71-B12D-2F70913D7808}">
-                <a16:creationId xmlns="" xmlns:c="http://schemas.openxmlformats.org/drawingml/2006/chart" xmlns:cs="http://schemas.microsoft.com/office/drawing/2012/chartStyle" xmlns:ns1="http://schemas.openxmlformats.org/officeDocument/2006/extended-properties" xmlns:vt="http://schemas.openxmlformats.org/officeDocument/2006/docPropsVTypes" xmlns:a16="http://schemas.microsoft.com/office/drawing/2010/main" id="{FD6F1B0A-12AE-481C-A9A3-3CAF8A892EFA}"/>
+                <a16:creationId xmlns:a16="http://schemas.microsoft.com/office/drawing/2010/main" xmlns:vt="http://schemas.openxmlformats.org/officeDocument/2006/docPropsVTypes" xmlns:ns1="http://schemas.openxmlformats.org/officeDocument/2006/extended-properties" xmlns:cs="http://schemas.microsoft.com/office/drawing/2012/chartStyle" xmlns:c="http://schemas.openxmlformats.org/drawingml/2006/chart" xmlns="" id="{FD6F1B0A-12AE-481C-A9A3-3CAF8A892EFA}"/>
               </a:ext>
             </a:extLst>
           </p:cNvPr>
@@ -16318,7 +16318,7 @@
           <p:cNvPr id="16" name="Date Placeholder 1">
             <a:extLst>
               <a:ext uri="{8246AA2A-948A-48F8-BAFB-7F5EDD8FCC1C}">
-                <a16:creationId xmlns="" xmlns:c="http://schemas.openxmlformats.org/drawingml/2006/chart" xmlns:cs="http://schemas.microsoft.com/office/drawing/2012/chartStyle" xmlns:ns1="http://schemas.openxmlformats.org/officeDocument/2006/extended-properties" xmlns:vt="http://schemas.openxmlformats.org/officeDocument/2006/docPropsVTypes" xmlns:a16="http://schemas.microsoft.com/office/drawing/2010/main" id="{7F30AD02-A074-43D7-9293-49E34DFDA387}"/>
+                <a16:creationId xmlns:a16="http://schemas.microsoft.com/office/drawing/2010/main" xmlns:vt="http://schemas.openxmlformats.org/officeDocument/2006/docPropsVTypes" xmlns:ns1="http://schemas.openxmlformats.org/officeDocument/2006/extended-properties" xmlns:cs="http://schemas.microsoft.com/office/drawing/2012/chartStyle" xmlns:c="http://schemas.openxmlformats.org/drawingml/2006/chart" xmlns="" id="{7F30AD02-A074-43D7-9293-49E34DFDA387}"/>
               </a:ext>
             </a:extLst>
           </p:cNvPr>
@@ -16365,7 +16365,7 @@
           <p:cNvPr id="17" name="Footer Placeholder 1">
             <a:extLst>
               <a:ext uri="{EFACF450-2B3A-4533-B741-F92B749C4CF8}">
-                <a16:creationId xmlns="" xmlns:c="http://schemas.openxmlformats.org/drawingml/2006/chart" xmlns:cs="http://schemas.microsoft.com/office/drawing/2012/chartStyle" xmlns:ns1="http://schemas.openxmlformats.org/officeDocument/2006/extended-properties" xmlns:vt="http://schemas.openxmlformats.org/officeDocument/2006/docPropsVTypes" xmlns:a16="http://schemas.microsoft.com/office/drawing/2010/main" id="{87CDF6EA-C91F-468A-9A0B-56D7BE2FD99D}"/>
+                <a16:creationId xmlns:a16="http://schemas.microsoft.com/office/drawing/2010/main" xmlns:vt="http://schemas.openxmlformats.org/officeDocument/2006/docPropsVTypes" xmlns:ns1="http://schemas.openxmlformats.org/officeDocument/2006/extended-properties" xmlns:cs="http://schemas.microsoft.com/office/drawing/2012/chartStyle" xmlns:c="http://schemas.openxmlformats.org/drawingml/2006/chart" xmlns="" id="{87CDF6EA-C91F-468A-9A0B-56D7BE2FD99D}"/>
               </a:ext>
             </a:extLst>
           </p:cNvPr>
@@ -16413,7 +16413,7 @@
     </p:custDataLst>
     <p:extLst>
       <p:ext uri="{690BC267-35B3-4806-8A46-A0C0B052098F}">
-        <p14:creationId xmlns="" xmlns:c="http://schemas.openxmlformats.org/drawingml/2006/chart" xmlns:cs="http://schemas.microsoft.com/office/drawing/2012/chartStyle" xmlns:ns1="http://schemas.openxmlformats.org/officeDocument/2006/extended-properties" xmlns:vt="http://schemas.openxmlformats.org/officeDocument/2006/docPropsVTypes" xmlns:p14="http://schemas.microsoft.com/office/powerpoint/2010/main" val="1724933507241"/>
+        <p14:creationId xmlns:p14="http://schemas.microsoft.com/office/powerpoint/2010/main" xmlns:vt="http://schemas.openxmlformats.org/officeDocument/2006/docPropsVTypes" xmlns:ns1="http://schemas.openxmlformats.org/officeDocument/2006/extended-properties" xmlns:cs="http://schemas.microsoft.com/office/drawing/2012/chartStyle" xmlns:c="http://schemas.openxmlformats.org/drawingml/2006/chart" xmlns="" val="1724933507241"/>
       </p:ext>
     </p:extLst>
   </p:cSld>
@@ -16450,7 +16450,7 @@
           <p:cNvPr id="2" name="Title Placeholder 1">
             <a:extLst>
               <a:ext uri="{9B602029-3750-46C7-8DF0-65B910431DC0}">
-                <a16:creationId xmlns="" xmlns:c="http://schemas.openxmlformats.org/drawingml/2006/chart" xmlns:cs="http://schemas.microsoft.com/office/drawing/2012/chartStyle" xmlns:ns1="http://schemas.openxmlformats.org/officeDocument/2006/extended-properties" xmlns:vt="http://schemas.openxmlformats.org/officeDocument/2006/docPropsVTypes" xmlns:a16="http://schemas.microsoft.com/office/drawing/2010/main" id="{96176C51-4230-47D3-9BF4-3E97E743B018}"/>
+                <a16:creationId xmlns:a16="http://schemas.microsoft.com/office/drawing/2010/main" xmlns:vt="http://schemas.openxmlformats.org/officeDocument/2006/docPropsVTypes" xmlns:ns1="http://schemas.openxmlformats.org/officeDocument/2006/extended-properties" xmlns:cs="http://schemas.microsoft.com/office/drawing/2012/chartStyle" xmlns:c="http://schemas.openxmlformats.org/drawingml/2006/chart" xmlns="" id="{96176C51-4230-47D3-9BF4-3E97E743B018}"/>
               </a:ext>
             </a:extLst>
           </p:cNvPr>
@@ -16488,7 +16488,7 @@
           <p:cNvPr id="3" name="Text Placeholder 2">
             <a:extLst>
               <a:ext uri="{A680E759-EE70-4FFE-8F06-19AA4E159618}">
-                <a16:creationId xmlns="" xmlns:c="http://schemas.openxmlformats.org/drawingml/2006/chart" xmlns:cs="http://schemas.microsoft.com/office/drawing/2012/chartStyle" xmlns:ns1="http://schemas.openxmlformats.org/officeDocument/2006/extended-properties" xmlns:vt="http://schemas.openxmlformats.org/officeDocument/2006/docPropsVTypes" xmlns:a16="http://schemas.microsoft.com/office/drawing/2010/main" id="{04D3B0BE-BD55-4C56-9D28-8E552EC9BDBF}"/>
+                <a16:creationId xmlns:a16="http://schemas.microsoft.com/office/drawing/2010/main" xmlns:vt="http://schemas.openxmlformats.org/officeDocument/2006/docPropsVTypes" xmlns:ns1="http://schemas.openxmlformats.org/officeDocument/2006/extended-properties" xmlns:cs="http://schemas.microsoft.com/office/drawing/2012/chartStyle" xmlns:c="http://schemas.openxmlformats.org/drawingml/2006/chart" xmlns="" id="{04D3B0BE-BD55-4C56-9D28-8E552EC9BDBF}"/>
               </a:ext>
             </a:extLst>
           </p:cNvPr>
@@ -16555,7 +16555,7 @@
           <p:cNvPr id="4" name="Slide Number Placeholder 5">
             <a:extLst>
               <a:ext uri="{A05776C2-0091-4796-8449-800029AD4DA4}">
-                <a16:creationId xmlns="" xmlns:c="http://schemas.openxmlformats.org/drawingml/2006/chart" xmlns:cs="http://schemas.microsoft.com/office/drawing/2012/chartStyle" xmlns:ns1="http://schemas.openxmlformats.org/officeDocument/2006/extended-properties" xmlns:vt="http://schemas.openxmlformats.org/officeDocument/2006/docPropsVTypes" xmlns:a16="http://schemas.microsoft.com/office/drawing/2010/main" id="{939DD144-6E8B-4F77-A259-E2D45C288C2B}"/>
+                <a16:creationId xmlns:a16="http://schemas.microsoft.com/office/drawing/2010/main" xmlns:vt="http://schemas.openxmlformats.org/officeDocument/2006/docPropsVTypes" xmlns:ns1="http://schemas.openxmlformats.org/officeDocument/2006/extended-properties" xmlns:cs="http://schemas.microsoft.com/office/drawing/2012/chartStyle" xmlns:c="http://schemas.openxmlformats.org/drawingml/2006/chart" xmlns="" id="{939DD144-6E8B-4F77-A259-E2D45C288C2B}"/>
               </a:ext>
             </a:extLst>
           </p:cNvPr>
@@ -16600,7 +16600,7 @@
           <p:cNvPr id="5" name="Footer Placeholder 1">
             <a:extLst>
               <a:ext uri="{00514F7E-8BC8-4041-8D7B-BC0ACF7AAB2A}">
-                <a16:creationId xmlns="" xmlns:c="http://schemas.openxmlformats.org/drawingml/2006/chart" xmlns:cs="http://schemas.microsoft.com/office/drawing/2012/chartStyle" xmlns:ns1="http://schemas.openxmlformats.org/officeDocument/2006/extended-properties" xmlns:vt="http://schemas.openxmlformats.org/officeDocument/2006/docPropsVTypes" xmlns:a16="http://schemas.microsoft.com/office/drawing/2010/main" id="{738D72DD-2579-4030-831F-C7A275ACE2C1}"/>
+                <a16:creationId xmlns:a16="http://schemas.microsoft.com/office/drawing/2010/main" xmlns:vt="http://schemas.openxmlformats.org/officeDocument/2006/docPropsVTypes" xmlns:ns1="http://schemas.openxmlformats.org/officeDocument/2006/extended-properties" xmlns:cs="http://schemas.microsoft.com/office/drawing/2012/chartStyle" xmlns:c="http://schemas.openxmlformats.org/drawingml/2006/chart" xmlns="" id="{738D72DD-2579-4030-831F-C7A275ACE2C1}"/>
               </a:ext>
             </a:extLst>
           </p:cNvPr>
@@ -16647,7 +16647,7 @@
           <p:cNvPr id="6" name="Date Placeholder 1">
             <a:extLst>
               <a:ext uri="{CB9E4A10-526C-4A19-BAB3-A5C113E3C391}">
-                <a16:creationId xmlns="" xmlns:c="http://schemas.openxmlformats.org/drawingml/2006/chart" xmlns:cs="http://schemas.microsoft.com/office/drawing/2012/chartStyle" xmlns:ns1="http://schemas.openxmlformats.org/officeDocument/2006/extended-properties" xmlns:vt="http://schemas.openxmlformats.org/officeDocument/2006/docPropsVTypes" xmlns:a16="http://schemas.microsoft.com/office/drawing/2010/main" id="{87F2CF9C-4F54-44AC-BCB3-DA66E1E5AA4D}"/>
+                <a16:creationId xmlns:a16="http://schemas.microsoft.com/office/drawing/2010/main" xmlns:vt="http://schemas.openxmlformats.org/officeDocument/2006/docPropsVTypes" xmlns:ns1="http://schemas.openxmlformats.org/officeDocument/2006/extended-properties" xmlns:cs="http://schemas.microsoft.com/office/drawing/2012/chartStyle" xmlns:c="http://schemas.openxmlformats.org/drawingml/2006/chart" xmlns="" id="{87F2CF9C-4F54-44AC-BCB3-DA66E1E5AA4D}"/>
               </a:ext>
             </a:extLst>
           </p:cNvPr>
@@ -16683,7 +16683,7 @@
           </a:lstStyle>
           <a:p>
             <a:fld id="{E78F07A3-03C1-4E8B-9256-9B62BEA05AB0}" type="datetime4">
-              <a:t>13 de septiembre de 2024</a:t>
+              <a:t>16 de septiembre de 2024</a:t>
             </a:fld>
             <a:endParaRPr lang="en-US" dirty="0"/>
           </a:p>
@@ -16979,7 +16979,7 @@
           <p:cNvPr id="2" name="Imagen 1">
             <a:extLst>
               <a:ext uri="{BBB18C47-BF81-49CD-BC28-94AF5C105B91}">
-                <a16:creationId xmlns="" xmlns:c="http://schemas.openxmlformats.org/drawingml/2006/chart" xmlns:cs="http://schemas.microsoft.com/office/drawing/2012/chartStyle" xmlns:ns1="http://schemas.openxmlformats.org/officeDocument/2006/extended-properties" xmlns:vt="http://schemas.openxmlformats.org/officeDocument/2006/docPropsVTypes" xmlns:a16="http://schemas.microsoft.com/office/drawing/2010/main" id="{49E35CBD-7E96-46AF-90B0-9158C763A40E}"/>
+                <a16:creationId xmlns:a16="http://schemas.microsoft.com/office/drawing/2010/main" xmlns:vt="http://schemas.openxmlformats.org/officeDocument/2006/docPropsVTypes" xmlns:ns1="http://schemas.openxmlformats.org/officeDocument/2006/extended-properties" xmlns:cs="http://schemas.microsoft.com/office/drawing/2012/chartStyle" xmlns:c="http://schemas.openxmlformats.org/drawingml/2006/chart" xmlns="" id="{49E35CBD-7E96-46AF-90B0-9158C763A40E}"/>
               </a:ext>
             </a:extLst>
           </p:cNvPr>
@@ -17018,7 +17018,7 @@
           <p:cNvPr id="3" name="Subtitle 2">
             <a:extLst>
               <a:ext uri="{488D4393-08F2-4518-BA96-CFE0F19282F2}">
-                <a16:creationId xmlns="" xmlns:c="http://schemas.openxmlformats.org/drawingml/2006/chart" xmlns:cs="http://schemas.microsoft.com/office/drawing/2012/chartStyle" xmlns:ns1="http://schemas.openxmlformats.org/officeDocument/2006/extended-properties" xmlns:vt="http://schemas.openxmlformats.org/officeDocument/2006/docPropsVTypes" xmlns:a16="http://schemas.microsoft.com/office/drawing/2010/main" id="{3B1891D9-5DBD-403B-9CB6-E7398D0ACE1C}"/>
+                <a16:creationId xmlns:a16="http://schemas.microsoft.com/office/drawing/2010/main" xmlns:vt="http://schemas.openxmlformats.org/officeDocument/2006/docPropsVTypes" xmlns:ns1="http://schemas.openxmlformats.org/officeDocument/2006/extended-properties" xmlns:cs="http://schemas.microsoft.com/office/drawing/2012/chartStyle" xmlns:c="http://schemas.openxmlformats.org/drawingml/2006/chart" xmlns="" id="{3B1891D9-5DBD-403B-9CB6-E7398D0ACE1C}"/>
               </a:ext>
             </a:extLst>
           </p:cNvPr>
@@ -17061,7 +17061,7 @@
           <p:cNvPr id="4" name="Title 1">
             <a:extLst>
               <a:ext uri="{F42EE826-FCF7-4903-B264-60C4946EA91A}">
-                <a16:creationId xmlns="" xmlns:c="http://schemas.openxmlformats.org/drawingml/2006/chart" xmlns:cs="http://schemas.microsoft.com/office/drawing/2012/chartStyle" xmlns:ns1="http://schemas.openxmlformats.org/officeDocument/2006/extended-properties" xmlns:vt="http://schemas.openxmlformats.org/officeDocument/2006/docPropsVTypes" xmlns:a16="http://schemas.microsoft.com/office/drawing/2010/main" id="{65ECF7EA-505E-417C-936B-FB6BFCBD8643}"/>
+                <a16:creationId xmlns:a16="http://schemas.microsoft.com/office/drawing/2010/main" xmlns:vt="http://schemas.openxmlformats.org/officeDocument/2006/docPropsVTypes" xmlns:ns1="http://schemas.openxmlformats.org/officeDocument/2006/extended-properties" xmlns:cs="http://schemas.microsoft.com/office/drawing/2012/chartStyle" xmlns:c="http://schemas.openxmlformats.org/drawingml/2006/chart" xmlns="" id="{65ECF7EA-505E-417C-936B-FB6BFCBD8643}"/>
               </a:ext>
             </a:extLst>
           </p:cNvPr>
@@ -17102,7 +17102,7 @@
           <p:cNvPr id="5" name="Slide Number Placeholder 5">
             <a:extLst>
               <a:ext uri="{18BFC257-15B0-4547-957A-C9EE9F242292}">
-                <a16:creationId xmlns="" xmlns:c="http://schemas.openxmlformats.org/drawingml/2006/chart" xmlns:cs="http://schemas.microsoft.com/office/drawing/2012/chartStyle" xmlns:ns1="http://schemas.openxmlformats.org/officeDocument/2006/extended-properties" xmlns:vt="http://schemas.openxmlformats.org/officeDocument/2006/docPropsVTypes" xmlns:a16="http://schemas.microsoft.com/office/drawing/2010/main" id="{08A0A8B5-7CD6-44ED-BFB5-459A06B11135}"/>
+                <a16:creationId xmlns:a16="http://schemas.microsoft.com/office/drawing/2010/main" xmlns:vt="http://schemas.openxmlformats.org/officeDocument/2006/docPropsVTypes" xmlns:ns1="http://schemas.openxmlformats.org/officeDocument/2006/extended-properties" xmlns:cs="http://schemas.microsoft.com/office/drawing/2012/chartStyle" xmlns:c="http://schemas.openxmlformats.org/drawingml/2006/chart" xmlns="" id="{08A0A8B5-7CD6-44ED-BFB5-459A06B11135}"/>
               </a:ext>
             </a:extLst>
           </p:cNvPr>
@@ -17145,7 +17145,7 @@
     </p:spTree>
     <p:extLst>
       <p:ext uri="{8EBA07F0-DBE5-42B0-A5BB-1A47A430E16B}">
-        <p14:creationId xmlns="" xmlns:c="http://schemas.openxmlformats.org/drawingml/2006/chart" xmlns:cs="http://schemas.microsoft.com/office/drawing/2012/chartStyle" xmlns:ns1="http://schemas.openxmlformats.org/officeDocument/2006/extended-properties" xmlns:vt="http://schemas.openxmlformats.org/officeDocument/2006/docPropsVTypes" xmlns:p14="http://schemas.microsoft.com/office/powerpoint/2010/main" val="1724933507274"/>
+        <p14:creationId xmlns:p14="http://schemas.microsoft.com/office/powerpoint/2010/main" xmlns:vt="http://schemas.openxmlformats.org/officeDocument/2006/docPropsVTypes" xmlns:ns1="http://schemas.openxmlformats.org/officeDocument/2006/extended-properties" xmlns:cs="http://schemas.microsoft.com/office/drawing/2012/chartStyle" xmlns:c="http://schemas.openxmlformats.org/drawingml/2006/chart" xmlns="" val="1724933507274"/>
       </p:ext>
     </p:extLst>
   </p:cSld>
@@ -17177,7 +17177,7 @@
           <p:cNvPr id="2" name="Title 1">
             <a:extLst>
               <a:ext uri="{B8C683FB-1646-4D25-8269-60B89EFED35D}">
-                <a16:creationId xmlns="" xmlns:c="http://schemas.openxmlformats.org/drawingml/2006/chart" xmlns:cs="http://schemas.microsoft.com/office/drawing/2012/chartStyle" xmlns:ns1="http://schemas.openxmlformats.org/officeDocument/2006/extended-properties" xmlns:vt="http://schemas.openxmlformats.org/officeDocument/2006/docPropsVTypes" xmlns:a16="http://schemas.microsoft.com/office/drawing/2010/main" id="{79F05ACE-80E5-4482-99AB-DA7C1297AC98}"/>
+                <a16:creationId xmlns:a16="http://schemas.microsoft.com/office/drawing/2010/main" xmlns:vt="http://schemas.openxmlformats.org/officeDocument/2006/docPropsVTypes" xmlns:ns1="http://schemas.openxmlformats.org/officeDocument/2006/extended-properties" xmlns:cs="http://schemas.microsoft.com/office/drawing/2012/chartStyle" xmlns:c="http://schemas.openxmlformats.org/drawingml/2006/chart" xmlns="" id="{79F05ACE-80E5-4482-99AB-DA7C1297AC98}"/>
               </a:ext>
             </a:extLst>
           </p:cNvPr>
@@ -17222,7 +17222,7 @@
           <p:cNvPr id="3" name="Text Placeholder 2">
             <a:extLst>
               <a:ext uri="{0D97ECA2-4D98-4E8C-B417-2A8B54516D0B}">
-                <a16:creationId xmlns="" xmlns:c="http://schemas.openxmlformats.org/drawingml/2006/chart" xmlns:cs="http://schemas.microsoft.com/office/drawing/2012/chartStyle" xmlns:ns1="http://schemas.openxmlformats.org/officeDocument/2006/extended-properties" xmlns:vt="http://schemas.openxmlformats.org/officeDocument/2006/docPropsVTypes" xmlns:a16="http://schemas.microsoft.com/office/drawing/2010/main" id="{4F89D813-8F25-4B98-B184-92D3F3B6CB8C}"/>
+                <a16:creationId xmlns:a16="http://schemas.microsoft.com/office/drawing/2010/main" xmlns:vt="http://schemas.openxmlformats.org/officeDocument/2006/docPropsVTypes" xmlns:ns1="http://schemas.openxmlformats.org/officeDocument/2006/extended-properties" xmlns:cs="http://schemas.microsoft.com/office/drawing/2012/chartStyle" xmlns:c="http://schemas.openxmlformats.org/drawingml/2006/chart" xmlns="" id="{4F89D813-8F25-4B98-B184-92D3F3B6CB8C}"/>
               </a:ext>
             </a:extLst>
           </p:cNvPr>
@@ -17257,7 +17257,7 @@
           <p:cNvPr id="6" name="Slide Number Placeholder 5">
             <a:extLst>
               <a:ext uri="{A05CA9C2-78DA-4E0B-AD1B-A8AE46C3D1EE}">
-                <a16:creationId xmlns="" xmlns:c="http://schemas.openxmlformats.org/drawingml/2006/chart" xmlns:cs="http://schemas.microsoft.com/office/drawing/2012/chartStyle" xmlns:ns1="http://schemas.openxmlformats.org/officeDocument/2006/extended-properties" xmlns:vt="http://schemas.openxmlformats.org/officeDocument/2006/docPropsVTypes" xmlns:a16="http://schemas.microsoft.com/office/drawing/2010/main" id="{022CD9F5-7D8A-43E1-AACF-2286818D9D51}"/>
+                <a16:creationId xmlns:a16="http://schemas.microsoft.com/office/drawing/2010/main" xmlns:vt="http://schemas.openxmlformats.org/officeDocument/2006/docPropsVTypes" xmlns:ns1="http://schemas.openxmlformats.org/officeDocument/2006/extended-properties" xmlns:cs="http://schemas.microsoft.com/office/drawing/2012/chartStyle" xmlns:c="http://schemas.openxmlformats.org/drawingml/2006/chart" xmlns="" id="{022CD9F5-7D8A-43E1-AACF-2286818D9D51}"/>
               </a:ext>
             </a:extLst>
           </p:cNvPr>
@@ -17465,7 +17465,7 @@
         <p14:creationId xmlns:p14="http://schemas.microsoft.com/office/powerpoint/2010/main" val="2645013313"/>
       </p:ext>
       <p:ext uri="{F883F0EF-F562-456C-BB06-C1177ECC3360}">
-        <p14:creationId xmlns="" xmlns:c="http://schemas.openxmlformats.org/drawingml/2006/chart" xmlns:cs="http://schemas.microsoft.com/office/drawing/2012/chartStyle" xmlns:ns1="http://schemas.openxmlformats.org/officeDocument/2006/extended-properties" xmlns:vt="http://schemas.openxmlformats.org/officeDocument/2006/docPropsVTypes" xmlns:p14="http://schemas.microsoft.com/office/powerpoint/2010/main" val="1724933507278"/>
+        <p14:creationId xmlns:p14="http://schemas.microsoft.com/office/powerpoint/2010/main" xmlns:vt="http://schemas.openxmlformats.org/officeDocument/2006/docPropsVTypes" xmlns:ns1="http://schemas.openxmlformats.org/officeDocument/2006/extended-properties" xmlns:cs="http://schemas.microsoft.com/office/drawing/2012/chartStyle" xmlns:c="http://schemas.openxmlformats.org/drawingml/2006/chart" xmlns="" val="1724933507278"/>
       </p:ext>
     </p:extLst>
   </p:cSld>
@@ -17497,7 +17497,7 @@
           <p:cNvPr id="2" name="Title 1">
             <a:extLst>
               <a:ext uri="{B8C683FB-1646-4D25-8269-60B89EFED35D}">
-                <a16:creationId xmlns:a16="http://schemas.microsoft.com/office/drawing/2010/main" xmlns:vt="http://schemas.openxmlformats.org/officeDocument/2006/docPropsVTypes" xmlns:ns1="http://schemas.openxmlformats.org/officeDocument/2006/extended-properties" xmlns:cs="http://schemas.microsoft.com/office/drawing/2012/chartStyle" xmlns:c="http://schemas.openxmlformats.org/drawingml/2006/chart" xmlns="" id="{79F05ACE-80E5-4482-99AB-DA7C1297AC98}"/>
+                <a16:creationId xmlns="" xmlns:c="http://schemas.openxmlformats.org/drawingml/2006/chart" xmlns:cs="http://schemas.microsoft.com/office/drawing/2012/chartStyle" xmlns:ns1="http://schemas.openxmlformats.org/officeDocument/2006/extended-properties" xmlns:vt="http://schemas.openxmlformats.org/officeDocument/2006/docPropsVTypes" xmlns:a16="http://schemas.microsoft.com/office/drawing/2010/main" id="{79F05ACE-80E5-4482-99AB-DA7C1297AC98}"/>
               </a:ext>
             </a:extLst>
           </p:cNvPr>
@@ -17546,7 +17546,7 @@
           <p:cNvPr id="3" name="Text Placeholder 2">
             <a:extLst>
               <a:ext uri="{0D97ECA2-4D98-4E8C-B417-2A8B54516D0B}">
-                <a16:creationId xmlns:a16="http://schemas.microsoft.com/office/drawing/2010/main" xmlns:vt="http://schemas.openxmlformats.org/officeDocument/2006/docPropsVTypes" xmlns:ns1="http://schemas.openxmlformats.org/officeDocument/2006/extended-properties" xmlns:cs="http://schemas.microsoft.com/office/drawing/2012/chartStyle" xmlns:c="http://schemas.openxmlformats.org/drawingml/2006/chart" xmlns="" id="{4F89D813-8F25-4B98-B184-92D3F3B6CB8C}"/>
+                <a16:creationId xmlns="" xmlns:c="http://schemas.openxmlformats.org/drawingml/2006/chart" xmlns:cs="http://schemas.microsoft.com/office/drawing/2012/chartStyle" xmlns:ns1="http://schemas.openxmlformats.org/officeDocument/2006/extended-properties" xmlns:vt="http://schemas.openxmlformats.org/officeDocument/2006/docPropsVTypes" xmlns:a16="http://schemas.microsoft.com/office/drawing/2010/main" id="{4F89D813-8F25-4B98-B184-92D3F3B6CB8C}"/>
               </a:ext>
             </a:extLst>
           </p:cNvPr>
@@ -17581,7 +17581,7 @@
           <p:cNvPr id="6" name="Slide Number Placeholder 5">
             <a:extLst>
               <a:ext uri="{A05CA9C2-78DA-4E0B-AD1B-A8AE46C3D1EE}">
-                <a16:creationId xmlns:a16="http://schemas.microsoft.com/office/drawing/2010/main" xmlns:vt="http://schemas.openxmlformats.org/officeDocument/2006/docPropsVTypes" xmlns:ns1="http://schemas.openxmlformats.org/officeDocument/2006/extended-properties" xmlns:cs="http://schemas.microsoft.com/office/drawing/2012/chartStyle" xmlns:c="http://schemas.openxmlformats.org/drawingml/2006/chart" xmlns="" id="{022CD9F5-7D8A-43E1-AACF-2286818D9D51}"/>
+                <a16:creationId xmlns="" xmlns:c="http://schemas.openxmlformats.org/drawingml/2006/chart" xmlns:cs="http://schemas.microsoft.com/office/drawing/2012/chartStyle" xmlns:ns1="http://schemas.openxmlformats.org/officeDocument/2006/extended-properties" xmlns:vt="http://schemas.openxmlformats.org/officeDocument/2006/docPropsVTypes" xmlns:a16="http://schemas.microsoft.com/office/drawing/2010/main" id="{022CD9F5-7D8A-43E1-AACF-2286818D9D51}"/>
               </a:ext>
             </a:extLst>
           </p:cNvPr>
@@ -17733,7 +17733,7 @@
         <p14:creationId xmlns:p14="http://schemas.microsoft.com/office/powerpoint/2010/main" val="2658093819"/>
       </p:ext>
       <p:ext uri="{F883F0EF-F562-456C-BB06-C1177ECC3360}">
-        <p14:creationId xmlns:p14="http://schemas.microsoft.com/office/powerpoint/2010/main" xmlns:vt="http://schemas.openxmlformats.org/officeDocument/2006/docPropsVTypes" xmlns:ns1="http://schemas.openxmlformats.org/officeDocument/2006/extended-properties" xmlns:cs="http://schemas.microsoft.com/office/drawing/2012/chartStyle" xmlns:c="http://schemas.openxmlformats.org/drawingml/2006/chart" xmlns="" val="1724933507278"/>
+        <p14:creationId xmlns="" xmlns:c="http://schemas.openxmlformats.org/drawingml/2006/chart" xmlns:cs="http://schemas.microsoft.com/office/drawing/2012/chartStyle" xmlns:ns1="http://schemas.openxmlformats.org/officeDocument/2006/extended-properties" xmlns:vt="http://schemas.openxmlformats.org/officeDocument/2006/docPropsVTypes" xmlns:p14="http://schemas.microsoft.com/office/powerpoint/2010/main" val="1724933507278"/>
       </p:ext>
     </p:extLst>
   </p:cSld>
@@ -17765,7 +17765,7 @@
           <p:cNvPr id="3" name="Title 1">
             <a:extLst>
               <a:ext uri="{028E651A-5CEF-48AD-8B3E-25D252406B15}">
-                <a16:creationId xmlns="" xmlns:c="http://schemas.openxmlformats.org/drawingml/2006/chart" xmlns:cs="http://schemas.microsoft.com/office/drawing/2012/chartStyle" xmlns:ns1="http://schemas.openxmlformats.org/officeDocument/2006/extended-properties" xmlns:vt="http://schemas.openxmlformats.org/officeDocument/2006/docPropsVTypes" xmlns:a16="http://schemas.microsoft.com/office/drawing/2010/main" id="{95321466-CE2C-4CAF-A05C-70FC84F858BB}"/>
+                <a16:creationId xmlns:a16="http://schemas.microsoft.com/office/drawing/2010/main" xmlns:vt="http://schemas.openxmlformats.org/officeDocument/2006/docPropsVTypes" xmlns:ns1="http://schemas.openxmlformats.org/officeDocument/2006/extended-properties" xmlns:cs="http://schemas.microsoft.com/office/drawing/2012/chartStyle" xmlns:c="http://schemas.openxmlformats.org/drawingml/2006/chart" xmlns="" id="{95321466-CE2C-4CAF-A05C-70FC84F858BB}"/>
               </a:ext>
             </a:extLst>
           </p:cNvPr>
@@ -17813,7 +17813,7 @@
           <p:cNvPr id="4" name="Content Placeholder 2">
             <a:extLst>
               <a:ext uri="{C8AE3131-CC9C-4EED-8DC6-D6684484C5A4}">
-                <a16:creationId xmlns="" xmlns:c="http://schemas.openxmlformats.org/drawingml/2006/chart" xmlns:cs="http://schemas.microsoft.com/office/drawing/2012/chartStyle" xmlns:ns1="http://schemas.openxmlformats.org/officeDocument/2006/extended-properties" xmlns:vt="http://schemas.openxmlformats.org/officeDocument/2006/docPropsVTypes" xmlns:a16="http://schemas.microsoft.com/office/drawing/2010/main" id="{164E5DD7-C340-4FC5-B025-7722D65CB220}"/>
+                <a16:creationId xmlns:a16="http://schemas.microsoft.com/office/drawing/2010/main" xmlns:vt="http://schemas.openxmlformats.org/officeDocument/2006/docPropsVTypes" xmlns:ns1="http://schemas.openxmlformats.org/officeDocument/2006/extended-properties" xmlns:cs="http://schemas.microsoft.com/office/drawing/2012/chartStyle" xmlns:c="http://schemas.openxmlformats.org/drawingml/2006/chart" xmlns="" id="{164E5DD7-C340-4FC5-B025-7722D65CB220}"/>
               </a:ext>
             </a:extLst>
           </p:cNvPr>
@@ -17915,7 +17915,7 @@
           <p:cNvPr id="6" name="Slide Number Placeholder 5">
             <a:extLst>
               <a:ext uri="{A0559812-5038-48FD-8BE4-0E42062FA6D5}">
-                <a16:creationId xmlns="" xmlns:c="http://schemas.openxmlformats.org/drawingml/2006/chart" xmlns:cs="http://schemas.microsoft.com/office/drawing/2012/chartStyle" xmlns:ns1="http://schemas.openxmlformats.org/officeDocument/2006/extended-properties" xmlns:vt="http://schemas.openxmlformats.org/officeDocument/2006/docPropsVTypes" xmlns:a16="http://schemas.microsoft.com/office/drawing/2010/main" id="{E32CA1A8-8832-40AD-B404-41ED2707FF3D}"/>
+                <a16:creationId xmlns:a16="http://schemas.microsoft.com/office/drawing/2010/main" xmlns:vt="http://schemas.openxmlformats.org/officeDocument/2006/docPropsVTypes" xmlns:ns1="http://schemas.openxmlformats.org/officeDocument/2006/extended-properties" xmlns:cs="http://schemas.microsoft.com/office/drawing/2012/chartStyle" xmlns:c="http://schemas.openxmlformats.org/drawingml/2006/chart" xmlns="" id="{E32CA1A8-8832-40AD-B404-41ED2707FF3D}"/>
               </a:ext>
             </a:extLst>
           </p:cNvPr>
@@ -17973,7 +17973,7 @@
     </p:spTree>
     <p:extLst>
       <p:ext uri="{3ED53C7F-DBC1-47F1-888A-62DFA0EA67DA}">
-        <p14:creationId xmlns="" xmlns:c="http://schemas.openxmlformats.org/drawingml/2006/chart" xmlns:cs="http://schemas.microsoft.com/office/drawing/2012/chartStyle" xmlns:ns1="http://schemas.openxmlformats.org/officeDocument/2006/extended-properties" xmlns:vt="http://schemas.openxmlformats.org/officeDocument/2006/docPropsVTypes" xmlns:p14="http://schemas.microsoft.com/office/powerpoint/2010/main" val="1724933507279"/>
+        <p14:creationId xmlns:p14="http://schemas.microsoft.com/office/powerpoint/2010/main" xmlns:vt="http://schemas.openxmlformats.org/officeDocument/2006/docPropsVTypes" xmlns:ns1="http://schemas.openxmlformats.org/officeDocument/2006/extended-properties" xmlns:cs="http://schemas.microsoft.com/office/drawing/2012/chartStyle" xmlns:c="http://schemas.openxmlformats.org/drawingml/2006/chart" xmlns="" val="1724933507279"/>
       </p:ext>
     </p:extLst>
   </p:cSld>
@@ -18005,7 +18005,7 @@
           <p:cNvPr id="2" name="Title 1">
             <a:extLst>
               <a:ext uri="{B8C683FB-1646-4D25-8269-60B89EFED35D}">
-                <a16:creationId xmlns:a16="http://schemas.microsoft.com/office/drawing/2010/main" xmlns:vt="http://schemas.openxmlformats.org/officeDocument/2006/docPropsVTypes" xmlns:ns1="http://schemas.openxmlformats.org/officeDocument/2006/extended-properties" xmlns:cs="http://schemas.microsoft.com/office/drawing/2012/chartStyle" xmlns:c="http://schemas.openxmlformats.org/drawingml/2006/chart" xmlns="" id="{79F05ACE-80E5-4482-99AB-DA7C1297AC98}"/>
+                <a16:creationId xmlns="" xmlns:c="http://schemas.openxmlformats.org/drawingml/2006/chart" xmlns:cs="http://schemas.microsoft.com/office/drawing/2012/chartStyle" xmlns:ns1="http://schemas.openxmlformats.org/officeDocument/2006/extended-properties" xmlns:vt="http://schemas.openxmlformats.org/officeDocument/2006/docPropsVTypes" xmlns:a16="http://schemas.microsoft.com/office/drawing/2010/main" id="{79F05ACE-80E5-4482-99AB-DA7C1297AC98}"/>
               </a:ext>
             </a:extLst>
           </p:cNvPr>
@@ -18046,7 +18046,7 @@
           <p:cNvPr id="3" name="Text Placeholder 2">
             <a:extLst>
               <a:ext uri="{0D97ECA2-4D98-4E8C-B417-2A8B54516D0B}">
-                <a16:creationId xmlns:a16="http://schemas.microsoft.com/office/drawing/2010/main" xmlns:vt="http://schemas.openxmlformats.org/officeDocument/2006/docPropsVTypes" xmlns:ns1="http://schemas.openxmlformats.org/officeDocument/2006/extended-properties" xmlns:cs="http://schemas.microsoft.com/office/drawing/2012/chartStyle" xmlns:c="http://schemas.openxmlformats.org/drawingml/2006/chart" xmlns="" id="{4F89D813-8F25-4B98-B184-92D3F3B6CB8C}"/>
+                <a16:creationId xmlns="" xmlns:c="http://schemas.openxmlformats.org/drawingml/2006/chart" xmlns:cs="http://schemas.microsoft.com/office/drawing/2012/chartStyle" xmlns:ns1="http://schemas.openxmlformats.org/officeDocument/2006/extended-properties" xmlns:vt="http://schemas.openxmlformats.org/officeDocument/2006/docPropsVTypes" xmlns:a16="http://schemas.microsoft.com/office/drawing/2010/main" id="{4F89D813-8F25-4B98-B184-92D3F3B6CB8C}"/>
               </a:ext>
             </a:extLst>
           </p:cNvPr>
@@ -18081,7 +18081,7 @@
           <p:cNvPr id="6" name="Slide Number Placeholder 5">
             <a:extLst>
               <a:ext uri="{A05CA9C2-78DA-4E0B-AD1B-A8AE46C3D1EE}">
-                <a16:creationId xmlns:a16="http://schemas.microsoft.com/office/drawing/2010/main" xmlns:vt="http://schemas.openxmlformats.org/officeDocument/2006/docPropsVTypes" xmlns:ns1="http://schemas.openxmlformats.org/officeDocument/2006/extended-properties" xmlns:cs="http://schemas.microsoft.com/office/drawing/2012/chartStyle" xmlns:c="http://schemas.openxmlformats.org/drawingml/2006/chart" xmlns="" id="{022CD9F5-7D8A-43E1-AACF-2286818D9D51}"/>
+                <a16:creationId xmlns="" xmlns:c="http://schemas.openxmlformats.org/drawingml/2006/chart" xmlns:cs="http://schemas.microsoft.com/office/drawing/2012/chartStyle" xmlns:ns1="http://schemas.openxmlformats.org/officeDocument/2006/extended-properties" xmlns:vt="http://schemas.openxmlformats.org/officeDocument/2006/docPropsVTypes" xmlns:a16="http://schemas.microsoft.com/office/drawing/2010/main" id="{022CD9F5-7D8A-43E1-AACF-2286818D9D51}"/>
               </a:ext>
             </a:extLst>
           </p:cNvPr>
@@ -18238,7 +18238,7 @@
         <p14:creationId xmlns:p14="http://schemas.microsoft.com/office/powerpoint/2010/main" val="2355913013"/>
       </p:ext>
       <p:ext uri="{F883F0EF-F562-456C-BB06-C1177ECC3360}">
-        <p14:creationId xmlns:p14="http://schemas.microsoft.com/office/powerpoint/2010/main" xmlns:vt="http://schemas.openxmlformats.org/officeDocument/2006/docPropsVTypes" xmlns:ns1="http://schemas.openxmlformats.org/officeDocument/2006/extended-properties" xmlns:cs="http://schemas.microsoft.com/office/drawing/2012/chartStyle" xmlns:c="http://schemas.openxmlformats.org/drawingml/2006/chart" xmlns="" val="1724933507278"/>
+        <p14:creationId xmlns="" xmlns:c="http://schemas.openxmlformats.org/drawingml/2006/chart" xmlns:cs="http://schemas.microsoft.com/office/drawing/2012/chartStyle" xmlns:ns1="http://schemas.openxmlformats.org/officeDocument/2006/extended-properties" xmlns:vt="http://schemas.openxmlformats.org/officeDocument/2006/docPropsVTypes" xmlns:p14="http://schemas.microsoft.com/office/powerpoint/2010/main" val="1724933507278"/>
       </p:ext>
     </p:extLst>
   </p:cSld>
@@ -18270,7 +18270,7 @@
           <p:cNvPr id="2" name="Title 1">
             <a:extLst>
               <a:ext uri="{B8C683FB-1646-4D25-8269-60B89EFED35D}">
-                <a16:creationId xmlns:a16="http://schemas.microsoft.com/office/drawing/2010/main" xmlns:vt="http://schemas.openxmlformats.org/officeDocument/2006/docPropsVTypes" xmlns:ns1="http://schemas.openxmlformats.org/officeDocument/2006/extended-properties" xmlns:cs="http://schemas.microsoft.com/office/drawing/2012/chartStyle" xmlns:c="http://schemas.openxmlformats.org/drawingml/2006/chart" xmlns="" id="{79F05ACE-80E5-4482-99AB-DA7C1297AC98}"/>
+                <a16:creationId xmlns="" xmlns:c="http://schemas.openxmlformats.org/drawingml/2006/chart" xmlns:cs="http://schemas.microsoft.com/office/drawing/2012/chartStyle" xmlns:ns1="http://schemas.openxmlformats.org/officeDocument/2006/extended-properties" xmlns:vt="http://schemas.openxmlformats.org/officeDocument/2006/docPropsVTypes" xmlns:a16="http://schemas.microsoft.com/office/drawing/2010/main" id="{79F05ACE-80E5-4482-99AB-DA7C1297AC98}"/>
               </a:ext>
             </a:extLst>
           </p:cNvPr>
@@ -18311,7 +18311,7 @@
           <p:cNvPr id="3" name="Text Placeholder 2">
             <a:extLst>
               <a:ext uri="{0D97ECA2-4D98-4E8C-B417-2A8B54516D0B}">
-                <a16:creationId xmlns:a16="http://schemas.microsoft.com/office/drawing/2010/main" xmlns:vt="http://schemas.openxmlformats.org/officeDocument/2006/docPropsVTypes" xmlns:ns1="http://schemas.openxmlformats.org/officeDocument/2006/extended-properties" xmlns:cs="http://schemas.microsoft.com/office/drawing/2012/chartStyle" xmlns:c="http://schemas.openxmlformats.org/drawingml/2006/chart" xmlns="" id="{4F89D813-8F25-4B98-B184-92D3F3B6CB8C}"/>
+                <a16:creationId xmlns="" xmlns:c="http://schemas.openxmlformats.org/drawingml/2006/chart" xmlns:cs="http://schemas.microsoft.com/office/drawing/2012/chartStyle" xmlns:ns1="http://schemas.openxmlformats.org/officeDocument/2006/extended-properties" xmlns:vt="http://schemas.openxmlformats.org/officeDocument/2006/docPropsVTypes" xmlns:a16="http://schemas.microsoft.com/office/drawing/2010/main" id="{4F89D813-8F25-4B98-B184-92D3F3B6CB8C}"/>
               </a:ext>
             </a:extLst>
           </p:cNvPr>
@@ -18346,7 +18346,7 @@
           <p:cNvPr id="6" name="Slide Number Placeholder 5">
             <a:extLst>
               <a:ext uri="{A05CA9C2-78DA-4E0B-AD1B-A8AE46C3D1EE}">
-                <a16:creationId xmlns:a16="http://schemas.microsoft.com/office/drawing/2010/main" xmlns:vt="http://schemas.openxmlformats.org/officeDocument/2006/docPropsVTypes" xmlns:ns1="http://schemas.openxmlformats.org/officeDocument/2006/extended-properties" xmlns:cs="http://schemas.microsoft.com/office/drawing/2012/chartStyle" xmlns:c="http://schemas.openxmlformats.org/drawingml/2006/chart" xmlns="" id="{022CD9F5-7D8A-43E1-AACF-2286818D9D51}"/>
+                <a16:creationId xmlns="" xmlns:c="http://schemas.openxmlformats.org/drawingml/2006/chart" xmlns:cs="http://schemas.microsoft.com/office/drawing/2012/chartStyle" xmlns:ns1="http://schemas.openxmlformats.org/officeDocument/2006/extended-properties" xmlns:vt="http://schemas.openxmlformats.org/officeDocument/2006/docPropsVTypes" xmlns:a16="http://schemas.microsoft.com/office/drawing/2010/main" id="{022CD9F5-7D8A-43E1-AACF-2286818D9D51}"/>
               </a:ext>
             </a:extLst>
           </p:cNvPr>
@@ -18549,7 +18549,7 @@
         <p14:creationId xmlns:p14="http://schemas.microsoft.com/office/powerpoint/2010/main" val="2747132426"/>
       </p:ext>
       <p:ext uri="{F883F0EF-F562-456C-BB06-C1177ECC3360}">
-        <p14:creationId xmlns:p14="http://schemas.microsoft.com/office/powerpoint/2010/main" xmlns:vt="http://schemas.openxmlformats.org/officeDocument/2006/docPropsVTypes" xmlns:ns1="http://schemas.openxmlformats.org/officeDocument/2006/extended-properties" xmlns:cs="http://schemas.microsoft.com/office/drawing/2012/chartStyle" xmlns:c="http://schemas.openxmlformats.org/drawingml/2006/chart" xmlns="" val="1724933507278"/>
+        <p14:creationId xmlns="" xmlns:c="http://schemas.openxmlformats.org/drawingml/2006/chart" xmlns:cs="http://schemas.microsoft.com/office/drawing/2012/chartStyle" xmlns:ns1="http://schemas.openxmlformats.org/officeDocument/2006/extended-properties" xmlns:vt="http://schemas.openxmlformats.org/officeDocument/2006/docPropsVTypes" xmlns:p14="http://schemas.microsoft.com/office/powerpoint/2010/main" val="1724933507278"/>
       </p:ext>
     </p:extLst>
   </p:cSld>
@@ -18581,7 +18581,7 @@
           <p:cNvPr id="2" name="Title 1">
             <a:extLst>
               <a:ext uri="{B8C683FB-1646-4D25-8269-60B89EFED35D}">
-                <a16:creationId xmlns:a16="http://schemas.microsoft.com/office/drawing/2010/main" xmlns:vt="http://schemas.openxmlformats.org/officeDocument/2006/docPropsVTypes" xmlns:ns1="http://schemas.openxmlformats.org/officeDocument/2006/extended-properties" xmlns:cs="http://schemas.microsoft.com/office/drawing/2012/chartStyle" xmlns:c="http://schemas.openxmlformats.org/drawingml/2006/chart" xmlns="" id="{79F05ACE-80E5-4482-99AB-DA7C1297AC98}"/>
+                <a16:creationId xmlns="" xmlns:c="http://schemas.openxmlformats.org/drawingml/2006/chart" xmlns:cs="http://schemas.microsoft.com/office/drawing/2012/chartStyle" xmlns:ns1="http://schemas.openxmlformats.org/officeDocument/2006/extended-properties" xmlns:vt="http://schemas.openxmlformats.org/officeDocument/2006/docPropsVTypes" xmlns:a16="http://schemas.microsoft.com/office/drawing/2010/main" id="{79F05ACE-80E5-4482-99AB-DA7C1297AC98}"/>
               </a:ext>
             </a:extLst>
           </p:cNvPr>
@@ -18626,7 +18626,7 @@
           <p:cNvPr id="3" name="Text Placeholder 2">
             <a:extLst>
               <a:ext uri="{0D97ECA2-4D98-4E8C-B417-2A8B54516D0B}">
-                <a16:creationId xmlns:a16="http://schemas.microsoft.com/office/drawing/2010/main" xmlns:vt="http://schemas.openxmlformats.org/officeDocument/2006/docPropsVTypes" xmlns:ns1="http://schemas.openxmlformats.org/officeDocument/2006/extended-properties" xmlns:cs="http://schemas.microsoft.com/office/drawing/2012/chartStyle" xmlns:c="http://schemas.openxmlformats.org/drawingml/2006/chart" xmlns="" id="{4F89D813-8F25-4B98-B184-92D3F3B6CB8C}"/>
+                <a16:creationId xmlns="" xmlns:c="http://schemas.openxmlformats.org/drawingml/2006/chart" xmlns:cs="http://schemas.microsoft.com/office/drawing/2012/chartStyle" xmlns:ns1="http://schemas.openxmlformats.org/officeDocument/2006/extended-properties" xmlns:vt="http://schemas.openxmlformats.org/officeDocument/2006/docPropsVTypes" xmlns:a16="http://schemas.microsoft.com/office/drawing/2010/main" id="{4F89D813-8F25-4B98-B184-92D3F3B6CB8C}"/>
               </a:ext>
             </a:extLst>
           </p:cNvPr>
@@ -18661,7 +18661,7 @@
           <p:cNvPr id="6" name="Slide Number Placeholder 5">
             <a:extLst>
               <a:ext uri="{A05CA9C2-78DA-4E0B-AD1B-A8AE46C3D1EE}">
-                <a16:creationId xmlns:a16="http://schemas.microsoft.com/office/drawing/2010/main" xmlns:vt="http://schemas.openxmlformats.org/officeDocument/2006/docPropsVTypes" xmlns:ns1="http://schemas.openxmlformats.org/officeDocument/2006/extended-properties" xmlns:cs="http://schemas.microsoft.com/office/drawing/2012/chartStyle" xmlns:c="http://schemas.openxmlformats.org/drawingml/2006/chart" xmlns="" id="{022CD9F5-7D8A-43E1-AACF-2286818D9D51}"/>
+                <a16:creationId xmlns="" xmlns:c="http://schemas.openxmlformats.org/drawingml/2006/chart" xmlns:cs="http://schemas.microsoft.com/office/drawing/2012/chartStyle" xmlns:ns1="http://schemas.openxmlformats.org/officeDocument/2006/extended-properties" xmlns:vt="http://schemas.openxmlformats.org/officeDocument/2006/docPropsVTypes" xmlns:a16="http://schemas.microsoft.com/office/drawing/2010/main" id="{022CD9F5-7D8A-43E1-AACF-2286818D9D51}"/>
               </a:ext>
             </a:extLst>
           </p:cNvPr>
@@ -18896,7 +18896,7 @@
         <p14:creationId xmlns:p14="http://schemas.microsoft.com/office/powerpoint/2010/main" val="3936921085"/>
       </p:ext>
       <p:ext uri="{F883F0EF-F562-456C-BB06-C1177ECC3360}">
-        <p14:creationId xmlns:p14="http://schemas.microsoft.com/office/powerpoint/2010/main" xmlns:vt="http://schemas.openxmlformats.org/officeDocument/2006/docPropsVTypes" xmlns:ns1="http://schemas.openxmlformats.org/officeDocument/2006/extended-properties" xmlns:cs="http://schemas.microsoft.com/office/drawing/2012/chartStyle" xmlns:c="http://schemas.openxmlformats.org/drawingml/2006/chart" xmlns="" val="1724933507278"/>
+        <p14:creationId xmlns="" xmlns:c="http://schemas.openxmlformats.org/drawingml/2006/chart" xmlns:cs="http://schemas.microsoft.com/office/drawing/2012/chartStyle" xmlns:ns1="http://schemas.openxmlformats.org/officeDocument/2006/extended-properties" xmlns:vt="http://schemas.openxmlformats.org/officeDocument/2006/docPropsVTypes" xmlns:p14="http://schemas.microsoft.com/office/powerpoint/2010/main" val="1724933507278"/>
       </p:ext>
     </p:extLst>
   </p:cSld>
@@ -18928,7 +18928,7 @@
           <p:cNvPr id="2" name="Title 1">
             <a:extLst>
               <a:ext uri="{B8C683FB-1646-4D25-8269-60B89EFED35D}">
-                <a16:creationId xmlns="" xmlns:c="http://schemas.openxmlformats.org/drawingml/2006/chart" xmlns:cs="http://schemas.microsoft.com/office/drawing/2012/chartStyle" xmlns:ns1="http://schemas.openxmlformats.org/officeDocument/2006/extended-properties" xmlns:vt="http://schemas.openxmlformats.org/officeDocument/2006/docPropsVTypes" xmlns:a16="http://schemas.microsoft.com/office/drawing/2010/main" id="{79F05ACE-80E5-4482-99AB-DA7C1297AC98}"/>
+                <a16:creationId xmlns:a16="http://schemas.microsoft.com/office/drawing/2010/main" xmlns:vt="http://schemas.openxmlformats.org/officeDocument/2006/docPropsVTypes" xmlns:ns1="http://schemas.openxmlformats.org/officeDocument/2006/extended-properties" xmlns:cs="http://schemas.microsoft.com/office/drawing/2012/chartStyle" xmlns:c="http://schemas.openxmlformats.org/drawingml/2006/chart" xmlns="" id="{79F05ACE-80E5-4482-99AB-DA7C1297AC98}"/>
               </a:ext>
             </a:extLst>
           </p:cNvPr>
@@ -18966,7 +18966,7 @@
           <p:cNvPr id="3" name="Text Placeholder 2">
             <a:extLst>
               <a:ext uri="{0D97ECA2-4D98-4E8C-B417-2A8B54516D0B}">
-                <a16:creationId xmlns="" xmlns:c="http://schemas.openxmlformats.org/drawingml/2006/chart" xmlns:cs="http://schemas.microsoft.com/office/drawing/2012/chartStyle" xmlns:ns1="http://schemas.openxmlformats.org/officeDocument/2006/extended-properties" xmlns:vt="http://schemas.openxmlformats.org/officeDocument/2006/docPropsVTypes" xmlns:a16="http://schemas.microsoft.com/office/drawing/2010/main" id="{4F89D813-8F25-4B98-B184-92D3F3B6CB8C}"/>
+                <a16:creationId xmlns:a16="http://schemas.microsoft.com/office/drawing/2010/main" xmlns:vt="http://schemas.openxmlformats.org/officeDocument/2006/docPropsVTypes" xmlns:ns1="http://schemas.openxmlformats.org/officeDocument/2006/extended-properties" xmlns:cs="http://schemas.microsoft.com/office/drawing/2012/chartStyle" xmlns:c="http://schemas.openxmlformats.org/drawingml/2006/chart" xmlns="" id="{4F89D813-8F25-4B98-B184-92D3F3B6CB8C}"/>
               </a:ext>
             </a:extLst>
           </p:cNvPr>
@@ -18979,8 +18979,8 @@
         </p:nvSpPr>
         <p:spPr>
           <a:xfrm>
-            <a:off x="122217" y="3409950"/>
-            <a:ext cx="8899565" cy="1524000"/>
+            <a:off x="432487" y="4036215"/>
+            <a:ext cx="4495800" cy="867968"/>
           </a:xfrm>
         </p:spPr>
         <p:txBody>
@@ -18989,10 +18989,22 @@
           </a:bodyPr>
           <a:lstStyle/>
           <a:p>
+            <a:pPr algn="ctr"/>
             <a:endParaRPr lang="en-US" dirty="0"/>
           </a:p>
           <a:p>
-            <a:endParaRPr lang="en-US" dirty="0"/>
+            <a:pPr algn="ctr"/>
+            <a:r>
+              <a:rPr lang="es-AR" sz="1100" b="0" i="0" dirty="0">
+                <a:solidFill>
+                  <a:srgbClr val="212121"/>
+                </a:solidFill>
+                <a:effectLst/>
+                <a:latin typeface="Courier New" panose="02070309020205020404" pitchFamily="49" charset="0"/>
+              </a:rPr>
+              <a:t>Componente 1: 0.8200 (varianza)             Componente 2: 0.0803 (varianza)</a:t>
+            </a:r>
+            <a:endParaRPr lang="en-US" sz="1100" dirty="0"/>
           </a:p>
         </p:txBody>
       </p:sp>
@@ -19001,7 +19013,7 @@
           <p:cNvPr id="6" name="Slide Number Placeholder 5">
             <a:extLst>
               <a:ext uri="{A05CA9C2-78DA-4E0B-AD1B-A8AE46C3D1EE}">
-                <a16:creationId xmlns="" xmlns:c="http://schemas.openxmlformats.org/drawingml/2006/chart" xmlns:cs="http://schemas.microsoft.com/office/drawing/2012/chartStyle" xmlns:ns1="http://schemas.openxmlformats.org/officeDocument/2006/extended-properties" xmlns:vt="http://schemas.openxmlformats.org/officeDocument/2006/docPropsVTypes" xmlns:a16="http://schemas.microsoft.com/office/drawing/2010/main" id="{022CD9F5-7D8A-43E1-AACF-2286818D9D51}"/>
+                <a16:creationId xmlns:a16="http://schemas.microsoft.com/office/drawing/2010/main" xmlns:vt="http://schemas.openxmlformats.org/officeDocument/2006/docPropsVTypes" xmlns:ns1="http://schemas.openxmlformats.org/officeDocument/2006/extended-properties" xmlns:cs="http://schemas.microsoft.com/office/drawing/2012/chartStyle" xmlns:c="http://schemas.openxmlformats.org/drawingml/2006/chart" xmlns="" id="{022CD9F5-7D8A-43E1-AACF-2286818D9D51}"/>
               </a:ext>
             </a:extLst>
           </p:cNvPr>
@@ -19038,8 +19050,8 @@
         </p:nvSpPr>
         <p:spPr>
           <a:xfrm>
-            <a:off x="5681230" y="1470239"/>
-            <a:ext cx="3332886" cy="3108543"/>
+            <a:off x="5067586" y="1470239"/>
+            <a:ext cx="3946530" cy="3539430"/>
           </a:xfrm>
           <a:prstGeom prst="rect">
             <a:avLst/>
@@ -19059,72 +19071,65 @@
                 <a:ea typeface="Lato Light" panose="020F0302020204030203" pitchFamily="34" charset="0"/>
                 <a:cs typeface="Lato Light" panose="020F0302020204030203" pitchFamily="34" charset="0"/>
               </a:rPr>
-              <a:t>El PCA ha logrado reducir la dimensionalidad del </a:t>
-            </a:r>
-            <a:r>
-              <a:rPr lang="es-ES" sz="1400" dirty="0" err="1">
-                <a:latin typeface="Lato Light" panose="020F0302020204030203" pitchFamily="34" charset="0"/>
-                <a:ea typeface="Lato Light" panose="020F0302020204030203" pitchFamily="34" charset="0"/>
-                <a:cs typeface="Lato Light" panose="020F0302020204030203" pitchFamily="34" charset="0"/>
-              </a:rPr>
-              <a:t>dataset</a:t>
-            </a:r>
+              <a:t>PC1 (82% de la varianza):Captura la mayor parte de la información relacionada con habilidades técnicas y mentales. </a:t>
+            </a:r>
+          </a:p>
+          <a:p>
+            <a:pPr algn="just"/>
             <a:r>
               <a:rPr lang="es-ES" sz="1400" dirty="0">
                 <a:latin typeface="Lato Light" panose="020F0302020204030203" pitchFamily="34" charset="0"/>
                 <a:ea typeface="Lato Light" panose="020F0302020204030203" pitchFamily="34" charset="0"/>
                 <a:cs typeface="Lato Light" panose="020F0302020204030203" pitchFamily="34" charset="0"/>
               </a:rPr>
-              <a:t> a dos variables que explican bastante bien la diferencia en el </a:t>
-            </a:r>
-            <a:r>
-              <a:rPr lang="es-ES" sz="1400" dirty="0" err="1">
-                <a:latin typeface="Lato Light" panose="020F0302020204030203" pitchFamily="34" charset="0"/>
-                <a:ea typeface="Lato Light" panose="020F0302020204030203" pitchFamily="34" charset="0"/>
-                <a:cs typeface="Lato Light" panose="020F0302020204030203" pitchFamily="34" charset="0"/>
-              </a:rPr>
-              <a:t>overall</a:t>
-            </a:r>
+              <a:t>PC2 (8% de la varianza):Introduce factores adicionales que influyen en el rendimiento, aunque en menor medida que PC1.</a:t>
+            </a:r>
+          </a:p>
+          <a:p>
+            <a:pPr algn="just"/>
+            <a:endParaRPr lang="es-ES" sz="1400" dirty="0">
+              <a:latin typeface="Lato Light" panose="020F0302020204030203" pitchFamily="34" charset="0"/>
+              <a:ea typeface="Lato Light" panose="020F0302020204030203" pitchFamily="34" charset="0"/>
+              <a:cs typeface="Lato Light" panose="020F0302020204030203" pitchFamily="34" charset="0"/>
+            </a:endParaRPr>
+          </a:p>
+          <a:p>
+            <a:pPr algn="just"/>
             <a:r>
               <a:rPr lang="es-ES" sz="1400" dirty="0">
                 <a:latin typeface="Lato Light" panose="020F0302020204030203" pitchFamily="34" charset="0"/>
                 <a:ea typeface="Lato Light" panose="020F0302020204030203" pitchFamily="34" charset="0"/>
                 <a:cs typeface="Lato Light" panose="020F0302020204030203" pitchFamily="34" charset="0"/>
               </a:rPr>
-              <a:t> de los jugadores. Los resultados muestran una tendencia clara: los jugadores con mayor </a:t>
-            </a:r>
-            <a:r>
-              <a:rPr lang="es-ES" sz="1400" dirty="0" err="1">
-                <a:latin typeface="Lato Light" panose="020F0302020204030203" pitchFamily="34" charset="0"/>
-                <a:ea typeface="Lato Light" panose="020F0302020204030203" pitchFamily="34" charset="0"/>
-                <a:cs typeface="Lato Light" panose="020F0302020204030203" pitchFamily="34" charset="0"/>
-              </a:rPr>
-              <a:t>overall</a:t>
-            </a:r>
+              <a:t>Los jugadores se distribuyen ampliamente a lo largo del eje de PC1, indicando que las habilidades capturadas en esta componente son clave para el rendimiento general.</a:t>
+            </a:r>
+          </a:p>
+          <a:p>
+            <a:pPr algn="just"/>
+            <a:endParaRPr lang="es-ES" sz="1400" dirty="0">
+              <a:latin typeface="Lato Light" panose="020F0302020204030203" pitchFamily="34" charset="0"/>
+              <a:ea typeface="Lato Light" panose="020F0302020204030203" pitchFamily="34" charset="0"/>
+              <a:cs typeface="Lato Light" panose="020F0302020204030203" pitchFamily="34" charset="0"/>
+            </a:endParaRPr>
+          </a:p>
+          <a:p>
+            <a:pPr algn="just"/>
             <a:r>
               <a:rPr lang="es-ES" sz="1400" dirty="0">
                 <a:latin typeface="Lato Light" panose="020F0302020204030203" pitchFamily="34" charset="0"/>
                 <a:ea typeface="Lato Light" panose="020F0302020204030203" pitchFamily="34" charset="0"/>
                 <a:cs typeface="Lato Light" panose="020F0302020204030203" pitchFamily="34" charset="0"/>
               </a:rPr>
-              <a:t> tienden a ubicarse en las zonas superiores de PC1 y PC2, lo que sugiere que estas componentes capturan bien las diferencias en las habilidades técnicas y mentales. El gráfico es útil para visualizar cómo el </a:t>
-            </a:r>
-            <a:r>
-              <a:rPr lang="es-ES" sz="1400" dirty="0" err="1">
-                <a:latin typeface="Lato Light" panose="020F0302020204030203" pitchFamily="34" charset="0"/>
-                <a:ea typeface="Lato Light" panose="020F0302020204030203" pitchFamily="34" charset="0"/>
-                <a:cs typeface="Lato Light" panose="020F0302020204030203" pitchFamily="34" charset="0"/>
-              </a:rPr>
-              <a:t>overall</a:t>
-            </a:r>
-            <a:r>
-              <a:rPr lang="es-ES" sz="1400" dirty="0">
-                <a:latin typeface="Lato Light" panose="020F0302020204030203" pitchFamily="34" charset="0"/>
-                <a:ea typeface="Lato Light" panose="020F0302020204030203" pitchFamily="34" charset="0"/>
-                <a:cs typeface="Lato Light" panose="020F0302020204030203" pitchFamily="34" charset="0"/>
-              </a:rPr>
-              <a:t> de los jugadores está relacionado con combinaciones de sus atributos clave.</a:t>
-            </a:r>
+              <a:t>Las primeras dos componentes capturan casi toda la información relevante sobre las habilidades técnicas y mentales de los jugadores.</a:t>
+            </a:r>
+          </a:p>
+          <a:p>
+            <a:pPr algn="just"/>
+            <a:endParaRPr lang="es-ES" sz="1400" dirty="0">
+              <a:latin typeface="Lato Light" panose="020F0302020204030203" pitchFamily="34" charset="0"/>
+              <a:ea typeface="Lato Light" panose="020F0302020204030203" pitchFamily="34" charset="0"/>
+              <a:cs typeface="Lato Light" panose="020F0302020204030203" pitchFamily="34" charset="0"/>
+            </a:endParaRPr>
           </a:p>
         </p:txBody>
       </p:sp>
@@ -19181,10 +19186,10 @@
       </p:sp>
       <p:pic>
         <p:nvPicPr>
-          <p:cNvPr id="10" name="Marcador de contenido 9">
+          <p:cNvPr id="8" name="Marcador de contenido 7">
             <a:extLst>
               <a:ext uri="{FF2B5EF4-FFF2-40B4-BE49-F238E27FC236}">
-                <a16:creationId xmlns:a16="http://schemas.microsoft.com/office/drawing/2014/main" id="{510A7CF7-40CB-7A12-4F0D-81F805810026}"/>
+                <a16:creationId xmlns:a16="http://schemas.microsoft.com/office/drawing/2014/main" id="{A4EBE6FD-EA26-0709-9732-B40346083836}"/>
               </a:ext>
             </a:extLst>
           </p:cNvPr>
@@ -19203,8 +19208,8 @@
         </p:blipFill>
         <p:spPr>
           <a:xfrm>
-            <a:off x="241473" y="1433316"/>
-            <a:ext cx="5315658" cy="3463711"/>
+            <a:off x="126941" y="1273648"/>
+            <a:ext cx="4857951" cy="3154215"/>
           </a:xfrm>
           <a:prstGeom prst="rect">
             <a:avLst/>
@@ -19217,7 +19222,7 @@
         <p14:creationId xmlns:p14="http://schemas.microsoft.com/office/powerpoint/2010/main" val="239630154"/>
       </p:ext>
       <p:ext uri="{F883F0EF-F562-456C-BB06-C1177ECC3360}">
-        <p14:creationId xmlns="" xmlns:c="http://schemas.openxmlformats.org/drawingml/2006/chart" xmlns:cs="http://schemas.microsoft.com/office/drawing/2012/chartStyle" xmlns:ns1="http://schemas.openxmlformats.org/officeDocument/2006/extended-properties" xmlns:vt="http://schemas.openxmlformats.org/officeDocument/2006/docPropsVTypes" xmlns:p14="http://schemas.microsoft.com/office/powerpoint/2010/main" val="1724933507278"/>
+        <p14:creationId xmlns:p14="http://schemas.microsoft.com/office/powerpoint/2010/main" xmlns:vt="http://schemas.openxmlformats.org/officeDocument/2006/docPropsVTypes" xmlns:ns1="http://schemas.openxmlformats.org/officeDocument/2006/extended-properties" xmlns:cs="http://schemas.microsoft.com/office/drawing/2012/chartStyle" xmlns:c="http://schemas.openxmlformats.org/drawingml/2006/chart" xmlns="" val="1724933507278"/>
       </p:ext>
     </p:extLst>
   </p:cSld>
@@ -19249,7 +19254,7 @@
           <p:cNvPr id="2" name="Title 1">
             <a:extLst>
               <a:ext uri="{EFD4B1A3-0441-4EB2-8C41-EB649D7D8AD5}">
-                <a16:creationId xmlns="" xmlns:c="http://schemas.openxmlformats.org/drawingml/2006/chart" xmlns:cs="http://schemas.microsoft.com/office/drawing/2012/chartStyle" xmlns:ns1="http://schemas.openxmlformats.org/officeDocument/2006/extended-properties" xmlns:vt="http://schemas.openxmlformats.org/officeDocument/2006/docPropsVTypes" xmlns:a16="http://schemas.microsoft.com/office/drawing/2010/main" id="{7FCA932B-C1F3-4034-A1EE-C75C3410E19E}"/>
+                <a16:creationId xmlns:a16="http://schemas.microsoft.com/office/drawing/2010/main" xmlns:vt="http://schemas.openxmlformats.org/officeDocument/2006/docPropsVTypes" xmlns:ns1="http://schemas.openxmlformats.org/officeDocument/2006/extended-properties" xmlns:cs="http://schemas.microsoft.com/office/drawing/2012/chartStyle" xmlns:c="http://schemas.openxmlformats.org/drawingml/2006/chart" xmlns="" id="{7FCA932B-C1F3-4034-A1EE-C75C3410E19E}"/>
               </a:ext>
             </a:extLst>
           </p:cNvPr>
@@ -19277,7 +19282,7 @@
           <p:cNvPr id="3" name="Content Placeholder 2">
             <a:extLst>
               <a:ext uri="{11D74129-DCE8-477F-B139-98FF006F09A3}">
-                <a16:creationId xmlns="" xmlns:c="http://schemas.openxmlformats.org/drawingml/2006/chart" xmlns:cs="http://schemas.microsoft.com/office/drawing/2012/chartStyle" xmlns:ns1="http://schemas.openxmlformats.org/officeDocument/2006/extended-properties" xmlns:vt="http://schemas.openxmlformats.org/officeDocument/2006/docPropsVTypes" xmlns:a16="http://schemas.microsoft.com/office/drawing/2010/main" id="{BA930A67-06B6-42A0-BAF9-6FF0540123E4}"/>
+                <a16:creationId xmlns:a16="http://schemas.microsoft.com/office/drawing/2010/main" xmlns:vt="http://schemas.openxmlformats.org/officeDocument/2006/docPropsVTypes" xmlns:ns1="http://schemas.openxmlformats.org/officeDocument/2006/extended-properties" xmlns:cs="http://schemas.microsoft.com/office/drawing/2012/chartStyle" xmlns:c="http://schemas.openxmlformats.org/drawingml/2006/chart" xmlns="" id="{BA930A67-06B6-42A0-BAF9-6FF0540123E4}"/>
               </a:ext>
             </a:extLst>
           </p:cNvPr>
@@ -19312,7 +19317,7 @@
           <p:cNvPr id="4" name="Text Placeholder 4">
             <a:extLst>
               <a:ext uri="{B914BEFE-C832-4DE9-9A5D-3F945CB4D4AF}">
-                <a16:creationId xmlns="" xmlns:c="http://schemas.openxmlformats.org/drawingml/2006/chart" xmlns:cs="http://schemas.microsoft.com/office/drawing/2012/chartStyle" xmlns:ns1="http://schemas.openxmlformats.org/officeDocument/2006/extended-properties" xmlns:vt="http://schemas.openxmlformats.org/officeDocument/2006/docPropsVTypes" xmlns:a16="http://schemas.microsoft.com/office/drawing/2010/main" id="{350EF164-2C9C-4995-9278-C77E01F857BF}"/>
+                <a16:creationId xmlns:a16="http://schemas.microsoft.com/office/drawing/2010/main" xmlns:vt="http://schemas.openxmlformats.org/officeDocument/2006/docPropsVTypes" xmlns:ns1="http://schemas.openxmlformats.org/officeDocument/2006/extended-properties" xmlns:cs="http://schemas.microsoft.com/office/drawing/2012/chartStyle" xmlns:c="http://schemas.openxmlformats.org/drawingml/2006/chart" xmlns="" id="{350EF164-2C9C-4995-9278-C77E01F857BF}"/>
               </a:ext>
             </a:extLst>
           </p:cNvPr>
@@ -19347,7 +19352,7 @@
           <p:cNvPr id="5" name="Text Placeholder 5">
             <a:extLst>
               <a:ext uri="{83CE65BD-71C7-4768-9B77-283E5A12EBCF}">
-                <a16:creationId xmlns="" xmlns:c="http://schemas.openxmlformats.org/drawingml/2006/chart" xmlns:cs="http://schemas.microsoft.com/office/drawing/2012/chartStyle" xmlns:ns1="http://schemas.openxmlformats.org/officeDocument/2006/extended-properties" xmlns:vt="http://schemas.openxmlformats.org/officeDocument/2006/docPropsVTypes" xmlns:a16="http://schemas.microsoft.com/office/drawing/2010/main" id="{99FD3770-C4D9-4FE7-A097-C6AD4040DF76}"/>
+                <a16:creationId xmlns:a16="http://schemas.microsoft.com/office/drawing/2010/main" xmlns:vt="http://schemas.openxmlformats.org/officeDocument/2006/docPropsVTypes" xmlns:ns1="http://schemas.openxmlformats.org/officeDocument/2006/extended-properties" xmlns:cs="http://schemas.microsoft.com/office/drawing/2012/chartStyle" xmlns:c="http://schemas.openxmlformats.org/drawingml/2006/chart" xmlns="" id="{99FD3770-C4D9-4FE7-A097-C6AD4040DF76}"/>
               </a:ext>
             </a:extLst>
           </p:cNvPr>
@@ -19382,7 +19387,7 @@
           <p:cNvPr id="6" name="Text Placeholder 6">
             <a:extLst>
               <a:ext uri="{8CBA43DA-F4E9-4715-82B7-2625B50ED3C3}">
-                <a16:creationId xmlns="" xmlns:c="http://schemas.openxmlformats.org/drawingml/2006/chart" xmlns:cs="http://schemas.microsoft.com/office/drawing/2012/chartStyle" xmlns:ns1="http://schemas.openxmlformats.org/officeDocument/2006/extended-properties" xmlns:vt="http://schemas.openxmlformats.org/officeDocument/2006/docPropsVTypes" xmlns:a16="http://schemas.microsoft.com/office/drawing/2010/main" id="{11A4B312-6398-412C-82D4-5694C9F0821E}"/>
+                <a16:creationId xmlns:a16="http://schemas.microsoft.com/office/drawing/2010/main" xmlns:vt="http://schemas.openxmlformats.org/officeDocument/2006/docPropsVTypes" xmlns:ns1="http://schemas.openxmlformats.org/officeDocument/2006/extended-properties" xmlns:cs="http://schemas.microsoft.com/office/drawing/2012/chartStyle" xmlns:c="http://schemas.openxmlformats.org/drawingml/2006/chart" xmlns="" id="{11A4B312-6398-412C-82D4-5694C9F0821E}"/>
               </a:ext>
             </a:extLst>
           </p:cNvPr>
@@ -19416,7 +19421,7 @@
           <p:cNvPr id="7" name="Text Placeholder 7">
             <a:extLst>
               <a:ext uri="{8670AE3F-5E64-4FC7-B4EA-74DC7A08435A}">
-                <a16:creationId xmlns="" xmlns:c="http://schemas.openxmlformats.org/drawingml/2006/chart" xmlns:cs="http://schemas.microsoft.com/office/drawing/2012/chartStyle" xmlns:ns1="http://schemas.openxmlformats.org/officeDocument/2006/extended-properties" xmlns:vt="http://schemas.openxmlformats.org/officeDocument/2006/docPropsVTypes" xmlns:a16="http://schemas.microsoft.com/office/drawing/2010/main" id="{CE70825D-211F-467B-9E0B-69131B8B5799}"/>
+                <a16:creationId xmlns:a16="http://schemas.microsoft.com/office/drawing/2010/main" xmlns:vt="http://schemas.openxmlformats.org/officeDocument/2006/docPropsVTypes" xmlns:ns1="http://schemas.openxmlformats.org/officeDocument/2006/extended-properties" xmlns:cs="http://schemas.microsoft.com/office/drawing/2012/chartStyle" xmlns:c="http://schemas.openxmlformats.org/drawingml/2006/chart" xmlns="" id="{CE70825D-211F-467B-9E0B-69131B8B5799}"/>
               </a:ext>
             </a:extLst>
           </p:cNvPr>
@@ -19450,7 +19455,7 @@
           <p:cNvPr id="8" name="Text Placeholder 8">
             <a:extLst>
               <a:ext uri="{54D8C84C-9F16-4C53-8967-BED0B3958022}">
-                <a16:creationId xmlns="" xmlns:c="http://schemas.openxmlformats.org/drawingml/2006/chart" xmlns:cs="http://schemas.microsoft.com/office/drawing/2012/chartStyle" xmlns:ns1="http://schemas.openxmlformats.org/officeDocument/2006/extended-properties" xmlns:vt="http://schemas.openxmlformats.org/officeDocument/2006/docPropsVTypes" xmlns:a16="http://schemas.microsoft.com/office/drawing/2010/main" id="{9351B51E-E64D-461F-8ECB-F8115E66ADF6}"/>
+                <a16:creationId xmlns:a16="http://schemas.microsoft.com/office/drawing/2010/main" xmlns:vt="http://schemas.openxmlformats.org/officeDocument/2006/docPropsVTypes" xmlns:ns1="http://schemas.openxmlformats.org/officeDocument/2006/extended-properties" xmlns:cs="http://schemas.microsoft.com/office/drawing/2012/chartStyle" xmlns:c="http://schemas.openxmlformats.org/drawingml/2006/chart" xmlns="" id="{9351B51E-E64D-461F-8ECB-F8115E66ADF6}"/>
               </a:ext>
             </a:extLst>
           </p:cNvPr>
@@ -19484,7 +19489,7 @@
           <p:cNvPr id="9" name="Text Placeholder 9">
             <a:extLst>
               <a:ext uri="{16FE1AC7-1F08-4621-8528-AB78AC58CB49}">
-                <a16:creationId xmlns="" xmlns:c="http://schemas.openxmlformats.org/drawingml/2006/chart" xmlns:cs="http://schemas.microsoft.com/office/drawing/2012/chartStyle" xmlns:ns1="http://schemas.openxmlformats.org/officeDocument/2006/extended-properties" xmlns:vt="http://schemas.openxmlformats.org/officeDocument/2006/docPropsVTypes" xmlns:a16="http://schemas.microsoft.com/office/drawing/2010/main" id="{EDED00E0-6BFD-4A63-9699-0CFCEC9DE8AB}"/>
+                <a16:creationId xmlns:a16="http://schemas.microsoft.com/office/drawing/2010/main" xmlns:vt="http://schemas.openxmlformats.org/officeDocument/2006/docPropsVTypes" xmlns:ns1="http://schemas.openxmlformats.org/officeDocument/2006/extended-properties" xmlns:cs="http://schemas.microsoft.com/office/drawing/2012/chartStyle" xmlns:c="http://schemas.openxmlformats.org/drawingml/2006/chart" xmlns="" id="{EDED00E0-6BFD-4A63-9699-0CFCEC9DE8AB}"/>
               </a:ext>
             </a:extLst>
           </p:cNvPr>
@@ -19537,7 +19542,7 @@
           <p:cNvPr id="10" name="Text Placeholder 10">
             <a:extLst>
               <a:ext uri="{DFD8D171-FA12-4024-826B-722C29065FC6}">
-                <a16:creationId xmlns="" xmlns:c="http://schemas.openxmlformats.org/drawingml/2006/chart" xmlns:cs="http://schemas.microsoft.com/office/drawing/2012/chartStyle" xmlns:ns1="http://schemas.openxmlformats.org/officeDocument/2006/extended-properties" xmlns:vt="http://schemas.openxmlformats.org/officeDocument/2006/docPropsVTypes" xmlns:a16="http://schemas.microsoft.com/office/drawing/2010/main" id="{E8097EE3-A872-467D-ABF7-B5CF91D6B3C0}"/>
+                <a16:creationId xmlns:a16="http://schemas.microsoft.com/office/drawing/2010/main" xmlns:vt="http://schemas.openxmlformats.org/officeDocument/2006/docPropsVTypes" xmlns:ns1="http://schemas.openxmlformats.org/officeDocument/2006/extended-properties" xmlns:cs="http://schemas.microsoft.com/office/drawing/2012/chartStyle" xmlns:c="http://schemas.openxmlformats.org/drawingml/2006/chart" xmlns="" id="{E8097EE3-A872-467D-ABF7-B5CF91D6B3C0}"/>
               </a:ext>
             </a:extLst>
           </p:cNvPr>
@@ -19579,7 +19584,7 @@
           <p:cNvPr id="12" name="Slide Number Placeholder 5">
             <a:extLst>
               <a:ext uri="{B2A503B4-5A43-4FA7-8FEC-6A4676E4D770}">
-                <a16:creationId xmlns="" xmlns:c="http://schemas.openxmlformats.org/drawingml/2006/chart" xmlns:cs="http://schemas.microsoft.com/office/drawing/2012/chartStyle" xmlns:ns1="http://schemas.openxmlformats.org/officeDocument/2006/extended-properties" xmlns:vt="http://schemas.openxmlformats.org/officeDocument/2006/docPropsVTypes" xmlns:a16="http://schemas.microsoft.com/office/drawing/2010/main" id="{41F46006-FE25-4876-B604-5D5465418E88}"/>
+                <a16:creationId xmlns:a16="http://schemas.microsoft.com/office/drawing/2010/main" xmlns:vt="http://schemas.openxmlformats.org/officeDocument/2006/docPropsVTypes" xmlns:ns1="http://schemas.openxmlformats.org/officeDocument/2006/extended-properties" xmlns:cs="http://schemas.microsoft.com/office/drawing/2012/chartStyle" xmlns:c="http://schemas.openxmlformats.org/drawingml/2006/chart" xmlns="" id="{41F46006-FE25-4876-B604-5D5465418E88}"/>
               </a:ext>
             </a:extLst>
           </p:cNvPr>
@@ -19605,7 +19610,7 @@
     </p:spTree>
     <p:extLst>
       <p:ext uri="{41ACB81B-CFCC-4099-84E7-308FC82BFC89}">
-        <p14:creationId xmlns="" xmlns:c="http://schemas.openxmlformats.org/drawingml/2006/chart" xmlns:cs="http://schemas.microsoft.com/office/drawing/2012/chartStyle" xmlns:ns1="http://schemas.openxmlformats.org/officeDocument/2006/extended-properties" xmlns:vt="http://schemas.openxmlformats.org/officeDocument/2006/docPropsVTypes" xmlns:p14="http://schemas.microsoft.com/office/powerpoint/2010/main" val="1724933507284"/>
+        <p14:creationId xmlns:p14="http://schemas.microsoft.com/office/powerpoint/2010/main" xmlns:vt="http://schemas.openxmlformats.org/officeDocument/2006/docPropsVTypes" xmlns:ns1="http://schemas.openxmlformats.org/officeDocument/2006/extended-properties" xmlns:cs="http://schemas.microsoft.com/office/drawing/2012/chartStyle" xmlns:c="http://schemas.openxmlformats.org/drawingml/2006/chart" xmlns="" val="1724933507284"/>
       </p:ext>
     </p:extLst>
   </p:cSld>
@@ -19637,7 +19642,7 @@
           <p:cNvPr id="2" name="Title 1">
             <a:extLst>
               <a:ext uri="{5B303D78-12B4-4A51-9C53-7E77E2B27077}">
-                <a16:creationId xmlns:a16="http://schemas.microsoft.com/office/drawing/2010/main" xmlns:vt="http://schemas.openxmlformats.org/officeDocument/2006/docPropsVTypes" xmlns:ns1="http://schemas.openxmlformats.org/officeDocument/2006/extended-properties" xmlns:cs="http://schemas.microsoft.com/office/drawing/2012/chartStyle" xmlns:c="http://schemas.openxmlformats.org/drawingml/2006/chart" xmlns="" id="{1A021A1B-B20C-4272-90AA-EFF415EB5E53}"/>
+                <a16:creationId xmlns="" xmlns:c="http://schemas.openxmlformats.org/drawingml/2006/chart" xmlns:cs="http://schemas.microsoft.com/office/drawing/2012/chartStyle" xmlns:ns1="http://schemas.openxmlformats.org/officeDocument/2006/extended-properties" xmlns:vt="http://schemas.openxmlformats.org/officeDocument/2006/docPropsVTypes" xmlns:a16="http://schemas.microsoft.com/office/drawing/2010/main" id="{1A021A1B-B20C-4272-90AA-EFF415EB5E53}"/>
               </a:ext>
             </a:extLst>
           </p:cNvPr>
@@ -19666,7 +19671,7 @@
           <p:cNvPr id="7" name="Text Placeholder 10">
             <a:extLst>
               <a:ext uri="{942ADB7E-DA6C-4E8C-AFC8-A20FE01708D5}">
-                <a16:creationId xmlns:a16="http://schemas.microsoft.com/office/drawing/2010/main" xmlns:vt="http://schemas.openxmlformats.org/officeDocument/2006/docPropsVTypes" xmlns:ns1="http://schemas.openxmlformats.org/officeDocument/2006/extended-properties" xmlns:cs="http://schemas.microsoft.com/office/drawing/2012/chartStyle" xmlns:c="http://schemas.openxmlformats.org/drawingml/2006/chart" xmlns="" id="{E0D8483C-7C8B-4A09-A54E-A51C5618624E}"/>
+                <a16:creationId xmlns="" xmlns:c="http://schemas.openxmlformats.org/drawingml/2006/chart" xmlns:cs="http://schemas.microsoft.com/office/drawing/2012/chartStyle" xmlns:ns1="http://schemas.openxmlformats.org/officeDocument/2006/extended-properties" xmlns:vt="http://schemas.openxmlformats.org/officeDocument/2006/docPropsVTypes" xmlns:a16="http://schemas.microsoft.com/office/drawing/2010/main" id="{E0D8483C-7C8B-4A09-A54E-A51C5618624E}"/>
               </a:ext>
             </a:extLst>
           </p:cNvPr>
@@ -19700,7 +19705,7 @@
           <p:cNvPr id="8" name="Text Placeholder 11">
             <a:extLst>
               <a:ext uri="{9DD59CE3-369D-479E-BD0D-5CAE04B66658}">
-                <a16:creationId xmlns:a16="http://schemas.microsoft.com/office/drawing/2010/main" xmlns:vt="http://schemas.openxmlformats.org/officeDocument/2006/docPropsVTypes" xmlns:ns1="http://schemas.openxmlformats.org/officeDocument/2006/extended-properties" xmlns:cs="http://schemas.microsoft.com/office/drawing/2012/chartStyle" xmlns:c="http://schemas.openxmlformats.org/drawingml/2006/chart" xmlns="" id="{3BB0F81E-C136-49D2-9324-D9ECD3DEA1E7}"/>
+                <a16:creationId xmlns="" xmlns:c="http://schemas.openxmlformats.org/drawingml/2006/chart" xmlns:cs="http://schemas.microsoft.com/office/drawing/2012/chartStyle" xmlns:ns1="http://schemas.openxmlformats.org/officeDocument/2006/extended-properties" xmlns:vt="http://schemas.openxmlformats.org/officeDocument/2006/docPropsVTypes" xmlns:a16="http://schemas.microsoft.com/office/drawing/2010/main" id="{3BB0F81E-C136-49D2-9324-D9ECD3DEA1E7}"/>
               </a:ext>
             </a:extLst>
           </p:cNvPr>
@@ -19758,7 +19763,7 @@
           <p:cNvPr id="9" name="Text Placeholder 12">
             <a:extLst>
               <a:ext uri="{0C148311-E6D4-4EB5-A9D9-91D87FBC976D}">
-                <a16:creationId xmlns:a16="http://schemas.microsoft.com/office/drawing/2010/main" xmlns:vt="http://schemas.openxmlformats.org/officeDocument/2006/docPropsVTypes" xmlns:ns1="http://schemas.openxmlformats.org/officeDocument/2006/extended-properties" xmlns:cs="http://schemas.microsoft.com/office/drawing/2012/chartStyle" xmlns:c="http://schemas.openxmlformats.org/drawingml/2006/chart" xmlns="" id="{D2461009-4514-4C0F-B703-4D7531746E66}"/>
+                <a16:creationId xmlns="" xmlns:c="http://schemas.openxmlformats.org/drawingml/2006/chart" xmlns:cs="http://schemas.microsoft.com/office/drawing/2012/chartStyle" xmlns:ns1="http://schemas.openxmlformats.org/officeDocument/2006/extended-properties" xmlns:vt="http://schemas.openxmlformats.org/officeDocument/2006/docPropsVTypes" xmlns:a16="http://schemas.microsoft.com/office/drawing/2010/main" id="{D2461009-4514-4C0F-B703-4D7531746E66}"/>
               </a:ext>
             </a:extLst>
           </p:cNvPr>
@@ -19792,7 +19797,7 @@
           <p:cNvPr id="10" name="Text Placeholder 13">
             <a:extLst>
               <a:ext uri="{0F833F4E-4AD0-4F8C-B7C3-08435B9CB06C}">
-                <a16:creationId xmlns:a16="http://schemas.microsoft.com/office/drawing/2010/main" xmlns:vt="http://schemas.openxmlformats.org/officeDocument/2006/docPropsVTypes" xmlns:ns1="http://schemas.openxmlformats.org/officeDocument/2006/extended-properties" xmlns:cs="http://schemas.microsoft.com/office/drawing/2012/chartStyle" xmlns:c="http://schemas.openxmlformats.org/drawingml/2006/chart" xmlns="" id="{A39005D5-5356-4B64-B481-04F437B4C88C}"/>
+                <a16:creationId xmlns="" xmlns:c="http://schemas.openxmlformats.org/drawingml/2006/chart" xmlns:cs="http://schemas.microsoft.com/office/drawing/2012/chartStyle" xmlns:ns1="http://schemas.openxmlformats.org/officeDocument/2006/extended-properties" xmlns:vt="http://schemas.openxmlformats.org/officeDocument/2006/docPropsVTypes" xmlns:a16="http://schemas.microsoft.com/office/drawing/2010/main" id="{A39005D5-5356-4B64-B481-04F437B4C88C}"/>
               </a:ext>
             </a:extLst>
           </p:cNvPr>
@@ -19826,7 +19831,7 @@
           <p:cNvPr id="13" name="Slide Number Placeholder 5">
             <a:extLst>
               <a:ext uri="{E4A4620C-39CF-4D34-A7D5-5E4150DB51AB}">
-                <a16:creationId xmlns:a16="http://schemas.microsoft.com/office/drawing/2010/main" xmlns:vt="http://schemas.openxmlformats.org/officeDocument/2006/docPropsVTypes" xmlns:ns1="http://schemas.openxmlformats.org/officeDocument/2006/extended-properties" xmlns:cs="http://schemas.microsoft.com/office/drawing/2012/chartStyle" xmlns:c="http://schemas.openxmlformats.org/drawingml/2006/chart" xmlns="" id="{762479A5-14C5-48DB-AF8A-DF2C7374B65D}"/>
+                <a16:creationId xmlns="" xmlns:c="http://schemas.openxmlformats.org/drawingml/2006/chart" xmlns:cs="http://schemas.microsoft.com/office/drawing/2012/chartStyle" xmlns:ns1="http://schemas.openxmlformats.org/officeDocument/2006/extended-properties" xmlns:vt="http://schemas.openxmlformats.org/officeDocument/2006/docPropsVTypes" xmlns:a16="http://schemas.microsoft.com/office/drawing/2010/main" id="{762479A5-14C5-48DB-AF8A-DF2C7374B65D}"/>
               </a:ext>
             </a:extLst>
           </p:cNvPr>
@@ -19855,7 +19860,7 @@
         <p14:creationId xmlns:p14="http://schemas.microsoft.com/office/powerpoint/2010/main" val="3184207064"/>
       </p:ext>
       <p:ext uri="{26EF5F6D-28B7-4ECB-8BDB-635CD51534D8}">
-        <p14:creationId xmlns:p14="http://schemas.microsoft.com/office/powerpoint/2010/main" xmlns:vt="http://schemas.openxmlformats.org/officeDocument/2006/docPropsVTypes" xmlns:ns1="http://schemas.openxmlformats.org/officeDocument/2006/extended-properties" xmlns:cs="http://schemas.microsoft.com/office/drawing/2012/chartStyle" xmlns:c="http://schemas.openxmlformats.org/drawingml/2006/chart" xmlns="" val="1724933507280"/>
+        <p14:creationId xmlns="" xmlns:c="http://schemas.openxmlformats.org/drawingml/2006/chart" xmlns:cs="http://schemas.microsoft.com/office/drawing/2012/chartStyle" xmlns:ns1="http://schemas.openxmlformats.org/officeDocument/2006/extended-properties" xmlns:vt="http://schemas.openxmlformats.org/officeDocument/2006/docPropsVTypes" xmlns:p14="http://schemas.microsoft.com/office/powerpoint/2010/main" val="1724933507280"/>
       </p:ext>
     </p:extLst>
   </p:cSld>
@@ -19887,7 +19892,7 @@
           <p:cNvPr id="4" name="Slide Number Placeholder 5">
             <a:extLst>
               <a:ext uri="{0C5D62E0-A677-4594-A731-F2C8AD2507A4}">
-                <a16:creationId xmlns="" xmlns:c="http://schemas.openxmlformats.org/drawingml/2006/chart" xmlns:cs="http://schemas.microsoft.com/office/drawing/2012/chartStyle" xmlns:ns1="http://schemas.openxmlformats.org/officeDocument/2006/extended-properties" xmlns:vt="http://schemas.openxmlformats.org/officeDocument/2006/docPropsVTypes" xmlns:a16="http://schemas.microsoft.com/office/drawing/2010/main" id="{1F6742FA-2E81-4356-8319-0734C916429B}"/>
+                <a16:creationId xmlns:a16="http://schemas.microsoft.com/office/drawing/2010/main" xmlns:vt="http://schemas.openxmlformats.org/officeDocument/2006/docPropsVTypes" xmlns:ns1="http://schemas.openxmlformats.org/officeDocument/2006/extended-properties" xmlns:cs="http://schemas.microsoft.com/office/drawing/2012/chartStyle" xmlns:c="http://schemas.openxmlformats.org/drawingml/2006/chart" xmlns="" id="{1F6742FA-2E81-4356-8319-0734C916429B}"/>
               </a:ext>
             </a:extLst>
           </p:cNvPr>
@@ -20138,7 +20143,7 @@
     </p:spTree>
     <p:extLst>
       <p:ext uri="{5A179E6D-76AA-4DBB-8841-8472EB9B1CCC}">
-        <p14:creationId xmlns="" xmlns:c="http://schemas.openxmlformats.org/drawingml/2006/chart" xmlns:cs="http://schemas.microsoft.com/office/drawing/2012/chartStyle" xmlns:ns1="http://schemas.openxmlformats.org/officeDocument/2006/extended-properties" xmlns:vt="http://schemas.openxmlformats.org/officeDocument/2006/docPropsVTypes" xmlns:p14="http://schemas.microsoft.com/office/powerpoint/2010/main" val="1724933507293"/>
+        <p14:creationId xmlns:p14="http://schemas.microsoft.com/office/powerpoint/2010/main" xmlns:vt="http://schemas.openxmlformats.org/officeDocument/2006/docPropsVTypes" xmlns:ns1="http://schemas.openxmlformats.org/officeDocument/2006/extended-properties" xmlns:cs="http://schemas.microsoft.com/office/drawing/2012/chartStyle" xmlns:c="http://schemas.openxmlformats.org/drawingml/2006/chart" xmlns="" val="1724933507293"/>
       </p:ext>
     </p:extLst>
   </p:cSld>
@@ -20170,7 +20175,7 @@
           <p:cNvPr id="2" name="Text Placeholder 2">
             <a:extLst>
               <a:ext uri="{CDCEE881-034D-444D-A03D-4FC0E809CC46}">
-                <a16:creationId xmlns="" xmlns:c="http://schemas.openxmlformats.org/drawingml/2006/chart" xmlns:cs="http://schemas.microsoft.com/office/drawing/2012/chartStyle" xmlns:ns1="http://schemas.openxmlformats.org/officeDocument/2006/extended-properties" xmlns:vt="http://schemas.openxmlformats.org/officeDocument/2006/docPropsVTypes" xmlns:a16="http://schemas.microsoft.com/office/drawing/2010/main" id="{B94BEA4A-67A2-489E-B960-13FE59867D24}"/>
+                <a16:creationId xmlns:a16="http://schemas.microsoft.com/office/drawing/2010/main" xmlns:vt="http://schemas.openxmlformats.org/officeDocument/2006/docPropsVTypes" xmlns:ns1="http://schemas.openxmlformats.org/officeDocument/2006/extended-properties" xmlns:cs="http://schemas.microsoft.com/office/drawing/2012/chartStyle" xmlns:c="http://schemas.openxmlformats.org/drawingml/2006/chart" xmlns="" id="{B94BEA4A-67A2-489E-B960-13FE59867D24}"/>
               </a:ext>
             </a:extLst>
           </p:cNvPr>
@@ -20210,7 +20215,7 @@
           <p:cNvPr id="3" name="Title 1">
             <a:extLst>
               <a:ext uri="{4AEEA24B-5919-4032-AC2A-823129A5C1B7}">
-                <a16:creationId xmlns="" xmlns:c="http://schemas.openxmlformats.org/drawingml/2006/chart" xmlns:cs="http://schemas.microsoft.com/office/drawing/2012/chartStyle" xmlns:ns1="http://schemas.openxmlformats.org/officeDocument/2006/extended-properties" xmlns:vt="http://schemas.openxmlformats.org/officeDocument/2006/docPropsVTypes" xmlns:a16="http://schemas.microsoft.com/office/drawing/2010/main" id="{A655BF9C-2BAD-441A-A3AF-6958523F270F}"/>
+                <a16:creationId xmlns:a16="http://schemas.microsoft.com/office/drawing/2010/main" xmlns:vt="http://schemas.openxmlformats.org/officeDocument/2006/docPropsVTypes" xmlns:ns1="http://schemas.openxmlformats.org/officeDocument/2006/extended-properties" xmlns:cs="http://schemas.microsoft.com/office/drawing/2012/chartStyle" xmlns:c="http://schemas.openxmlformats.org/drawingml/2006/chart" xmlns="" id="{A655BF9C-2BAD-441A-A3AF-6958523F270F}"/>
               </a:ext>
             </a:extLst>
           </p:cNvPr>
@@ -20238,7 +20243,7 @@
           <p:cNvPr id="4" name="Slide Number Placeholder 5">
             <a:extLst>
               <a:ext uri="{9288DFF7-30DB-49DA-A26B-C9AF88F6DE06}">
-                <a16:creationId xmlns="" xmlns:c="http://schemas.openxmlformats.org/drawingml/2006/chart" xmlns:cs="http://schemas.microsoft.com/office/drawing/2012/chartStyle" xmlns:ns1="http://schemas.openxmlformats.org/officeDocument/2006/extended-properties" xmlns:vt="http://schemas.openxmlformats.org/officeDocument/2006/docPropsVTypes" xmlns:a16="http://schemas.microsoft.com/office/drawing/2010/main" id="{0E3175FC-B34A-4E62-93C8-8F9C02A9974A}"/>
+                <a16:creationId xmlns:a16="http://schemas.microsoft.com/office/drawing/2010/main" xmlns:vt="http://schemas.openxmlformats.org/officeDocument/2006/docPropsVTypes" xmlns:ns1="http://schemas.openxmlformats.org/officeDocument/2006/extended-properties" xmlns:cs="http://schemas.microsoft.com/office/drawing/2012/chartStyle" xmlns:c="http://schemas.openxmlformats.org/drawingml/2006/chart" xmlns="" id="{0E3175FC-B34A-4E62-93C8-8F9C02A9974A}"/>
               </a:ext>
             </a:extLst>
           </p:cNvPr>
@@ -20334,7 +20339,7 @@
     </p:spTree>
     <p:extLst>
       <p:ext uri="{2E04569A-F8EA-4503-B1DE-36A2F5135513}">
-        <p14:creationId xmlns="" xmlns:c="http://schemas.openxmlformats.org/drawingml/2006/chart" xmlns:cs="http://schemas.microsoft.com/office/drawing/2012/chartStyle" xmlns:ns1="http://schemas.openxmlformats.org/officeDocument/2006/extended-properties" xmlns:vt="http://schemas.openxmlformats.org/officeDocument/2006/docPropsVTypes" xmlns:p14="http://schemas.microsoft.com/office/powerpoint/2010/main" val="1724933507275"/>
+        <p14:creationId xmlns:p14="http://schemas.microsoft.com/office/powerpoint/2010/main" xmlns:vt="http://schemas.openxmlformats.org/officeDocument/2006/docPropsVTypes" xmlns:ns1="http://schemas.openxmlformats.org/officeDocument/2006/extended-properties" xmlns:cs="http://schemas.microsoft.com/office/drawing/2012/chartStyle" xmlns:c="http://schemas.openxmlformats.org/drawingml/2006/chart" xmlns="" val="1724933507275"/>
       </p:ext>
     </p:extLst>
   </p:cSld>
@@ -20366,7 +20371,7 @@
           <p:cNvPr id="2" name="Title 1">
             <a:extLst>
               <a:ext uri="{CC8BC4DB-F072-41B6-B519-CFBB8CB196DF}">
-                <a16:creationId xmlns="" xmlns:c="http://schemas.openxmlformats.org/drawingml/2006/chart" xmlns:cs="http://schemas.microsoft.com/office/drawing/2012/chartStyle" xmlns:ns1="http://schemas.openxmlformats.org/officeDocument/2006/extended-properties" xmlns:vt="http://schemas.openxmlformats.org/officeDocument/2006/docPropsVTypes" xmlns:a16="http://schemas.microsoft.com/office/drawing/2010/main" id="{BE26ECE3-1C0C-4274-BDE2-47154198EC4E}"/>
+                <a16:creationId xmlns:a16="http://schemas.microsoft.com/office/drawing/2010/main" xmlns:vt="http://schemas.openxmlformats.org/officeDocument/2006/docPropsVTypes" xmlns:ns1="http://schemas.openxmlformats.org/officeDocument/2006/extended-properties" xmlns:cs="http://schemas.microsoft.com/office/drawing/2012/chartStyle" xmlns:c="http://schemas.openxmlformats.org/drawingml/2006/chart" xmlns="" id="{BE26ECE3-1C0C-4274-BDE2-47154198EC4E}"/>
               </a:ext>
             </a:extLst>
           </p:cNvPr>
@@ -20401,7 +20406,7 @@
           <p:cNvPr id="3" name="Content Placeholder 2">
             <a:extLst>
               <a:ext uri="{FC47C155-EC11-4A35-9AB0-ACEEFF443186}">
-                <a16:creationId xmlns="" xmlns:c="http://schemas.openxmlformats.org/drawingml/2006/chart" xmlns:cs="http://schemas.microsoft.com/office/drawing/2012/chartStyle" xmlns:ns1="http://schemas.openxmlformats.org/officeDocument/2006/extended-properties" xmlns:vt="http://schemas.openxmlformats.org/officeDocument/2006/docPropsVTypes" xmlns:a16="http://schemas.microsoft.com/office/drawing/2010/main" id="{A86FA5F1-6C6F-41C8-B290-257CB1F7348C}"/>
+                <a16:creationId xmlns:a16="http://schemas.microsoft.com/office/drawing/2010/main" xmlns:vt="http://schemas.openxmlformats.org/officeDocument/2006/docPropsVTypes" xmlns:ns1="http://schemas.openxmlformats.org/officeDocument/2006/extended-properties" xmlns:cs="http://schemas.microsoft.com/office/drawing/2012/chartStyle" xmlns:c="http://schemas.openxmlformats.org/drawingml/2006/chart" xmlns="" id="{A86FA5F1-6C6F-41C8-B290-257CB1F7348C}"/>
               </a:ext>
             </a:extLst>
           </p:cNvPr>
@@ -20524,7 +20529,7 @@
           <p:cNvPr id="5" name="Slide Number Placeholder 5">
             <a:extLst>
               <a:ext uri="{37C6BC83-8266-4F5E-ADBC-111EAFD52FCF}">
-                <a16:creationId xmlns="" xmlns:c="http://schemas.openxmlformats.org/drawingml/2006/chart" xmlns:cs="http://schemas.microsoft.com/office/drawing/2012/chartStyle" xmlns:ns1="http://schemas.openxmlformats.org/officeDocument/2006/extended-properties" xmlns:vt="http://schemas.openxmlformats.org/officeDocument/2006/docPropsVTypes" xmlns:a16="http://schemas.microsoft.com/office/drawing/2010/main" id="{33F297AD-8ABC-4FD8-8561-7F4105551AE1}"/>
+                <a16:creationId xmlns:a16="http://schemas.microsoft.com/office/drawing/2010/main" xmlns:vt="http://schemas.openxmlformats.org/officeDocument/2006/docPropsVTypes" xmlns:ns1="http://schemas.openxmlformats.org/officeDocument/2006/extended-properties" xmlns:cs="http://schemas.microsoft.com/office/drawing/2012/chartStyle" xmlns:c="http://schemas.openxmlformats.org/drawingml/2006/chart" xmlns="" id="{33F297AD-8ABC-4FD8-8561-7F4105551AE1}"/>
               </a:ext>
             </a:extLst>
           </p:cNvPr>
@@ -20555,7 +20560,7 @@
     </p:spTree>
     <p:extLst>
       <p:ext uri="{E77A69BA-BF87-4A67-9F21-12DB841D9E68}">
-        <p14:creationId xmlns="" xmlns:c="http://schemas.openxmlformats.org/drawingml/2006/chart" xmlns:cs="http://schemas.microsoft.com/office/drawing/2012/chartStyle" xmlns:ns1="http://schemas.openxmlformats.org/officeDocument/2006/extended-properties" xmlns:vt="http://schemas.openxmlformats.org/officeDocument/2006/docPropsVTypes" xmlns:p14="http://schemas.microsoft.com/office/powerpoint/2010/main" val="1724933507276"/>
+        <p14:creationId xmlns:p14="http://schemas.microsoft.com/office/powerpoint/2010/main" xmlns:vt="http://schemas.openxmlformats.org/officeDocument/2006/docPropsVTypes" xmlns:ns1="http://schemas.openxmlformats.org/officeDocument/2006/extended-properties" xmlns:cs="http://schemas.microsoft.com/office/drawing/2012/chartStyle" xmlns:c="http://schemas.openxmlformats.org/drawingml/2006/chart" xmlns="" val="1724933507276"/>
       </p:ext>
     </p:extLst>
   </p:cSld>
@@ -20587,7 +20592,7 @@
           <p:cNvPr id="2" name="Text Placeholder 2">
             <a:extLst>
               <a:ext uri="{C38551E4-6DE1-456C-A758-395BBF1978FE}">
-                <a16:creationId xmlns="" xmlns:c="http://schemas.openxmlformats.org/drawingml/2006/chart" xmlns:cs="http://schemas.microsoft.com/office/drawing/2012/chartStyle" xmlns:ns1="http://schemas.openxmlformats.org/officeDocument/2006/extended-properties" xmlns:vt="http://schemas.openxmlformats.org/officeDocument/2006/docPropsVTypes" xmlns:a16="http://schemas.microsoft.com/office/drawing/2010/main" id="{55AE9C9F-48D8-4936-9459-3835218CAF68}"/>
+                <a16:creationId xmlns:a16="http://schemas.microsoft.com/office/drawing/2010/main" xmlns:vt="http://schemas.openxmlformats.org/officeDocument/2006/docPropsVTypes" xmlns:ns1="http://schemas.openxmlformats.org/officeDocument/2006/extended-properties" xmlns:cs="http://schemas.microsoft.com/office/drawing/2012/chartStyle" xmlns:c="http://schemas.openxmlformats.org/drawingml/2006/chart" xmlns="" id="{55AE9C9F-48D8-4936-9459-3835218CAF68}"/>
               </a:ext>
             </a:extLst>
           </p:cNvPr>
@@ -20629,7 +20634,7 @@
           <p:cNvPr id="3" name="Title 1">
             <a:extLst>
               <a:ext uri="{D655EA22-152D-473E-B936-CBBEA79E4066}">
-                <a16:creationId xmlns="" xmlns:c="http://schemas.openxmlformats.org/drawingml/2006/chart" xmlns:cs="http://schemas.microsoft.com/office/drawing/2012/chartStyle" xmlns:ns1="http://schemas.openxmlformats.org/officeDocument/2006/extended-properties" xmlns:vt="http://schemas.openxmlformats.org/officeDocument/2006/docPropsVTypes" xmlns:a16="http://schemas.microsoft.com/office/drawing/2010/main" id="{97E79C22-0F35-4D1F-A887-F0379159CC87}"/>
+                <a16:creationId xmlns:a16="http://schemas.microsoft.com/office/drawing/2010/main" xmlns:vt="http://schemas.openxmlformats.org/officeDocument/2006/docPropsVTypes" xmlns:ns1="http://schemas.openxmlformats.org/officeDocument/2006/extended-properties" xmlns:cs="http://schemas.microsoft.com/office/drawing/2012/chartStyle" xmlns:c="http://schemas.openxmlformats.org/drawingml/2006/chart" xmlns="" id="{97E79C22-0F35-4D1F-A887-F0379159CC87}"/>
               </a:ext>
             </a:extLst>
           </p:cNvPr>
@@ -20664,7 +20669,7 @@
           <p:cNvPr id="4" name="Content Placeholder 4">
             <a:extLst>
               <a:ext uri="{54956BAF-CC33-43D7-B261-B87D2579E4D0}">
-                <a16:creationId xmlns="" xmlns:c="http://schemas.openxmlformats.org/drawingml/2006/chart" xmlns:cs="http://schemas.microsoft.com/office/drawing/2012/chartStyle" xmlns:ns1="http://schemas.openxmlformats.org/officeDocument/2006/extended-properties" xmlns:vt="http://schemas.openxmlformats.org/officeDocument/2006/docPropsVTypes" xmlns:a16="http://schemas.microsoft.com/office/drawing/2010/main" id="{89F3C076-F9D5-467D-9741-5590361B677F}"/>
+                <a16:creationId xmlns:a16="http://schemas.microsoft.com/office/drawing/2010/main" xmlns:vt="http://schemas.openxmlformats.org/officeDocument/2006/docPropsVTypes" xmlns:ns1="http://schemas.openxmlformats.org/officeDocument/2006/extended-properties" xmlns:cs="http://schemas.microsoft.com/office/drawing/2012/chartStyle" xmlns:c="http://schemas.openxmlformats.org/drawingml/2006/chart" xmlns="" id="{89F3C076-F9D5-467D-9741-5590361B677F}"/>
               </a:ext>
             </a:extLst>
           </p:cNvPr>
@@ -20764,7 +20769,7 @@
           <p:cNvPr id="6" name="Slide Number Placeholder 5">
             <a:extLst>
               <a:ext uri="{B7369627-9FB7-4F50-AFCF-27F06E05740A}">
-                <a16:creationId xmlns="" xmlns:c="http://schemas.openxmlformats.org/drawingml/2006/chart" xmlns:cs="http://schemas.microsoft.com/office/drawing/2012/chartStyle" xmlns:ns1="http://schemas.openxmlformats.org/officeDocument/2006/extended-properties" xmlns:vt="http://schemas.openxmlformats.org/officeDocument/2006/docPropsVTypes" xmlns:a16="http://schemas.microsoft.com/office/drawing/2010/main" id="{60197A7A-77FE-492A-8D4C-D29355BF1103}"/>
+                <a16:creationId xmlns:a16="http://schemas.microsoft.com/office/drawing/2010/main" xmlns:vt="http://schemas.openxmlformats.org/officeDocument/2006/docPropsVTypes" xmlns:ns1="http://schemas.openxmlformats.org/officeDocument/2006/extended-properties" xmlns:cs="http://schemas.microsoft.com/office/drawing/2012/chartStyle" xmlns:c="http://schemas.openxmlformats.org/drawingml/2006/chart" xmlns="" id="{60197A7A-77FE-492A-8D4C-D29355BF1103}"/>
               </a:ext>
             </a:extLst>
           </p:cNvPr>
@@ -20790,7 +20795,7 @@
     </p:spTree>
     <p:extLst>
       <p:ext uri="{E1AEAC38-A862-42AA-86DA-A40139BF5BF9}">
-        <p14:creationId xmlns="" xmlns:c="http://schemas.openxmlformats.org/drawingml/2006/chart" xmlns:cs="http://schemas.microsoft.com/office/drawing/2012/chartStyle" xmlns:ns1="http://schemas.openxmlformats.org/officeDocument/2006/extended-properties" xmlns:vt="http://schemas.openxmlformats.org/officeDocument/2006/docPropsVTypes" xmlns:p14="http://schemas.microsoft.com/office/powerpoint/2010/main" val="1724933507277"/>
+        <p14:creationId xmlns:p14="http://schemas.microsoft.com/office/powerpoint/2010/main" xmlns:vt="http://schemas.openxmlformats.org/officeDocument/2006/docPropsVTypes" xmlns:ns1="http://schemas.openxmlformats.org/officeDocument/2006/extended-properties" xmlns:cs="http://schemas.microsoft.com/office/drawing/2012/chartStyle" xmlns:c="http://schemas.openxmlformats.org/drawingml/2006/chart" xmlns="" val="1724933507277"/>
       </p:ext>
     </p:extLst>
   </p:cSld>
@@ -20822,7 +20827,7 @@
           <p:cNvPr id="2" name="Text Placeholder 2">
             <a:extLst>
               <a:ext uri="{C38551E4-6DE1-456C-A758-395BBF1978FE}">
-                <a16:creationId xmlns:a16="http://schemas.microsoft.com/office/drawing/2010/main" xmlns:vt="http://schemas.openxmlformats.org/officeDocument/2006/docPropsVTypes" xmlns:ns1="http://schemas.openxmlformats.org/officeDocument/2006/extended-properties" xmlns:cs="http://schemas.microsoft.com/office/drawing/2012/chartStyle" xmlns:c="http://schemas.openxmlformats.org/drawingml/2006/chart" xmlns="" id="{55AE9C9F-48D8-4936-9459-3835218CAF68}"/>
+                <a16:creationId xmlns="" xmlns:c="http://schemas.openxmlformats.org/drawingml/2006/chart" xmlns:cs="http://schemas.microsoft.com/office/drawing/2012/chartStyle" xmlns:ns1="http://schemas.openxmlformats.org/officeDocument/2006/extended-properties" xmlns:vt="http://schemas.openxmlformats.org/officeDocument/2006/docPropsVTypes" xmlns:a16="http://schemas.microsoft.com/office/drawing/2010/main" id="{55AE9C9F-48D8-4936-9459-3835218CAF68}"/>
               </a:ext>
             </a:extLst>
           </p:cNvPr>
@@ -20888,7 +20893,7 @@
           <p:cNvPr id="3" name="Title 1">
             <a:extLst>
               <a:ext uri="{D655EA22-152D-473E-B936-CBBEA79E4066}">
-                <a16:creationId xmlns:a16="http://schemas.microsoft.com/office/drawing/2010/main" xmlns:vt="http://schemas.openxmlformats.org/officeDocument/2006/docPropsVTypes" xmlns:ns1="http://schemas.openxmlformats.org/officeDocument/2006/extended-properties" xmlns:cs="http://schemas.microsoft.com/office/drawing/2012/chartStyle" xmlns:c="http://schemas.openxmlformats.org/drawingml/2006/chart" xmlns="" id="{97E79C22-0F35-4D1F-A887-F0379159CC87}"/>
+                <a16:creationId xmlns="" xmlns:c="http://schemas.openxmlformats.org/drawingml/2006/chart" xmlns:cs="http://schemas.microsoft.com/office/drawing/2012/chartStyle" xmlns:ns1="http://schemas.openxmlformats.org/officeDocument/2006/extended-properties" xmlns:vt="http://schemas.openxmlformats.org/officeDocument/2006/docPropsVTypes" xmlns:a16="http://schemas.microsoft.com/office/drawing/2010/main" id="{97E79C22-0F35-4D1F-A887-F0379159CC87}"/>
               </a:ext>
             </a:extLst>
           </p:cNvPr>
@@ -20927,7 +20932,7 @@
           <p:cNvPr id="4" name="Content Placeholder 4">
             <a:extLst>
               <a:ext uri="{54956BAF-CC33-43D7-B261-B87D2579E4D0}">
-                <a16:creationId xmlns:a16="http://schemas.microsoft.com/office/drawing/2010/main" xmlns:vt="http://schemas.openxmlformats.org/officeDocument/2006/docPropsVTypes" xmlns:ns1="http://schemas.openxmlformats.org/officeDocument/2006/extended-properties" xmlns:cs="http://schemas.microsoft.com/office/drawing/2012/chartStyle" xmlns:c="http://schemas.openxmlformats.org/drawingml/2006/chart" xmlns="" id="{89F3C076-F9D5-467D-9741-5590361B677F}"/>
+                <a16:creationId xmlns="" xmlns:c="http://schemas.openxmlformats.org/drawingml/2006/chart" xmlns:cs="http://schemas.microsoft.com/office/drawing/2012/chartStyle" xmlns:ns1="http://schemas.openxmlformats.org/officeDocument/2006/extended-properties" xmlns:vt="http://schemas.openxmlformats.org/officeDocument/2006/docPropsVTypes" xmlns:a16="http://schemas.microsoft.com/office/drawing/2010/main" id="{89F3C076-F9D5-467D-9741-5590361B677F}"/>
               </a:ext>
             </a:extLst>
           </p:cNvPr>
@@ -21039,7 +21044,7 @@
           <p:cNvPr id="6" name="Slide Number Placeholder 5">
             <a:extLst>
               <a:ext uri="{B7369627-9FB7-4F50-AFCF-27F06E05740A}">
-                <a16:creationId xmlns:a16="http://schemas.microsoft.com/office/drawing/2010/main" xmlns:vt="http://schemas.openxmlformats.org/officeDocument/2006/docPropsVTypes" xmlns:ns1="http://schemas.openxmlformats.org/officeDocument/2006/extended-properties" xmlns:cs="http://schemas.microsoft.com/office/drawing/2012/chartStyle" xmlns:c="http://schemas.openxmlformats.org/drawingml/2006/chart" xmlns="" id="{60197A7A-77FE-492A-8D4C-D29355BF1103}"/>
+                <a16:creationId xmlns="" xmlns:c="http://schemas.openxmlformats.org/drawingml/2006/chart" xmlns:cs="http://schemas.microsoft.com/office/drawing/2012/chartStyle" xmlns:ns1="http://schemas.openxmlformats.org/officeDocument/2006/extended-properties" xmlns:vt="http://schemas.openxmlformats.org/officeDocument/2006/docPropsVTypes" xmlns:a16="http://schemas.microsoft.com/office/drawing/2010/main" id="{60197A7A-77FE-492A-8D4C-D29355BF1103}"/>
               </a:ext>
             </a:extLst>
           </p:cNvPr>
@@ -21068,7 +21073,7 @@
         <p14:creationId xmlns:p14="http://schemas.microsoft.com/office/powerpoint/2010/main" val="3434738336"/>
       </p:ext>
       <p:ext uri="{E1AEAC38-A862-42AA-86DA-A40139BF5BF9}">
-        <p14:creationId xmlns:p14="http://schemas.microsoft.com/office/powerpoint/2010/main" xmlns:vt="http://schemas.openxmlformats.org/officeDocument/2006/docPropsVTypes" xmlns:ns1="http://schemas.openxmlformats.org/officeDocument/2006/extended-properties" xmlns:cs="http://schemas.microsoft.com/office/drawing/2012/chartStyle" xmlns:c="http://schemas.openxmlformats.org/drawingml/2006/chart" xmlns="" val="1724933507277"/>
+        <p14:creationId xmlns="" xmlns:c="http://schemas.openxmlformats.org/drawingml/2006/chart" xmlns:cs="http://schemas.microsoft.com/office/drawing/2012/chartStyle" xmlns:ns1="http://schemas.openxmlformats.org/officeDocument/2006/extended-properties" xmlns:vt="http://schemas.openxmlformats.org/officeDocument/2006/docPropsVTypes" xmlns:p14="http://schemas.microsoft.com/office/powerpoint/2010/main" val="1724933507277"/>
       </p:ext>
     </p:extLst>
   </p:cSld>
@@ -21100,7 +21105,7 @@
           <p:cNvPr id="2" name="Title 1">
             <a:extLst>
               <a:ext uri="{B8C683FB-1646-4D25-8269-60B89EFED35D}">
-                <a16:creationId xmlns:a16="http://schemas.microsoft.com/office/drawing/2010/main" xmlns:vt="http://schemas.openxmlformats.org/officeDocument/2006/docPropsVTypes" xmlns:ns1="http://schemas.openxmlformats.org/officeDocument/2006/extended-properties" xmlns:cs="http://schemas.microsoft.com/office/drawing/2012/chartStyle" xmlns:c="http://schemas.openxmlformats.org/drawingml/2006/chart" xmlns="" id="{79F05ACE-80E5-4482-99AB-DA7C1297AC98}"/>
+                <a16:creationId xmlns="" xmlns:c="http://schemas.openxmlformats.org/drawingml/2006/chart" xmlns:cs="http://schemas.microsoft.com/office/drawing/2012/chartStyle" xmlns:ns1="http://schemas.openxmlformats.org/officeDocument/2006/extended-properties" xmlns:vt="http://schemas.openxmlformats.org/officeDocument/2006/docPropsVTypes" xmlns:a16="http://schemas.microsoft.com/office/drawing/2010/main" id="{79F05ACE-80E5-4482-99AB-DA7C1297AC98}"/>
               </a:ext>
             </a:extLst>
           </p:cNvPr>
@@ -21153,7 +21158,7 @@
           <p:cNvPr id="3" name="Text Placeholder 2">
             <a:extLst>
               <a:ext uri="{0D97ECA2-4D98-4E8C-B417-2A8B54516D0B}">
-                <a16:creationId xmlns:a16="http://schemas.microsoft.com/office/drawing/2010/main" xmlns:vt="http://schemas.openxmlformats.org/officeDocument/2006/docPropsVTypes" xmlns:ns1="http://schemas.openxmlformats.org/officeDocument/2006/extended-properties" xmlns:cs="http://schemas.microsoft.com/office/drawing/2012/chartStyle" xmlns:c="http://schemas.openxmlformats.org/drawingml/2006/chart" xmlns="" id="{4F89D813-8F25-4B98-B184-92D3F3B6CB8C}"/>
+                <a16:creationId xmlns="" xmlns:c="http://schemas.openxmlformats.org/drawingml/2006/chart" xmlns:cs="http://schemas.microsoft.com/office/drawing/2012/chartStyle" xmlns:ns1="http://schemas.openxmlformats.org/officeDocument/2006/extended-properties" xmlns:vt="http://schemas.openxmlformats.org/officeDocument/2006/docPropsVTypes" xmlns:a16="http://schemas.microsoft.com/office/drawing/2010/main" id="{4F89D813-8F25-4B98-B184-92D3F3B6CB8C}"/>
               </a:ext>
             </a:extLst>
           </p:cNvPr>
@@ -21188,7 +21193,7 @@
           <p:cNvPr id="6" name="Slide Number Placeholder 5">
             <a:extLst>
               <a:ext uri="{A05CA9C2-78DA-4E0B-AD1B-A8AE46C3D1EE}">
-                <a16:creationId xmlns:a16="http://schemas.microsoft.com/office/drawing/2010/main" xmlns:vt="http://schemas.openxmlformats.org/officeDocument/2006/docPropsVTypes" xmlns:ns1="http://schemas.openxmlformats.org/officeDocument/2006/extended-properties" xmlns:cs="http://schemas.microsoft.com/office/drawing/2012/chartStyle" xmlns:c="http://schemas.openxmlformats.org/drawingml/2006/chart" xmlns="" id="{022CD9F5-7D8A-43E1-AACF-2286818D9D51}"/>
+                <a16:creationId xmlns="" xmlns:c="http://schemas.openxmlformats.org/drawingml/2006/chart" xmlns:cs="http://schemas.microsoft.com/office/drawing/2012/chartStyle" xmlns:ns1="http://schemas.openxmlformats.org/officeDocument/2006/extended-properties" xmlns:vt="http://schemas.openxmlformats.org/officeDocument/2006/docPropsVTypes" xmlns:a16="http://schemas.microsoft.com/office/drawing/2010/main" id="{022CD9F5-7D8A-43E1-AACF-2286818D9D51}"/>
               </a:ext>
             </a:extLst>
           </p:cNvPr>
@@ -21378,7 +21383,7 @@
         <p14:creationId xmlns:p14="http://schemas.microsoft.com/office/powerpoint/2010/main" val="3252515685"/>
       </p:ext>
       <p:ext uri="{F883F0EF-F562-456C-BB06-C1177ECC3360}">
-        <p14:creationId xmlns:p14="http://schemas.microsoft.com/office/powerpoint/2010/main" xmlns:vt="http://schemas.openxmlformats.org/officeDocument/2006/docPropsVTypes" xmlns:ns1="http://schemas.openxmlformats.org/officeDocument/2006/extended-properties" xmlns:cs="http://schemas.microsoft.com/office/drawing/2012/chartStyle" xmlns:c="http://schemas.openxmlformats.org/drawingml/2006/chart" xmlns="" val="1724933507278"/>
+        <p14:creationId xmlns="" xmlns:c="http://schemas.openxmlformats.org/drawingml/2006/chart" xmlns:cs="http://schemas.microsoft.com/office/drawing/2012/chartStyle" xmlns:ns1="http://schemas.openxmlformats.org/officeDocument/2006/extended-properties" xmlns:vt="http://schemas.openxmlformats.org/officeDocument/2006/docPropsVTypes" xmlns:p14="http://schemas.microsoft.com/office/powerpoint/2010/main" val="1724933507278"/>
       </p:ext>
     </p:extLst>
   </p:cSld>
@@ -21410,7 +21415,7 @@
           <p:cNvPr id="2" name="Title 1">
             <a:extLst>
               <a:ext uri="{B8C683FB-1646-4D25-8269-60B89EFED35D}">
-                <a16:creationId xmlns="" xmlns:c="http://schemas.openxmlformats.org/drawingml/2006/chart" xmlns:cs="http://schemas.microsoft.com/office/drawing/2012/chartStyle" xmlns:ns1="http://schemas.openxmlformats.org/officeDocument/2006/extended-properties" xmlns:vt="http://schemas.openxmlformats.org/officeDocument/2006/docPropsVTypes" xmlns:a16="http://schemas.microsoft.com/office/drawing/2010/main" id="{79F05ACE-80E5-4482-99AB-DA7C1297AC98}"/>
+                <a16:creationId xmlns:a16="http://schemas.microsoft.com/office/drawing/2010/main" xmlns:vt="http://schemas.openxmlformats.org/officeDocument/2006/docPropsVTypes" xmlns:ns1="http://schemas.openxmlformats.org/officeDocument/2006/extended-properties" xmlns:cs="http://schemas.microsoft.com/office/drawing/2012/chartStyle" xmlns:c="http://schemas.openxmlformats.org/drawingml/2006/chart" xmlns="" id="{79F05ACE-80E5-4482-99AB-DA7C1297AC98}"/>
               </a:ext>
             </a:extLst>
           </p:cNvPr>
@@ -21455,7 +21460,7 @@
           <p:cNvPr id="3" name="Text Placeholder 2">
             <a:extLst>
               <a:ext uri="{0D97ECA2-4D98-4E8C-B417-2A8B54516D0B}">
-                <a16:creationId xmlns="" xmlns:c="http://schemas.openxmlformats.org/drawingml/2006/chart" xmlns:cs="http://schemas.microsoft.com/office/drawing/2012/chartStyle" xmlns:ns1="http://schemas.openxmlformats.org/officeDocument/2006/extended-properties" xmlns:vt="http://schemas.openxmlformats.org/officeDocument/2006/docPropsVTypes" xmlns:a16="http://schemas.microsoft.com/office/drawing/2010/main" id="{4F89D813-8F25-4B98-B184-92D3F3B6CB8C}"/>
+                <a16:creationId xmlns:a16="http://schemas.microsoft.com/office/drawing/2010/main" xmlns:vt="http://schemas.openxmlformats.org/officeDocument/2006/docPropsVTypes" xmlns:ns1="http://schemas.openxmlformats.org/officeDocument/2006/extended-properties" xmlns:cs="http://schemas.microsoft.com/office/drawing/2012/chartStyle" xmlns:c="http://schemas.openxmlformats.org/drawingml/2006/chart" xmlns="" id="{4F89D813-8F25-4B98-B184-92D3F3B6CB8C}"/>
               </a:ext>
             </a:extLst>
           </p:cNvPr>
@@ -21490,7 +21495,7 @@
           <p:cNvPr id="6" name="Slide Number Placeholder 5">
             <a:extLst>
               <a:ext uri="{A05CA9C2-78DA-4E0B-AD1B-A8AE46C3D1EE}">
-                <a16:creationId xmlns="" xmlns:c="http://schemas.openxmlformats.org/drawingml/2006/chart" xmlns:cs="http://schemas.microsoft.com/office/drawing/2012/chartStyle" xmlns:ns1="http://schemas.openxmlformats.org/officeDocument/2006/extended-properties" xmlns:vt="http://schemas.openxmlformats.org/officeDocument/2006/docPropsVTypes" xmlns:a16="http://schemas.microsoft.com/office/drawing/2010/main" id="{022CD9F5-7D8A-43E1-AACF-2286818D9D51}"/>
+                <a16:creationId xmlns:a16="http://schemas.microsoft.com/office/drawing/2010/main" xmlns:vt="http://schemas.openxmlformats.org/officeDocument/2006/docPropsVTypes" xmlns:ns1="http://schemas.openxmlformats.org/officeDocument/2006/extended-properties" xmlns:cs="http://schemas.microsoft.com/office/drawing/2012/chartStyle" xmlns:c="http://schemas.openxmlformats.org/drawingml/2006/chart" xmlns="" id="{022CD9F5-7D8A-43E1-AACF-2286818D9D51}"/>
               </a:ext>
             </a:extLst>
           </p:cNvPr>
@@ -21687,7 +21692,7 @@
         <p14:creationId xmlns:p14="http://schemas.microsoft.com/office/powerpoint/2010/main" val="3354994310"/>
       </p:ext>
       <p:ext uri="{F883F0EF-F562-456C-BB06-C1177ECC3360}">
-        <p14:creationId xmlns="" xmlns:c="http://schemas.openxmlformats.org/drawingml/2006/chart" xmlns:cs="http://schemas.microsoft.com/office/drawing/2012/chartStyle" xmlns:ns1="http://schemas.openxmlformats.org/officeDocument/2006/extended-properties" xmlns:vt="http://schemas.openxmlformats.org/officeDocument/2006/docPropsVTypes" xmlns:p14="http://schemas.microsoft.com/office/powerpoint/2010/main" val="1724933507278"/>
+        <p14:creationId xmlns:p14="http://schemas.microsoft.com/office/powerpoint/2010/main" xmlns:vt="http://schemas.openxmlformats.org/officeDocument/2006/docPropsVTypes" xmlns:ns1="http://schemas.openxmlformats.org/officeDocument/2006/extended-properties" xmlns:cs="http://schemas.microsoft.com/office/drawing/2012/chartStyle" xmlns:c="http://schemas.openxmlformats.org/drawingml/2006/chart" xmlns="" val="1724933507278"/>
       </p:ext>
     </p:extLst>
   </p:cSld>
@@ -21719,7 +21724,7 @@
           <p:cNvPr id="2" name="Title 1">
             <a:extLst>
               <a:ext uri="{B8C683FB-1646-4D25-8269-60B89EFED35D}">
-                <a16:creationId xmlns:a16="http://schemas.microsoft.com/office/drawing/2010/main" xmlns:vt="http://schemas.openxmlformats.org/officeDocument/2006/docPropsVTypes" xmlns:ns1="http://schemas.openxmlformats.org/officeDocument/2006/extended-properties" xmlns:cs="http://schemas.microsoft.com/office/drawing/2012/chartStyle" xmlns:c="http://schemas.openxmlformats.org/drawingml/2006/chart" xmlns="" id="{79F05ACE-80E5-4482-99AB-DA7C1297AC98}"/>
+                <a16:creationId xmlns="" xmlns:c="http://schemas.openxmlformats.org/drawingml/2006/chart" xmlns:cs="http://schemas.microsoft.com/office/drawing/2012/chartStyle" xmlns:ns1="http://schemas.openxmlformats.org/officeDocument/2006/extended-properties" xmlns:vt="http://schemas.openxmlformats.org/officeDocument/2006/docPropsVTypes" xmlns:a16="http://schemas.microsoft.com/office/drawing/2010/main" id="{79F05ACE-80E5-4482-99AB-DA7C1297AC98}"/>
               </a:ext>
             </a:extLst>
           </p:cNvPr>
@@ -21764,7 +21769,7 @@
           <p:cNvPr id="3" name="Text Placeholder 2">
             <a:extLst>
               <a:ext uri="{0D97ECA2-4D98-4E8C-B417-2A8B54516D0B}">
-                <a16:creationId xmlns:a16="http://schemas.microsoft.com/office/drawing/2010/main" xmlns:vt="http://schemas.openxmlformats.org/officeDocument/2006/docPropsVTypes" xmlns:ns1="http://schemas.openxmlformats.org/officeDocument/2006/extended-properties" xmlns:cs="http://schemas.microsoft.com/office/drawing/2012/chartStyle" xmlns:c="http://schemas.openxmlformats.org/drawingml/2006/chart" xmlns="" id="{4F89D813-8F25-4B98-B184-92D3F3B6CB8C}"/>
+                <a16:creationId xmlns="" xmlns:c="http://schemas.openxmlformats.org/drawingml/2006/chart" xmlns:cs="http://schemas.microsoft.com/office/drawing/2012/chartStyle" xmlns:ns1="http://schemas.openxmlformats.org/officeDocument/2006/extended-properties" xmlns:vt="http://schemas.openxmlformats.org/officeDocument/2006/docPropsVTypes" xmlns:a16="http://schemas.microsoft.com/office/drawing/2010/main" id="{4F89D813-8F25-4B98-B184-92D3F3B6CB8C}"/>
               </a:ext>
             </a:extLst>
           </p:cNvPr>
@@ -21799,7 +21804,7 @@
           <p:cNvPr id="6" name="Slide Number Placeholder 5">
             <a:extLst>
               <a:ext uri="{A05CA9C2-78DA-4E0B-AD1B-A8AE46C3D1EE}">
-                <a16:creationId xmlns:a16="http://schemas.microsoft.com/office/drawing/2010/main" xmlns:vt="http://schemas.openxmlformats.org/officeDocument/2006/docPropsVTypes" xmlns:ns1="http://schemas.openxmlformats.org/officeDocument/2006/extended-properties" xmlns:cs="http://schemas.microsoft.com/office/drawing/2012/chartStyle" xmlns:c="http://schemas.openxmlformats.org/drawingml/2006/chart" xmlns="" id="{022CD9F5-7D8A-43E1-AACF-2286818D9D51}"/>
+                <a16:creationId xmlns="" xmlns:c="http://schemas.openxmlformats.org/drawingml/2006/chart" xmlns:cs="http://schemas.microsoft.com/office/drawing/2012/chartStyle" xmlns:ns1="http://schemas.openxmlformats.org/officeDocument/2006/extended-properties" xmlns:vt="http://schemas.openxmlformats.org/officeDocument/2006/docPropsVTypes" xmlns:a16="http://schemas.microsoft.com/office/drawing/2010/main" id="{022CD9F5-7D8A-43E1-AACF-2286818D9D51}"/>
               </a:ext>
             </a:extLst>
           </p:cNvPr>
@@ -21991,7 +21996,7 @@
         <p14:creationId xmlns:p14="http://schemas.microsoft.com/office/powerpoint/2010/main" val="619144262"/>
       </p:ext>
       <p:ext uri="{F883F0EF-F562-456C-BB06-C1177ECC3360}">
-        <p14:creationId xmlns:p14="http://schemas.microsoft.com/office/powerpoint/2010/main" xmlns:vt="http://schemas.openxmlformats.org/officeDocument/2006/docPropsVTypes" xmlns:ns1="http://schemas.openxmlformats.org/officeDocument/2006/extended-properties" xmlns:cs="http://schemas.microsoft.com/office/drawing/2012/chartStyle" xmlns:c="http://schemas.openxmlformats.org/drawingml/2006/chart" xmlns="" val="1724933507278"/>
+        <p14:creationId xmlns="" xmlns:c="http://schemas.openxmlformats.org/drawingml/2006/chart" xmlns:cs="http://schemas.microsoft.com/office/drawing/2012/chartStyle" xmlns:ns1="http://schemas.openxmlformats.org/officeDocument/2006/extended-properties" xmlns:vt="http://schemas.openxmlformats.org/officeDocument/2006/docPropsVTypes" xmlns:p14="http://schemas.microsoft.com/office/powerpoint/2010/main" val="1724933507278"/>
       </p:ext>
     </p:extLst>
   </p:cSld>
